--- a/Library database CLI_Updated one.pptx
+++ b/Library database CLI_Updated one.pptx
@@ -1,23 +1,23 @@
 
 <file path=ppt/presentation.xml><?xml version="1.0" encoding="utf-8"?>
-<p:presentation xmlns:a="http://schemas.openxmlformats.org/drawingml/2006/main" xmlns:r="http://schemas.openxmlformats.org/officeDocument/2006/relationships" xmlns:p="http://schemas.openxmlformats.org/presentationml/2006/main" saveSubsetFonts="1" autoCompressPictures="0">
+<p:presentation xmlns:a="http://schemas.openxmlformats.org/drawingml/2006/main" xmlns:r="http://schemas.openxmlformats.org/officeDocument/2006/relationships" xmlns:p="http://schemas.openxmlformats.org/presentationml/2006/main">
   <p:sldMasterIdLst>
-    <p:sldMasterId id="2147484313" r:id="rId4"/>
+    <p:sldMasterId id="2147483648" r:id="rId2"/>
   </p:sldMasterIdLst>
   <p:notesMasterIdLst>
-    <p:notesMasterId r:id="rId12"/>
+    <p:notesMasterId r:id="rId3"/>
   </p:notesMasterIdLst>
   <p:handoutMasterIdLst>
-    <p:handoutMasterId r:id="rId13"/>
+    <p:handoutMasterId r:id="rId1"/>
   </p:handoutMasterIdLst>
   <p:sldIdLst>
-    <p:sldId id="256" r:id="rId5"/>
-    <p:sldId id="266" r:id="rId6"/>
-    <p:sldId id="299" r:id="rId7"/>
-    <p:sldId id="303" r:id="rId8"/>
-    <p:sldId id="284" r:id="rId9"/>
-    <p:sldId id="288" r:id="rId10"/>
-    <p:sldId id="295" r:id="rId11"/>
+    <p:sldId id="256" r:id="rId4"/>
+    <p:sldId id="266" r:id="rId5"/>
+    <p:sldId id="299" r:id="rId6"/>
+    <p:sldId id="303" r:id="rId7"/>
+    <p:sldId id="284" r:id="rId8"/>
+    <p:sldId id="288" r:id="rId9"/>
+    <p:sldId id="295" r:id="rId10"/>
   </p:sldIdLst>
   <p:sldSz cx="12192000" cy="6858000"/>
   <p:notesSz cx="6858000" cy="9144000"/>
@@ -116,14 +116,6 @@
       </a:defRPr>
     </a:lvl9pPr>
   </p:defaultTextStyle>
-  <p:extLst>
-    <p:ext uri="{EFAFB233-063F-42B5-8137-9DF3F51BA10A}">
-      <p15:sldGuideLst xmlns:p15="http://schemas.microsoft.com/office/powerpoint/2012/main"/>
-    </p:ext>
-    <p:ext uri="{2D200454-40CA-4A62-9FC3-DE9A4176ACB9}">
-      <p15:notesGuideLst xmlns:p15="http://schemas.microsoft.com/office/powerpoint/2012/main"/>
-    </p:ext>
-  </p:extLst>
 </p:presentation>
 </file>
 
@@ -3020,15 +3012,9 @@
       </p:grpSpPr>
       <p:sp>
         <p:nvSpPr>
-          <p:cNvPr id="2" name="Header Placeholder 1">
-            <a:extLst>
-              <a:ext uri="{FF2B5EF4-FFF2-40B4-BE49-F238E27FC236}">
-                <a16:creationId xmlns:a16="http://schemas.microsoft.com/office/drawing/2014/main" id="{0589D207-BE08-4B33-B5B0-5A5A94C95126}"/>
-              </a:ext>
-            </a:extLst>
-          </p:cNvPr>
-          <p:cNvSpPr>
-            <a:spLocks noGrp="1"/>
+          <p:cNvPr id="2" name="Header Placeholder 1"/>
+          <p:cNvSpPr>
+            <a:spLocks noGrp="1" noEditPoints="1"/>
           </p:cNvSpPr>
           <p:nvPr>
             <p:ph type="hdr" sz="quarter"/>
@@ -3057,15 +3043,9 @@
       </p:sp>
       <p:sp>
         <p:nvSpPr>
-          <p:cNvPr id="3" name="Date Placeholder 2">
-            <a:extLst>
-              <a:ext uri="{FF2B5EF4-FFF2-40B4-BE49-F238E27FC236}">
-                <a16:creationId xmlns:a16="http://schemas.microsoft.com/office/drawing/2014/main" id="{C5E58DB9-49DC-495B-A68F-33D105C9065A}"/>
-              </a:ext>
-            </a:extLst>
-          </p:cNvPr>
-          <p:cNvSpPr>
-            <a:spLocks noGrp="1"/>
+          <p:cNvPr id="3" name="Date Placeholder 2"/>
+          <p:cNvSpPr>
+            <a:spLocks noGrp="1" noEditPoints="1"/>
           </p:cNvSpPr>
           <p:nvPr>
             <p:ph type="dt" sz="quarter" idx="1"/>
@@ -3098,15 +3078,9 @@
       </p:sp>
       <p:sp>
         <p:nvSpPr>
-          <p:cNvPr id="4" name="Footer Placeholder 3">
-            <a:extLst>
-              <a:ext uri="{FF2B5EF4-FFF2-40B4-BE49-F238E27FC236}">
-                <a16:creationId xmlns:a16="http://schemas.microsoft.com/office/drawing/2014/main" id="{7F66337E-DAD5-442C-9B8F-E10EB7D972CB}"/>
-              </a:ext>
-            </a:extLst>
-          </p:cNvPr>
-          <p:cNvSpPr>
-            <a:spLocks noGrp="1"/>
+          <p:cNvPr id="4" name="Footer Placeholder 3"/>
+          <p:cNvSpPr>
+            <a:spLocks noGrp="1" noEditPoints="1"/>
           </p:cNvSpPr>
           <p:nvPr>
             <p:ph type="ftr" sz="quarter" idx="2"/>
@@ -3135,15 +3109,9 @@
       </p:sp>
       <p:sp>
         <p:nvSpPr>
-          <p:cNvPr id="5" name="Slide Number Placeholder 4">
-            <a:extLst>
-              <a:ext uri="{FF2B5EF4-FFF2-40B4-BE49-F238E27FC236}">
-                <a16:creationId xmlns:a16="http://schemas.microsoft.com/office/drawing/2014/main" id="{7EE3BDF2-02BD-4181-AC28-FD56172CC622}"/>
-              </a:ext>
-            </a:extLst>
-          </p:cNvPr>
-          <p:cNvSpPr>
-            <a:spLocks noGrp="1"/>
+          <p:cNvPr id="5" name="Slide Number Placeholder 4"/>
+          <p:cNvSpPr>
+            <a:spLocks noGrp="1" noEditPoints="1"/>
           </p:cNvSpPr>
           <p:nvPr>
             <p:ph type="sldNum" sz="quarter" idx="3"/>
@@ -3175,13 +3143,9 @@
         </p:txBody>
       </p:sp>
     </p:spTree>
-    <p:extLst>
-      <p:ext uri="{BB962C8B-B14F-4D97-AF65-F5344CB8AC3E}">
-        <p14:creationId xmlns:p14="http://schemas.microsoft.com/office/powerpoint/2010/main" val="452374917"/>
-      </p:ext>
-    </p:extLst>
   </p:cSld>
   <p:clrMap bg1="lt1" tx1="dk1" bg2="lt2" tx2="dk2" accent1="accent1" accent2="accent2" accent3="accent3" accent4="accent4" accent5="accent5" accent6="accent6" hlink="hlink" folHlink="folHlink"/>
+  <p:hf dt="0" sldNum="0" hdr="0" ftr="0"/>
 </p:handoutMaster>
 </file>
 
@@ -3211,7 +3175,7 @@
         <p:nvSpPr>
           <p:cNvPr id="2" name="Header Placeholder 1"/>
           <p:cNvSpPr>
-            <a:spLocks noGrp="1"/>
+            <a:spLocks noGrp="1" noEditPoints="1"/>
           </p:cNvSpPr>
           <p:nvPr>
             <p:ph type="hdr" sz="quarter"/>
@@ -3242,7 +3206,7 @@
         <p:nvSpPr>
           <p:cNvPr id="3" name="Date Placeholder 2"/>
           <p:cNvSpPr>
-            <a:spLocks noGrp="1"/>
+            <a:spLocks noGrp="1" noEditPoints="1"/>
           </p:cNvSpPr>
           <p:nvPr>
             <p:ph type="dt" idx="1"/>
@@ -3277,7 +3241,7 @@
         <p:nvSpPr>
           <p:cNvPr id="4" name="Slide Image Placeholder 3"/>
           <p:cNvSpPr>
-            <a:spLocks noGrp="1" noRot="1" noChangeAspect="1"/>
+            <a:spLocks noGrp="1" noRot="1" noChangeAspect="1" noEditPoints="1"/>
           </p:cNvSpPr>
           <p:nvPr>
             <p:ph type="sldImg" idx="2"/>
@@ -3310,7 +3274,7 @@
         <p:nvSpPr>
           <p:cNvPr id="5" name="Notes Placeholder 4"/>
           <p:cNvSpPr>
-            <a:spLocks noGrp="1"/>
+            <a:spLocks noGrp="1" noEditPoints="1"/>
           </p:cNvSpPr>
           <p:nvPr>
             <p:ph type="body" sz="quarter" idx="3"/>
@@ -3369,7 +3333,7 @@
         <p:nvSpPr>
           <p:cNvPr id="6" name="Footer Placeholder 5"/>
           <p:cNvSpPr>
-            <a:spLocks noGrp="1"/>
+            <a:spLocks noGrp="1" noEditPoints="1"/>
           </p:cNvSpPr>
           <p:nvPr>
             <p:ph type="ftr" sz="quarter" idx="4"/>
@@ -3400,7 +3364,7 @@
         <p:nvSpPr>
           <p:cNvPr id="7" name="Slide Number Placeholder 6"/>
           <p:cNvSpPr>
-            <a:spLocks noGrp="1"/>
+            <a:spLocks noGrp="1" noEditPoints="1"/>
           </p:cNvSpPr>
           <p:nvPr>
             <p:ph type="sldNum" sz="quarter" idx="5"/>
@@ -3432,13 +3396,9 @@
         </p:txBody>
       </p:sp>
     </p:spTree>
-    <p:extLst>
-      <p:ext uri="{BB962C8B-B14F-4D97-AF65-F5344CB8AC3E}">
-        <p14:creationId xmlns:p14="http://schemas.microsoft.com/office/powerpoint/2010/main" val="1325843093"/>
-      </p:ext>
-    </p:extLst>
   </p:cSld>
   <p:clrMap bg1="lt1" tx1="dk1" bg2="lt2" tx2="dk2" accent1="accent1" accent2="accent2" accent3="accent3" accent4="accent4" accent5="accent5" accent6="accent6" hlink="hlink" folHlink="folHlink"/>
+  <p:hf dt="0" sldNum="0" hdr="0" ftr="0"/>
   <p:notesStyle>
     <a:lvl1pPr marL="0" algn="l" defTabSz="914400" rtl="0" eaLnBrk="1" latinLnBrk="0" hangingPunct="1">
       <a:defRPr sz="1200" kern="1200">
@@ -3555,47 +3515,47 @@
         <p:nvSpPr>
           <p:cNvPr id="2" name="Slide Image Placeholder 1"/>
           <p:cNvSpPr>
-            <a:spLocks noGrp="1" noRot="1" noChangeAspect="1"/>
+            <a:spLocks noGrp="1" noRot="1" noChangeAspect="1" noEditPoints="1"/>
           </p:cNvSpPr>
           <p:nvPr>
             <p:ph type="sldImg"/>
           </p:nvPr>
         </p:nvSpPr>
-        <p:spPr/>
-      </p:sp>
-      <p:sp>
-        <p:nvSpPr>
-          <p:cNvPr id="3" name="Notes Placeholder 2"/>
-          <p:cNvSpPr>
-            <a:spLocks noGrp="1"/>
-          </p:cNvSpPr>
-          <p:nvPr>
-            <p:ph type="body" idx="1"/>
-          </p:nvPr>
-        </p:nvSpPr>
-        <p:spPr/>
+        <p:spPr>
+          <a:xfrm>
+            <a:off x="685800" y="1143000"/>
+            <a:ext cx="5486400" cy="3086100"/>
+          </a:xfrm>
+          <a:prstGeom prst="rect">
+            <a:avLst/>
+          </a:prstGeom>
+        </p:spPr>
         <p:txBody>
           <a:bodyPr/>
           <a:lstStyle/>
-          <a:p>
-            <a:pPr marL="0" marR="0" lvl="0" indent="0" algn="l" defTabSz="914400" rtl="0" eaLnBrk="1" fontAlgn="auto" latinLnBrk="0" hangingPunct="1">
-              <a:lnSpc>
-                <a:spcPct val="100000"/>
-              </a:lnSpc>
-              <a:spcBef>
-                <a:spcPts val="0"/>
-              </a:spcBef>
-              <a:spcAft>
-                <a:spcPts val="0"/>
-              </a:spcAft>
-              <a:buClrTx/>
-              <a:buSzTx/>
-              <a:buFontTx/>
-              <a:buNone/>
-              <a:tabLst/>
-              <a:defRPr/>
-            </a:pPr>
-            <a:endParaRPr lang="en-US" dirty="0"/>
+          <a:p/>
+        </p:txBody>
+      </p:sp>
+      <p:sp>
+        <p:nvSpPr>
+          <p:cNvPr id="3" name="Text Placeholder 2"/>
+          <p:cNvSpPr>
+            <a:spLocks noGrp="1" noEditPoints="1"/>
+          </p:cNvSpPr>
+          <p:nvPr>
+            <p:ph type="body" idx="3"/>
+          </p:nvPr>
+        </p:nvSpPr>
+        <p:spPr>
+          <a:prstGeom prst="rect">
+            <a:avLst/>
+          </a:prstGeom>
+        </p:spPr>
+        <p:txBody>
+          <a:bodyPr/>
+          <a:lstStyle/>
+          <a:p>
+            <a:endParaRPr lang="en-US"/>
           </a:p>
         </p:txBody>
       </p:sp>
@@ -3603,31 +3563,30 @@
         <p:nvSpPr>
           <p:cNvPr id="4" name="Slide Number Placeholder 3"/>
           <p:cNvSpPr>
-            <a:spLocks noGrp="1"/>
+            <a:spLocks noGrp="1" noEditPoints="1"/>
           </p:cNvSpPr>
           <p:nvPr>
             <p:ph type="sldNum" sz="quarter" idx="5"/>
           </p:nvPr>
         </p:nvSpPr>
-        <p:spPr/>
+        <p:spPr>
+          <a:prstGeom prst="rect">
+            <a:avLst/>
+          </a:prstGeom>
+        </p:spPr>
         <p:txBody>
           <a:bodyPr/>
           <a:lstStyle/>
           <a:p>
-            <a:fld id="{F07F282E-55F5-4803-B60F-09BA4600E538}" type="slidenum">
+            <a:fld id="{EA921ACD-2E80-4BCA-8D7F-C16D75CDE954}" type="slidenum">
               <a:rPr lang="en-US" smtClean="0"/>
-              <a:t>2</a:t>
+              <a:t>‹#›</a:t>
             </a:fld>
-            <a:endParaRPr lang="en-US" dirty="0"/>
+            <a:endParaRPr lang="en-US"/>
           </a:p>
         </p:txBody>
       </p:sp>
     </p:spTree>
-    <p:extLst>
-      <p:ext uri="{BB962C8B-B14F-4D97-AF65-F5344CB8AC3E}">
-        <p14:creationId xmlns:p14="http://schemas.microsoft.com/office/powerpoint/2010/main" val="1727451014"/>
-      </p:ext>
-    </p:extLst>
   </p:cSld>
   <p:clrMapOvr>
     <a:masterClrMapping/>
@@ -3656,19 +3615,24 @@
         <p:nvSpPr>
           <p:cNvPr id="2" name="Slide Image Placeholder 1"/>
           <p:cNvSpPr>
-            <a:spLocks noGrp="1" noRot="1" noChangeAspect="1"/>
+            <a:spLocks noGrp="1" noRot="1" noChangeAspect="1" noEditPoints="1"/>
           </p:cNvSpPr>
           <p:nvPr>
             <p:ph type="sldImg"/>
           </p:nvPr>
         </p:nvSpPr>
         <p:spPr/>
+        <p:txBody>
+          <a:bodyPr/>
+          <a:lstStyle/>
+          <a:p/>
+        </p:txBody>
       </p:sp>
       <p:sp>
         <p:nvSpPr>
           <p:cNvPr id="3" name="Notes Placeholder 2"/>
           <p:cNvSpPr>
-            <a:spLocks noGrp="1"/>
+            <a:spLocks noGrp="1" noEditPoints="1"/>
           </p:cNvSpPr>
           <p:nvPr>
             <p:ph type="body" idx="1"/>
@@ -3679,7 +3643,7 @@
           <a:bodyPr/>
           <a:lstStyle/>
           <a:p>
-            <a:pPr marL="0" marR="0" lvl="0" indent="0" algn="l" defTabSz="914400" rtl="0" eaLnBrk="1" fontAlgn="auto" latinLnBrk="0" hangingPunct="1">
+            <a:pPr marL="0" marR="0" indent="0" algn="l" defTabSz="914400" rtl="0" eaLnBrk="1" fontAlgn="auto" latinLnBrk="0" hangingPunct="1">
               <a:lnSpc>
                 <a:spcPct val="100000"/>
               </a:lnSpc>
@@ -3689,12 +3653,9 @@
               <a:spcAft>
                 <a:spcPts val="0"/>
               </a:spcAft>
-              <a:buClrTx/>
-              <a:buSzTx/>
+              <a:buSzPct val="100000"/>
               <a:buFontTx/>
               <a:buNone/>
-              <a:tabLst/>
-              <a:defRPr/>
             </a:pPr>
             <a:endParaRPr lang="en-US" dirty="0"/>
           </a:p>
@@ -3704,7 +3665,7 @@
         <p:nvSpPr>
           <p:cNvPr id="4" name="Slide Number Placeholder 3"/>
           <p:cNvSpPr>
-            <a:spLocks noGrp="1"/>
+            <a:spLocks noGrp="1" noEditPoints="1"/>
           </p:cNvSpPr>
           <p:nvPr>
             <p:ph type="sldNum" sz="quarter" idx="5"/>
@@ -3717,18 +3678,13 @@
           <a:p>
             <a:fld id="{F07F282E-55F5-4803-B60F-09BA4600E538}" type="slidenum">
               <a:rPr lang="en-US" smtClean="0"/>
-              <a:t>3</a:t>
+              <a:t>‹#›</a:t>
             </a:fld>
             <a:endParaRPr lang="en-US" dirty="0"/>
           </a:p>
         </p:txBody>
       </p:sp>
     </p:spTree>
-    <p:extLst>
-      <p:ext uri="{BB962C8B-B14F-4D97-AF65-F5344CB8AC3E}">
-        <p14:creationId xmlns:p14="http://schemas.microsoft.com/office/powerpoint/2010/main" val="2304065177"/>
-      </p:ext>
-    </p:extLst>
   </p:cSld>
   <p:clrMapOvr>
     <a:masterClrMapping/>
@@ -3757,19 +3713,24 @@
         <p:nvSpPr>
           <p:cNvPr id="2" name="Slide Image Placeholder 1"/>
           <p:cNvSpPr>
-            <a:spLocks noGrp="1" noRot="1" noChangeAspect="1"/>
+            <a:spLocks noGrp="1" noRot="1" noChangeAspect="1" noEditPoints="1"/>
           </p:cNvSpPr>
           <p:nvPr>
             <p:ph type="sldImg"/>
           </p:nvPr>
         </p:nvSpPr>
         <p:spPr/>
+        <p:txBody>
+          <a:bodyPr/>
+          <a:lstStyle/>
+          <a:p/>
+        </p:txBody>
       </p:sp>
       <p:sp>
         <p:nvSpPr>
           <p:cNvPr id="3" name="Notes Placeholder 2"/>
           <p:cNvSpPr>
-            <a:spLocks noGrp="1"/>
+            <a:spLocks noGrp="1" noEditPoints="1"/>
           </p:cNvSpPr>
           <p:nvPr>
             <p:ph type="body" idx="1"/>
@@ -3780,7 +3741,7 @@
           <a:bodyPr/>
           <a:lstStyle/>
           <a:p>
-            <a:pPr marL="0" marR="0" lvl="0" indent="0" algn="l" defTabSz="914400" rtl="0" eaLnBrk="1" fontAlgn="auto" latinLnBrk="0" hangingPunct="1">
+            <a:pPr marL="0" marR="0" indent="0" algn="l" defTabSz="914400" rtl="0" eaLnBrk="1" fontAlgn="auto" latinLnBrk="0" hangingPunct="1">
               <a:lnSpc>
                 <a:spcPct val="100000"/>
               </a:lnSpc>
@@ -3790,12 +3751,9 @@
               <a:spcAft>
                 <a:spcPts val="0"/>
               </a:spcAft>
-              <a:buClrTx/>
-              <a:buSzTx/>
+              <a:buSzPct val="100000"/>
               <a:buFontTx/>
               <a:buNone/>
-              <a:tabLst/>
-              <a:defRPr/>
             </a:pPr>
             <a:endParaRPr lang="en-US" dirty="0"/>
           </a:p>
@@ -3805,7 +3763,7 @@
         <p:nvSpPr>
           <p:cNvPr id="4" name="Slide Number Placeholder 3"/>
           <p:cNvSpPr>
-            <a:spLocks noGrp="1"/>
+            <a:spLocks noGrp="1" noEditPoints="1"/>
           </p:cNvSpPr>
           <p:nvPr>
             <p:ph type="sldNum" sz="quarter" idx="5"/>
@@ -3818,18 +3776,13 @@
           <a:p>
             <a:fld id="{F07F282E-55F5-4803-B60F-09BA4600E538}" type="slidenum">
               <a:rPr lang="en-US" smtClean="0"/>
-              <a:t>4</a:t>
+              <a:t>‹#›</a:t>
             </a:fld>
             <a:endParaRPr lang="en-US" dirty="0"/>
           </a:p>
         </p:txBody>
       </p:sp>
     </p:spTree>
-    <p:extLst>
-      <p:ext uri="{BB962C8B-B14F-4D97-AF65-F5344CB8AC3E}">
-        <p14:creationId xmlns:p14="http://schemas.microsoft.com/office/powerpoint/2010/main" val="4200283822"/>
-      </p:ext>
-    </p:extLst>
   </p:cSld>
   <p:clrMapOvr>
     <a:masterClrMapping/>
@@ -3858,19 +3811,24 @@
         <p:nvSpPr>
           <p:cNvPr id="2" name="Slide Image Placeholder 1"/>
           <p:cNvSpPr>
-            <a:spLocks noGrp="1" noRot="1" noChangeAspect="1"/>
+            <a:spLocks noGrp="1" noRot="1" noChangeAspect="1" noEditPoints="1"/>
           </p:cNvSpPr>
           <p:nvPr>
             <p:ph type="sldImg"/>
           </p:nvPr>
         </p:nvSpPr>
         <p:spPr/>
+        <p:txBody>
+          <a:bodyPr/>
+          <a:lstStyle/>
+          <a:p/>
+        </p:txBody>
       </p:sp>
       <p:sp>
         <p:nvSpPr>
           <p:cNvPr id="3" name="Notes Placeholder 2"/>
           <p:cNvSpPr>
-            <a:spLocks noGrp="1"/>
+            <a:spLocks noGrp="1" noEditPoints="1"/>
           </p:cNvSpPr>
           <p:nvPr>
             <p:ph type="body" idx="1"/>
@@ -3881,7 +3839,7 @@
           <a:bodyPr/>
           <a:lstStyle/>
           <a:p>
-            <a:pPr marL="0" marR="0" lvl="0" indent="0" algn="l" defTabSz="914400" rtl="0" eaLnBrk="1" fontAlgn="auto" latinLnBrk="0" hangingPunct="1">
+            <a:pPr marL="0" marR="0" indent="0" algn="l" defTabSz="914400" rtl="0" eaLnBrk="1" fontAlgn="auto" latinLnBrk="0" hangingPunct="1">
               <a:lnSpc>
                 <a:spcPct val="100000"/>
               </a:lnSpc>
@@ -3891,12 +3849,9 @@
               <a:spcAft>
                 <a:spcPts val="0"/>
               </a:spcAft>
-              <a:buClrTx/>
-              <a:buSzTx/>
+              <a:buSzPct val="100000"/>
               <a:buFontTx/>
               <a:buNone/>
-              <a:tabLst/>
-              <a:defRPr/>
             </a:pPr>
             <a:endParaRPr lang="en-US" dirty="0"/>
           </a:p>
@@ -3906,7 +3861,7 @@
         <p:nvSpPr>
           <p:cNvPr id="4" name="Slide Number Placeholder 3"/>
           <p:cNvSpPr>
-            <a:spLocks noGrp="1"/>
+            <a:spLocks noGrp="1" noEditPoints="1"/>
           </p:cNvSpPr>
           <p:nvPr>
             <p:ph type="sldNum" sz="quarter" idx="5"/>
@@ -3919,18 +3874,13 @@
           <a:p>
             <a:fld id="{F07F282E-55F5-4803-B60F-09BA4600E538}" type="slidenum">
               <a:rPr lang="en-US" smtClean="0"/>
-              <a:t>5</a:t>
+              <a:t>‹#›</a:t>
             </a:fld>
             <a:endParaRPr lang="en-US" dirty="0"/>
           </a:p>
         </p:txBody>
       </p:sp>
     </p:spTree>
-    <p:extLst>
-      <p:ext uri="{BB962C8B-B14F-4D97-AF65-F5344CB8AC3E}">
-        <p14:creationId xmlns:p14="http://schemas.microsoft.com/office/powerpoint/2010/main" val="1666885993"/>
-      </p:ext>
-    </p:extLst>
   </p:cSld>
   <p:clrMapOvr>
     <a:masterClrMapping/>
@@ -3959,19 +3909,24 @@
         <p:nvSpPr>
           <p:cNvPr id="2" name="Slide Image Placeholder 1"/>
           <p:cNvSpPr>
-            <a:spLocks noGrp="1" noRot="1" noChangeAspect="1"/>
+            <a:spLocks noGrp="1" noRot="1" noChangeAspect="1" noEditPoints="1"/>
           </p:cNvSpPr>
           <p:nvPr>
             <p:ph type="sldImg"/>
           </p:nvPr>
         </p:nvSpPr>
         <p:spPr/>
+        <p:txBody>
+          <a:bodyPr/>
+          <a:lstStyle/>
+          <a:p/>
+        </p:txBody>
       </p:sp>
       <p:sp>
         <p:nvSpPr>
           <p:cNvPr id="3" name="Notes Placeholder 2"/>
           <p:cNvSpPr>
-            <a:spLocks noGrp="1"/>
+            <a:spLocks noGrp="1" noEditPoints="1"/>
           </p:cNvSpPr>
           <p:nvPr>
             <p:ph type="body" idx="1"/>
@@ -3982,7 +3937,7 @@
           <a:bodyPr/>
           <a:lstStyle/>
           <a:p>
-            <a:pPr marL="0" marR="0" lvl="0" indent="0" algn="l" defTabSz="914400" rtl="0" eaLnBrk="1" fontAlgn="auto" latinLnBrk="0" hangingPunct="1">
+            <a:pPr marL="0" marR="0" indent="0" algn="l" defTabSz="914400" rtl="0" eaLnBrk="1" fontAlgn="auto" latinLnBrk="0" hangingPunct="1">
               <a:lnSpc>
                 <a:spcPct val="100000"/>
               </a:lnSpc>
@@ -3992,12 +3947,9 @@
               <a:spcAft>
                 <a:spcPts val="0"/>
               </a:spcAft>
-              <a:buClrTx/>
-              <a:buSzTx/>
+              <a:buSzPct val="100000"/>
               <a:buFontTx/>
               <a:buNone/>
-              <a:tabLst/>
-              <a:defRPr/>
             </a:pPr>
             <a:endParaRPr lang="en-US" dirty="0"/>
           </a:p>
@@ -4007,7 +3959,7 @@
         <p:nvSpPr>
           <p:cNvPr id="4" name="Slide Number Placeholder 3"/>
           <p:cNvSpPr>
-            <a:spLocks noGrp="1"/>
+            <a:spLocks noGrp="1" noEditPoints="1"/>
           </p:cNvSpPr>
           <p:nvPr>
             <p:ph type="sldNum" sz="quarter" idx="5"/>
@@ -4020,18 +3972,13 @@
           <a:p>
             <a:fld id="{F07F282E-55F5-4803-B60F-09BA4600E538}" type="slidenum">
               <a:rPr lang="en-US" smtClean="0"/>
-              <a:t>6</a:t>
+              <a:t>‹#›</a:t>
             </a:fld>
             <a:endParaRPr lang="en-US" dirty="0"/>
           </a:p>
         </p:txBody>
       </p:sp>
     </p:spTree>
-    <p:extLst>
-      <p:ext uri="{BB962C8B-B14F-4D97-AF65-F5344CB8AC3E}">
-        <p14:creationId xmlns:p14="http://schemas.microsoft.com/office/powerpoint/2010/main" val="2304065177"/>
-      </p:ext>
-    </p:extLst>
   </p:cSld>
   <p:clrMapOvr>
     <a:masterClrMapping/>
@@ -4060,19 +4007,24 @@
         <p:nvSpPr>
           <p:cNvPr id="2" name="Slide Image Placeholder 1"/>
           <p:cNvSpPr>
-            <a:spLocks noGrp="1" noRot="1" noChangeAspect="1"/>
+            <a:spLocks noGrp="1" noRot="1" noChangeAspect="1" noEditPoints="1"/>
           </p:cNvSpPr>
           <p:nvPr>
             <p:ph type="sldImg"/>
           </p:nvPr>
         </p:nvSpPr>
         <p:spPr/>
+        <p:txBody>
+          <a:bodyPr/>
+          <a:lstStyle/>
+          <a:p/>
+        </p:txBody>
       </p:sp>
       <p:sp>
         <p:nvSpPr>
           <p:cNvPr id="3" name="Notes Placeholder 2"/>
           <p:cNvSpPr>
-            <a:spLocks noGrp="1"/>
+            <a:spLocks noGrp="1" noEditPoints="1"/>
           </p:cNvSpPr>
           <p:nvPr>
             <p:ph type="body" idx="1"/>
@@ -4083,7 +4035,7 @@
           <a:bodyPr/>
           <a:lstStyle/>
           <a:p>
-            <a:pPr marL="0" marR="0" lvl="0" indent="0" algn="l" defTabSz="914400" rtl="0" eaLnBrk="1" fontAlgn="auto" latinLnBrk="0" hangingPunct="1">
+            <a:pPr marL="0" marR="0" indent="0" algn="l" defTabSz="914400" rtl="0" eaLnBrk="1" fontAlgn="auto" latinLnBrk="0" hangingPunct="1">
               <a:lnSpc>
                 <a:spcPct val="100000"/>
               </a:lnSpc>
@@ -4093,12 +4045,9 @@
               <a:spcAft>
                 <a:spcPts val="0"/>
               </a:spcAft>
-              <a:buClrTx/>
-              <a:buSzTx/>
+              <a:buSzPct val="100000"/>
               <a:buFontTx/>
               <a:buNone/>
-              <a:tabLst/>
-              <a:defRPr/>
             </a:pPr>
             <a:endParaRPr lang="en-US" dirty="0"/>
           </a:p>
@@ -4108,7 +4057,7 @@
         <p:nvSpPr>
           <p:cNvPr id="4" name="Slide Number Placeholder 3"/>
           <p:cNvSpPr>
-            <a:spLocks noGrp="1"/>
+            <a:spLocks noGrp="1" noEditPoints="1"/>
           </p:cNvSpPr>
           <p:nvPr>
             <p:ph type="sldNum" sz="quarter" idx="5"/>
@@ -4121,18 +4070,111 @@
           <a:p>
             <a:fld id="{F07F282E-55F5-4803-B60F-09BA4600E538}" type="slidenum">
               <a:rPr lang="en-US" smtClean="0"/>
-              <a:t>7</a:t>
+              <a:t>‹#›</a:t>
             </a:fld>
             <a:endParaRPr lang="en-US" dirty="0"/>
           </a:p>
         </p:txBody>
       </p:sp>
     </p:spTree>
-    <p:extLst>
-      <p:ext uri="{BB962C8B-B14F-4D97-AF65-F5344CB8AC3E}">
-        <p14:creationId xmlns:p14="http://schemas.microsoft.com/office/powerpoint/2010/main" val="580697858"/>
-      </p:ext>
-    </p:extLst>
+  </p:cSld>
+  <p:clrMapOvr>
+    <a:masterClrMapping/>
+  </p:clrMapOvr>
+</p:notes>
+</file>
+
+<file path=ppt/notesSlides/notesSlide7.xml><?xml version="1.0" encoding="utf-8"?>
+<p:notes xmlns:a="http://schemas.openxmlformats.org/drawingml/2006/main" xmlns:r="http://schemas.openxmlformats.org/officeDocument/2006/relationships" xmlns:p="http://schemas.openxmlformats.org/presentationml/2006/main">
+  <p:cSld>
+    <p:spTree>
+      <p:nvGrpSpPr>
+        <p:cNvPr id="1" name=""/>
+        <p:cNvGrpSpPr/>
+        <p:nvPr/>
+      </p:nvGrpSpPr>
+      <p:grpSpPr>
+        <a:xfrm>
+          <a:off x="0" y="0"/>
+          <a:ext cx="0" cy="0"/>
+          <a:chOff x="0" y="0"/>
+          <a:chExt cx="0" cy="0"/>
+        </a:xfrm>
+      </p:grpSpPr>
+      <p:sp>
+        <p:nvSpPr>
+          <p:cNvPr id="2" name="Slide Image Placeholder 1"/>
+          <p:cNvSpPr>
+            <a:spLocks noGrp="1" noRot="1" noChangeAspect="1" noEditPoints="1"/>
+          </p:cNvSpPr>
+          <p:nvPr>
+            <p:ph type="sldImg"/>
+          </p:nvPr>
+        </p:nvSpPr>
+        <p:spPr/>
+        <p:txBody>
+          <a:bodyPr/>
+          <a:lstStyle/>
+          <a:p/>
+        </p:txBody>
+      </p:sp>
+      <p:sp>
+        <p:nvSpPr>
+          <p:cNvPr id="3" name="Notes Placeholder 2"/>
+          <p:cNvSpPr>
+            <a:spLocks noGrp="1" noEditPoints="1"/>
+          </p:cNvSpPr>
+          <p:nvPr>
+            <p:ph type="body" idx="1"/>
+          </p:nvPr>
+        </p:nvSpPr>
+        <p:spPr/>
+        <p:txBody>
+          <a:bodyPr/>
+          <a:lstStyle/>
+          <a:p>
+            <a:pPr marL="0" marR="0" indent="0" algn="l" defTabSz="914400" rtl="0" eaLnBrk="1" fontAlgn="auto" latinLnBrk="0" hangingPunct="1">
+              <a:lnSpc>
+                <a:spcPct val="100000"/>
+              </a:lnSpc>
+              <a:spcBef>
+                <a:spcPts val="0"/>
+              </a:spcBef>
+              <a:spcAft>
+                <a:spcPts val="0"/>
+              </a:spcAft>
+              <a:buSzPct val="100000"/>
+              <a:buFontTx/>
+              <a:buNone/>
+            </a:pPr>
+            <a:endParaRPr lang="en-US" dirty="0"/>
+          </a:p>
+        </p:txBody>
+      </p:sp>
+      <p:sp>
+        <p:nvSpPr>
+          <p:cNvPr id="4" name="Slide Number Placeholder 3"/>
+          <p:cNvSpPr>
+            <a:spLocks noGrp="1" noEditPoints="1"/>
+          </p:cNvSpPr>
+          <p:nvPr>
+            <p:ph type="sldNum" sz="quarter" idx="5"/>
+          </p:nvPr>
+        </p:nvSpPr>
+        <p:spPr/>
+        <p:txBody>
+          <a:bodyPr/>
+          <a:lstStyle/>
+          <a:p>
+            <a:fld id="{F07F282E-55F5-4803-B60F-09BA4600E538}" type="slidenum">
+              <a:rPr lang="en-US" smtClean="0"/>
+              <a:t>‹#›</a:t>
+            </a:fld>
+            <a:endParaRPr lang="en-US" dirty="0"/>
+          </a:p>
+        </p:txBody>
+      </p:sp>
+    </p:spTree>
   </p:cSld>
   <p:clrMapOvr>
     <a:masterClrMapping/>
@@ -4161,7 +4203,7 @@
         <p:nvSpPr>
           <p:cNvPr id="2" name="Title 1"/>
           <p:cNvSpPr>
-            <a:spLocks noGrp="1"/>
+            <a:spLocks noGrp="1" noEditPoints="1"/>
           </p:cNvSpPr>
           <p:nvPr>
             <p:ph type="ctrTitle"/>
@@ -4193,7 +4235,7 @@
         <p:nvSpPr>
           <p:cNvPr id="3" name="Subtitle 2"/>
           <p:cNvSpPr>
-            <a:spLocks noGrp="1"/>
+            <a:spLocks noGrp="1" noEditPoints="1"/>
           </p:cNvSpPr>
           <p:nvPr>
             <p:ph type="subTitle" idx="1"/>
@@ -4301,6 +4343,7 @@
             </a:lvl9pPr>
           </a:lstStyle>
           <a:p>
+            <a:pPr lvl="0"/>
             <a:r>
               <a:rPr lang="en-US"/>
               <a:t>Click to edit Master subtitle style</a:t>
@@ -4313,7 +4356,7 @@
         <p:nvSpPr>
           <p:cNvPr id="4" name="Date Placeholder 3"/>
           <p:cNvSpPr>
-            <a:spLocks noGrp="1"/>
+            <a:spLocks noGrp="1" noEditPoints="1"/>
           </p:cNvSpPr>
           <p:nvPr>
             <p:ph type="dt" sz="half" idx="10"/>
@@ -4336,7 +4379,7 @@
         <p:nvSpPr>
           <p:cNvPr id="5" name="Footer Placeholder 4"/>
           <p:cNvSpPr>
-            <a:spLocks noGrp="1"/>
+            <a:spLocks noGrp="1" noEditPoints="1"/>
           </p:cNvSpPr>
           <p:nvPr>
             <p:ph type="ftr" sz="quarter" idx="11"/>
@@ -4359,7 +4402,7 @@
         <p:nvSpPr>
           <p:cNvPr id="6" name="Slide Number Placeholder 5"/>
           <p:cNvSpPr>
-            <a:spLocks noGrp="1"/>
+            <a:spLocks noGrp="1" noEditPoints="1"/>
           </p:cNvSpPr>
           <p:nvPr>
             <p:ph type="sldNum" sz="quarter" idx="12"/>
@@ -4372,7 +4415,6 @@
           <a:p>
             <a:fld id="{FAEF9944-A4F6-4C59-AEBD-678D6480B8EA}" type="slidenum">
               <a:rPr lang="en-US" smtClean="0"/>
-              <a:pPr/>
               <a:t>‹#›</a:t>
             </a:fld>
             <a:endParaRPr lang="en-US" dirty="0"/>
@@ -4380,11 +4422,6 @@
         </p:txBody>
       </p:sp>
     </p:spTree>
-    <p:extLst>
-      <p:ext uri="{BB962C8B-B14F-4D97-AF65-F5344CB8AC3E}">
-        <p14:creationId xmlns:p14="http://schemas.microsoft.com/office/powerpoint/2010/main" val="2507028704"/>
-      </p:ext>
-    </p:extLst>
   </p:cSld>
   <p:clrMapOvr>
     <a:masterClrMapping/>
@@ -4414,7 +4451,7 @@
         <p:nvSpPr>
           <p:cNvPr id="2" name="Title 1"/>
           <p:cNvSpPr>
-            <a:spLocks noGrp="1"/>
+            <a:spLocks noGrp="1" noEditPoints="1"/>
           </p:cNvSpPr>
           <p:nvPr>
             <p:ph type="title"/>
@@ -4448,7 +4485,7 @@
         <p:nvSpPr>
           <p:cNvPr id="3" name="Picture Placeholder 2"/>
           <p:cNvSpPr>
-            <a:spLocks noGrp="1" noChangeAspect="1"/>
+            <a:spLocks noGrp="1" noChangeAspect="1" noEditPoints="1"/>
           </p:cNvSpPr>
           <p:nvPr>
             <p:ph type="pic" idx="1"/>
@@ -4515,6 +4552,7 @@
             </a:lvl9pPr>
           </a:lstStyle>
           <a:p>
+            <a:pPr lvl="0"/>
             <a:r>
               <a:rPr lang="en-US"/>
               <a:t>Click icon to add picture</a:t>
@@ -4527,7 +4565,7 @@
         <p:nvSpPr>
           <p:cNvPr id="4" name="Text Placeholder 3"/>
           <p:cNvSpPr>
-            <a:spLocks noGrp="1"/>
+            <a:spLocks noGrp="1" noEditPoints="1"/>
           </p:cNvSpPr>
           <p:nvPr>
             <p:ph type="body" sz="half" idx="2"/>
@@ -4594,7 +4632,7 @@
         <p:nvSpPr>
           <p:cNvPr id="5" name="Date Placeholder 4"/>
           <p:cNvSpPr>
-            <a:spLocks noGrp="1"/>
+            <a:spLocks noGrp="1" noEditPoints="1"/>
           </p:cNvSpPr>
           <p:nvPr>
             <p:ph type="dt" sz="half" idx="10"/>
@@ -4617,7 +4655,7 @@
         <p:nvSpPr>
           <p:cNvPr id="6" name="Footer Placeholder 5"/>
           <p:cNvSpPr>
-            <a:spLocks noGrp="1"/>
+            <a:spLocks noGrp="1" noEditPoints="1"/>
           </p:cNvSpPr>
           <p:nvPr>
             <p:ph type="ftr" sz="quarter" idx="11"/>
@@ -4640,7 +4678,7 @@
         <p:nvSpPr>
           <p:cNvPr id="7" name="Slide Number Placeholder 6"/>
           <p:cNvSpPr>
-            <a:spLocks noGrp="1"/>
+            <a:spLocks noGrp="1" noEditPoints="1"/>
           </p:cNvSpPr>
           <p:nvPr>
             <p:ph type="sldNum" sz="quarter" idx="12"/>
@@ -4653,7 +4691,6 @@
           <a:p>
             <a:fld id="{FAEF9944-A4F6-4C59-AEBD-678D6480B8EA}" type="slidenum">
               <a:rPr lang="en-US" smtClean="0"/>
-              <a:pPr/>
               <a:t>‹#›</a:t>
             </a:fld>
             <a:endParaRPr lang="en-US" dirty="0"/>
@@ -4661,11 +4698,6 @@
         </p:txBody>
       </p:sp>
     </p:spTree>
-    <p:extLst>
-      <p:ext uri="{BB962C8B-B14F-4D97-AF65-F5344CB8AC3E}">
-        <p14:creationId xmlns:p14="http://schemas.microsoft.com/office/powerpoint/2010/main" val="686265042"/>
-      </p:ext>
-    </p:extLst>
   </p:cSld>
   <p:clrMapOvr>
     <a:masterClrMapping/>
@@ -4695,7 +4727,7 @@
         <p:nvSpPr>
           <p:cNvPr id="2" name="Title 1"/>
           <p:cNvSpPr>
-            <a:spLocks noGrp="1"/>
+            <a:spLocks noGrp="1" noEditPoints="1"/>
           </p:cNvSpPr>
           <p:nvPr>
             <p:ph type="title"/>
@@ -4727,7 +4759,7 @@
         <p:nvSpPr>
           <p:cNvPr id="8" name="Text Placeholder 3"/>
           <p:cNvSpPr>
-            <a:spLocks noGrp="1"/>
+            <a:spLocks noGrp="1" noEditPoints="1"/>
           </p:cNvSpPr>
           <p:nvPr>
             <p:ph type="body" sz="half" idx="2"/>
@@ -4794,7 +4826,7 @@
         <p:nvSpPr>
           <p:cNvPr id="4" name="Date Placeholder 3"/>
           <p:cNvSpPr>
-            <a:spLocks noGrp="1"/>
+            <a:spLocks noGrp="1" noEditPoints="1"/>
           </p:cNvSpPr>
           <p:nvPr>
             <p:ph type="dt" sz="half" idx="10"/>
@@ -4817,7 +4849,7 @@
         <p:nvSpPr>
           <p:cNvPr id="5" name="Footer Placeholder 4"/>
           <p:cNvSpPr>
-            <a:spLocks noGrp="1"/>
+            <a:spLocks noGrp="1" noEditPoints="1"/>
           </p:cNvSpPr>
           <p:nvPr>
             <p:ph type="ftr" sz="quarter" idx="11"/>
@@ -4840,7 +4872,7 @@
         <p:nvSpPr>
           <p:cNvPr id="6" name="Slide Number Placeholder 5"/>
           <p:cNvSpPr>
-            <a:spLocks noGrp="1"/>
+            <a:spLocks noGrp="1" noEditPoints="1"/>
           </p:cNvSpPr>
           <p:nvPr>
             <p:ph type="sldNum" sz="quarter" idx="12"/>
@@ -4853,7 +4885,6 @@
           <a:p>
             <a:fld id="{FAEF9944-A4F6-4C59-AEBD-678D6480B8EA}" type="slidenum">
               <a:rPr lang="en-US" smtClean="0"/>
-              <a:pPr/>
               <a:t>‹#›</a:t>
             </a:fld>
             <a:endParaRPr lang="en-US" dirty="0"/>
@@ -4861,11 +4892,6 @@
         </p:txBody>
       </p:sp>
     </p:spTree>
-    <p:extLst>
-      <p:ext uri="{BB962C8B-B14F-4D97-AF65-F5344CB8AC3E}">
-        <p14:creationId xmlns:p14="http://schemas.microsoft.com/office/powerpoint/2010/main" val="1413029292"/>
-      </p:ext>
-    </p:extLst>
   </p:cSld>
   <p:clrMapOvr>
     <a:masterClrMapping/>
@@ -4895,7 +4921,7 @@
         <p:nvSpPr>
           <p:cNvPr id="2" name="Title 1"/>
           <p:cNvSpPr>
-            <a:spLocks noGrp="1"/>
+            <a:spLocks noGrp="1" noEditPoints="1"/>
           </p:cNvSpPr>
           <p:nvPr>
             <p:ph type="title"/>
@@ -4927,7 +4953,7 @@
         <p:nvSpPr>
           <p:cNvPr id="11" name="Text Placeholder 3"/>
           <p:cNvSpPr>
-            <a:spLocks noGrp="1"/>
+            <a:spLocks noGrp="1" noEditPoints="1"/>
           </p:cNvSpPr>
           <p:nvPr>
             <p:ph type="body" sz="half" idx="14"/>
@@ -5006,7 +5032,7 @@
         <p:nvSpPr>
           <p:cNvPr id="10" name="Text Placeholder 3"/>
           <p:cNvSpPr>
-            <a:spLocks noGrp="1"/>
+            <a:spLocks noGrp="1" noEditPoints="1"/>
           </p:cNvSpPr>
           <p:nvPr>
             <p:ph type="body" sz="half" idx="2"/>
@@ -5073,7 +5099,7 @@
         <p:nvSpPr>
           <p:cNvPr id="4" name="Date Placeholder 3"/>
           <p:cNvSpPr>
-            <a:spLocks noGrp="1"/>
+            <a:spLocks noGrp="1" noEditPoints="1"/>
           </p:cNvSpPr>
           <p:nvPr>
             <p:ph type="dt" sz="half" idx="10"/>
@@ -5096,7 +5122,7 @@
         <p:nvSpPr>
           <p:cNvPr id="5" name="Footer Placeholder 4"/>
           <p:cNvSpPr>
-            <a:spLocks noGrp="1"/>
+            <a:spLocks noGrp="1" noEditPoints="1"/>
           </p:cNvSpPr>
           <p:nvPr>
             <p:ph type="ftr" sz="quarter" idx="11"/>
@@ -5119,7 +5145,7 @@
         <p:nvSpPr>
           <p:cNvPr id="6" name="Slide Number Placeholder 5"/>
           <p:cNvSpPr>
-            <a:spLocks noGrp="1"/>
+            <a:spLocks noGrp="1" noEditPoints="1"/>
           </p:cNvSpPr>
           <p:nvPr>
             <p:ph type="sldNum" sz="quarter" idx="12"/>
@@ -5132,7 +5158,6 @@
           <a:p>
             <a:fld id="{FAEF9944-A4F6-4C59-AEBD-678D6480B8EA}" type="slidenum">
               <a:rPr lang="en-US" smtClean="0"/>
-              <a:pPr/>
               <a:t>‹#›</a:t>
             </a:fld>
             <a:endParaRPr lang="en-US" dirty="0"/>
@@ -5160,9 +5185,6 @@
             <a:spAutoFit/>
           </a:bodyPr>
           <a:lstStyle>
-            <a:defPPr>
-              <a:defRPr lang="en-US"/>
-            </a:defPPr>
             <a:lvl1pPr algn="r">
               <a:defRPr sz="12200" b="0" i="0">
                 <a:solidFill>
@@ -5171,14 +5193,13 @@
                     <a:lumOff val="60000"/>
                   </a:schemeClr>
                 </a:solidFill>
-                <a:latin typeface="Arial"/>
+                <a:latin typeface="Arial" pitchFamily="34" charset="0" panose="020B0604020202020204"/>
                 <a:ea typeface="+mj-ea"/>
                 <a:cs typeface="+mj-cs"/>
               </a:defRPr>
             </a:lvl1pPr>
           </a:lstStyle>
           <a:p>
-            <a:pPr lvl="0"/>
             <a:r>
               <a:rPr lang="en-US" dirty="0"/>
               <a:t>“</a:t>
@@ -5207,9 +5228,6 @@
             <a:spAutoFit/>
           </a:bodyPr>
           <a:lstStyle>
-            <a:defPPr>
-              <a:defRPr lang="en-US"/>
-            </a:defPPr>
             <a:lvl1pPr algn="r">
               <a:defRPr sz="12200" b="0" i="0">
                 <a:solidFill>
@@ -5218,14 +5236,13 @@
                     <a:lumOff val="60000"/>
                   </a:schemeClr>
                 </a:solidFill>
-                <a:latin typeface="Arial"/>
+                <a:latin typeface="Arial" pitchFamily="34" charset="0" panose="020B0604020202020204"/>
                 <a:ea typeface="+mj-ea"/>
                 <a:cs typeface="+mj-cs"/>
               </a:defRPr>
             </a:lvl1pPr>
           </a:lstStyle>
           <a:p>
-            <a:pPr lvl="0"/>
             <a:r>
               <a:rPr lang="en-US" dirty="0"/>
               <a:t>”</a:t>
@@ -5234,11 +5251,6 @@
         </p:txBody>
       </p:sp>
     </p:spTree>
-    <p:extLst>
-      <p:ext uri="{BB962C8B-B14F-4D97-AF65-F5344CB8AC3E}">
-        <p14:creationId xmlns:p14="http://schemas.microsoft.com/office/powerpoint/2010/main" val="4110765705"/>
-      </p:ext>
-    </p:extLst>
   </p:cSld>
   <p:clrMapOvr>
     <a:masterClrMapping/>
@@ -5268,7 +5280,7 @@
         <p:nvSpPr>
           <p:cNvPr id="2" name="Title 1"/>
           <p:cNvSpPr>
-            <a:spLocks noGrp="1"/>
+            <a:spLocks noGrp="1" noEditPoints="1"/>
           </p:cNvSpPr>
           <p:nvPr>
             <p:ph type="title"/>
@@ -5300,7 +5312,7 @@
         <p:nvSpPr>
           <p:cNvPr id="3" name="Text Placeholder 2"/>
           <p:cNvSpPr>
-            <a:spLocks noGrp="1"/>
+            <a:spLocks noGrp="1" noEditPoints="1"/>
           </p:cNvSpPr>
           <p:nvPr>
             <p:ph type="body" idx="1"/>
@@ -5420,7 +5432,7 @@
         <p:nvSpPr>
           <p:cNvPr id="4" name="Date Placeholder 3"/>
           <p:cNvSpPr>
-            <a:spLocks noGrp="1"/>
+            <a:spLocks noGrp="1" noEditPoints="1"/>
           </p:cNvSpPr>
           <p:nvPr>
             <p:ph type="dt" sz="half" idx="10"/>
@@ -5443,7 +5455,7 @@
         <p:nvSpPr>
           <p:cNvPr id="5" name="Footer Placeholder 4"/>
           <p:cNvSpPr>
-            <a:spLocks noGrp="1"/>
+            <a:spLocks noGrp="1" noEditPoints="1"/>
           </p:cNvSpPr>
           <p:nvPr>
             <p:ph type="ftr" sz="quarter" idx="11"/>
@@ -5466,7 +5478,7 @@
         <p:nvSpPr>
           <p:cNvPr id="6" name="Slide Number Placeholder 5"/>
           <p:cNvSpPr>
-            <a:spLocks noGrp="1"/>
+            <a:spLocks noGrp="1" noEditPoints="1"/>
           </p:cNvSpPr>
           <p:nvPr>
             <p:ph type="sldNum" sz="quarter" idx="12"/>
@@ -5479,7 +5491,6 @@
           <a:p>
             <a:fld id="{FAEF9944-A4F6-4C59-AEBD-678D6480B8EA}" type="slidenum">
               <a:rPr lang="en-US" smtClean="0"/>
-              <a:pPr/>
               <a:t>‹#›</a:t>
             </a:fld>
             <a:endParaRPr lang="en-US" dirty="0"/>
@@ -5487,11 +5498,6 @@
         </p:txBody>
       </p:sp>
     </p:spTree>
-    <p:extLst>
-      <p:ext uri="{BB962C8B-B14F-4D97-AF65-F5344CB8AC3E}">
-        <p14:creationId xmlns:p14="http://schemas.microsoft.com/office/powerpoint/2010/main" val="1135633222"/>
-      </p:ext>
-    </p:extLst>
   </p:cSld>
   <p:clrMapOvr>
     <a:masterClrMapping/>
@@ -5521,7 +5527,7 @@
         <p:nvSpPr>
           <p:cNvPr id="2" name="Title 1"/>
           <p:cNvSpPr>
-            <a:spLocks noGrp="1"/>
+            <a:spLocks noGrp="1" noEditPoints="1"/>
           </p:cNvSpPr>
           <p:nvPr>
             <p:ph type="title"/>
@@ -5548,7 +5554,7 @@
         <p:nvSpPr>
           <p:cNvPr id="3" name="Text Placeholder 2"/>
           <p:cNvSpPr>
-            <a:spLocks noGrp="1"/>
+            <a:spLocks noGrp="1" noEditPoints="1"/>
           </p:cNvSpPr>
           <p:nvPr>
             <p:ph type="body" idx="1"/>
@@ -5622,7 +5628,7 @@
         <p:nvSpPr>
           <p:cNvPr id="16" name="Text Placeholder 3"/>
           <p:cNvSpPr>
-            <a:spLocks noGrp="1"/>
+            <a:spLocks noGrp="1" noEditPoints="1"/>
           </p:cNvSpPr>
           <p:nvPr>
             <p:ph type="body" sz="half" idx="15"/>
@@ -5689,7 +5695,7 @@
         <p:nvSpPr>
           <p:cNvPr id="5" name="Text Placeholder 4"/>
           <p:cNvSpPr>
-            <a:spLocks noGrp="1"/>
+            <a:spLocks noGrp="1" noEditPoints="1"/>
           </p:cNvSpPr>
           <p:nvPr>
             <p:ph type="body" sz="quarter" idx="3"/>
@@ -5763,7 +5769,7 @@
         <p:nvSpPr>
           <p:cNvPr id="19" name="Text Placeholder 3"/>
           <p:cNvSpPr>
-            <a:spLocks noGrp="1"/>
+            <a:spLocks noGrp="1" noEditPoints="1"/>
           </p:cNvSpPr>
           <p:nvPr>
             <p:ph type="body" sz="half" idx="16"/>
@@ -5830,7 +5836,7 @@
         <p:nvSpPr>
           <p:cNvPr id="14" name="Text Placeholder 4"/>
           <p:cNvSpPr>
-            <a:spLocks noGrp="1"/>
+            <a:spLocks noGrp="1" noEditPoints="1"/>
           </p:cNvSpPr>
           <p:nvPr>
             <p:ph type="body" sz="quarter" idx="13"/>
@@ -5904,7 +5910,7 @@
         <p:nvSpPr>
           <p:cNvPr id="20" name="Text Placeholder 3"/>
           <p:cNvSpPr>
-            <a:spLocks noGrp="1"/>
+            <a:spLocks noGrp="1" noEditPoints="1"/>
           </p:cNvSpPr>
           <p:nvPr>
             <p:ph type="body" sz="half" idx="17"/>
@@ -6049,7 +6055,7 @@
         <p:nvSpPr>
           <p:cNvPr id="7" name="Date Placeholder 3"/>
           <p:cNvSpPr>
-            <a:spLocks noGrp="1"/>
+            <a:spLocks noGrp="1" noEditPoints="1"/>
           </p:cNvSpPr>
           <p:nvPr>
             <p:ph type="dt" sz="half" idx="10"/>
@@ -6072,7 +6078,7 @@
         <p:nvSpPr>
           <p:cNvPr id="4" name="Footer Placeholder 4"/>
           <p:cNvSpPr>
-            <a:spLocks noGrp="1"/>
+            <a:spLocks noGrp="1" noEditPoints="1"/>
           </p:cNvSpPr>
           <p:nvPr>
             <p:ph type="ftr" sz="quarter" idx="11"/>
@@ -6095,7 +6101,7 @@
         <p:nvSpPr>
           <p:cNvPr id="6" name="Slide Number Placeholder 5"/>
           <p:cNvSpPr>
-            <a:spLocks noGrp="1"/>
+            <a:spLocks noGrp="1" noEditPoints="1"/>
           </p:cNvSpPr>
           <p:nvPr>
             <p:ph type="sldNum" sz="quarter" idx="12"/>
@@ -6108,7 +6114,6 @@
           <a:p>
             <a:fld id="{FAEF9944-A4F6-4C59-AEBD-678D6480B8EA}" type="slidenum">
               <a:rPr lang="en-US" smtClean="0"/>
-              <a:pPr/>
               <a:t>‹#›</a:t>
             </a:fld>
             <a:endParaRPr lang="en-US" dirty="0"/>
@@ -6116,11 +6121,6 @@
         </p:txBody>
       </p:sp>
     </p:spTree>
-    <p:extLst>
-      <p:ext uri="{BB962C8B-B14F-4D97-AF65-F5344CB8AC3E}">
-        <p14:creationId xmlns:p14="http://schemas.microsoft.com/office/powerpoint/2010/main" val="239595239"/>
-      </p:ext>
-    </p:extLst>
   </p:cSld>
   <p:clrMapOvr>
     <a:masterClrMapping/>
@@ -6150,7 +6150,7 @@
         <p:nvSpPr>
           <p:cNvPr id="2" name="Title 1"/>
           <p:cNvSpPr>
-            <a:spLocks noGrp="1"/>
+            <a:spLocks noGrp="1" noEditPoints="1"/>
           </p:cNvSpPr>
           <p:nvPr>
             <p:ph type="title"/>
@@ -6177,7 +6177,7 @@
         <p:nvSpPr>
           <p:cNvPr id="3" name="Text Placeholder 2"/>
           <p:cNvSpPr>
-            <a:spLocks noGrp="1"/>
+            <a:spLocks noGrp="1" noEditPoints="1"/>
           </p:cNvSpPr>
           <p:nvPr>
             <p:ph type="body" idx="1"/>
@@ -6251,7 +6251,7 @@
         <p:nvSpPr>
           <p:cNvPr id="29" name="Picture Placeholder 2"/>
           <p:cNvSpPr>
-            <a:spLocks noGrp="1" noChangeAspect="1"/>
+            <a:spLocks noGrp="1" noChangeAspect="1" noEditPoints="1"/>
           </p:cNvSpPr>
           <p:nvPr>
             <p:ph type="pic" idx="15"/>
@@ -6318,6 +6318,7 @@
             </a:lvl9pPr>
           </a:lstStyle>
           <a:p>
+            <a:pPr lvl="0"/>
             <a:r>
               <a:rPr lang="en-US"/>
               <a:t>Click icon to add picture</a:t>
@@ -6330,7 +6331,7 @@
         <p:nvSpPr>
           <p:cNvPr id="22" name="Text Placeholder 3"/>
           <p:cNvSpPr>
-            <a:spLocks noGrp="1"/>
+            <a:spLocks noGrp="1" noEditPoints="1"/>
           </p:cNvSpPr>
           <p:nvPr>
             <p:ph type="body" sz="half" idx="18"/>
@@ -6397,7 +6398,7 @@
         <p:nvSpPr>
           <p:cNvPr id="5" name="Text Placeholder 4"/>
           <p:cNvSpPr>
-            <a:spLocks noGrp="1"/>
+            <a:spLocks noGrp="1" noEditPoints="1"/>
           </p:cNvSpPr>
           <p:nvPr>
             <p:ph type="body" sz="quarter" idx="3"/>
@@ -6471,7 +6472,7 @@
         <p:nvSpPr>
           <p:cNvPr id="30" name="Picture Placeholder 2"/>
           <p:cNvSpPr>
-            <a:spLocks noGrp="1" noChangeAspect="1"/>
+            <a:spLocks noGrp="1" noChangeAspect="1" noEditPoints="1"/>
           </p:cNvSpPr>
           <p:nvPr>
             <p:ph type="pic" idx="21"/>
@@ -6538,6 +6539,7 @@
             </a:lvl9pPr>
           </a:lstStyle>
           <a:p>
+            <a:pPr lvl="0"/>
             <a:r>
               <a:rPr lang="en-US"/>
               <a:t>Click icon to add picture</a:t>
@@ -6550,7 +6552,7 @@
         <p:nvSpPr>
           <p:cNvPr id="23" name="Text Placeholder 3"/>
           <p:cNvSpPr>
-            <a:spLocks noGrp="1"/>
+            <a:spLocks noGrp="1" noEditPoints="1"/>
           </p:cNvSpPr>
           <p:nvPr>
             <p:ph type="body" sz="half" idx="19"/>
@@ -6617,7 +6619,7 @@
         <p:nvSpPr>
           <p:cNvPr id="14" name="Text Placeholder 4"/>
           <p:cNvSpPr>
-            <a:spLocks noGrp="1"/>
+            <a:spLocks noGrp="1" noEditPoints="1"/>
           </p:cNvSpPr>
           <p:nvPr>
             <p:ph type="body" sz="quarter" idx="13"/>
@@ -6691,7 +6693,7 @@
         <p:nvSpPr>
           <p:cNvPr id="31" name="Picture Placeholder 2"/>
           <p:cNvSpPr>
-            <a:spLocks noGrp="1" noChangeAspect="1"/>
+            <a:spLocks noGrp="1" noChangeAspect="1" noEditPoints="1"/>
           </p:cNvSpPr>
           <p:nvPr>
             <p:ph type="pic" idx="22"/>
@@ -6758,6 +6760,7 @@
             </a:lvl9pPr>
           </a:lstStyle>
           <a:p>
+            <a:pPr lvl="0"/>
             <a:r>
               <a:rPr lang="en-US"/>
               <a:t>Click icon to add picture</a:t>
@@ -6770,7 +6773,7 @@
         <p:nvSpPr>
           <p:cNvPr id="24" name="Text Placeholder 3"/>
           <p:cNvSpPr>
-            <a:spLocks noGrp="1"/>
+            <a:spLocks noGrp="1" noEditPoints="1"/>
           </p:cNvSpPr>
           <p:nvPr>
             <p:ph type="body" sz="half" idx="20"/>
@@ -6915,7 +6918,7 @@
         <p:nvSpPr>
           <p:cNvPr id="7" name="Date Placeholder 3"/>
           <p:cNvSpPr>
-            <a:spLocks noGrp="1"/>
+            <a:spLocks noGrp="1" noEditPoints="1"/>
           </p:cNvSpPr>
           <p:nvPr>
             <p:ph type="dt" sz="half" idx="10"/>
@@ -6938,7 +6941,7 @@
         <p:nvSpPr>
           <p:cNvPr id="4" name="Footer Placeholder 4"/>
           <p:cNvSpPr>
-            <a:spLocks noGrp="1"/>
+            <a:spLocks noGrp="1" noEditPoints="1"/>
           </p:cNvSpPr>
           <p:nvPr>
             <p:ph type="ftr" sz="quarter" idx="11"/>
@@ -6961,7 +6964,7 @@
         <p:nvSpPr>
           <p:cNvPr id="6" name="Slide Number Placeholder 5"/>
           <p:cNvSpPr>
-            <a:spLocks noGrp="1"/>
+            <a:spLocks noGrp="1" noEditPoints="1"/>
           </p:cNvSpPr>
           <p:nvPr>
             <p:ph type="sldNum" sz="quarter" idx="12"/>
@@ -6974,7 +6977,6 @@
           <a:p>
             <a:fld id="{FAEF9944-A4F6-4C59-AEBD-678D6480B8EA}" type="slidenum">
               <a:rPr lang="en-US" smtClean="0"/>
-              <a:pPr/>
               <a:t>‹#›</a:t>
             </a:fld>
             <a:endParaRPr lang="en-US" dirty="0"/>
@@ -6982,11 +6984,6 @@
         </p:txBody>
       </p:sp>
     </p:spTree>
-    <p:extLst>
-      <p:ext uri="{BB962C8B-B14F-4D97-AF65-F5344CB8AC3E}">
-        <p14:creationId xmlns:p14="http://schemas.microsoft.com/office/powerpoint/2010/main" val="4195832000"/>
-      </p:ext>
-    </p:extLst>
   </p:cSld>
   <p:clrMapOvr>
     <a:masterClrMapping/>
@@ -7016,7 +7013,7 @@
         <p:nvSpPr>
           <p:cNvPr id="2" name="Title 1"/>
           <p:cNvSpPr>
-            <a:spLocks noGrp="1"/>
+            <a:spLocks noGrp="1" noEditPoints="1"/>
           </p:cNvSpPr>
           <p:nvPr>
             <p:ph type="title"/>
@@ -7039,7 +7036,7 @@
         <p:nvSpPr>
           <p:cNvPr id="3" name="Vertical Text Placeholder 2"/>
           <p:cNvSpPr>
-            <a:spLocks noGrp="1"/>
+            <a:spLocks noGrp="1" noEditPoints="1"/>
           </p:cNvSpPr>
           <p:nvPr>
             <p:ph type="body" orient="vert" idx="1"/>
@@ -7047,7 +7044,7 @@
         </p:nvSpPr>
         <p:spPr/>
         <p:txBody>
-          <a:bodyPr vert="eaVert" anchor="t" anchorCtr="0"/>
+          <a:bodyPr vert="eaVert" anchor="t"/>
           <a:lstStyle/>
           <a:p>
             <a:pPr lvl="0"/>
@@ -7091,7 +7088,7 @@
         <p:nvSpPr>
           <p:cNvPr id="4" name="Date Placeholder 3"/>
           <p:cNvSpPr>
-            <a:spLocks noGrp="1"/>
+            <a:spLocks noGrp="1" noEditPoints="1"/>
           </p:cNvSpPr>
           <p:nvPr>
             <p:ph type="dt" sz="half" idx="10"/>
@@ -7114,7 +7111,7 @@
         <p:nvSpPr>
           <p:cNvPr id="5" name="Footer Placeholder 4"/>
           <p:cNvSpPr>
-            <a:spLocks noGrp="1"/>
+            <a:spLocks noGrp="1" noEditPoints="1"/>
           </p:cNvSpPr>
           <p:nvPr>
             <p:ph type="ftr" sz="quarter" idx="11"/>
@@ -7137,7 +7134,7 @@
         <p:nvSpPr>
           <p:cNvPr id="6" name="Slide Number Placeholder 5"/>
           <p:cNvSpPr>
-            <a:spLocks noGrp="1"/>
+            <a:spLocks noGrp="1" noEditPoints="1"/>
           </p:cNvSpPr>
           <p:nvPr>
             <p:ph type="sldNum" sz="quarter" idx="12"/>
@@ -7150,7 +7147,6 @@
           <a:p>
             <a:fld id="{FAEF9944-A4F6-4C59-AEBD-678D6480B8EA}" type="slidenum">
               <a:rPr lang="en-US" smtClean="0"/>
-              <a:pPr/>
               <a:t>‹#›</a:t>
             </a:fld>
             <a:endParaRPr lang="en-US" dirty="0"/>
@@ -7158,11 +7154,6 @@
         </p:txBody>
       </p:sp>
     </p:spTree>
-    <p:extLst>
-      <p:ext uri="{BB962C8B-B14F-4D97-AF65-F5344CB8AC3E}">
-        <p14:creationId xmlns:p14="http://schemas.microsoft.com/office/powerpoint/2010/main" val="815852873"/>
-      </p:ext>
-    </p:extLst>
   </p:cSld>
   <p:clrMapOvr>
     <a:masterClrMapping/>
@@ -7192,7 +7183,7 @@
         <p:nvSpPr>
           <p:cNvPr id="2" name="Vertical Title 1"/>
           <p:cNvSpPr>
-            <a:spLocks noGrp="1"/>
+            <a:spLocks noGrp="1" noEditPoints="1"/>
           </p:cNvSpPr>
           <p:nvPr>
             <p:ph type="title" orient="vert"/>
@@ -7205,7 +7196,7 @@
           </a:xfrm>
         </p:spPr>
         <p:txBody>
-          <a:bodyPr vert="eaVert" anchor="b" anchorCtr="0"/>
+          <a:bodyPr vert="eaVert" anchor="b"/>
           <a:lstStyle/>
           <a:p>
             <a:r>
@@ -7220,7 +7211,7 @@
         <p:nvSpPr>
           <p:cNvPr id="3" name="Vertical Text Placeholder 2"/>
           <p:cNvSpPr>
-            <a:spLocks noGrp="1"/>
+            <a:spLocks noGrp="1" noEditPoints="1"/>
           </p:cNvSpPr>
           <p:nvPr>
             <p:ph type="body" orient="vert" idx="1"/>
@@ -7277,7 +7268,7 @@
         <p:nvSpPr>
           <p:cNvPr id="4" name="Date Placeholder 3"/>
           <p:cNvSpPr>
-            <a:spLocks noGrp="1"/>
+            <a:spLocks noGrp="1" noEditPoints="1"/>
           </p:cNvSpPr>
           <p:nvPr>
             <p:ph type="dt" sz="half" idx="10"/>
@@ -7300,7 +7291,7 @@
         <p:nvSpPr>
           <p:cNvPr id="5" name="Footer Placeholder 4"/>
           <p:cNvSpPr>
-            <a:spLocks noGrp="1"/>
+            <a:spLocks noGrp="1" noEditPoints="1"/>
           </p:cNvSpPr>
           <p:nvPr>
             <p:ph type="ftr" sz="quarter" idx="11"/>
@@ -7323,7 +7314,7 @@
         <p:nvSpPr>
           <p:cNvPr id="6" name="Slide Number Placeholder 5"/>
           <p:cNvSpPr>
-            <a:spLocks noGrp="1"/>
+            <a:spLocks noGrp="1" noEditPoints="1"/>
           </p:cNvSpPr>
           <p:nvPr>
             <p:ph type="sldNum" sz="quarter" idx="12"/>
@@ -7336,7 +7327,6 @@
           <a:p>
             <a:fld id="{FAEF9944-A4F6-4C59-AEBD-678D6480B8EA}" type="slidenum">
               <a:rPr lang="en-US" smtClean="0"/>
-              <a:pPr/>
               <a:t>‹#›</a:t>
             </a:fld>
             <a:endParaRPr lang="en-US" dirty="0"/>
@@ -7344,11 +7334,6 @@
         </p:txBody>
       </p:sp>
     </p:spTree>
-    <p:extLst>
-      <p:ext uri="{BB962C8B-B14F-4D97-AF65-F5344CB8AC3E}">
-        <p14:creationId xmlns:p14="http://schemas.microsoft.com/office/powerpoint/2010/main" val="143167518"/>
-      </p:ext>
-    </p:extLst>
   </p:cSld>
   <p:clrMapOvr>
     <a:masterClrMapping/>
@@ -7376,13 +7361,7 @@
       </p:grpSpPr>
       <p:sp useBgFill="1">
         <p:nvSpPr>
-          <p:cNvPr id="52" name="Rectangle 51">
-            <a:extLst>
-              <a:ext uri="{FF2B5EF4-FFF2-40B4-BE49-F238E27FC236}">
-                <a16:creationId xmlns:a16="http://schemas.microsoft.com/office/drawing/2014/main" id="{EA8D8870-8337-4ABD-9EA6-3D5AAB7E42D9}"/>
-              </a:ext>
-            </a:extLst>
-          </p:cNvPr>
+          <p:cNvPr id="52" name="Rectangle 51"/>
           <p:cNvSpPr/>
           <p:nvPr userDrawn="1"/>
         </p:nvSpPr>
@@ -7425,13 +7404,7 @@
       </p:sp>
       <p:sp>
         <p:nvSpPr>
-          <p:cNvPr id="53" name="Rectangle 52">
-            <a:extLst>
-              <a:ext uri="{FF2B5EF4-FFF2-40B4-BE49-F238E27FC236}">
-                <a16:creationId xmlns:a16="http://schemas.microsoft.com/office/drawing/2014/main" id="{BAC3B2DB-2CCA-4BD4-8D63-98257049E273}"/>
-              </a:ext>
-            </a:extLst>
-          </p:cNvPr>
+          <p:cNvPr id="53" name="Rectangle 52"/>
           <p:cNvSpPr/>
           <p:nvPr userDrawn="1"/>
         </p:nvSpPr>
@@ -7477,15 +7450,9 @@
       </p:sp>
       <p:sp>
         <p:nvSpPr>
-          <p:cNvPr id="54" name="Title 1">
-            <a:extLst>
-              <a:ext uri="{FF2B5EF4-FFF2-40B4-BE49-F238E27FC236}">
-                <a16:creationId xmlns:a16="http://schemas.microsoft.com/office/drawing/2014/main" id="{324DAAC3-FA37-4838-A298-327679F99F8A}"/>
-              </a:ext>
-            </a:extLst>
-          </p:cNvPr>
-          <p:cNvSpPr>
-            <a:spLocks noGrp="1"/>
+          <p:cNvPr id="54" name="Title 1"/>
+          <p:cNvSpPr>
+            <a:spLocks noGrp="1" noEditPoints="1"/>
           </p:cNvSpPr>
           <p:nvPr>
             <p:ph type="ctrTitle" hasCustomPrompt="1"/>
@@ -7527,15 +7494,9 @@
       </p:sp>
       <p:sp>
         <p:nvSpPr>
-          <p:cNvPr id="55" name="Subtitle 2">
-            <a:extLst>
-              <a:ext uri="{FF2B5EF4-FFF2-40B4-BE49-F238E27FC236}">
-                <a16:creationId xmlns:a16="http://schemas.microsoft.com/office/drawing/2014/main" id="{50BC9D78-FF13-4CEB-8ECB-E64E85C5D0B4}"/>
-              </a:ext>
-            </a:extLst>
-          </p:cNvPr>
-          <p:cNvSpPr>
-            <a:spLocks noGrp="1"/>
+          <p:cNvPr id="55" name="Subtitle 2"/>
+          <p:cNvSpPr>
+            <a:spLocks noGrp="1" noEditPoints="1"/>
           </p:cNvSpPr>
           <p:nvPr>
             <p:ph type="subTitle" idx="1" hasCustomPrompt="1"/>
@@ -7557,6 +7518,7 @@
             </a:lvl1pPr>
           </a:lstStyle>
           <a:p>
+            <a:pPr lvl="0"/>
             <a:r>
               <a:rPr lang="en-US" dirty="0">
                 <a:solidFill>
@@ -7573,13 +7535,7 @@
       </p:sp>
       <p:sp>
         <p:nvSpPr>
-          <p:cNvPr id="56" name="Rectangle 55">
-            <a:extLst>
-              <a:ext uri="{FF2B5EF4-FFF2-40B4-BE49-F238E27FC236}">
-                <a16:creationId xmlns:a16="http://schemas.microsoft.com/office/drawing/2014/main" id="{FB792E4C-AD3B-4E88-8540-E75759746368}"/>
-              </a:ext>
-            </a:extLst>
-          </p:cNvPr>
+          <p:cNvPr id="56" name="Rectangle 55"/>
           <p:cNvSpPr/>
           <p:nvPr userDrawn="1"/>
         </p:nvSpPr>
@@ -7625,13 +7581,7 @@
       </p:sp>
       <p:sp>
         <p:nvSpPr>
-          <p:cNvPr id="57" name="Rectangle 56">
-            <a:extLst>
-              <a:ext uri="{FF2B5EF4-FFF2-40B4-BE49-F238E27FC236}">
-                <a16:creationId xmlns:a16="http://schemas.microsoft.com/office/drawing/2014/main" id="{6A32632F-9ED1-4328-BBE3-B4E014156A29}"/>
-              </a:ext>
-            </a:extLst>
-          </p:cNvPr>
+          <p:cNvPr id="57" name="Rectangle 56"/>
           <p:cNvSpPr/>
           <p:nvPr userDrawn="1"/>
         </p:nvSpPr>
@@ -7677,15 +7627,9 @@
       </p:sp>
       <p:sp>
         <p:nvSpPr>
-          <p:cNvPr id="58" name="Footer Placeholder 4">
-            <a:extLst>
-              <a:ext uri="{FF2B5EF4-FFF2-40B4-BE49-F238E27FC236}">
-                <a16:creationId xmlns:a16="http://schemas.microsoft.com/office/drawing/2014/main" id="{15A37EDE-F10B-4C4B-9572-8778C2D6A686}"/>
-              </a:ext>
-            </a:extLst>
-          </p:cNvPr>
-          <p:cNvSpPr>
-            <a:spLocks noGrp="1"/>
+          <p:cNvPr id="58" name="Footer Placeholder 4"/>
+          <p:cNvSpPr>
+            <a:spLocks noGrp="1" noEditPoints="1"/>
           </p:cNvSpPr>
           <p:nvPr>
             <p:ph type="ftr" sz="quarter" idx="11"/>
@@ -7711,13 +7655,7 @@
       </p:sp>
       <p:sp>
         <p:nvSpPr>
-          <p:cNvPr id="59" name="Rectangle 58">
-            <a:extLst>
-              <a:ext uri="{FF2B5EF4-FFF2-40B4-BE49-F238E27FC236}">
-                <a16:creationId xmlns:a16="http://schemas.microsoft.com/office/drawing/2014/main" id="{EA124D3C-01E3-4B96-BDF0-54851D1739D0}"/>
-              </a:ext>
-            </a:extLst>
-          </p:cNvPr>
+          <p:cNvPr id="59" name="Rectangle 58"/>
           <p:cNvSpPr/>
           <p:nvPr userDrawn="1"/>
         </p:nvSpPr>
@@ -7763,15 +7701,9 @@
       </p:sp>
       <p:sp>
         <p:nvSpPr>
-          <p:cNvPr id="61" name="Date Placeholder 35">
-            <a:extLst>
-              <a:ext uri="{FF2B5EF4-FFF2-40B4-BE49-F238E27FC236}">
-                <a16:creationId xmlns:a16="http://schemas.microsoft.com/office/drawing/2014/main" id="{D6890A67-3C66-4F8A-B1A6-05469F40F879}"/>
-              </a:ext>
-            </a:extLst>
-          </p:cNvPr>
-          <p:cNvSpPr>
-            <a:spLocks noGrp="1"/>
+          <p:cNvPr id="61" name="Date Placeholder 35"/>
+          <p:cNvSpPr>
+            <a:spLocks noGrp="1" noEditPoints="1"/>
           </p:cNvSpPr>
           <p:nvPr>
             <p:ph type="dt" sz="half" idx="10"/>
@@ -7820,15 +7752,9 @@
       </p:sp>
       <p:sp>
         <p:nvSpPr>
-          <p:cNvPr id="62" name="Slide Number Placeholder 36">
-            <a:extLst>
-              <a:ext uri="{FF2B5EF4-FFF2-40B4-BE49-F238E27FC236}">
-                <a16:creationId xmlns:a16="http://schemas.microsoft.com/office/drawing/2014/main" id="{46849723-0CBF-47CA-9477-4D42CAC71FCC}"/>
-              </a:ext>
-            </a:extLst>
-          </p:cNvPr>
-          <p:cNvSpPr>
-            <a:spLocks noGrp="1"/>
+          <p:cNvPr id="62" name="Slide Number Placeholder 36"/>
+          <p:cNvSpPr>
+            <a:spLocks noGrp="1" noEditPoints="1"/>
           </p:cNvSpPr>
           <p:nvPr>
             <p:ph type="sldNum" sz="quarter" idx="12"/>
@@ -7857,7 +7783,6 @@
                   </a:outerShdw>
                 </a:effectLst>
               </a:rPr>
-              <a:pPr/>
               <a:t>‹#›</a:t>
             </a:fld>
             <a:endParaRPr lang="en-US" dirty="0">
@@ -7877,15 +7802,9 @@
       </p:sp>
       <p:sp>
         <p:nvSpPr>
-          <p:cNvPr id="65" name="Picture Placeholder 64">
-            <a:extLst>
-              <a:ext uri="{FF2B5EF4-FFF2-40B4-BE49-F238E27FC236}">
-                <a16:creationId xmlns:a16="http://schemas.microsoft.com/office/drawing/2014/main" id="{D60E3C33-714C-4528-93A6-4470C3E89AE4}"/>
-              </a:ext>
-            </a:extLst>
-          </p:cNvPr>
-          <p:cNvSpPr>
-            <a:spLocks noGrp="1"/>
+          <p:cNvPr id="65" name="Picture Placeholder 64"/>
+          <p:cNvSpPr>
+            <a:spLocks noGrp="1" noEditPoints="1"/>
           </p:cNvSpPr>
           <p:nvPr>
             <p:ph type="pic" sz="quarter" idx="13" hasCustomPrompt="1"/>
@@ -7898,31 +7817,6 @@
           </a:xfrm>
           <a:custGeom>
             <a:avLst/>
-            <a:gdLst>
-              <a:gd name="connsiteX0" fmla="*/ 0 w 5332064"/>
-              <a:gd name="connsiteY0" fmla="*/ 0 h 6858002"/>
-              <a:gd name="connsiteX1" fmla="*/ 5332064 w 5332064"/>
-              <a:gd name="connsiteY1" fmla="*/ 0 h 6858002"/>
-              <a:gd name="connsiteX2" fmla="*/ 5332064 w 5332064"/>
-              <a:gd name="connsiteY2" fmla="*/ 6858002 h 6858002"/>
-              <a:gd name="connsiteX3" fmla="*/ 0 w 5332064"/>
-              <a:gd name="connsiteY3" fmla="*/ 6858002 h 6858002"/>
-            </a:gdLst>
-            <a:ahLst/>
-            <a:cxnLst>
-              <a:cxn ang="0">
-                <a:pos x="connsiteX0" y="connsiteY0"/>
-              </a:cxn>
-              <a:cxn ang="0">
-                <a:pos x="connsiteX1" y="connsiteY1"/>
-              </a:cxn>
-              <a:cxn ang="0">
-                <a:pos x="connsiteX2" y="connsiteY2"/>
-              </a:cxn>
-              <a:cxn ang="0">
-                <a:pos x="connsiteX3" y="connsiteY3"/>
-              </a:cxn>
-            </a:cxnLst>
             <a:rect l="l" t="t" r="r" b="b"/>
             <a:pathLst>
               <a:path w="5332064" h="6858002">
@@ -7938,6 +7832,9 @@
                 <a:lnTo>
                   <a:pt x="0" y="6858002"/>
                 </a:lnTo>
+                <a:lnTo>
+                  <a:pt x="0" y="0"/>
+                </a:lnTo>
                 <a:close/>
               </a:path>
             </a:pathLst>
@@ -7948,11 +7845,10 @@
             <a:noAutofit/>
           </a:bodyPr>
           <a:lstStyle>
-            <a:lvl1pPr algn="ctr">
-              <a:defRPr/>
-            </a:lvl1pPr>
+            <a:lvl1pPr algn="ctr"/>
           </a:lstStyle>
           <a:p>
+            <a:pPr lvl="0"/>
             <a:r>
               <a:rPr lang="en-US" dirty="0"/>
               <a:t>Click to add photo</a:t>
@@ -7961,11 +7857,6 @@
         </p:txBody>
       </p:sp>
     </p:spTree>
-    <p:extLst>
-      <p:ext uri="{BB962C8B-B14F-4D97-AF65-F5344CB8AC3E}">
-        <p14:creationId xmlns:p14="http://schemas.microsoft.com/office/powerpoint/2010/main" val="4257107668"/>
-      </p:ext>
-    </p:extLst>
   </p:cSld>
   <p:clrMapOvr>
     <a:masterClrMapping/>
@@ -8004,16 +7895,7 @@
       </p:grpSpPr>
       <p:sp useBgFill="1">
         <p:nvSpPr>
-          <p:cNvPr id="7" name="Rectangle 6">
-            <a:extLst>
-              <a:ext uri="{FF2B5EF4-FFF2-40B4-BE49-F238E27FC236}">
-                <a16:creationId xmlns:a16="http://schemas.microsoft.com/office/drawing/2014/main" id="{BF5F5DFA-1BC3-4062-9356-6145C9F7CD56}"/>
-              </a:ext>
-              <a:ext uri="{C183D7F6-B498-43B3-948B-1728B52AA6E4}">
-                <adec:decorative xmlns:adec="http://schemas.microsoft.com/office/drawing/2017/decorative" val="1"/>
-              </a:ext>
-            </a:extLst>
-          </p:cNvPr>
+          <p:cNvPr id="7" name="Rectangle 6"/>
           <p:cNvSpPr/>
           <p:nvPr userDrawn="1"/>
         </p:nvSpPr>
@@ -8056,16 +7938,7 @@
       </p:sp>
       <p:sp>
         <p:nvSpPr>
-          <p:cNvPr id="8" name="Rectangle 7">
-            <a:extLst>
-              <a:ext uri="{FF2B5EF4-FFF2-40B4-BE49-F238E27FC236}">
-                <a16:creationId xmlns:a16="http://schemas.microsoft.com/office/drawing/2014/main" id="{E6B5D461-AEC0-477F-A77A-6227F95A8374}"/>
-              </a:ext>
-              <a:ext uri="{C183D7F6-B498-43B3-948B-1728B52AA6E4}">
-                <adec:decorative xmlns:adec="http://schemas.microsoft.com/office/drawing/2017/decorative" val="1"/>
-              </a:ext>
-            </a:extLst>
-          </p:cNvPr>
+          <p:cNvPr id="8" name="Rectangle 7"/>
           <p:cNvSpPr/>
           <p:nvPr userDrawn="1"/>
         </p:nvSpPr>
@@ -8111,16 +7984,7 @@
       </p:sp>
       <p:sp>
         <p:nvSpPr>
-          <p:cNvPr id="10" name="Rectangle 9">
-            <a:extLst>
-              <a:ext uri="{FF2B5EF4-FFF2-40B4-BE49-F238E27FC236}">
-                <a16:creationId xmlns:a16="http://schemas.microsoft.com/office/drawing/2014/main" id="{DE1A041D-DE47-45FA-AC78-CC7FD02571F2}"/>
-              </a:ext>
-              <a:ext uri="{C183D7F6-B498-43B3-948B-1728B52AA6E4}">
-                <adec:decorative xmlns:adec="http://schemas.microsoft.com/office/drawing/2017/decorative" val="1"/>
-              </a:ext>
-            </a:extLst>
-          </p:cNvPr>
+          <p:cNvPr id="10" name="Rectangle 9"/>
           <p:cNvSpPr/>
           <p:nvPr userDrawn="1"/>
         </p:nvSpPr>
@@ -8166,16 +8030,7 @@
       </p:sp>
       <p:sp>
         <p:nvSpPr>
-          <p:cNvPr id="11" name="Rectangle 10">
-            <a:extLst>
-              <a:ext uri="{FF2B5EF4-FFF2-40B4-BE49-F238E27FC236}">
-                <a16:creationId xmlns:a16="http://schemas.microsoft.com/office/drawing/2014/main" id="{11614254-52EF-4F58-99B1-CDA7C39223C1}"/>
-              </a:ext>
-              <a:ext uri="{C183D7F6-B498-43B3-948B-1728B52AA6E4}">
-                <adec:decorative xmlns:adec="http://schemas.microsoft.com/office/drawing/2017/decorative" val="1"/>
-              </a:ext>
-            </a:extLst>
-          </p:cNvPr>
+          <p:cNvPr id="11" name="Rectangle 10"/>
           <p:cNvSpPr/>
           <p:nvPr userDrawn="1"/>
         </p:nvSpPr>
@@ -8223,15 +8078,9 @@
       </p:sp>
       <p:sp>
         <p:nvSpPr>
-          <p:cNvPr id="12" name="Title 1">
-            <a:extLst>
-              <a:ext uri="{FF2B5EF4-FFF2-40B4-BE49-F238E27FC236}">
-                <a16:creationId xmlns:a16="http://schemas.microsoft.com/office/drawing/2014/main" id="{BD3B3ABA-0408-41EA-935D-D4F4586AA840}"/>
-              </a:ext>
-            </a:extLst>
-          </p:cNvPr>
-          <p:cNvSpPr>
-            <a:spLocks noGrp="1"/>
+          <p:cNvPr id="12" name="Title 1"/>
+          <p:cNvSpPr>
+            <a:spLocks noGrp="1" noEditPoints="1"/>
           </p:cNvSpPr>
           <p:nvPr>
             <p:ph type="title" hasCustomPrompt="1"/>
@@ -8247,11 +8096,7 @@
           <a:bodyPr>
             <a:normAutofit/>
           </a:bodyPr>
-          <a:lstStyle>
-            <a:lvl1pPr>
-              <a:defRPr/>
-            </a:lvl1pPr>
-          </a:lstStyle>
+          <a:lstStyle/>
           <a:p>
             <a:r>
               <a:rPr lang="en-US" dirty="0"/>
@@ -8262,15 +8107,9 @@
       </p:sp>
       <p:sp>
         <p:nvSpPr>
-          <p:cNvPr id="13" name="Content Placeholder 2">
-            <a:extLst>
-              <a:ext uri="{FF2B5EF4-FFF2-40B4-BE49-F238E27FC236}">
-                <a16:creationId xmlns:a16="http://schemas.microsoft.com/office/drawing/2014/main" id="{40D7EF23-28EE-4115-879A-D95BBAC66241}"/>
-              </a:ext>
-            </a:extLst>
-          </p:cNvPr>
-          <p:cNvSpPr>
-            <a:spLocks noGrp="1"/>
+          <p:cNvPr id="13" name="Content Placeholder 2"/>
+          <p:cNvSpPr>
+            <a:spLocks noGrp="1" noEditPoints="1"/>
           </p:cNvSpPr>
           <p:nvPr>
             <p:ph idx="1" hasCustomPrompt="1"/>
@@ -8292,6 +8131,7 @@
             </a:lvl1pPr>
           </a:lstStyle>
           <a:p>
+            <a:pPr lvl="0"/>
             <a:r>
               <a:rPr lang="en-US" dirty="0"/>
               <a:t>Click to add text</a:t>
@@ -8301,15 +8141,9 @@
       </p:sp>
       <p:sp>
         <p:nvSpPr>
-          <p:cNvPr id="23" name="Picture Placeholder 22">
-            <a:extLst>
-              <a:ext uri="{FF2B5EF4-FFF2-40B4-BE49-F238E27FC236}">
-                <a16:creationId xmlns:a16="http://schemas.microsoft.com/office/drawing/2014/main" id="{E4B41004-DE9E-4B19-B7DE-91782B37C841}"/>
-              </a:ext>
-            </a:extLst>
-          </p:cNvPr>
-          <p:cNvSpPr>
-            <a:spLocks noGrp="1"/>
+          <p:cNvPr id="23" name="Picture Placeholder 22"/>
+          <p:cNvSpPr>
+            <a:spLocks noGrp="1" noEditPoints="1"/>
           </p:cNvSpPr>
           <p:nvPr>
             <p:ph type="pic" sz="quarter" idx="13" hasCustomPrompt="1"/>
@@ -8322,31 +8156,6 @@
           </a:xfrm>
           <a:custGeom>
             <a:avLst/>
-            <a:gdLst>
-              <a:gd name="connsiteX0" fmla="*/ 0 w 3997652"/>
-              <a:gd name="connsiteY0" fmla="*/ 0 h 5037857"/>
-              <a:gd name="connsiteX1" fmla="*/ 3997652 w 3997652"/>
-              <a:gd name="connsiteY1" fmla="*/ 0 h 5037857"/>
-              <a:gd name="connsiteX2" fmla="*/ 3997652 w 3997652"/>
-              <a:gd name="connsiteY2" fmla="*/ 5037857 h 5037857"/>
-              <a:gd name="connsiteX3" fmla="*/ 0 w 3997652"/>
-              <a:gd name="connsiteY3" fmla="*/ 5037857 h 5037857"/>
-            </a:gdLst>
-            <a:ahLst/>
-            <a:cxnLst>
-              <a:cxn ang="0">
-                <a:pos x="connsiteX0" y="connsiteY0"/>
-              </a:cxn>
-              <a:cxn ang="0">
-                <a:pos x="connsiteX1" y="connsiteY1"/>
-              </a:cxn>
-              <a:cxn ang="0">
-                <a:pos x="connsiteX2" y="connsiteY2"/>
-              </a:cxn>
-              <a:cxn ang="0">
-                <a:pos x="connsiteX3" y="connsiteY3"/>
-              </a:cxn>
-            </a:cxnLst>
             <a:rect l="l" t="t" r="r" b="b"/>
             <a:pathLst>
               <a:path w="3997652" h="5037857">
@@ -8362,6 +8171,9 @@
                 <a:lnTo>
                   <a:pt x="0" y="5037857"/>
                 </a:lnTo>
+                <a:lnTo>
+                  <a:pt x="0" y="0"/>
+                </a:lnTo>
                 <a:close/>
               </a:path>
             </a:pathLst>
@@ -8372,11 +8184,10 @@
             <a:noAutofit/>
           </a:bodyPr>
           <a:lstStyle>
-            <a:lvl1pPr algn="ctr">
-              <a:defRPr/>
-            </a:lvl1pPr>
+            <a:lvl1pPr algn="ctr"/>
           </a:lstStyle>
           <a:p>
+            <a:pPr lvl="0"/>
             <a:r>
               <a:rPr lang="en-US" dirty="0"/>
               <a:t>Click to add photo</a:t>
@@ -8386,16 +8197,7 @@
       </p:sp>
       <p:sp>
         <p:nvSpPr>
-          <p:cNvPr id="14" name="Rectangle 13">
-            <a:extLst>
-              <a:ext uri="{FF2B5EF4-FFF2-40B4-BE49-F238E27FC236}">
-                <a16:creationId xmlns:a16="http://schemas.microsoft.com/office/drawing/2014/main" id="{1837301C-2B9B-4119-9002-BD6DB2AB87FB}"/>
-              </a:ext>
-              <a:ext uri="{C183D7F6-B498-43B3-948B-1728B52AA6E4}">
-                <adec:decorative xmlns:adec="http://schemas.microsoft.com/office/drawing/2017/decorative" val="1"/>
-              </a:ext>
-            </a:extLst>
-          </p:cNvPr>
+          <p:cNvPr id="14" name="Rectangle 13"/>
           <p:cNvSpPr/>
           <p:nvPr userDrawn="1"/>
         </p:nvSpPr>
@@ -8441,16 +8243,7 @@
       </p:sp>
       <p:sp>
         <p:nvSpPr>
-          <p:cNvPr id="15" name="Rectangle 14">
-            <a:extLst>
-              <a:ext uri="{FF2B5EF4-FFF2-40B4-BE49-F238E27FC236}">
-                <a16:creationId xmlns:a16="http://schemas.microsoft.com/office/drawing/2014/main" id="{BD12738D-D0ED-4899-A01C-42439B5B3E64}"/>
-              </a:ext>
-              <a:ext uri="{C183D7F6-B498-43B3-948B-1728B52AA6E4}">
-                <adec:decorative xmlns:adec="http://schemas.microsoft.com/office/drawing/2017/decorative" val="1"/>
-              </a:ext>
-            </a:extLst>
-          </p:cNvPr>
+          <p:cNvPr id="15" name="Rectangle 14"/>
           <p:cNvSpPr/>
           <p:nvPr userDrawn="1"/>
         </p:nvSpPr>
@@ -8498,16 +8291,7 @@
       </p:sp>
       <p:sp>
         <p:nvSpPr>
-          <p:cNvPr id="16" name="Rectangle 15">
-            <a:extLst>
-              <a:ext uri="{FF2B5EF4-FFF2-40B4-BE49-F238E27FC236}">
-                <a16:creationId xmlns:a16="http://schemas.microsoft.com/office/drawing/2014/main" id="{5EED261D-45B9-40C1-8341-8B8B796E8AE2}"/>
-              </a:ext>
-              <a:ext uri="{C183D7F6-B498-43B3-948B-1728B52AA6E4}">
-                <adec:decorative xmlns:adec="http://schemas.microsoft.com/office/drawing/2017/decorative" val="1"/>
-              </a:ext>
-            </a:extLst>
-          </p:cNvPr>
+          <p:cNvPr id="16" name="Rectangle 15"/>
           <p:cNvSpPr/>
           <p:nvPr userDrawn="1"/>
         </p:nvSpPr>
@@ -8553,15 +8337,9 @@
       </p:sp>
       <p:sp>
         <p:nvSpPr>
-          <p:cNvPr id="17" name="Footer Placeholder 7">
-            <a:extLst>
-              <a:ext uri="{FF2B5EF4-FFF2-40B4-BE49-F238E27FC236}">
-                <a16:creationId xmlns:a16="http://schemas.microsoft.com/office/drawing/2014/main" id="{182CF530-D736-4104-8678-850EEDF997E6}"/>
-              </a:ext>
-            </a:extLst>
-          </p:cNvPr>
-          <p:cNvSpPr>
-            <a:spLocks noGrp="1"/>
+          <p:cNvPr id="17" name="Footer Placeholder 7"/>
+          <p:cNvSpPr>
+            <a:spLocks noGrp="1" noEditPoints="1"/>
           </p:cNvSpPr>
           <p:nvPr>
             <p:ph type="ftr" sz="quarter" idx="11"/>
@@ -8594,16 +8372,7 @@
       </p:sp>
       <p:sp>
         <p:nvSpPr>
-          <p:cNvPr id="18" name="Rectangle 17">
-            <a:extLst>
-              <a:ext uri="{FF2B5EF4-FFF2-40B4-BE49-F238E27FC236}">
-                <a16:creationId xmlns:a16="http://schemas.microsoft.com/office/drawing/2014/main" id="{3E23953F-BF80-48E0-8282-62907D6C29C6}"/>
-              </a:ext>
-              <a:ext uri="{C183D7F6-B498-43B3-948B-1728B52AA6E4}">
-                <adec:decorative xmlns:adec="http://schemas.microsoft.com/office/drawing/2017/decorative" val="1"/>
-              </a:ext>
-            </a:extLst>
-          </p:cNvPr>
+          <p:cNvPr id="18" name="Rectangle 17"/>
           <p:cNvSpPr/>
           <p:nvPr userDrawn="1"/>
         </p:nvSpPr>
@@ -8649,15 +8418,9 @@
       </p:sp>
       <p:sp>
         <p:nvSpPr>
-          <p:cNvPr id="19" name="Date Placeholder 5">
-            <a:extLst>
-              <a:ext uri="{FF2B5EF4-FFF2-40B4-BE49-F238E27FC236}">
-                <a16:creationId xmlns:a16="http://schemas.microsoft.com/office/drawing/2014/main" id="{8DEDB7CE-711E-4E43-9450-4C7BECE2FCFC}"/>
-              </a:ext>
-            </a:extLst>
-          </p:cNvPr>
-          <p:cNvSpPr>
-            <a:spLocks noGrp="1"/>
+          <p:cNvPr id="19" name="Date Placeholder 5"/>
+          <p:cNvSpPr>
+            <a:spLocks noGrp="1" noEditPoints="1"/>
           </p:cNvSpPr>
           <p:nvPr>
             <p:ph type="dt" sz="half" idx="10"/>
@@ -8683,15 +8446,9 @@
       </p:sp>
       <p:sp>
         <p:nvSpPr>
-          <p:cNvPr id="20" name="Slide Number Placeholder 9">
-            <a:extLst>
-              <a:ext uri="{FF2B5EF4-FFF2-40B4-BE49-F238E27FC236}">
-                <a16:creationId xmlns:a16="http://schemas.microsoft.com/office/drawing/2014/main" id="{F5D9588C-9E6B-42F6-8B42-D18388626ACB}"/>
-              </a:ext>
-            </a:extLst>
-          </p:cNvPr>
-          <p:cNvSpPr>
-            <a:spLocks noGrp="1"/>
+          <p:cNvPr id="20" name="Slide Number Placeholder 9"/>
+          <p:cNvSpPr>
+            <a:spLocks noGrp="1" noEditPoints="1"/>
           </p:cNvSpPr>
           <p:nvPr>
             <p:ph type="sldNum" sz="quarter" idx="12"/>
@@ -8716,11 +8473,6 @@
         </p:txBody>
       </p:sp>
     </p:spTree>
-    <p:extLst>
-      <p:ext uri="{BB962C8B-B14F-4D97-AF65-F5344CB8AC3E}">
-        <p14:creationId xmlns:p14="http://schemas.microsoft.com/office/powerpoint/2010/main" val="999858351"/>
-      </p:ext>
-    </p:extLst>
   </p:cSld>
   <p:clrMapOvr>
     <a:masterClrMapping/>
@@ -8750,7 +8502,7 @@
         <p:nvSpPr>
           <p:cNvPr id="2" name="Title 1"/>
           <p:cNvSpPr>
-            <a:spLocks noGrp="1"/>
+            <a:spLocks noGrp="1" noEditPoints="1"/>
           </p:cNvSpPr>
           <p:nvPr>
             <p:ph type="title"/>
@@ -8773,7 +8525,7 @@
         <p:nvSpPr>
           <p:cNvPr id="3" name="Content Placeholder 2"/>
           <p:cNvSpPr>
-            <a:spLocks noGrp="1"/>
+            <a:spLocks noGrp="1" noEditPoints="1"/>
           </p:cNvSpPr>
           <p:nvPr>
             <p:ph idx="1"/>
@@ -8825,7 +8577,7 @@
         <p:nvSpPr>
           <p:cNvPr id="7" name="Date Placeholder 3"/>
           <p:cNvSpPr>
-            <a:spLocks noGrp="1"/>
+            <a:spLocks noGrp="1" noEditPoints="1"/>
           </p:cNvSpPr>
           <p:nvPr>
             <p:ph type="dt" sz="half" idx="10"/>
@@ -8848,7 +8600,7 @@
         <p:nvSpPr>
           <p:cNvPr id="5" name="Footer Placeholder 4"/>
           <p:cNvSpPr>
-            <a:spLocks noGrp="1"/>
+            <a:spLocks noGrp="1" noEditPoints="1"/>
           </p:cNvSpPr>
           <p:nvPr>
             <p:ph type="ftr" sz="quarter" idx="11"/>
@@ -8871,7 +8623,7 @@
         <p:nvSpPr>
           <p:cNvPr id="6" name="Slide Number Placeholder 5"/>
           <p:cNvSpPr>
-            <a:spLocks noGrp="1"/>
+            <a:spLocks noGrp="1" noEditPoints="1"/>
           </p:cNvSpPr>
           <p:nvPr>
             <p:ph type="sldNum" sz="quarter" idx="12"/>
@@ -8884,7 +8636,6 @@
           <a:p>
             <a:fld id="{FAEF9944-A4F6-4C59-AEBD-678D6480B8EA}" type="slidenum">
               <a:rPr lang="en-US" smtClean="0"/>
-              <a:pPr/>
               <a:t>‹#›</a:t>
             </a:fld>
             <a:endParaRPr lang="en-US" dirty="0"/>
@@ -8892,11 +8643,6 @@
         </p:txBody>
       </p:sp>
     </p:spTree>
-    <p:extLst>
-      <p:ext uri="{BB962C8B-B14F-4D97-AF65-F5344CB8AC3E}">
-        <p14:creationId xmlns:p14="http://schemas.microsoft.com/office/powerpoint/2010/main" val="3165841031"/>
-      </p:ext>
-    </p:extLst>
   </p:cSld>
   <p:clrMapOvr>
     <a:masterClrMapping/>
@@ -8924,16 +8670,7 @@
       </p:grpSpPr>
       <p:sp useBgFill="1">
         <p:nvSpPr>
-          <p:cNvPr id="22" name="Rectangle 21">
-            <a:extLst>
-              <a:ext uri="{FF2B5EF4-FFF2-40B4-BE49-F238E27FC236}">
-                <a16:creationId xmlns:a16="http://schemas.microsoft.com/office/drawing/2014/main" id="{5C341663-7159-49AD-AAF3-4B3C490D8123}"/>
-              </a:ext>
-              <a:ext uri="{C183D7F6-B498-43B3-948B-1728B52AA6E4}">
-                <adec:decorative xmlns:adec="http://schemas.microsoft.com/office/drawing/2017/decorative" val="1"/>
-              </a:ext>
-            </a:extLst>
-          </p:cNvPr>
+          <p:cNvPr id="22" name="Rectangle 21"/>
           <p:cNvSpPr/>
           <p:nvPr userDrawn="1"/>
         </p:nvSpPr>
@@ -8976,16 +8713,7 @@
       </p:sp>
       <p:sp>
         <p:nvSpPr>
-          <p:cNvPr id="25" name="Rectangle 24">
-            <a:extLst>
-              <a:ext uri="{FF2B5EF4-FFF2-40B4-BE49-F238E27FC236}">
-                <a16:creationId xmlns:a16="http://schemas.microsoft.com/office/drawing/2014/main" id="{96DEFA91-CCB3-4B9E-9CFC-AA9D92073BB2}"/>
-              </a:ext>
-              <a:ext uri="{C183D7F6-B498-43B3-948B-1728B52AA6E4}">
-                <adec:decorative xmlns:adec="http://schemas.microsoft.com/office/drawing/2017/decorative" val="1"/>
-              </a:ext>
-            </a:extLst>
-          </p:cNvPr>
+          <p:cNvPr id="25" name="Rectangle 24"/>
           <p:cNvSpPr/>
           <p:nvPr userDrawn="1"/>
         </p:nvSpPr>
@@ -9031,16 +8759,7 @@
       </p:sp>
       <p:sp>
         <p:nvSpPr>
-          <p:cNvPr id="24" name="Rectangle 23">
-            <a:extLst>
-              <a:ext uri="{FF2B5EF4-FFF2-40B4-BE49-F238E27FC236}">
-                <a16:creationId xmlns:a16="http://schemas.microsoft.com/office/drawing/2014/main" id="{D83D2425-8E71-4C9D-8737-018CE44525D0}"/>
-              </a:ext>
-              <a:ext uri="{C183D7F6-B498-43B3-948B-1728B52AA6E4}">
-                <adec:decorative xmlns:adec="http://schemas.microsoft.com/office/drawing/2017/decorative" val="1"/>
-              </a:ext>
-            </a:extLst>
-          </p:cNvPr>
+          <p:cNvPr id="24" name="Rectangle 23"/>
           <p:cNvSpPr/>
           <p:nvPr userDrawn="1"/>
         </p:nvSpPr>
@@ -9086,16 +8805,7 @@
       </p:sp>
       <p:sp>
         <p:nvSpPr>
-          <p:cNvPr id="27" name="Rectangle 26">
-            <a:extLst>
-              <a:ext uri="{FF2B5EF4-FFF2-40B4-BE49-F238E27FC236}">
-                <a16:creationId xmlns:a16="http://schemas.microsoft.com/office/drawing/2014/main" id="{20F2EB12-394C-40E4-9186-CBD6635B5DA9}"/>
-              </a:ext>
-              <a:ext uri="{C183D7F6-B498-43B3-948B-1728B52AA6E4}">
-                <adec:decorative xmlns:adec="http://schemas.microsoft.com/office/drawing/2017/decorative" val="1"/>
-              </a:ext>
-            </a:extLst>
-          </p:cNvPr>
+          <p:cNvPr id="27" name="Rectangle 26"/>
           <p:cNvSpPr/>
           <p:nvPr userDrawn="1"/>
         </p:nvSpPr>
@@ -9143,15 +8853,9 @@
       </p:sp>
       <p:sp>
         <p:nvSpPr>
-          <p:cNvPr id="28" name="Title 1">
-            <a:extLst>
-              <a:ext uri="{FF2B5EF4-FFF2-40B4-BE49-F238E27FC236}">
-                <a16:creationId xmlns:a16="http://schemas.microsoft.com/office/drawing/2014/main" id="{53F9468C-8821-4670-9C7C-78E7D75861AD}"/>
-              </a:ext>
-            </a:extLst>
-          </p:cNvPr>
-          <p:cNvSpPr>
-            <a:spLocks noGrp="1"/>
+          <p:cNvPr id="28" name="Title 1"/>
+          <p:cNvSpPr>
+            <a:spLocks noGrp="1" noEditPoints="1"/>
           </p:cNvSpPr>
           <p:nvPr>
             <p:ph type="title" hasCustomPrompt="1"/>
@@ -9165,11 +8869,7 @@
         </p:spPr>
         <p:txBody>
           <a:bodyPr/>
-          <a:lstStyle>
-            <a:lvl1pPr>
-              <a:defRPr/>
-            </a:lvl1pPr>
-          </a:lstStyle>
+          <a:lstStyle/>
           <a:p>
             <a:r>
               <a:rPr lang="en-US" dirty="0"/>
@@ -9180,15 +8880,9 @@
       </p:sp>
       <p:sp>
         <p:nvSpPr>
-          <p:cNvPr id="35" name="Picture Placeholder 5">
-            <a:extLst>
-              <a:ext uri="{FF2B5EF4-FFF2-40B4-BE49-F238E27FC236}">
-                <a16:creationId xmlns:a16="http://schemas.microsoft.com/office/drawing/2014/main" id="{6198A97B-719D-4F79-A04B-46EE272A1D90}"/>
-              </a:ext>
-            </a:extLst>
-          </p:cNvPr>
-          <p:cNvSpPr>
-            <a:spLocks noGrp="1"/>
+          <p:cNvPr id="35" name="Picture Placeholder 5"/>
+          <p:cNvSpPr>
+            <a:spLocks noGrp="1" noEditPoints="1"/>
           </p:cNvSpPr>
           <p:nvPr>
             <p:ph type="pic" sz="quarter" idx="14" hasCustomPrompt="1"/>
@@ -9203,11 +8897,10 @@
         <p:txBody>
           <a:bodyPr anchor="t"/>
           <a:lstStyle>
-            <a:lvl1pPr algn="ctr">
-              <a:defRPr/>
-            </a:lvl1pPr>
+            <a:lvl1pPr algn="ctr"/>
           </a:lstStyle>
           <a:p>
+            <a:pPr lvl="0"/>
             <a:r>
               <a:rPr lang="en-US" dirty="0"/>
               <a:t>Click to add photo</a:t>
@@ -9217,15 +8910,9 @@
       </p:sp>
       <p:sp>
         <p:nvSpPr>
-          <p:cNvPr id="34" name="Picture Placeholder 5">
-            <a:extLst>
-              <a:ext uri="{FF2B5EF4-FFF2-40B4-BE49-F238E27FC236}">
-                <a16:creationId xmlns:a16="http://schemas.microsoft.com/office/drawing/2014/main" id="{79E62157-5D84-47E4-9718-5408E1C7E769}"/>
-              </a:ext>
-            </a:extLst>
-          </p:cNvPr>
-          <p:cNvSpPr>
-            <a:spLocks noGrp="1"/>
+          <p:cNvPr id="34" name="Picture Placeholder 5"/>
+          <p:cNvSpPr>
+            <a:spLocks noGrp="1" noEditPoints="1"/>
           </p:cNvSpPr>
           <p:nvPr>
             <p:ph type="pic" sz="quarter" idx="13" hasCustomPrompt="1"/>
@@ -9240,11 +8927,10 @@
         <p:txBody>
           <a:bodyPr anchor="t"/>
           <a:lstStyle>
-            <a:lvl1pPr algn="ctr">
-              <a:defRPr/>
-            </a:lvl1pPr>
+            <a:lvl1pPr algn="ctr"/>
           </a:lstStyle>
           <a:p>
+            <a:pPr lvl="0"/>
             <a:r>
               <a:rPr lang="en-US" dirty="0"/>
               <a:t>Click to add photo</a:t>
@@ -9254,15 +8940,9 @@
       </p:sp>
       <p:sp>
         <p:nvSpPr>
-          <p:cNvPr id="29" name="Content Placeholder 2">
-            <a:extLst>
-              <a:ext uri="{FF2B5EF4-FFF2-40B4-BE49-F238E27FC236}">
-                <a16:creationId xmlns:a16="http://schemas.microsoft.com/office/drawing/2014/main" id="{551E6FEF-934C-427E-A65F-F501B04FC71D}"/>
-              </a:ext>
-            </a:extLst>
-          </p:cNvPr>
-          <p:cNvSpPr>
-            <a:spLocks noGrp="1"/>
+          <p:cNvPr id="29" name="Content Placeholder 2"/>
+          <p:cNvSpPr>
+            <a:spLocks noGrp="1" noEditPoints="1"/>
           </p:cNvSpPr>
           <p:nvPr>
             <p:ph idx="1" hasCustomPrompt="1"/>
@@ -9284,6 +8964,7 @@
             </a:lvl1pPr>
           </a:lstStyle>
           <a:p>
+            <a:pPr lvl="0"/>
             <a:r>
               <a:rPr lang="en-US" dirty="0"/>
               <a:t>Click to add text</a:t>
@@ -9293,15 +8974,9 @@
       </p:sp>
       <p:sp>
         <p:nvSpPr>
-          <p:cNvPr id="31" name="Footer Placeholder 4">
-            <a:extLst>
-              <a:ext uri="{FF2B5EF4-FFF2-40B4-BE49-F238E27FC236}">
-                <a16:creationId xmlns:a16="http://schemas.microsoft.com/office/drawing/2014/main" id="{CA12CF76-B207-465C-A494-3C57818ACCE6}"/>
-              </a:ext>
-            </a:extLst>
-          </p:cNvPr>
-          <p:cNvSpPr>
-            <a:spLocks noGrp="1"/>
+          <p:cNvPr id="31" name="Footer Placeholder 4"/>
+          <p:cNvSpPr>
+            <a:spLocks noGrp="1" noEditPoints="1"/>
           </p:cNvSpPr>
           <p:nvPr>
             <p:ph type="ftr" sz="quarter" idx="11"/>
@@ -9338,15 +9013,9 @@
       </p:sp>
       <p:sp>
         <p:nvSpPr>
-          <p:cNvPr id="30" name="Date Placeholder 3">
-            <a:extLst>
-              <a:ext uri="{FF2B5EF4-FFF2-40B4-BE49-F238E27FC236}">
-                <a16:creationId xmlns:a16="http://schemas.microsoft.com/office/drawing/2014/main" id="{9F682261-0FB4-4600-86B5-DDF27881F743}"/>
-              </a:ext>
-            </a:extLst>
-          </p:cNvPr>
-          <p:cNvSpPr>
-            <a:spLocks noGrp="1"/>
+          <p:cNvPr id="30" name="Date Placeholder 3"/>
+          <p:cNvSpPr>
+            <a:spLocks noGrp="1" noEditPoints="1"/>
           </p:cNvSpPr>
           <p:nvPr>
             <p:ph type="dt" sz="half" idx="10"/>
@@ -9374,7 +9043,6 @@
                   <a:schemeClr val="tx2"/>
                 </a:solidFill>
               </a:rPr>
-              <a:pPr/>
               <a:t>2/2/2024</a:t>
             </a:fld>
             <a:endParaRPr lang="en-US" dirty="0"/>
@@ -9383,15 +9051,9 @@
       </p:sp>
       <p:sp>
         <p:nvSpPr>
-          <p:cNvPr id="32" name="Slide Number Placeholder 5">
-            <a:extLst>
-              <a:ext uri="{FF2B5EF4-FFF2-40B4-BE49-F238E27FC236}">
-                <a16:creationId xmlns:a16="http://schemas.microsoft.com/office/drawing/2014/main" id="{632EB37A-06D5-4BC7-BC11-75B1719B0EA4}"/>
-              </a:ext>
-            </a:extLst>
-          </p:cNvPr>
-          <p:cNvSpPr>
-            <a:spLocks noGrp="1"/>
+          <p:cNvPr id="32" name="Slide Number Placeholder 5"/>
+          <p:cNvSpPr>
+            <a:spLocks noGrp="1" noEditPoints="1"/>
           </p:cNvSpPr>
           <p:nvPr>
             <p:ph type="sldNum" sz="quarter" idx="12"/>
@@ -9416,11 +9078,6 @@
         </p:txBody>
       </p:sp>
     </p:spTree>
-    <p:extLst>
-      <p:ext uri="{BB962C8B-B14F-4D97-AF65-F5344CB8AC3E}">
-        <p14:creationId xmlns:p14="http://schemas.microsoft.com/office/powerpoint/2010/main" val="1765997772"/>
-      </p:ext>
-    </p:extLst>
   </p:cSld>
   <p:clrMapOvr>
     <a:masterClrMapping/>
@@ -9448,16 +9105,7 @@
       </p:grpSpPr>
       <p:sp useBgFill="1">
         <p:nvSpPr>
-          <p:cNvPr id="6" name="Rectangle 5">
-            <a:extLst>
-              <a:ext uri="{FF2B5EF4-FFF2-40B4-BE49-F238E27FC236}">
-                <a16:creationId xmlns:a16="http://schemas.microsoft.com/office/drawing/2014/main" id="{23DC2F0A-1748-49AE-AF72-D6BBB4F8FEC3}"/>
-              </a:ext>
-              <a:ext uri="{C183D7F6-B498-43B3-948B-1728B52AA6E4}">
-                <adec:decorative xmlns:adec="http://schemas.microsoft.com/office/drawing/2017/decorative" val="1"/>
-              </a:ext>
-            </a:extLst>
-          </p:cNvPr>
+          <p:cNvPr id="6" name="Rectangle 5"/>
           <p:cNvSpPr/>
           <p:nvPr userDrawn="1"/>
         </p:nvSpPr>
@@ -9500,16 +9148,7 @@
       </p:sp>
       <p:sp>
         <p:nvSpPr>
-          <p:cNvPr id="7" name="Rectangle 6">
-            <a:extLst>
-              <a:ext uri="{FF2B5EF4-FFF2-40B4-BE49-F238E27FC236}">
-                <a16:creationId xmlns:a16="http://schemas.microsoft.com/office/drawing/2014/main" id="{683DF7B1-E0C5-4E09-BB5C-F11EA14D7C95}"/>
-              </a:ext>
-              <a:ext uri="{C183D7F6-B498-43B3-948B-1728B52AA6E4}">
-                <adec:decorative xmlns:adec="http://schemas.microsoft.com/office/drawing/2017/decorative" val="1"/>
-              </a:ext>
-            </a:extLst>
-          </p:cNvPr>
+          <p:cNvPr id="7" name="Rectangle 6"/>
           <p:cNvSpPr/>
           <p:nvPr userDrawn="1"/>
         </p:nvSpPr>
@@ -9555,15 +9194,9 @@
       </p:sp>
       <p:sp>
         <p:nvSpPr>
-          <p:cNvPr id="8" name="Title 1">
-            <a:extLst>
-              <a:ext uri="{FF2B5EF4-FFF2-40B4-BE49-F238E27FC236}">
-                <a16:creationId xmlns:a16="http://schemas.microsoft.com/office/drawing/2014/main" id="{BBC678EC-E47C-4AC2-A75A-7022CECD0031}"/>
-              </a:ext>
-            </a:extLst>
-          </p:cNvPr>
-          <p:cNvSpPr>
-            <a:spLocks noGrp="1"/>
+          <p:cNvPr id="8" name="Title 1"/>
+          <p:cNvSpPr>
+            <a:spLocks noGrp="1" noEditPoints="1"/>
           </p:cNvSpPr>
           <p:nvPr>
             <p:ph type="title" hasCustomPrompt="1"/>
@@ -9603,15 +9236,9 @@
       </p:sp>
       <p:sp>
         <p:nvSpPr>
-          <p:cNvPr id="25" name="Picture Placeholder 21">
-            <a:extLst>
-              <a:ext uri="{FF2B5EF4-FFF2-40B4-BE49-F238E27FC236}">
-                <a16:creationId xmlns:a16="http://schemas.microsoft.com/office/drawing/2014/main" id="{8B745891-A8DA-4640-BB3F-1693FC5AC4AB}"/>
-              </a:ext>
-            </a:extLst>
-          </p:cNvPr>
-          <p:cNvSpPr>
-            <a:spLocks noGrp="1"/>
+          <p:cNvPr id="25" name="Picture Placeholder 21"/>
+          <p:cNvSpPr>
+            <a:spLocks noGrp="1" noEditPoints="1"/>
           </p:cNvSpPr>
           <p:nvPr>
             <p:ph type="pic" sz="quarter" idx="14" hasCustomPrompt="1"/>
@@ -9626,11 +9253,10 @@
         <p:txBody>
           <a:bodyPr anchor="t"/>
           <a:lstStyle>
-            <a:lvl1pPr algn="ctr">
-              <a:defRPr/>
-            </a:lvl1pPr>
+            <a:lvl1pPr algn="ctr"/>
           </a:lstStyle>
           <a:p>
+            <a:pPr lvl="0"/>
             <a:r>
               <a:rPr lang="en-US" dirty="0"/>
               <a:t>Click to add photo</a:t>
@@ -9640,15 +9266,9 @@
       </p:sp>
       <p:sp>
         <p:nvSpPr>
-          <p:cNvPr id="24" name="Picture Placeholder 21">
-            <a:extLst>
-              <a:ext uri="{FF2B5EF4-FFF2-40B4-BE49-F238E27FC236}">
-                <a16:creationId xmlns:a16="http://schemas.microsoft.com/office/drawing/2014/main" id="{BC2DF568-4EA5-4F79-980F-47FC90AEA129}"/>
-              </a:ext>
-            </a:extLst>
-          </p:cNvPr>
-          <p:cNvSpPr>
-            <a:spLocks noGrp="1"/>
+          <p:cNvPr id="24" name="Picture Placeholder 21"/>
+          <p:cNvSpPr>
+            <a:spLocks noGrp="1" noEditPoints="1"/>
           </p:cNvSpPr>
           <p:nvPr>
             <p:ph type="pic" sz="quarter" idx="13" hasCustomPrompt="1"/>
@@ -9663,11 +9283,10 @@
         <p:txBody>
           <a:bodyPr anchor="t"/>
           <a:lstStyle>
-            <a:lvl1pPr algn="ctr">
-              <a:defRPr/>
-            </a:lvl1pPr>
+            <a:lvl1pPr algn="ctr"/>
           </a:lstStyle>
           <a:p>
+            <a:pPr lvl="0"/>
             <a:r>
               <a:rPr lang="en-US" dirty="0"/>
               <a:t>Click to add photo</a:t>
@@ -9677,16 +9296,7 @@
       </p:sp>
       <p:sp>
         <p:nvSpPr>
-          <p:cNvPr id="9" name="Rectangle 8">
-            <a:extLst>
-              <a:ext uri="{FF2B5EF4-FFF2-40B4-BE49-F238E27FC236}">
-                <a16:creationId xmlns:a16="http://schemas.microsoft.com/office/drawing/2014/main" id="{5E74E69A-5ABD-42DF-A2B0-997A626257D4}"/>
-              </a:ext>
-              <a:ext uri="{C183D7F6-B498-43B3-948B-1728B52AA6E4}">
-                <adec:decorative xmlns:adec="http://schemas.microsoft.com/office/drawing/2017/decorative" val="1"/>
-              </a:ext>
-            </a:extLst>
-          </p:cNvPr>
+          <p:cNvPr id="9" name="Rectangle 8"/>
           <p:cNvSpPr/>
           <p:nvPr userDrawn="1"/>
         </p:nvSpPr>
@@ -9732,16 +9342,7 @@
       </p:sp>
       <p:sp>
         <p:nvSpPr>
-          <p:cNvPr id="10" name="Rectangle 9">
-            <a:extLst>
-              <a:ext uri="{FF2B5EF4-FFF2-40B4-BE49-F238E27FC236}">
-                <a16:creationId xmlns:a16="http://schemas.microsoft.com/office/drawing/2014/main" id="{EC2B6D0A-4A1F-4B59-B429-AD3FABC74F33}"/>
-              </a:ext>
-              <a:ext uri="{C183D7F6-B498-43B3-948B-1728B52AA6E4}">
-                <adec:decorative xmlns:adec="http://schemas.microsoft.com/office/drawing/2017/decorative" val="1"/>
-              </a:ext>
-            </a:extLst>
-          </p:cNvPr>
+          <p:cNvPr id="10" name="Rectangle 9"/>
           <p:cNvSpPr/>
           <p:nvPr userDrawn="1"/>
         </p:nvSpPr>
@@ -9787,16 +9388,7 @@
       </p:sp>
       <p:sp>
         <p:nvSpPr>
-          <p:cNvPr id="11" name="Rectangle 10">
-            <a:extLst>
-              <a:ext uri="{FF2B5EF4-FFF2-40B4-BE49-F238E27FC236}">
-                <a16:creationId xmlns:a16="http://schemas.microsoft.com/office/drawing/2014/main" id="{32B66529-F6B7-4C1C-8291-8139628DF6C0}"/>
-              </a:ext>
-              <a:ext uri="{C183D7F6-B498-43B3-948B-1728B52AA6E4}">
-                <adec:decorative xmlns:adec="http://schemas.microsoft.com/office/drawing/2017/decorative" val="1"/>
-              </a:ext>
-            </a:extLst>
-          </p:cNvPr>
+          <p:cNvPr id="11" name="Rectangle 10"/>
           <p:cNvSpPr/>
           <p:nvPr userDrawn="1"/>
         </p:nvSpPr>
@@ -9842,16 +9434,7 @@
       </p:sp>
       <p:sp>
         <p:nvSpPr>
-          <p:cNvPr id="14" name="Rectangle 13">
-            <a:extLst>
-              <a:ext uri="{FF2B5EF4-FFF2-40B4-BE49-F238E27FC236}">
-                <a16:creationId xmlns:a16="http://schemas.microsoft.com/office/drawing/2014/main" id="{872245B9-34B5-4F89-8EA6-C018B9D4FA46}"/>
-              </a:ext>
-              <a:ext uri="{C183D7F6-B498-43B3-948B-1728B52AA6E4}">
-                <adec:decorative xmlns:adec="http://schemas.microsoft.com/office/drawing/2017/decorative" val="1"/>
-              </a:ext>
-            </a:extLst>
-          </p:cNvPr>
+          <p:cNvPr id="14" name="Rectangle 13"/>
           <p:cNvSpPr/>
           <p:nvPr userDrawn="1"/>
         </p:nvSpPr>
@@ -9899,16 +9482,7 @@
       </p:sp>
       <p:sp>
         <p:nvSpPr>
-          <p:cNvPr id="15" name="Rectangle 14">
-            <a:extLst>
-              <a:ext uri="{FF2B5EF4-FFF2-40B4-BE49-F238E27FC236}">
-                <a16:creationId xmlns:a16="http://schemas.microsoft.com/office/drawing/2014/main" id="{690814BE-76E8-43EC-9616-A1F02F053AD5}"/>
-              </a:ext>
-              <a:ext uri="{C183D7F6-B498-43B3-948B-1728B52AA6E4}">
-                <adec:decorative xmlns:adec="http://schemas.microsoft.com/office/drawing/2017/decorative" val="1"/>
-              </a:ext>
-            </a:extLst>
-          </p:cNvPr>
+          <p:cNvPr id="15" name="Rectangle 14"/>
           <p:cNvSpPr/>
           <p:nvPr userDrawn="1"/>
         </p:nvSpPr>
@@ -9954,15 +9528,9 @@
       </p:sp>
       <p:sp>
         <p:nvSpPr>
-          <p:cNvPr id="16" name="Content Placeholder 2">
-            <a:extLst>
-              <a:ext uri="{FF2B5EF4-FFF2-40B4-BE49-F238E27FC236}">
-                <a16:creationId xmlns:a16="http://schemas.microsoft.com/office/drawing/2014/main" id="{F8AAA0A6-9D4B-4AA2-82F0-77E5ECF4B647}"/>
-              </a:ext>
-            </a:extLst>
-          </p:cNvPr>
-          <p:cNvSpPr>
-            <a:spLocks noGrp="1"/>
+          <p:cNvPr id="16" name="Content Placeholder 2"/>
+          <p:cNvSpPr>
+            <a:spLocks noGrp="1" noEditPoints="1"/>
           </p:cNvSpPr>
           <p:nvPr>
             <p:ph idx="1" hasCustomPrompt="1"/>
@@ -9987,6 +9555,7 @@
             </a:lvl1pPr>
           </a:lstStyle>
           <a:p>
+            <a:pPr lvl="0"/>
             <a:r>
               <a:rPr lang="en-US" dirty="0"/>
               <a:t>Click to add text</a:t>
@@ -9996,15 +9565,9 @@
       </p:sp>
       <p:sp>
         <p:nvSpPr>
-          <p:cNvPr id="17" name="Footer Placeholder 12">
-            <a:extLst>
-              <a:ext uri="{FF2B5EF4-FFF2-40B4-BE49-F238E27FC236}">
-                <a16:creationId xmlns:a16="http://schemas.microsoft.com/office/drawing/2014/main" id="{8E3FFD99-95F0-47A4-8642-FB9FECEC4F37}"/>
-              </a:ext>
-            </a:extLst>
-          </p:cNvPr>
-          <p:cNvSpPr>
-            <a:spLocks noGrp="1"/>
+          <p:cNvPr id="17" name="Footer Placeholder 12"/>
+          <p:cNvSpPr>
+            <a:spLocks noGrp="1" noEditPoints="1"/>
           </p:cNvSpPr>
           <p:nvPr>
             <p:ph type="ftr" sz="quarter" idx="11"/>
@@ -10044,16 +9607,7 @@
       </p:sp>
       <p:sp>
         <p:nvSpPr>
-          <p:cNvPr id="18" name="Rectangle 17">
-            <a:extLst>
-              <a:ext uri="{FF2B5EF4-FFF2-40B4-BE49-F238E27FC236}">
-                <a16:creationId xmlns:a16="http://schemas.microsoft.com/office/drawing/2014/main" id="{94727536-E532-4015-A178-0ABB6B09C661}"/>
-              </a:ext>
-              <a:ext uri="{C183D7F6-B498-43B3-948B-1728B52AA6E4}">
-                <adec:decorative xmlns:adec="http://schemas.microsoft.com/office/drawing/2017/decorative" val="1"/>
-              </a:ext>
-            </a:extLst>
-          </p:cNvPr>
+          <p:cNvPr id="18" name="Rectangle 17"/>
           <p:cNvSpPr/>
           <p:nvPr userDrawn="1"/>
         </p:nvSpPr>
@@ -10099,15 +9653,9 @@
       </p:sp>
       <p:sp>
         <p:nvSpPr>
-          <p:cNvPr id="19" name="Date Placeholder 11">
-            <a:extLst>
-              <a:ext uri="{FF2B5EF4-FFF2-40B4-BE49-F238E27FC236}">
-                <a16:creationId xmlns:a16="http://schemas.microsoft.com/office/drawing/2014/main" id="{22977876-C29D-4D32-9948-303465AEC312}"/>
-              </a:ext>
-            </a:extLst>
-          </p:cNvPr>
-          <p:cNvSpPr>
-            <a:spLocks noGrp="1"/>
+          <p:cNvPr id="19" name="Date Placeholder 11"/>
+          <p:cNvSpPr>
+            <a:spLocks noGrp="1" noEditPoints="1"/>
           </p:cNvSpPr>
           <p:nvPr>
             <p:ph type="dt" sz="half" idx="10"/>
@@ -10133,15 +9681,9 @@
       </p:sp>
       <p:sp>
         <p:nvSpPr>
-          <p:cNvPr id="20" name="Slide Number Placeholder 15">
-            <a:extLst>
-              <a:ext uri="{FF2B5EF4-FFF2-40B4-BE49-F238E27FC236}">
-                <a16:creationId xmlns:a16="http://schemas.microsoft.com/office/drawing/2014/main" id="{6A7BC11E-2EF0-4989-9A7E-7AB377DB8534}"/>
-              </a:ext>
-            </a:extLst>
-          </p:cNvPr>
-          <p:cNvSpPr>
-            <a:spLocks noGrp="1"/>
+          <p:cNvPr id="20" name="Slide Number Placeholder 15"/>
+          <p:cNvSpPr>
+            <a:spLocks noGrp="1" noEditPoints="1"/>
           </p:cNvSpPr>
           <p:nvPr>
             <p:ph type="sldNum" sz="quarter" idx="12"/>
@@ -10166,11 +9708,6 @@
         </p:txBody>
       </p:sp>
     </p:spTree>
-    <p:extLst>
-      <p:ext uri="{BB962C8B-B14F-4D97-AF65-F5344CB8AC3E}">
-        <p14:creationId xmlns:p14="http://schemas.microsoft.com/office/powerpoint/2010/main" val="1586550783"/>
-      </p:ext>
-    </p:extLst>
   </p:cSld>
   <p:clrMapOvr>
     <a:masterClrMapping/>
@@ -10198,16 +9735,7 @@
       </p:grpSpPr>
       <p:sp useBgFill="1">
         <p:nvSpPr>
-          <p:cNvPr id="2" name="Rectangle 1">
-            <a:extLst>
-              <a:ext uri="{FF2B5EF4-FFF2-40B4-BE49-F238E27FC236}">
-                <a16:creationId xmlns:a16="http://schemas.microsoft.com/office/drawing/2014/main" id="{2A19A957-1FB5-43F8-B325-BBD9FEF23E88}"/>
-              </a:ext>
-              <a:ext uri="{C183D7F6-B498-43B3-948B-1728B52AA6E4}">
-                <adec:decorative xmlns:adec="http://schemas.microsoft.com/office/drawing/2017/decorative" val="1"/>
-              </a:ext>
-            </a:extLst>
-          </p:cNvPr>
+          <p:cNvPr id="2" name="Rectangle 1"/>
           <p:cNvSpPr/>
           <p:nvPr userDrawn="1"/>
         </p:nvSpPr>
@@ -10243,7 +9771,7 @@
           <a:bodyPr rtlCol="0" anchor="ctr"/>
           <a:lstStyle/>
           <a:p>
-            <a:pPr marL="0" marR="0" lvl="0" indent="0" algn="ctr" defTabSz="914400" rtl="0" eaLnBrk="1" fontAlgn="auto" latinLnBrk="0" hangingPunct="1">
+            <a:pPr marL="0" marR="0" indent="0" algn="ctr" defTabSz="914400" rtl="0" eaLnBrk="1" fontAlgn="auto" latinLnBrk="0" hangingPunct="1">
               <a:lnSpc>
                 <a:spcPct val="100000"/>
               </a:lnSpc>
@@ -10253,14 +9781,11 @@
               <a:spcAft>
                 <a:spcPts val="0"/>
               </a:spcAft>
-              <a:buClrTx/>
-              <a:buSzTx/>
+              <a:buSzPct val="100000"/>
               <a:buFontTx/>
               <a:buNone/>
-              <a:tabLst/>
-              <a:defRPr/>
             </a:pPr>
-            <a:endParaRPr kumimoji="0" lang="en-US" sz="1800" b="0" i="0" u="none" strike="noStrike" kern="1200" cap="none" spc="0" normalizeH="0" baseline="0" noProof="0" dirty="0">
+            <a:endParaRPr kumimoji="0" lang="en-US" sz="1800" b="0" i="0" u="none" strike="noStrike" kern="1200" cap="none" spc="0" baseline="0" noProof="0" dirty="0">
               <a:ln>
                 <a:noFill/>
               </a:ln>
@@ -10269,7 +9794,6 @@
               </a:solidFill>
               <a:effectLst/>
               <a:uLnTx/>
-              <a:uFillTx/>
               <a:latin typeface="Meiryo"/>
               <a:ea typeface="+mn-ea"/>
               <a:cs typeface="+mn-cs"/>
@@ -10279,16 +9803,7 @@
       </p:sp>
       <p:sp>
         <p:nvSpPr>
-          <p:cNvPr id="20" name="Rectangle 19">
-            <a:extLst>
-              <a:ext uri="{FF2B5EF4-FFF2-40B4-BE49-F238E27FC236}">
-                <a16:creationId xmlns:a16="http://schemas.microsoft.com/office/drawing/2014/main" id="{3FA5410A-92A6-4C0B-9D89-186B7DDB20BD}"/>
-              </a:ext>
-              <a:ext uri="{C183D7F6-B498-43B3-948B-1728B52AA6E4}">
-                <adec:decorative xmlns:adec="http://schemas.microsoft.com/office/drawing/2017/decorative" val="1"/>
-              </a:ext>
-            </a:extLst>
-          </p:cNvPr>
+          <p:cNvPr id="20" name="Rectangle 19"/>
           <p:cNvSpPr/>
           <p:nvPr userDrawn="1"/>
         </p:nvSpPr>
@@ -10334,15 +9849,9 @@
       </p:sp>
       <p:sp>
         <p:nvSpPr>
-          <p:cNvPr id="4" name="Title 1">
-            <a:extLst>
-              <a:ext uri="{FF2B5EF4-FFF2-40B4-BE49-F238E27FC236}">
-                <a16:creationId xmlns:a16="http://schemas.microsoft.com/office/drawing/2014/main" id="{CD8F3F22-19C9-4C61-8202-3220217D2938}"/>
-              </a:ext>
-            </a:extLst>
-          </p:cNvPr>
-          <p:cNvSpPr>
-            <a:spLocks noGrp="1"/>
+          <p:cNvPr id="4" name="Title 1"/>
+          <p:cNvSpPr>
+            <a:spLocks noGrp="1" noEditPoints="1"/>
           </p:cNvSpPr>
           <p:nvPr>
             <p:ph type="title" hasCustomPrompt="1"/>
@@ -10381,16 +9890,7 @@
       </p:sp>
       <p:sp>
         <p:nvSpPr>
-          <p:cNvPr id="5" name="Rectangle 4">
-            <a:extLst>
-              <a:ext uri="{FF2B5EF4-FFF2-40B4-BE49-F238E27FC236}">
-                <a16:creationId xmlns:a16="http://schemas.microsoft.com/office/drawing/2014/main" id="{21A26073-23A2-4B91-A128-79AA1BE93523}"/>
-              </a:ext>
-              <a:ext uri="{C183D7F6-B498-43B3-948B-1728B52AA6E4}">
-                <adec:decorative xmlns:adec="http://schemas.microsoft.com/office/drawing/2017/decorative" val="1"/>
-              </a:ext>
-            </a:extLst>
-          </p:cNvPr>
+          <p:cNvPr id="5" name="Rectangle 4"/>
           <p:cNvSpPr/>
           <p:nvPr userDrawn="1"/>
         </p:nvSpPr>
@@ -10438,16 +9938,7 @@
       </p:sp>
       <p:sp>
         <p:nvSpPr>
-          <p:cNvPr id="6" name="Rectangle 5">
-            <a:extLst>
-              <a:ext uri="{FF2B5EF4-FFF2-40B4-BE49-F238E27FC236}">
-                <a16:creationId xmlns:a16="http://schemas.microsoft.com/office/drawing/2014/main" id="{C14D5DFA-0CEA-43F0-98EE-6C9F741F7C96}"/>
-              </a:ext>
-              <a:ext uri="{C183D7F6-B498-43B3-948B-1728B52AA6E4}">
-                <adec:decorative xmlns:adec="http://schemas.microsoft.com/office/drawing/2017/decorative" val="1"/>
-              </a:ext>
-            </a:extLst>
-          </p:cNvPr>
+          <p:cNvPr id="6" name="Rectangle 5"/>
           <p:cNvSpPr/>
           <p:nvPr userDrawn="1"/>
         </p:nvSpPr>
@@ -10493,15 +9984,9 @@
       </p:sp>
       <p:sp>
         <p:nvSpPr>
-          <p:cNvPr id="15" name="Content Placeholder 2">
-            <a:extLst>
-              <a:ext uri="{FF2B5EF4-FFF2-40B4-BE49-F238E27FC236}">
-                <a16:creationId xmlns:a16="http://schemas.microsoft.com/office/drawing/2014/main" id="{0F94B471-6707-4251-8230-A51AED0767C9}"/>
-              </a:ext>
-            </a:extLst>
-          </p:cNvPr>
-          <p:cNvSpPr>
-            <a:spLocks noGrp="1"/>
+          <p:cNvPr id="15" name="Content Placeholder 2"/>
+          <p:cNvSpPr>
+            <a:spLocks noGrp="1" noEditPoints="1"/>
           </p:cNvSpPr>
           <p:nvPr>
             <p:ph idx="14" hasCustomPrompt="1"/>
@@ -10519,12 +10004,13 @@
           </a:bodyPr>
           <a:lstStyle>
             <a:lvl1pPr>
-              <a:buFont typeface="Arial" panose="020B0604020202020204" pitchFamily="34" charset="0"/>
+              <a:buFont typeface="Arial" pitchFamily="34" charset="0" panose="020B0604020202020204"/>
               <a:buNone/>
               <a:defRPr sz="2000" b="1"/>
             </a:lvl1pPr>
           </a:lstStyle>
           <a:p>
+            <a:pPr lvl="0"/>
             <a:r>
               <a:rPr lang="en-US" dirty="0"/>
               <a:t>Click to add subtitle</a:t>
@@ -10534,15 +10020,9 @@
       </p:sp>
       <p:sp>
         <p:nvSpPr>
-          <p:cNvPr id="8" name="Content Placeholder 2">
-            <a:extLst>
-              <a:ext uri="{FF2B5EF4-FFF2-40B4-BE49-F238E27FC236}">
-                <a16:creationId xmlns:a16="http://schemas.microsoft.com/office/drawing/2014/main" id="{ED986D97-E6F1-49E8-977A-C802B4E41B73}"/>
-              </a:ext>
-            </a:extLst>
-          </p:cNvPr>
-          <p:cNvSpPr>
-            <a:spLocks noGrp="1"/>
+          <p:cNvPr id="8" name="Content Placeholder 2"/>
+          <p:cNvSpPr>
+            <a:spLocks noGrp="1" noEditPoints="1"/>
           </p:cNvSpPr>
           <p:nvPr>
             <p:ph idx="1" hasCustomPrompt="1"/>
@@ -10560,12 +10040,13 @@
           </a:bodyPr>
           <a:lstStyle>
             <a:lvl1pPr marL="283464" indent="-283464">
-              <a:buFont typeface="Arial" panose="020B0604020202020204" pitchFamily="34" charset="0"/>
+              <a:buFont typeface="Arial" pitchFamily="34" charset="0" panose="020B0604020202020204"/>
               <a:buChar char="•"/>
               <a:defRPr sz="1600" b="0" baseline="0"/>
             </a:lvl1pPr>
           </a:lstStyle>
           <a:p>
+            <a:pPr lvl="0"/>
             <a:r>
               <a:rPr lang="en-US" dirty="0"/>
               <a:t> Click to add text</a:t>
@@ -10575,15 +10056,9 @@
       </p:sp>
       <p:sp>
         <p:nvSpPr>
-          <p:cNvPr id="16" name="Content Placeholder 2">
-            <a:extLst>
-              <a:ext uri="{FF2B5EF4-FFF2-40B4-BE49-F238E27FC236}">
-                <a16:creationId xmlns:a16="http://schemas.microsoft.com/office/drawing/2014/main" id="{762163C0-B07F-43E4-B17C-2E6A96553B98}"/>
-              </a:ext>
-            </a:extLst>
-          </p:cNvPr>
-          <p:cNvSpPr>
-            <a:spLocks noGrp="1"/>
+          <p:cNvPr id="16" name="Content Placeholder 2"/>
+          <p:cNvSpPr>
+            <a:spLocks noGrp="1" noEditPoints="1"/>
           </p:cNvSpPr>
           <p:nvPr>
             <p:ph idx="15" hasCustomPrompt="1"/>
@@ -10601,12 +10076,13 @@
           </a:bodyPr>
           <a:lstStyle>
             <a:lvl1pPr>
-              <a:buFont typeface="Arial" panose="020B0604020202020204" pitchFamily="34" charset="0"/>
+              <a:buFont typeface="Arial" pitchFamily="34" charset="0" panose="020B0604020202020204"/>
               <a:buNone/>
               <a:defRPr sz="2000" b="1"/>
             </a:lvl1pPr>
           </a:lstStyle>
           <a:p>
+            <a:pPr lvl="0"/>
             <a:r>
               <a:rPr lang="en-US" dirty="0"/>
               <a:t>Click to add subtitle</a:t>
@@ -10616,15 +10092,9 @@
       </p:sp>
       <p:sp>
         <p:nvSpPr>
-          <p:cNvPr id="14" name="Content Placeholder 2">
-            <a:extLst>
-              <a:ext uri="{FF2B5EF4-FFF2-40B4-BE49-F238E27FC236}">
-                <a16:creationId xmlns:a16="http://schemas.microsoft.com/office/drawing/2014/main" id="{9098FA6D-3C80-4FE1-B248-1CA2B6862F6D}"/>
-              </a:ext>
-            </a:extLst>
-          </p:cNvPr>
-          <p:cNvSpPr>
-            <a:spLocks noGrp="1"/>
+          <p:cNvPr id="14" name="Content Placeholder 2"/>
+          <p:cNvSpPr>
+            <a:spLocks noGrp="1" noEditPoints="1"/>
           </p:cNvSpPr>
           <p:nvPr>
             <p:ph idx="13" hasCustomPrompt="1"/>
@@ -10642,12 +10112,13 @@
           </a:bodyPr>
           <a:lstStyle>
             <a:lvl1pPr marL="283464" indent="-283464">
-              <a:buFont typeface="Arial" panose="020B0604020202020204" pitchFamily="34" charset="0"/>
+              <a:buFont typeface="Arial" pitchFamily="34" charset="0" panose="020B0604020202020204"/>
               <a:buChar char="•"/>
               <a:defRPr sz="1600" b="0" baseline="0"/>
             </a:lvl1pPr>
           </a:lstStyle>
           <a:p>
+            <a:pPr lvl="0"/>
             <a:r>
               <a:rPr lang="en-US" dirty="0"/>
               <a:t> Click to add text</a:t>
@@ -10657,16 +10128,7 @@
       </p:sp>
       <p:sp>
         <p:nvSpPr>
-          <p:cNvPr id="9" name="Rectangle 8">
-            <a:extLst>
-              <a:ext uri="{FF2B5EF4-FFF2-40B4-BE49-F238E27FC236}">
-                <a16:creationId xmlns:a16="http://schemas.microsoft.com/office/drawing/2014/main" id="{8352712D-F957-4B22-8B50-BE10410FF895}"/>
-              </a:ext>
-              <a:ext uri="{C183D7F6-B498-43B3-948B-1728B52AA6E4}">
-                <adec:decorative xmlns:adec="http://schemas.microsoft.com/office/drawing/2017/decorative" val="1"/>
-              </a:ext>
-            </a:extLst>
-          </p:cNvPr>
+          <p:cNvPr id="9" name="Rectangle 8"/>
           <p:cNvSpPr/>
           <p:nvPr userDrawn="1"/>
         </p:nvSpPr>
@@ -10712,15 +10174,9 @@
       </p:sp>
       <p:sp>
         <p:nvSpPr>
-          <p:cNvPr id="11" name="Footer Placeholder 29">
-            <a:extLst>
-              <a:ext uri="{FF2B5EF4-FFF2-40B4-BE49-F238E27FC236}">
-                <a16:creationId xmlns:a16="http://schemas.microsoft.com/office/drawing/2014/main" id="{26FD74F8-42BB-4CB4-ABF1-5F149743B464}"/>
-              </a:ext>
-            </a:extLst>
-          </p:cNvPr>
-          <p:cNvSpPr>
-            <a:spLocks noGrp="1"/>
+          <p:cNvPr id="11" name="Footer Placeholder 29"/>
+          <p:cNvSpPr>
+            <a:spLocks noGrp="1" noEditPoints="1"/>
           </p:cNvSpPr>
           <p:nvPr>
             <p:ph type="ftr" sz="quarter" idx="11"/>
@@ -10758,15 +10214,9 @@
       </p:sp>
       <p:sp>
         <p:nvSpPr>
-          <p:cNvPr id="10" name="Date Placeholder 28">
-            <a:extLst>
-              <a:ext uri="{FF2B5EF4-FFF2-40B4-BE49-F238E27FC236}">
-                <a16:creationId xmlns:a16="http://schemas.microsoft.com/office/drawing/2014/main" id="{5B031752-6400-4BFB-979F-E2EE795E4B90}"/>
-              </a:ext>
-            </a:extLst>
-          </p:cNvPr>
-          <p:cNvSpPr>
-            <a:spLocks noGrp="1"/>
+          <p:cNvPr id="10" name="Date Placeholder 28"/>
+          <p:cNvSpPr>
+            <a:spLocks noGrp="1" noEditPoints="1"/>
           </p:cNvSpPr>
           <p:nvPr>
             <p:ph type="dt" sz="half" idx="10"/>
@@ -10792,7 +10242,6 @@
           <a:p>
             <a:fld id="{DD9E41B7-A2DB-4285-A7A5-A1084718EB55}" type="datetime1">
               <a:rPr lang="en-US" smtClean="0"/>
-              <a:pPr/>
               <a:t>2/2/2024</a:t>
             </a:fld>
             <a:endParaRPr lang="en-US" dirty="0"/>
@@ -10801,15 +10250,9 @@
       </p:sp>
       <p:sp>
         <p:nvSpPr>
-          <p:cNvPr id="12" name="Slide Number Placeholder 30">
-            <a:extLst>
-              <a:ext uri="{FF2B5EF4-FFF2-40B4-BE49-F238E27FC236}">
-                <a16:creationId xmlns:a16="http://schemas.microsoft.com/office/drawing/2014/main" id="{6A5CAEAF-7DEC-4B20-8B1E-301A9D0E684A}"/>
-              </a:ext>
-            </a:extLst>
-          </p:cNvPr>
-          <p:cNvSpPr>
-            <a:spLocks noGrp="1"/>
+          <p:cNvPr id="12" name="Slide Number Placeholder 30"/>
+          <p:cNvSpPr>
+            <a:spLocks noGrp="1" noEditPoints="1"/>
           </p:cNvSpPr>
           <p:nvPr>
             <p:ph type="sldNum" sz="quarter" idx="12"/>
@@ -10835,16 +10278,7 @@
       </p:sp>
       <p:sp>
         <p:nvSpPr>
-          <p:cNvPr id="13" name="Rectangle 12">
-            <a:extLst>
-              <a:ext uri="{FF2B5EF4-FFF2-40B4-BE49-F238E27FC236}">
-                <a16:creationId xmlns:a16="http://schemas.microsoft.com/office/drawing/2014/main" id="{70B696A3-EA34-4924-9037-E330B1CB890E}"/>
-              </a:ext>
-              <a:ext uri="{C183D7F6-B498-43B3-948B-1728B52AA6E4}">
-                <adec:decorative xmlns:adec="http://schemas.microsoft.com/office/drawing/2017/decorative" val="1"/>
-              </a:ext>
-            </a:extLst>
-          </p:cNvPr>
+          <p:cNvPr id="13" name="Rectangle 12"/>
           <p:cNvSpPr/>
           <p:nvPr userDrawn="1"/>
         </p:nvSpPr>
@@ -10889,11 +10323,6 @@
         </p:txBody>
       </p:sp>
     </p:spTree>
-    <p:extLst>
-      <p:ext uri="{BB962C8B-B14F-4D97-AF65-F5344CB8AC3E}">
-        <p14:creationId xmlns:p14="http://schemas.microsoft.com/office/powerpoint/2010/main" val="1625910879"/>
-      </p:ext>
-    </p:extLst>
   </p:cSld>
   <p:clrMapOvr>
     <a:masterClrMapping/>
@@ -10921,16 +10350,7 @@
       </p:grpSpPr>
       <p:sp useBgFill="1">
         <p:nvSpPr>
-          <p:cNvPr id="6" name="Rectangle 5">
-            <a:extLst>
-              <a:ext uri="{FF2B5EF4-FFF2-40B4-BE49-F238E27FC236}">
-                <a16:creationId xmlns:a16="http://schemas.microsoft.com/office/drawing/2014/main" id="{53C66564-535A-4715-9B27-B8AB14F77E42}"/>
-              </a:ext>
-              <a:ext uri="{C183D7F6-B498-43B3-948B-1728B52AA6E4}">
-                <adec:decorative xmlns:adec="http://schemas.microsoft.com/office/drawing/2017/decorative" val="1"/>
-              </a:ext>
-            </a:extLst>
-          </p:cNvPr>
+          <p:cNvPr id="6" name="Rectangle 5"/>
           <p:cNvSpPr/>
           <p:nvPr userDrawn="1"/>
         </p:nvSpPr>
@@ -10973,16 +10393,7 @@
       </p:sp>
       <p:sp>
         <p:nvSpPr>
-          <p:cNvPr id="11" name="Rectangle 10">
-            <a:extLst>
-              <a:ext uri="{FF2B5EF4-FFF2-40B4-BE49-F238E27FC236}">
-                <a16:creationId xmlns:a16="http://schemas.microsoft.com/office/drawing/2014/main" id="{E3821E99-F411-4BAB-8211-C344272A2A1A}"/>
-              </a:ext>
-              <a:ext uri="{C183D7F6-B498-43B3-948B-1728B52AA6E4}">
-                <adec:decorative xmlns:adec="http://schemas.microsoft.com/office/drawing/2017/decorative" val="1"/>
-              </a:ext>
-            </a:extLst>
-          </p:cNvPr>
+          <p:cNvPr id="11" name="Rectangle 10"/>
           <p:cNvSpPr/>
           <p:nvPr userDrawn="1"/>
         </p:nvSpPr>
@@ -11030,15 +10441,9 @@
       </p:sp>
       <p:sp>
         <p:nvSpPr>
-          <p:cNvPr id="12" name="Title 1">
-            <a:extLst>
-              <a:ext uri="{FF2B5EF4-FFF2-40B4-BE49-F238E27FC236}">
-                <a16:creationId xmlns:a16="http://schemas.microsoft.com/office/drawing/2014/main" id="{029B7F2A-CF10-474B-91F1-7C50A7DAF83C}"/>
-              </a:ext>
-            </a:extLst>
-          </p:cNvPr>
-          <p:cNvSpPr>
-            <a:spLocks noGrp="1"/>
+          <p:cNvPr id="12" name="Title 1"/>
+          <p:cNvSpPr>
+            <a:spLocks noGrp="1" noEditPoints="1"/>
           </p:cNvSpPr>
           <p:nvPr>
             <p:ph type="title" hasCustomPrompt="1"/>
@@ -11052,11 +10457,7 @@
         </p:spPr>
         <p:txBody>
           <a:bodyPr/>
-          <a:lstStyle>
-            <a:lvl1pPr>
-              <a:defRPr/>
-            </a:lvl1pPr>
-          </a:lstStyle>
+          <a:lstStyle/>
           <a:p>
             <a:r>
               <a:rPr lang="en-US" dirty="0"/>
@@ -11067,16 +10468,7 @@
       </p:sp>
       <p:sp>
         <p:nvSpPr>
-          <p:cNvPr id="10" name="Rectangle 9">
-            <a:extLst>
-              <a:ext uri="{FF2B5EF4-FFF2-40B4-BE49-F238E27FC236}">
-                <a16:creationId xmlns:a16="http://schemas.microsoft.com/office/drawing/2014/main" id="{58F0D6D9-A64A-415F-BA44-494062CA6983}"/>
-              </a:ext>
-              <a:ext uri="{C183D7F6-B498-43B3-948B-1728B52AA6E4}">
-                <adec:decorative xmlns:adec="http://schemas.microsoft.com/office/drawing/2017/decorative" val="1"/>
-              </a:ext>
-            </a:extLst>
-          </p:cNvPr>
+          <p:cNvPr id="10" name="Rectangle 9"/>
           <p:cNvSpPr/>
           <p:nvPr userDrawn="1"/>
         </p:nvSpPr>
@@ -11122,16 +10514,7 @@
       </p:sp>
       <p:sp>
         <p:nvSpPr>
-          <p:cNvPr id="13" name="Rectangle 12">
-            <a:extLst>
-              <a:ext uri="{FF2B5EF4-FFF2-40B4-BE49-F238E27FC236}">
-                <a16:creationId xmlns:a16="http://schemas.microsoft.com/office/drawing/2014/main" id="{3777B49C-9749-4042-A729-C27F583654CC}"/>
-              </a:ext>
-              <a:ext uri="{C183D7F6-B498-43B3-948B-1728B52AA6E4}">
-                <adec:decorative xmlns:adec="http://schemas.microsoft.com/office/drawing/2017/decorative" val="1"/>
-              </a:ext>
-            </a:extLst>
-          </p:cNvPr>
+          <p:cNvPr id="13" name="Rectangle 12"/>
           <p:cNvSpPr/>
           <p:nvPr userDrawn="1"/>
         </p:nvSpPr>
@@ -11177,16 +10560,7 @@
       </p:sp>
       <p:sp>
         <p:nvSpPr>
-          <p:cNvPr id="14" name="Rectangle 13">
-            <a:extLst>
-              <a:ext uri="{FF2B5EF4-FFF2-40B4-BE49-F238E27FC236}">
-                <a16:creationId xmlns:a16="http://schemas.microsoft.com/office/drawing/2014/main" id="{11B79F49-5021-4A8F-A90A-5E08F7FB5196}"/>
-              </a:ext>
-              <a:ext uri="{C183D7F6-B498-43B3-948B-1728B52AA6E4}">
-                <adec:decorative xmlns:adec="http://schemas.microsoft.com/office/drawing/2017/decorative" val="1"/>
-              </a:ext>
-            </a:extLst>
-          </p:cNvPr>
+          <p:cNvPr id="14" name="Rectangle 13"/>
           <p:cNvSpPr/>
           <p:nvPr userDrawn="1"/>
         </p:nvSpPr>
@@ -11232,15 +10606,9 @@
       </p:sp>
       <p:sp>
         <p:nvSpPr>
-          <p:cNvPr id="23" name="Picture Placeholder 19">
-            <a:extLst>
-              <a:ext uri="{FF2B5EF4-FFF2-40B4-BE49-F238E27FC236}">
-                <a16:creationId xmlns:a16="http://schemas.microsoft.com/office/drawing/2014/main" id="{B6E270BA-010E-406C-8FBF-0ED0DA28D071}"/>
-              </a:ext>
-            </a:extLst>
-          </p:cNvPr>
-          <p:cNvSpPr>
-            <a:spLocks noGrp="1"/>
+          <p:cNvPr id="23" name="Picture Placeholder 19"/>
+          <p:cNvSpPr>
+            <a:spLocks noGrp="1" noEditPoints="1"/>
           </p:cNvSpPr>
           <p:nvPr>
             <p:ph type="pic" sz="quarter" idx="13" hasCustomPrompt="1"/>
@@ -11255,11 +10623,10 @@
         <p:txBody>
           <a:bodyPr anchor="t"/>
           <a:lstStyle>
-            <a:lvl1pPr algn="ctr">
-              <a:defRPr/>
-            </a:lvl1pPr>
+            <a:lvl1pPr algn="ctr"/>
           </a:lstStyle>
           <a:p>
+            <a:pPr lvl="0"/>
             <a:r>
               <a:rPr lang="en-US" dirty="0"/>
               <a:t>Click to add picture</a:t>
@@ -11269,15 +10636,9 @@
       </p:sp>
       <p:sp>
         <p:nvSpPr>
-          <p:cNvPr id="24" name="Picture Placeholder 19">
-            <a:extLst>
-              <a:ext uri="{FF2B5EF4-FFF2-40B4-BE49-F238E27FC236}">
-                <a16:creationId xmlns:a16="http://schemas.microsoft.com/office/drawing/2014/main" id="{6E15371C-3F24-44D7-97EB-74C12D53CBBC}"/>
-              </a:ext>
-            </a:extLst>
-          </p:cNvPr>
-          <p:cNvSpPr>
-            <a:spLocks noGrp="1"/>
+          <p:cNvPr id="24" name="Picture Placeholder 19"/>
+          <p:cNvSpPr>
+            <a:spLocks noGrp="1" noEditPoints="1"/>
           </p:cNvSpPr>
           <p:nvPr>
             <p:ph type="pic" sz="quarter" idx="14" hasCustomPrompt="1"/>
@@ -11292,11 +10653,10 @@
         <p:txBody>
           <a:bodyPr anchor="t"/>
           <a:lstStyle>
-            <a:lvl1pPr algn="ctr">
-              <a:defRPr/>
-            </a:lvl1pPr>
+            <a:lvl1pPr algn="ctr"/>
           </a:lstStyle>
           <a:p>
+            <a:pPr lvl="0"/>
             <a:r>
               <a:rPr lang="en-US" dirty="0"/>
               <a:t>Click to add picture</a:t>
@@ -11306,15 +10666,9 @@
       </p:sp>
       <p:sp>
         <p:nvSpPr>
-          <p:cNvPr id="25" name="Picture Placeholder 19">
-            <a:extLst>
-              <a:ext uri="{FF2B5EF4-FFF2-40B4-BE49-F238E27FC236}">
-                <a16:creationId xmlns:a16="http://schemas.microsoft.com/office/drawing/2014/main" id="{E39E0BDE-5895-4B94-90AC-7045292B0B34}"/>
-              </a:ext>
-            </a:extLst>
-          </p:cNvPr>
-          <p:cNvSpPr>
-            <a:spLocks noGrp="1"/>
+          <p:cNvPr id="25" name="Picture Placeholder 19"/>
+          <p:cNvSpPr>
+            <a:spLocks noGrp="1" noEditPoints="1"/>
           </p:cNvSpPr>
           <p:nvPr>
             <p:ph type="pic" sz="quarter" idx="15" hasCustomPrompt="1"/>
@@ -11329,11 +10683,10 @@
         <p:txBody>
           <a:bodyPr anchor="t"/>
           <a:lstStyle>
-            <a:lvl1pPr algn="ctr">
-              <a:defRPr/>
-            </a:lvl1pPr>
+            <a:lvl1pPr algn="ctr"/>
           </a:lstStyle>
           <a:p>
+            <a:pPr lvl="0"/>
             <a:r>
               <a:rPr lang="en-US" dirty="0"/>
               <a:t>Click to add picture</a:t>
@@ -11343,15 +10696,9 @@
       </p:sp>
       <p:sp>
         <p:nvSpPr>
-          <p:cNvPr id="15" name="Content Placeholder 2">
-            <a:extLst>
-              <a:ext uri="{FF2B5EF4-FFF2-40B4-BE49-F238E27FC236}">
-                <a16:creationId xmlns:a16="http://schemas.microsoft.com/office/drawing/2014/main" id="{E8823570-AC4F-4679-98CA-DC7F7B2CC109}"/>
-              </a:ext>
-            </a:extLst>
-          </p:cNvPr>
-          <p:cNvSpPr>
-            <a:spLocks noGrp="1"/>
+          <p:cNvPr id="15" name="Content Placeholder 2"/>
+          <p:cNvSpPr>
+            <a:spLocks noGrp="1" noEditPoints="1"/>
           </p:cNvSpPr>
           <p:nvPr>
             <p:ph idx="1" hasCustomPrompt="1"/>
@@ -11369,12 +10716,13 @@
           </a:bodyPr>
           <a:lstStyle>
             <a:lvl1pPr>
-              <a:buFont typeface="Arial" panose="020B0604020202020204" pitchFamily="34" charset="0"/>
+              <a:buFont typeface="Arial" pitchFamily="34" charset="0" panose="020B0604020202020204"/>
               <a:buNone/>
               <a:defRPr sz="1600" b="0"/>
             </a:lvl1pPr>
           </a:lstStyle>
           <a:p>
+            <a:pPr lvl="0"/>
             <a:r>
               <a:rPr lang="en-US" dirty="0"/>
               <a:t> Click to add text</a:t>
@@ -11384,15 +10732,9 @@
       </p:sp>
       <p:sp>
         <p:nvSpPr>
-          <p:cNvPr id="17" name="Footer Placeholder 4">
-            <a:extLst>
-              <a:ext uri="{FF2B5EF4-FFF2-40B4-BE49-F238E27FC236}">
-                <a16:creationId xmlns:a16="http://schemas.microsoft.com/office/drawing/2014/main" id="{BB6B62FA-FEDE-42B0-8B7B-24AE138EB6CE}"/>
-              </a:ext>
-            </a:extLst>
-          </p:cNvPr>
-          <p:cNvSpPr>
-            <a:spLocks noGrp="1"/>
+          <p:cNvPr id="17" name="Footer Placeholder 4"/>
+          <p:cNvSpPr>
+            <a:spLocks noGrp="1" noEditPoints="1"/>
           </p:cNvSpPr>
           <p:nvPr>
             <p:ph type="ftr" sz="quarter" idx="11"/>
@@ -11432,15 +10774,9 @@
       </p:sp>
       <p:sp>
         <p:nvSpPr>
-          <p:cNvPr id="16" name="Date Placeholder 3">
-            <a:extLst>
-              <a:ext uri="{FF2B5EF4-FFF2-40B4-BE49-F238E27FC236}">
-                <a16:creationId xmlns:a16="http://schemas.microsoft.com/office/drawing/2014/main" id="{9E8578BE-8DB2-4FE6-B45A-2B3415CEE1C4}"/>
-              </a:ext>
-            </a:extLst>
-          </p:cNvPr>
-          <p:cNvSpPr>
-            <a:spLocks noGrp="1"/>
+          <p:cNvPr id="16" name="Date Placeholder 3"/>
+          <p:cNvSpPr>
+            <a:spLocks noGrp="1" noEditPoints="1"/>
           </p:cNvSpPr>
           <p:nvPr>
             <p:ph type="dt" sz="half" idx="10"/>
@@ -11467,7 +10803,6 @@
           <a:p>
             <a:fld id="{32546992-DEFF-4765-9FB8-C2ACF446503A}" type="datetime1">
               <a:rPr lang="en-US" smtClean="0"/>
-              <a:pPr/>
               <a:t>2/2/2024</a:t>
             </a:fld>
             <a:endParaRPr lang="en-US" dirty="0"/>
@@ -11476,15 +10811,9 @@
       </p:sp>
       <p:sp>
         <p:nvSpPr>
-          <p:cNvPr id="18" name="Slide Number Placeholder 5">
-            <a:extLst>
-              <a:ext uri="{FF2B5EF4-FFF2-40B4-BE49-F238E27FC236}">
-                <a16:creationId xmlns:a16="http://schemas.microsoft.com/office/drawing/2014/main" id="{6AF7C96F-C1E5-45F5-B070-2D025E7BD35C}"/>
-              </a:ext>
-            </a:extLst>
-          </p:cNvPr>
-          <p:cNvSpPr>
-            <a:spLocks noGrp="1"/>
+          <p:cNvPr id="18" name="Slide Number Placeholder 5"/>
+          <p:cNvSpPr>
+            <a:spLocks noGrp="1" noEditPoints="1"/>
           </p:cNvSpPr>
           <p:nvPr>
             <p:ph type="sldNum" sz="quarter" idx="12"/>
@@ -11509,11 +10838,6 @@
         </p:txBody>
       </p:sp>
     </p:spTree>
-    <p:extLst>
-      <p:ext uri="{BB962C8B-B14F-4D97-AF65-F5344CB8AC3E}">
-        <p14:creationId xmlns:p14="http://schemas.microsoft.com/office/powerpoint/2010/main" val="3941155463"/>
-      </p:ext>
-    </p:extLst>
   </p:cSld>
   <p:clrMapOvr>
     <a:masterClrMapping/>
@@ -11541,13 +10865,7 @@
       </p:grpSpPr>
       <p:sp useBgFill="1">
         <p:nvSpPr>
-          <p:cNvPr id="24" name="Rectangle 23">
-            <a:extLst>
-              <a:ext uri="{FF2B5EF4-FFF2-40B4-BE49-F238E27FC236}">
-                <a16:creationId xmlns:a16="http://schemas.microsoft.com/office/drawing/2014/main" id="{E7E77A60-3019-43AE-AA38-E130C04CFD8D}"/>
-              </a:ext>
-            </a:extLst>
-          </p:cNvPr>
+          <p:cNvPr id="24" name="Rectangle 23"/>
           <p:cNvSpPr/>
           <p:nvPr userDrawn="1"/>
         </p:nvSpPr>
@@ -11590,13 +10908,7 @@
       </p:sp>
       <p:sp>
         <p:nvSpPr>
-          <p:cNvPr id="25" name="Rectangle 24">
-            <a:extLst>
-              <a:ext uri="{FF2B5EF4-FFF2-40B4-BE49-F238E27FC236}">
-                <a16:creationId xmlns:a16="http://schemas.microsoft.com/office/drawing/2014/main" id="{3FDBF0FB-88D2-4271-BFAF-D129CF8C2F68}"/>
-              </a:ext>
-            </a:extLst>
-          </p:cNvPr>
+          <p:cNvPr id="25" name="Rectangle 24"/>
           <p:cNvSpPr/>
           <p:nvPr userDrawn="1"/>
         </p:nvSpPr>
@@ -11642,13 +10954,7 @@
       </p:sp>
       <p:sp>
         <p:nvSpPr>
-          <p:cNvPr id="27" name="Rectangle 26">
-            <a:extLst>
-              <a:ext uri="{FF2B5EF4-FFF2-40B4-BE49-F238E27FC236}">
-                <a16:creationId xmlns:a16="http://schemas.microsoft.com/office/drawing/2014/main" id="{862B807B-6DFA-471C-B675-016416207F0E}"/>
-              </a:ext>
-            </a:extLst>
-          </p:cNvPr>
+          <p:cNvPr id="27" name="Rectangle 26"/>
           <p:cNvSpPr/>
           <p:nvPr userDrawn="1"/>
         </p:nvSpPr>
@@ -11694,13 +11000,7 @@
       </p:sp>
       <p:sp>
         <p:nvSpPr>
-          <p:cNvPr id="28" name="Rectangle 27">
-            <a:extLst>
-              <a:ext uri="{FF2B5EF4-FFF2-40B4-BE49-F238E27FC236}">
-                <a16:creationId xmlns:a16="http://schemas.microsoft.com/office/drawing/2014/main" id="{0555D4C0-9882-489D-AD77-A9F38B3784A6}"/>
-              </a:ext>
-            </a:extLst>
-          </p:cNvPr>
+          <p:cNvPr id="28" name="Rectangle 27"/>
           <p:cNvSpPr/>
           <p:nvPr userDrawn="1"/>
         </p:nvSpPr>
@@ -11748,15 +11048,9 @@
       </p:sp>
       <p:sp>
         <p:nvSpPr>
-          <p:cNvPr id="29" name="Title 1">
-            <a:extLst>
-              <a:ext uri="{FF2B5EF4-FFF2-40B4-BE49-F238E27FC236}">
-                <a16:creationId xmlns:a16="http://schemas.microsoft.com/office/drawing/2014/main" id="{63F61843-5C9C-49E0-8A90-64085BC79F79}"/>
-              </a:ext>
-            </a:extLst>
-          </p:cNvPr>
-          <p:cNvSpPr>
-            <a:spLocks noGrp="1"/>
+          <p:cNvPr id="29" name="Title 1"/>
+          <p:cNvSpPr>
+            <a:spLocks noGrp="1" noEditPoints="1"/>
           </p:cNvSpPr>
           <p:nvPr>
             <p:ph type="ctrTitle" hasCustomPrompt="1"/>
@@ -11775,7 +11069,6 @@
               <a:lnSpc>
                 <a:spcPct val="100000"/>
               </a:lnSpc>
-              <a:defRPr/>
             </a:lvl1pPr>
           </a:lstStyle>
           <a:p>
@@ -11792,15 +11085,9 @@
       </p:sp>
       <p:sp>
         <p:nvSpPr>
-          <p:cNvPr id="30" name="Subtitle 2">
-            <a:extLst>
-              <a:ext uri="{FF2B5EF4-FFF2-40B4-BE49-F238E27FC236}">
-                <a16:creationId xmlns:a16="http://schemas.microsoft.com/office/drawing/2014/main" id="{15C8BDC7-F09C-40A3-B14E-9A49781EE6CE}"/>
-              </a:ext>
-            </a:extLst>
-          </p:cNvPr>
-          <p:cNvSpPr>
-            <a:spLocks noGrp="1"/>
+          <p:cNvPr id="30" name="Subtitle 2"/>
+          <p:cNvSpPr>
+            <a:spLocks noGrp="1" noEditPoints="1"/>
           </p:cNvSpPr>
           <p:nvPr>
             <p:ph type="subTitle" idx="1" hasCustomPrompt="1"/>
@@ -11822,6 +11109,7 @@
             </a:lvl1pPr>
           </a:lstStyle>
           <a:p>
+            <a:pPr lvl="0"/>
             <a:r>
               <a:rPr lang="en-US" sz="2000" dirty="0">
                 <a:solidFill>
@@ -11835,13 +11123,7 @@
       </p:sp>
       <p:sp>
         <p:nvSpPr>
-          <p:cNvPr id="32" name="Rectangle 31">
-            <a:extLst>
-              <a:ext uri="{FF2B5EF4-FFF2-40B4-BE49-F238E27FC236}">
-                <a16:creationId xmlns:a16="http://schemas.microsoft.com/office/drawing/2014/main" id="{247A5DB4-1ED7-4630-89AF-F1802E44EF89}"/>
-              </a:ext>
-            </a:extLst>
-          </p:cNvPr>
+          <p:cNvPr id="32" name="Rectangle 31"/>
           <p:cNvSpPr/>
           <p:nvPr userDrawn="1"/>
         </p:nvSpPr>
@@ -11887,13 +11169,7 @@
       </p:sp>
       <p:sp>
         <p:nvSpPr>
-          <p:cNvPr id="33" name="Rectangle 32">
-            <a:extLst>
-              <a:ext uri="{FF2B5EF4-FFF2-40B4-BE49-F238E27FC236}">
-                <a16:creationId xmlns:a16="http://schemas.microsoft.com/office/drawing/2014/main" id="{6E5D4012-4107-490F-A369-EA7063242A98}"/>
-              </a:ext>
-            </a:extLst>
-          </p:cNvPr>
+          <p:cNvPr id="33" name="Rectangle 32"/>
           <p:cNvSpPr/>
           <p:nvPr userDrawn="1"/>
         </p:nvSpPr>
@@ -11941,13 +11217,7 @@
       </p:sp>
       <p:sp>
         <p:nvSpPr>
-          <p:cNvPr id="34" name="Rectangle 33">
-            <a:extLst>
-              <a:ext uri="{FF2B5EF4-FFF2-40B4-BE49-F238E27FC236}">
-                <a16:creationId xmlns:a16="http://schemas.microsoft.com/office/drawing/2014/main" id="{795C79E2-9EA5-4713-B4AF-0E4572CFFA2F}"/>
-              </a:ext>
-            </a:extLst>
-          </p:cNvPr>
+          <p:cNvPr id="34" name="Rectangle 33"/>
           <p:cNvSpPr/>
           <p:nvPr userDrawn="1"/>
         </p:nvSpPr>
@@ -11993,13 +11263,7 @@
       </p:sp>
       <p:sp>
         <p:nvSpPr>
-          <p:cNvPr id="36" name="Rectangle 35">
-            <a:extLst>
-              <a:ext uri="{FF2B5EF4-FFF2-40B4-BE49-F238E27FC236}">
-                <a16:creationId xmlns:a16="http://schemas.microsoft.com/office/drawing/2014/main" id="{274C09E2-06F0-4230-8DAD-A0DBF01F8603}"/>
-              </a:ext>
-            </a:extLst>
-          </p:cNvPr>
+          <p:cNvPr id="36" name="Rectangle 35"/>
           <p:cNvSpPr/>
           <p:nvPr userDrawn="1"/>
         </p:nvSpPr>
@@ -12045,15 +11309,9 @@
       </p:sp>
       <p:sp>
         <p:nvSpPr>
-          <p:cNvPr id="40" name="Picture Placeholder 38">
-            <a:extLst>
-              <a:ext uri="{FF2B5EF4-FFF2-40B4-BE49-F238E27FC236}">
-                <a16:creationId xmlns:a16="http://schemas.microsoft.com/office/drawing/2014/main" id="{AB2070F4-085F-4F8D-A1E8-A58E5F8F0687}"/>
-              </a:ext>
-            </a:extLst>
-          </p:cNvPr>
-          <p:cNvSpPr>
-            <a:spLocks noGrp="1"/>
+          <p:cNvPr id="40" name="Picture Placeholder 38"/>
+          <p:cNvSpPr>
+            <a:spLocks noGrp="1" noEditPoints="1"/>
           </p:cNvSpPr>
           <p:nvPr>
             <p:ph type="pic" sz="quarter" idx="13" hasCustomPrompt="1"/>
@@ -12068,11 +11326,10 @@
         <p:txBody>
           <a:bodyPr anchor="t"/>
           <a:lstStyle>
-            <a:lvl1pPr algn="ctr">
-              <a:defRPr/>
-            </a:lvl1pPr>
+            <a:lvl1pPr algn="ctr"/>
           </a:lstStyle>
           <a:p>
+            <a:pPr lvl="0"/>
             <a:r>
               <a:rPr lang="en-US" dirty="0"/>
               <a:t>Click to add photo</a:t>
@@ -12081,16 +11338,11 @@
         </p:txBody>
       </p:sp>
     </p:spTree>
-    <p:extLst>
-      <p:ext uri="{BB962C8B-B14F-4D97-AF65-F5344CB8AC3E}">
-        <p14:creationId xmlns:p14="http://schemas.microsoft.com/office/powerpoint/2010/main" val="3640490536"/>
-      </p:ext>
-    </p:extLst>
   </p:cSld>
   <p:clrMapOvr>
     <a:masterClrMapping/>
   </p:clrMapOvr>
-  <p:hf sldNum="0" hdr="0" ftr="0" dt="0"/>
+  <p:hf dt="0" sldNum="0" hdr="0" ftr="0"/>
 </p:sldLayout>
 </file>
 
@@ -12113,13 +11365,7 @@
       </p:grpSpPr>
       <p:sp useBgFill="1">
         <p:nvSpPr>
-          <p:cNvPr id="11" name="Rectangle 10">
-            <a:extLst>
-              <a:ext uri="{FF2B5EF4-FFF2-40B4-BE49-F238E27FC236}">
-                <a16:creationId xmlns:a16="http://schemas.microsoft.com/office/drawing/2014/main" id="{EDEBA854-A26D-41C5-9D40-DF6B49ACB136}"/>
-              </a:ext>
-            </a:extLst>
-          </p:cNvPr>
+          <p:cNvPr id="11" name="Rectangle 10"/>
           <p:cNvSpPr/>
           <p:nvPr userDrawn="1"/>
         </p:nvSpPr>
@@ -12162,13 +11408,7 @@
       </p:sp>
       <p:sp>
         <p:nvSpPr>
-          <p:cNvPr id="13" name="Rectangle 12">
-            <a:extLst>
-              <a:ext uri="{FF2B5EF4-FFF2-40B4-BE49-F238E27FC236}">
-                <a16:creationId xmlns:a16="http://schemas.microsoft.com/office/drawing/2014/main" id="{0995BFA7-EB65-4E20-A693-324FEF74D3AE}"/>
-              </a:ext>
-            </a:extLst>
-          </p:cNvPr>
+          <p:cNvPr id="13" name="Rectangle 12"/>
           <p:cNvSpPr/>
           <p:nvPr userDrawn="1"/>
         </p:nvSpPr>
@@ -12216,13 +11456,7 @@
       </p:sp>
       <p:sp>
         <p:nvSpPr>
-          <p:cNvPr id="14" name="Rectangle 13">
-            <a:extLst>
-              <a:ext uri="{FF2B5EF4-FFF2-40B4-BE49-F238E27FC236}">
-                <a16:creationId xmlns:a16="http://schemas.microsoft.com/office/drawing/2014/main" id="{6A9E9218-0397-4231-81F4-03972AB6A3DD}"/>
-              </a:ext>
-            </a:extLst>
-          </p:cNvPr>
+          <p:cNvPr id="14" name="Rectangle 13"/>
           <p:cNvSpPr/>
           <p:nvPr userDrawn="1"/>
         </p:nvSpPr>
@@ -12268,15 +11502,9 @@
       </p:sp>
       <p:sp>
         <p:nvSpPr>
-          <p:cNvPr id="15" name="Title 1">
-            <a:extLst>
-              <a:ext uri="{FF2B5EF4-FFF2-40B4-BE49-F238E27FC236}">
-                <a16:creationId xmlns:a16="http://schemas.microsoft.com/office/drawing/2014/main" id="{81905177-1789-44BB-950A-7018653E6466}"/>
-              </a:ext>
-            </a:extLst>
-          </p:cNvPr>
-          <p:cNvSpPr>
-            <a:spLocks noGrp="1"/>
+          <p:cNvPr id="15" name="Title 1"/>
+          <p:cNvSpPr>
+            <a:spLocks noGrp="1" noEditPoints="1"/>
           </p:cNvSpPr>
           <p:nvPr>
             <p:ph type="title" hasCustomPrompt="1"/>
@@ -12313,13 +11541,7 @@
       </p:sp>
       <p:sp>
         <p:nvSpPr>
-          <p:cNvPr id="16" name="Rectangle 15">
-            <a:extLst>
-              <a:ext uri="{FF2B5EF4-FFF2-40B4-BE49-F238E27FC236}">
-                <a16:creationId xmlns:a16="http://schemas.microsoft.com/office/drawing/2014/main" id="{AF2F4B8C-C655-4441-A7FF-616EF634E6E1}"/>
-              </a:ext>
-            </a:extLst>
-          </p:cNvPr>
+          <p:cNvPr id="16" name="Rectangle 15"/>
           <p:cNvSpPr/>
           <p:nvPr userDrawn="1"/>
         </p:nvSpPr>
@@ -12365,13 +11587,7 @@
       </p:sp>
       <p:sp>
         <p:nvSpPr>
-          <p:cNvPr id="17" name="Rectangle 16">
-            <a:extLst>
-              <a:ext uri="{FF2B5EF4-FFF2-40B4-BE49-F238E27FC236}">
-                <a16:creationId xmlns:a16="http://schemas.microsoft.com/office/drawing/2014/main" id="{F89301A4-3CA9-4D0E-944E-1BE5921FA0B3}"/>
-              </a:ext>
-            </a:extLst>
-          </p:cNvPr>
+          <p:cNvPr id="17" name="Rectangle 16"/>
           <p:cNvSpPr/>
           <p:nvPr userDrawn="1"/>
         </p:nvSpPr>
@@ -12417,15 +11633,9 @@
       </p:sp>
       <p:sp>
         <p:nvSpPr>
-          <p:cNvPr id="19" name="Footer Placeholder 4">
-            <a:extLst>
-              <a:ext uri="{FF2B5EF4-FFF2-40B4-BE49-F238E27FC236}">
-                <a16:creationId xmlns:a16="http://schemas.microsoft.com/office/drawing/2014/main" id="{A9C29C55-D1EC-4DD4-BA5B-11E4AB1578D7}"/>
-              </a:ext>
-            </a:extLst>
-          </p:cNvPr>
-          <p:cNvSpPr>
-            <a:spLocks noGrp="1"/>
+          <p:cNvPr id="19" name="Footer Placeholder 4"/>
+          <p:cNvSpPr>
+            <a:spLocks noGrp="1" noEditPoints="1"/>
           </p:cNvSpPr>
           <p:nvPr>
             <p:ph type="ftr" sz="quarter" idx="11"/>
@@ -12450,15 +11660,9 @@
       </p:sp>
       <p:sp>
         <p:nvSpPr>
-          <p:cNvPr id="20" name="Date Placeholder 3">
-            <a:extLst>
-              <a:ext uri="{FF2B5EF4-FFF2-40B4-BE49-F238E27FC236}">
-                <a16:creationId xmlns:a16="http://schemas.microsoft.com/office/drawing/2014/main" id="{C31C8C6B-3212-41F0-A8A1-4A6A700AFB9D}"/>
-              </a:ext>
-            </a:extLst>
-          </p:cNvPr>
-          <p:cNvSpPr>
-            <a:spLocks noGrp="1"/>
+          <p:cNvPr id="20" name="Date Placeholder 3"/>
+          <p:cNvSpPr>
+            <a:spLocks noGrp="1" noEditPoints="1"/>
           </p:cNvSpPr>
           <p:nvPr>
             <p:ph type="dt" sz="half" idx="10"/>
@@ -12484,15 +11688,9 @@
       </p:sp>
       <p:sp>
         <p:nvSpPr>
-          <p:cNvPr id="21" name="Slide Number Placeholder 5">
-            <a:extLst>
-              <a:ext uri="{FF2B5EF4-FFF2-40B4-BE49-F238E27FC236}">
-                <a16:creationId xmlns:a16="http://schemas.microsoft.com/office/drawing/2014/main" id="{67357410-255F-470C-AD92-44B15997A771}"/>
-              </a:ext>
-            </a:extLst>
-          </p:cNvPr>
-          <p:cNvSpPr>
-            <a:spLocks noGrp="1"/>
+          <p:cNvPr id="21" name="Slide Number Placeholder 5"/>
+          <p:cNvSpPr>
+            <a:spLocks noGrp="1" noEditPoints="1"/>
           </p:cNvSpPr>
           <p:nvPr>
             <p:ph type="sldNum" sz="quarter" idx="12"/>
@@ -12517,11 +11715,6 @@
         </p:txBody>
       </p:sp>
     </p:spTree>
-    <p:extLst>
-      <p:ext uri="{BB962C8B-B14F-4D97-AF65-F5344CB8AC3E}">
-        <p14:creationId xmlns:p14="http://schemas.microsoft.com/office/powerpoint/2010/main" val="260435124"/>
-      </p:ext>
-    </p:extLst>
   </p:cSld>
   <p:clrMapOvr>
     <a:masterClrMapping/>
@@ -12549,13 +11742,7 @@
       </p:grpSpPr>
       <p:sp useBgFill="1">
         <p:nvSpPr>
-          <p:cNvPr id="6" name="Rectangle 5">
-            <a:extLst>
-              <a:ext uri="{FF2B5EF4-FFF2-40B4-BE49-F238E27FC236}">
-                <a16:creationId xmlns:a16="http://schemas.microsoft.com/office/drawing/2014/main" id="{2DF88512-9E62-4695-B350-39488566A1F7}"/>
-              </a:ext>
-            </a:extLst>
-          </p:cNvPr>
+          <p:cNvPr id="6" name="Rectangle 5"/>
           <p:cNvSpPr/>
           <p:nvPr userDrawn="1"/>
         </p:nvSpPr>
@@ -12598,13 +11785,7 @@
       </p:sp>
       <p:sp>
         <p:nvSpPr>
-          <p:cNvPr id="7" name="Rectangle 6">
-            <a:extLst>
-              <a:ext uri="{FF2B5EF4-FFF2-40B4-BE49-F238E27FC236}">
-                <a16:creationId xmlns:a16="http://schemas.microsoft.com/office/drawing/2014/main" id="{18CD596D-95F4-4C5C-A0E7-86D747FE70BE}"/>
-              </a:ext>
-            </a:extLst>
-          </p:cNvPr>
+          <p:cNvPr id="7" name="Rectangle 6"/>
           <p:cNvSpPr/>
           <p:nvPr userDrawn="1"/>
         </p:nvSpPr>
@@ -12652,13 +11833,7 @@
       </p:sp>
       <p:sp>
         <p:nvSpPr>
-          <p:cNvPr id="8" name="Rectangle 7">
-            <a:extLst>
-              <a:ext uri="{FF2B5EF4-FFF2-40B4-BE49-F238E27FC236}">
-                <a16:creationId xmlns:a16="http://schemas.microsoft.com/office/drawing/2014/main" id="{67553E9F-DCBF-4BEE-A261-5AA97361A0E0}"/>
-              </a:ext>
-            </a:extLst>
-          </p:cNvPr>
+          <p:cNvPr id="8" name="Rectangle 7"/>
           <p:cNvSpPr/>
           <p:nvPr userDrawn="1"/>
         </p:nvSpPr>
@@ -12704,15 +11879,9 @@
       </p:sp>
       <p:sp>
         <p:nvSpPr>
-          <p:cNvPr id="9" name="Title 1">
-            <a:extLst>
-              <a:ext uri="{FF2B5EF4-FFF2-40B4-BE49-F238E27FC236}">
-                <a16:creationId xmlns:a16="http://schemas.microsoft.com/office/drawing/2014/main" id="{949B0EB0-AEBA-44ED-BC77-4188C7486144}"/>
-              </a:ext>
-            </a:extLst>
-          </p:cNvPr>
-          <p:cNvSpPr>
-            <a:spLocks noGrp="1"/>
+          <p:cNvPr id="9" name="Title 1"/>
+          <p:cNvSpPr>
+            <a:spLocks noGrp="1" noEditPoints="1"/>
           </p:cNvSpPr>
           <p:nvPr>
             <p:ph type="title" hasCustomPrompt="1"/>
@@ -12749,13 +11918,7 @@
       </p:sp>
       <p:sp>
         <p:nvSpPr>
-          <p:cNvPr id="10" name="Rectangle 9">
-            <a:extLst>
-              <a:ext uri="{FF2B5EF4-FFF2-40B4-BE49-F238E27FC236}">
-                <a16:creationId xmlns:a16="http://schemas.microsoft.com/office/drawing/2014/main" id="{7278DD10-67BC-4E87-A788-A45C6093F5F8}"/>
-              </a:ext>
-            </a:extLst>
-          </p:cNvPr>
+          <p:cNvPr id="10" name="Rectangle 9"/>
           <p:cNvSpPr/>
           <p:nvPr userDrawn="1"/>
         </p:nvSpPr>
@@ -12801,13 +11964,7 @@
       </p:sp>
       <p:sp>
         <p:nvSpPr>
-          <p:cNvPr id="11" name="Rectangle 10">
-            <a:extLst>
-              <a:ext uri="{FF2B5EF4-FFF2-40B4-BE49-F238E27FC236}">
-                <a16:creationId xmlns:a16="http://schemas.microsoft.com/office/drawing/2014/main" id="{916769F5-486B-4B48-A543-2C70359DF66E}"/>
-              </a:ext>
-            </a:extLst>
-          </p:cNvPr>
+          <p:cNvPr id="11" name="Rectangle 10"/>
           <p:cNvSpPr/>
           <p:nvPr userDrawn="1"/>
         </p:nvSpPr>
@@ -12853,15 +12010,9 @@
       </p:sp>
       <p:sp>
         <p:nvSpPr>
-          <p:cNvPr id="12" name="Footer Placeholder 4">
-            <a:extLst>
-              <a:ext uri="{FF2B5EF4-FFF2-40B4-BE49-F238E27FC236}">
-                <a16:creationId xmlns:a16="http://schemas.microsoft.com/office/drawing/2014/main" id="{B47BB165-F380-48C4-B95B-C09C91893B2D}"/>
-              </a:ext>
-            </a:extLst>
-          </p:cNvPr>
-          <p:cNvSpPr>
-            <a:spLocks noGrp="1"/>
+          <p:cNvPr id="12" name="Footer Placeholder 4"/>
+          <p:cNvSpPr>
+            <a:spLocks noGrp="1" noEditPoints="1"/>
           </p:cNvSpPr>
           <p:nvPr>
             <p:ph type="ftr" sz="quarter" idx="11"/>
@@ -12886,15 +12037,9 @@
       </p:sp>
       <p:sp>
         <p:nvSpPr>
-          <p:cNvPr id="13" name="Date Placeholder 3">
-            <a:extLst>
-              <a:ext uri="{FF2B5EF4-FFF2-40B4-BE49-F238E27FC236}">
-                <a16:creationId xmlns:a16="http://schemas.microsoft.com/office/drawing/2014/main" id="{49ADD171-0134-4347-A2D8-0B9D7634F1B2}"/>
-              </a:ext>
-            </a:extLst>
-          </p:cNvPr>
-          <p:cNvSpPr>
-            <a:spLocks noGrp="1"/>
+          <p:cNvPr id="13" name="Date Placeholder 3"/>
+          <p:cNvSpPr>
+            <a:spLocks noGrp="1" noEditPoints="1"/>
           </p:cNvSpPr>
           <p:nvPr>
             <p:ph type="dt" sz="half" idx="10"/>
@@ -12920,15 +12065,9 @@
       </p:sp>
       <p:sp>
         <p:nvSpPr>
-          <p:cNvPr id="14" name="Slide Number Placeholder 5">
-            <a:extLst>
-              <a:ext uri="{FF2B5EF4-FFF2-40B4-BE49-F238E27FC236}">
-                <a16:creationId xmlns:a16="http://schemas.microsoft.com/office/drawing/2014/main" id="{F0805E9B-6657-4167-BD79-CAC59C0D841D}"/>
-              </a:ext>
-            </a:extLst>
-          </p:cNvPr>
-          <p:cNvSpPr>
-            <a:spLocks noGrp="1"/>
+          <p:cNvPr id="14" name="Slide Number Placeholder 5"/>
+          <p:cNvSpPr>
+            <a:spLocks noGrp="1" noEditPoints="1"/>
           </p:cNvSpPr>
           <p:nvPr>
             <p:ph type="sldNum" sz="quarter" idx="12"/>
@@ -12953,15 +12092,11 @@
         </p:txBody>
       </p:sp>
     </p:spTree>
-    <p:extLst>
-      <p:ext uri="{BB962C8B-B14F-4D97-AF65-F5344CB8AC3E}">
-        <p14:creationId xmlns:p14="http://schemas.microsoft.com/office/powerpoint/2010/main" val="3684561420"/>
-      </p:ext>
-    </p:extLst>
   </p:cSld>
   <p:clrMapOvr>
     <a:masterClrMapping/>
   </p:clrMapOvr>
+  <p:hf dt="0" sldNum="0" hdr="0" ftr="0"/>
 </p:sldLayout>
 </file>
 
@@ -12986,7 +12121,7 @@
         <p:nvSpPr>
           <p:cNvPr id="2" name="Title 1"/>
           <p:cNvSpPr>
-            <a:spLocks noGrp="1"/>
+            <a:spLocks noGrp="1" noEditPoints="1"/>
           </p:cNvSpPr>
           <p:nvPr>
             <p:ph type="title"/>
@@ -13018,7 +12153,7 @@
         <p:nvSpPr>
           <p:cNvPr id="3" name="Text Placeholder 2"/>
           <p:cNvSpPr>
-            <a:spLocks noGrp="1"/>
+            <a:spLocks noGrp="1" noEditPoints="1"/>
           </p:cNvSpPr>
           <p:nvPr>
             <p:ph type="body" idx="1"/>
@@ -13138,7 +12273,7 @@
         <p:nvSpPr>
           <p:cNvPr id="4" name="Date Placeholder 3"/>
           <p:cNvSpPr>
-            <a:spLocks noGrp="1"/>
+            <a:spLocks noGrp="1" noEditPoints="1"/>
           </p:cNvSpPr>
           <p:nvPr>
             <p:ph type="dt" sz="half" idx="10"/>
@@ -13161,7 +12296,7 @@
         <p:nvSpPr>
           <p:cNvPr id="5" name="Footer Placeholder 4"/>
           <p:cNvSpPr>
-            <a:spLocks noGrp="1"/>
+            <a:spLocks noGrp="1" noEditPoints="1"/>
           </p:cNvSpPr>
           <p:nvPr>
             <p:ph type="ftr" sz="quarter" idx="11"/>
@@ -13184,7 +12319,7 @@
         <p:nvSpPr>
           <p:cNvPr id="6" name="Slide Number Placeholder 5"/>
           <p:cNvSpPr>
-            <a:spLocks noGrp="1"/>
+            <a:spLocks noGrp="1" noEditPoints="1"/>
           </p:cNvSpPr>
           <p:nvPr>
             <p:ph type="sldNum" sz="quarter" idx="12"/>
@@ -13197,7 +12332,6 @@
           <a:p>
             <a:fld id="{FAEF9944-A4F6-4C59-AEBD-678D6480B8EA}" type="slidenum">
               <a:rPr lang="en-US" smtClean="0"/>
-              <a:pPr/>
               <a:t>‹#›</a:t>
             </a:fld>
             <a:endParaRPr lang="en-US" dirty="0"/>
@@ -13205,11 +12339,6 @@
         </p:txBody>
       </p:sp>
     </p:spTree>
-    <p:extLst>
-      <p:ext uri="{BB962C8B-B14F-4D97-AF65-F5344CB8AC3E}">
-        <p14:creationId xmlns:p14="http://schemas.microsoft.com/office/powerpoint/2010/main" val="3114508495"/>
-      </p:ext>
-    </p:extLst>
   </p:cSld>
   <p:clrMapOvr>
     <a:masterClrMapping/>
@@ -13239,7 +12368,7 @@
         <p:nvSpPr>
           <p:cNvPr id="2" name="Title 1"/>
           <p:cNvSpPr>
-            <a:spLocks noGrp="1"/>
+            <a:spLocks noGrp="1" noEditPoints="1"/>
           </p:cNvSpPr>
           <p:nvPr>
             <p:ph type="title"/>
@@ -13262,7 +12391,7 @@
         <p:nvSpPr>
           <p:cNvPr id="3" name="Content Placeholder 2"/>
           <p:cNvSpPr>
-            <a:spLocks noGrp="1"/>
+            <a:spLocks noGrp="1" noEditPoints="1"/>
           </p:cNvSpPr>
           <p:nvPr>
             <p:ph sz="half" idx="1"/>
@@ -13349,7 +12478,7 @@
         <p:nvSpPr>
           <p:cNvPr id="4" name="Content Placeholder 3"/>
           <p:cNvSpPr>
-            <a:spLocks noGrp="1"/>
+            <a:spLocks noGrp="1" noEditPoints="1"/>
           </p:cNvSpPr>
           <p:nvPr>
             <p:ph sz="half" idx="2"/>
@@ -13436,7 +12565,7 @@
         <p:nvSpPr>
           <p:cNvPr id="5" name="Date Placeholder 4"/>
           <p:cNvSpPr>
-            <a:spLocks noGrp="1"/>
+            <a:spLocks noGrp="1" noEditPoints="1"/>
           </p:cNvSpPr>
           <p:nvPr>
             <p:ph type="dt" sz="half" idx="10"/>
@@ -13459,7 +12588,7 @@
         <p:nvSpPr>
           <p:cNvPr id="6" name="Footer Placeholder 5"/>
           <p:cNvSpPr>
-            <a:spLocks noGrp="1"/>
+            <a:spLocks noGrp="1" noEditPoints="1"/>
           </p:cNvSpPr>
           <p:nvPr>
             <p:ph type="ftr" sz="quarter" idx="11"/>
@@ -13482,7 +12611,7 @@
         <p:nvSpPr>
           <p:cNvPr id="7" name="Slide Number Placeholder 6"/>
           <p:cNvSpPr>
-            <a:spLocks noGrp="1"/>
+            <a:spLocks noGrp="1" noEditPoints="1"/>
           </p:cNvSpPr>
           <p:nvPr>
             <p:ph type="sldNum" sz="quarter" idx="12"/>
@@ -13495,7 +12624,6 @@
           <a:p>
             <a:fld id="{FAEF9944-A4F6-4C59-AEBD-678D6480B8EA}" type="slidenum">
               <a:rPr lang="en-US" smtClean="0"/>
-              <a:pPr/>
               <a:t>‹#›</a:t>
             </a:fld>
             <a:endParaRPr lang="en-US" dirty="0"/>
@@ -13503,11 +12631,6 @@
         </p:txBody>
       </p:sp>
     </p:spTree>
-    <p:extLst>
-      <p:ext uri="{BB962C8B-B14F-4D97-AF65-F5344CB8AC3E}">
-        <p14:creationId xmlns:p14="http://schemas.microsoft.com/office/powerpoint/2010/main" val="477026940"/>
-      </p:ext>
-    </p:extLst>
   </p:cSld>
   <p:clrMapOvr>
     <a:masterClrMapping/>
@@ -13537,7 +12660,7 @@
         <p:nvSpPr>
           <p:cNvPr id="2" name="Title 1"/>
           <p:cNvSpPr>
-            <a:spLocks noGrp="1"/>
+            <a:spLocks noGrp="1" noEditPoints="1"/>
           </p:cNvSpPr>
           <p:nvPr>
             <p:ph type="title"/>
@@ -13546,11 +12669,7 @@
         <p:spPr/>
         <p:txBody>
           <a:bodyPr/>
-          <a:lstStyle>
-            <a:lvl1pPr>
-              <a:defRPr/>
-            </a:lvl1pPr>
-          </a:lstStyle>
+          <a:lstStyle/>
           <a:p>
             <a:r>
               <a:rPr lang="en-US"/>
@@ -13564,7 +12683,7 @@
         <p:nvSpPr>
           <p:cNvPr id="3" name="Text Placeholder 2"/>
           <p:cNvSpPr>
-            <a:spLocks noGrp="1"/>
+            <a:spLocks noGrp="1" noEditPoints="1"/>
           </p:cNvSpPr>
           <p:nvPr>
             <p:ph type="body" idx="1"/>
@@ -13638,7 +12757,7 @@
         <p:nvSpPr>
           <p:cNvPr id="4" name="Content Placeholder 3"/>
           <p:cNvSpPr>
-            <a:spLocks noGrp="1"/>
+            <a:spLocks noGrp="1" noEditPoints="1"/>
           </p:cNvSpPr>
           <p:nvPr>
             <p:ph sz="half" idx="2"/>
@@ -13725,7 +12844,7 @@
         <p:nvSpPr>
           <p:cNvPr id="5" name="Text Placeholder 4"/>
           <p:cNvSpPr>
-            <a:spLocks noGrp="1"/>
+            <a:spLocks noGrp="1" noEditPoints="1"/>
           </p:cNvSpPr>
           <p:nvPr>
             <p:ph type="body" sz="quarter" idx="3"/>
@@ -13799,7 +12918,7 @@
         <p:nvSpPr>
           <p:cNvPr id="6" name="Content Placeholder 5"/>
           <p:cNvSpPr>
-            <a:spLocks noGrp="1"/>
+            <a:spLocks noGrp="1" noEditPoints="1"/>
           </p:cNvSpPr>
           <p:nvPr>
             <p:ph sz="quarter" idx="4"/>
@@ -13886,7 +13005,7 @@
         <p:nvSpPr>
           <p:cNvPr id="7" name="Date Placeholder 6"/>
           <p:cNvSpPr>
-            <a:spLocks noGrp="1"/>
+            <a:spLocks noGrp="1" noEditPoints="1"/>
           </p:cNvSpPr>
           <p:nvPr>
             <p:ph type="dt" sz="half" idx="10"/>
@@ -13909,7 +13028,7 @@
         <p:nvSpPr>
           <p:cNvPr id="8" name="Footer Placeholder 7"/>
           <p:cNvSpPr>
-            <a:spLocks noGrp="1"/>
+            <a:spLocks noGrp="1" noEditPoints="1"/>
           </p:cNvSpPr>
           <p:nvPr>
             <p:ph type="ftr" sz="quarter" idx="11"/>
@@ -13932,7 +13051,7 @@
         <p:nvSpPr>
           <p:cNvPr id="9" name="Slide Number Placeholder 8"/>
           <p:cNvSpPr>
-            <a:spLocks noGrp="1"/>
+            <a:spLocks noGrp="1" noEditPoints="1"/>
           </p:cNvSpPr>
           <p:nvPr>
             <p:ph type="sldNum" sz="quarter" idx="12"/>
@@ -13945,7 +13064,6 @@
           <a:p>
             <a:fld id="{FAEF9944-A4F6-4C59-AEBD-678D6480B8EA}" type="slidenum">
               <a:rPr lang="en-US" smtClean="0"/>
-              <a:pPr/>
               <a:t>‹#›</a:t>
             </a:fld>
             <a:endParaRPr lang="en-US" dirty="0"/>
@@ -13953,11 +13071,6 @@
         </p:txBody>
       </p:sp>
     </p:spTree>
-    <p:extLst>
-      <p:ext uri="{BB962C8B-B14F-4D97-AF65-F5344CB8AC3E}">
-        <p14:creationId xmlns:p14="http://schemas.microsoft.com/office/powerpoint/2010/main" val="4238508225"/>
-      </p:ext>
-    </p:extLst>
   </p:cSld>
   <p:clrMapOvr>
     <a:masterClrMapping/>
@@ -13987,7 +13100,7 @@
         <p:nvSpPr>
           <p:cNvPr id="2" name="Title 1"/>
           <p:cNvSpPr>
-            <a:spLocks noGrp="1"/>
+            <a:spLocks noGrp="1" noEditPoints="1"/>
           </p:cNvSpPr>
           <p:nvPr>
             <p:ph type="title"/>
@@ -14010,7 +13123,7 @@
         <p:nvSpPr>
           <p:cNvPr id="7" name="Date Placeholder 2"/>
           <p:cNvSpPr>
-            <a:spLocks noGrp="1"/>
+            <a:spLocks noGrp="1" noEditPoints="1"/>
           </p:cNvSpPr>
           <p:nvPr>
             <p:ph type="dt" sz="half" idx="10"/>
@@ -14033,7 +13146,7 @@
         <p:nvSpPr>
           <p:cNvPr id="5" name="Footer Placeholder 3"/>
           <p:cNvSpPr>
-            <a:spLocks noGrp="1"/>
+            <a:spLocks noGrp="1" noEditPoints="1"/>
           </p:cNvSpPr>
           <p:nvPr>
             <p:ph type="ftr" sz="quarter" idx="11"/>
@@ -14056,7 +13169,7 @@
         <p:nvSpPr>
           <p:cNvPr id="6" name="Slide Number Placeholder 4"/>
           <p:cNvSpPr>
-            <a:spLocks noGrp="1"/>
+            <a:spLocks noGrp="1" noEditPoints="1"/>
           </p:cNvSpPr>
           <p:nvPr>
             <p:ph type="sldNum" sz="quarter" idx="12"/>
@@ -14069,7 +13182,6 @@
           <a:p>
             <a:fld id="{FAEF9944-A4F6-4C59-AEBD-678D6480B8EA}" type="slidenum">
               <a:rPr lang="en-US" smtClean="0"/>
-              <a:pPr/>
               <a:t>‹#›</a:t>
             </a:fld>
             <a:endParaRPr lang="en-US" dirty="0"/>
@@ -14077,11 +13189,6 @@
         </p:txBody>
       </p:sp>
     </p:spTree>
-    <p:extLst>
-      <p:ext uri="{BB962C8B-B14F-4D97-AF65-F5344CB8AC3E}">
-        <p14:creationId xmlns:p14="http://schemas.microsoft.com/office/powerpoint/2010/main" val="4265096887"/>
-      </p:ext>
-    </p:extLst>
   </p:cSld>
   <p:clrMapOvr>
     <a:masterClrMapping/>
@@ -14111,7 +13218,7 @@
         <p:nvSpPr>
           <p:cNvPr id="7" name="Date Placeholder 1"/>
           <p:cNvSpPr>
-            <a:spLocks noGrp="1"/>
+            <a:spLocks noGrp="1" noEditPoints="1"/>
           </p:cNvSpPr>
           <p:nvPr>
             <p:ph type="dt" sz="half" idx="10"/>
@@ -14134,7 +13241,7 @@
         <p:nvSpPr>
           <p:cNvPr id="5" name="Footer Placeholder 2"/>
           <p:cNvSpPr>
-            <a:spLocks noGrp="1"/>
+            <a:spLocks noGrp="1" noEditPoints="1"/>
           </p:cNvSpPr>
           <p:nvPr>
             <p:ph type="ftr" sz="quarter" idx="11"/>
@@ -14157,7 +13264,7 @@
         <p:nvSpPr>
           <p:cNvPr id="6" name="Slide Number Placeholder 3"/>
           <p:cNvSpPr>
-            <a:spLocks noGrp="1"/>
+            <a:spLocks noGrp="1" noEditPoints="1"/>
           </p:cNvSpPr>
           <p:nvPr>
             <p:ph type="sldNum" sz="quarter" idx="12"/>
@@ -14170,7 +13277,6 @@
           <a:p>
             <a:fld id="{FAEF9944-A4F6-4C59-AEBD-678D6480B8EA}" type="slidenum">
               <a:rPr lang="en-US" smtClean="0"/>
-              <a:pPr/>
               <a:t>‹#›</a:t>
             </a:fld>
             <a:endParaRPr lang="en-US" dirty="0"/>
@@ -14178,11 +13284,6 @@
         </p:txBody>
       </p:sp>
     </p:spTree>
-    <p:extLst>
-      <p:ext uri="{BB962C8B-B14F-4D97-AF65-F5344CB8AC3E}">
-        <p14:creationId xmlns:p14="http://schemas.microsoft.com/office/powerpoint/2010/main" val="2595542149"/>
-      </p:ext>
-    </p:extLst>
   </p:cSld>
   <p:clrMapOvr>
     <a:masterClrMapping/>
@@ -14212,7 +13313,7 @@
         <p:nvSpPr>
           <p:cNvPr id="2" name="Title 1"/>
           <p:cNvSpPr>
-            <a:spLocks noGrp="1"/>
+            <a:spLocks noGrp="1" noEditPoints="1"/>
           </p:cNvSpPr>
           <p:nvPr>
             <p:ph type="title"/>
@@ -14244,7 +13345,7 @@
         <p:nvSpPr>
           <p:cNvPr id="3" name="Content Placeholder 2"/>
           <p:cNvSpPr>
-            <a:spLocks noGrp="1"/>
+            <a:spLocks noGrp="1" noEditPoints="1"/>
           </p:cNvSpPr>
           <p:nvPr>
             <p:ph idx="1"/>
@@ -14331,7 +13432,7 @@
         <p:nvSpPr>
           <p:cNvPr id="4" name="Text Placeholder 3"/>
           <p:cNvSpPr>
-            <a:spLocks noGrp="1"/>
+            <a:spLocks noGrp="1" noEditPoints="1"/>
           </p:cNvSpPr>
           <p:nvPr>
             <p:ph type="body" sz="half" idx="2"/>
@@ -14396,7 +13497,7 @@
         <p:nvSpPr>
           <p:cNvPr id="7" name="Date Placeholder 4"/>
           <p:cNvSpPr>
-            <a:spLocks noGrp="1"/>
+            <a:spLocks noGrp="1" noEditPoints="1"/>
           </p:cNvSpPr>
           <p:nvPr>
             <p:ph type="dt" sz="half" idx="10"/>
@@ -14419,7 +13520,7 @@
         <p:nvSpPr>
           <p:cNvPr id="5" name="Footer Placeholder 5"/>
           <p:cNvSpPr>
-            <a:spLocks noGrp="1"/>
+            <a:spLocks noGrp="1" noEditPoints="1"/>
           </p:cNvSpPr>
           <p:nvPr>
             <p:ph type="ftr" sz="quarter" idx="11"/>
@@ -14442,7 +13543,7 @@
         <p:nvSpPr>
           <p:cNvPr id="6" name="Slide Number Placeholder 6"/>
           <p:cNvSpPr>
-            <a:spLocks noGrp="1"/>
+            <a:spLocks noGrp="1" noEditPoints="1"/>
           </p:cNvSpPr>
           <p:nvPr>
             <p:ph type="sldNum" sz="quarter" idx="12"/>
@@ -14455,7 +13556,6 @@
           <a:p>
             <a:fld id="{FAEF9944-A4F6-4C59-AEBD-678D6480B8EA}" type="slidenum">
               <a:rPr lang="en-US" smtClean="0"/>
-              <a:pPr/>
               <a:t>‹#›</a:t>
             </a:fld>
             <a:endParaRPr lang="en-US" dirty="0"/>
@@ -14463,11 +13563,6 @@
         </p:txBody>
       </p:sp>
     </p:spTree>
-    <p:extLst>
-      <p:ext uri="{BB962C8B-B14F-4D97-AF65-F5344CB8AC3E}">
-        <p14:creationId xmlns:p14="http://schemas.microsoft.com/office/powerpoint/2010/main" val="1793992408"/>
-      </p:ext>
-    </p:extLst>
   </p:cSld>
   <p:clrMapOvr>
     <a:masterClrMapping/>
@@ -14497,7 +13592,7 @@
         <p:nvSpPr>
           <p:cNvPr id="2" name="Title 1"/>
           <p:cNvSpPr>
-            <a:spLocks noGrp="1"/>
+            <a:spLocks noGrp="1" noEditPoints="1"/>
           </p:cNvSpPr>
           <p:nvPr>
             <p:ph type="title"/>
@@ -14531,7 +13626,7 @@
         <p:nvSpPr>
           <p:cNvPr id="3" name="Picture Placeholder 2"/>
           <p:cNvSpPr>
-            <a:spLocks noGrp="1" noChangeAspect="1"/>
+            <a:spLocks noGrp="1" noChangeAspect="1" noEditPoints="1"/>
           </p:cNvSpPr>
           <p:nvPr>
             <p:ph type="pic" idx="1"/>
@@ -14598,6 +13693,7 @@
             </a:lvl9pPr>
           </a:lstStyle>
           <a:p>
+            <a:pPr lvl="0"/>
             <a:r>
               <a:rPr lang="en-US"/>
               <a:t>Click icon to add picture</a:t>
@@ -14610,7 +13706,7 @@
         <p:nvSpPr>
           <p:cNvPr id="4" name="Text Placeholder 3"/>
           <p:cNvSpPr>
-            <a:spLocks noGrp="1"/>
+            <a:spLocks noGrp="1" noEditPoints="1"/>
           </p:cNvSpPr>
           <p:nvPr>
             <p:ph type="body" sz="half" idx="2"/>
@@ -14677,7 +13773,7 @@
         <p:nvSpPr>
           <p:cNvPr id="5" name="Date Placeholder 4"/>
           <p:cNvSpPr>
-            <a:spLocks noGrp="1"/>
+            <a:spLocks noGrp="1" noEditPoints="1"/>
           </p:cNvSpPr>
           <p:nvPr>
             <p:ph type="dt" sz="half" idx="10"/>
@@ -14700,7 +13796,7 @@
         <p:nvSpPr>
           <p:cNvPr id="6" name="Footer Placeholder 5"/>
           <p:cNvSpPr>
-            <a:spLocks noGrp="1"/>
+            <a:spLocks noGrp="1" noEditPoints="1"/>
           </p:cNvSpPr>
           <p:nvPr>
             <p:ph type="ftr" sz="quarter" idx="11"/>
@@ -14723,7 +13819,7 @@
         <p:nvSpPr>
           <p:cNvPr id="7" name="Slide Number Placeholder 6"/>
           <p:cNvSpPr>
-            <a:spLocks noGrp="1"/>
+            <a:spLocks noGrp="1" noEditPoints="1"/>
           </p:cNvSpPr>
           <p:nvPr>
             <p:ph type="sldNum" sz="quarter" idx="12"/>
@@ -14736,7 +13832,6 @@
           <a:p>
             <a:fld id="{FAEF9944-A4F6-4C59-AEBD-678D6480B8EA}" type="slidenum">
               <a:rPr lang="en-US" smtClean="0"/>
-              <a:pPr/>
               <a:t>‹#›</a:t>
             </a:fld>
             <a:endParaRPr lang="en-US" dirty="0"/>
@@ -14744,11 +13839,6 @@
         </p:txBody>
       </p:sp>
     </p:spTree>
-    <p:extLst>
-      <p:ext uri="{BB962C8B-B14F-4D97-AF65-F5344CB8AC3E}">
-        <p14:creationId xmlns:p14="http://schemas.microsoft.com/office/powerpoint/2010/main" val="2122879253"/>
-      </p:ext>
-    </p:extLst>
   </p:cSld>
   <p:clrMapOvr>
     <a:masterClrMapping/>
@@ -14787,14 +13877,8 @@
           </p:cNvPicPr>
           <p:nvPr/>
         </p:nvPicPr>
-        <p:blipFill rotWithShape="1">
-          <a:blip r:embed="rId28">
-            <a:extLst>
-              <a:ext uri="{28A0092B-C50C-407E-A947-70E740481C1C}">
-                <a14:useLocalDpi xmlns:a14="http://schemas.microsoft.com/office/drawing/2010/main" val="0"/>
-              </a:ext>
-            </a:extLst>
-          </a:blip>
+        <p:blipFill>
+          <a:blip r:embed="rId1"/>
           <a:srcRect l="3613"/>
           <a:stretch/>
         </p:blipFill>
@@ -14816,14 +13900,8 @@
           </p:cNvPicPr>
           <p:nvPr/>
         </p:nvPicPr>
-        <p:blipFill rotWithShape="1">
-          <a:blip r:embed="rId29">
-            <a:extLst>
-              <a:ext uri="{28A0092B-C50C-407E-A947-70E740481C1C}">
-                <a14:useLocalDpi xmlns:a14="http://schemas.microsoft.com/office/drawing/2010/main" val="0"/>
-              </a:ext>
-            </a:extLst>
-          </a:blip>
+        <p:blipFill>
+          <a:blip r:embed="rId2"/>
           <a:srcRect l="35640"/>
           <a:stretch/>
         </p:blipFill>
@@ -14860,18 +13938,18 @@
                   <a:alpha val="7000"/>
                 </a:schemeClr>
               </a:gs>
+              <a:gs pos="36000">
+                <a:schemeClr val="bg2">
+                  <a:lumMod val="60000"/>
+                  <a:lumOff val="40000"/>
+                  <a:alpha val="6000"/>
+                </a:schemeClr>
+              </a:gs>
               <a:gs pos="69000">
                 <a:schemeClr val="bg2">
                   <a:lumMod val="60000"/>
                   <a:lumOff val="40000"/>
                   <a:alpha val="0"/>
-                </a:schemeClr>
-              </a:gs>
-              <a:gs pos="36000">
-                <a:schemeClr val="bg2">
-                  <a:lumMod val="60000"/>
-                  <a:lumOff val="40000"/>
-                  <a:alpha val="6000"/>
                 </a:schemeClr>
               </a:gs>
             </a:gsLst>
@@ -14899,6 +13977,11 @@
             <a:schemeClr val="lt1"/>
           </a:fontRef>
         </p:style>
+        <p:txBody>
+          <a:bodyPr/>
+          <a:lstStyle/>
+          <a:p/>
+        </p:txBody>
       </p:sp>
       <p:pic>
         <p:nvPicPr>
@@ -14908,14 +13991,8 @@
           </p:cNvPicPr>
           <p:nvPr/>
         </p:nvPicPr>
-        <p:blipFill rotWithShape="1">
-          <a:blip r:embed="rId30">
-            <a:extLst>
-              <a:ext uri="{28A0092B-C50C-407E-A947-70E740481C1C}">
-                <a14:useLocalDpi xmlns:a14="http://schemas.microsoft.com/office/drawing/2010/main" val="0"/>
-              </a:ext>
-            </a:extLst>
-          </a:blip>
+        <p:blipFill>
+          <a:blip r:embed="rId3"/>
           <a:srcRect t="28813"/>
           <a:stretch/>
         </p:blipFill>
@@ -14937,14 +14014,8 @@
           </p:cNvPicPr>
           <p:nvPr/>
         </p:nvPicPr>
-        <p:blipFill rotWithShape="1">
-          <a:blip r:embed="rId31">
-            <a:extLst>
-              <a:ext uri="{28A0092B-C50C-407E-A947-70E740481C1C}">
-                <a14:useLocalDpi xmlns:a14="http://schemas.microsoft.com/office/drawing/2010/main" val="0"/>
-              </a:ext>
-            </a:extLst>
-          </a:blip>
+        <p:blipFill>
+          <a:blip r:embed="rId4"/>
           <a:srcRect b="23320"/>
           <a:stretch/>
         </p:blipFill>
@@ -14993,12 +14064,17 @@
             <a:schemeClr val="lt1"/>
           </a:fontRef>
         </p:style>
+        <p:txBody>
+          <a:bodyPr/>
+          <a:lstStyle/>
+          <a:p/>
+        </p:txBody>
       </p:sp>
       <p:sp>
         <p:nvSpPr>
           <p:cNvPr id="2" name="Title Placeholder 1"/>
           <p:cNvSpPr>
-            <a:spLocks noGrp="1"/>
+            <a:spLocks noGrp="1" noEditPoints="1"/>
           </p:cNvSpPr>
           <p:nvPr>
             <p:ph type="title"/>
@@ -15031,7 +14107,7 @@
         <p:nvSpPr>
           <p:cNvPr id="3" name="Text Placeholder 2"/>
           <p:cNvSpPr>
-            <a:spLocks noGrp="1"/>
+            <a:spLocks noGrp="1" noEditPoints="1"/>
           </p:cNvSpPr>
           <p:nvPr>
             <p:ph type="body" idx="1"/>
@@ -15093,7 +14169,7 @@
         <p:nvSpPr>
           <p:cNvPr id="4" name="Date Placeholder 3"/>
           <p:cNvSpPr>
-            <a:spLocks noGrp="1"/>
+            <a:spLocks noGrp="1" noEditPoints="1"/>
           </p:cNvSpPr>
           <p:nvPr>
             <p:ph type="dt" sz="half" idx="2"/>
@@ -15135,7 +14211,7 @@
         <p:nvSpPr>
           <p:cNvPr id="5" name="Footer Placeholder 4"/>
           <p:cNvSpPr>
-            <a:spLocks noGrp="1"/>
+            <a:spLocks noGrp="1" noEditPoints="1"/>
           </p:cNvSpPr>
           <p:nvPr>
             <p:ph type="ftr" sz="quarter" idx="3"/>
@@ -15177,7 +14253,7 @@
         <p:nvSpPr>
           <p:cNvPr id="6" name="Slide Number Placeholder 5"/>
           <p:cNvSpPr>
-            <a:spLocks noGrp="1"/>
+            <a:spLocks noGrp="1" noEditPoints="1"/>
           </p:cNvSpPr>
           <p:nvPr>
             <p:ph type="sldNum" sz="quarter" idx="4"/>
@@ -15208,7 +14284,6 @@
           <a:p>
             <a:fld id="{FAEF9944-A4F6-4C59-AEBD-678D6480B8EA}" type="slidenum">
               <a:rPr lang="en-US" smtClean="0"/>
-              <a:pPr/>
               <a:t>‹#›</a:t>
             </a:fld>
             <a:endParaRPr lang="en-US" dirty="0"/>
@@ -15216,40 +14291,35 @@
         </p:txBody>
       </p:sp>
     </p:spTree>
-    <p:extLst>
-      <p:ext uri="{BB962C8B-B14F-4D97-AF65-F5344CB8AC3E}">
-        <p14:creationId xmlns:p14="http://schemas.microsoft.com/office/powerpoint/2010/main" val="2684298900"/>
-      </p:ext>
-    </p:extLst>
   </p:cSld>
   <p:clrMap bg1="dk1" tx1="lt1" bg2="dk2" tx2="lt2" accent1="accent1" accent2="accent2" accent3="accent3" accent4="accent4" accent5="accent5" accent6="accent6" hlink="hlink" folHlink="folHlink"/>
   <p:sldLayoutIdLst>
-    <p:sldLayoutId id="2147484314" r:id="rId1"/>
-    <p:sldLayoutId id="2147484315" r:id="rId2"/>
-    <p:sldLayoutId id="2147484316" r:id="rId3"/>
-    <p:sldLayoutId id="2147484317" r:id="rId4"/>
-    <p:sldLayoutId id="2147484318" r:id="rId5"/>
-    <p:sldLayoutId id="2147484319" r:id="rId6"/>
-    <p:sldLayoutId id="2147484320" r:id="rId7"/>
-    <p:sldLayoutId id="2147484321" r:id="rId8"/>
-    <p:sldLayoutId id="2147484322" r:id="rId9"/>
-    <p:sldLayoutId id="2147484323" r:id="rId10"/>
-    <p:sldLayoutId id="2147484324" r:id="rId11"/>
-    <p:sldLayoutId id="2147484325" r:id="rId12"/>
-    <p:sldLayoutId id="2147484326" r:id="rId13"/>
-    <p:sldLayoutId id="2147484327" r:id="rId14"/>
-    <p:sldLayoutId id="2147484328" r:id="rId15"/>
-    <p:sldLayoutId id="2147484329" r:id="rId16"/>
-    <p:sldLayoutId id="2147484330" r:id="rId17"/>
-    <p:sldLayoutId id="2147484331" r:id="rId18"/>
-    <p:sldLayoutId id="2147484332" r:id="rId19"/>
-    <p:sldLayoutId id="2147484333" r:id="rId20"/>
-    <p:sldLayoutId id="2147484334" r:id="rId21"/>
-    <p:sldLayoutId id="2147484338" r:id="rId22"/>
-    <p:sldLayoutId id="2147484340" r:id="rId23"/>
-    <p:sldLayoutId id="2147483664" r:id="rId24"/>
-    <p:sldLayoutId id="2147483665" r:id="rId25"/>
-    <p:sldLayoutId id="2147483666" r:id="rId26"/>
+    <p:sldLayoutId id="2147483649" r:id="rId5"/>
+    <p:sldLayoutId id="2147483650" r:id="rId6"/>
+    <p:sldLayoutId id="2147483651" r:id="rId7"/>
+    <p:sldLayoutId id="2147483652" r:id="rId8"/>
+    <p:sldLayoutId id="2147483653" r:id="rId9"/>
+    <p:sldLayoutId id="2147483654" r:id="rId10"/>
+    <p:sldLayoutId id="2147483655" r:id="rId11"/>
+    <p:sldLayoutId id="2147483656" r:id="rId12"/>
+    <p:sldLayoutId id="2147483657" r:id="rId13"/>
+    <p:sldLayoutId id="2147483658" r:id="rId14"/>
+    <p:sldLayoutId id="2147483659" r:id="rId15"/>
+    <p:sldLayoutId id="2147483660" r:id="rId16"/>
+    <p:sldLayoutId id="2147483661" r:id="rId17"/>
+    <p:sldLayoutId id="2147483662" r:id="rId18"/>
+    <p:sldLayoutId id="2147483663" r:id="rId19"/>
+    <p:sldLayoutId id="2147483664" r:id="rId20"/>
+    <p:sldLayoutId id="2147483665" r:id="rId21"/>
+    <p:sldLayoutId id="2147483666" r:id="rId22"/>
+    <p:sldLayoutId id="2147483667" r:id="rId23"/>
+    <p:sldLayoutId id="2147483668" r:id="rId24"/>
+    <p:sldLayoutId id="2147483669" r:id="rId25"/>
+    <p:sldLayoutId id="2147483670" r:id="rId26"/>
+    <p:sldLayoutId id="2147483671" r:id="rId27"/>
+    <p:sldLayoutId id="2147483672" r:id="rId28"/>
+    <p:sldLayoutId id="2147483673" r:id="rId29"/>
+    <p:sldLayoutId id="2147483674" r:id="rId30"/>
   </p:sldLayoutIdLst>
   <p:hf hdr="0"/>
   <p:txStyles>
@@ -15648,11 +14718,6 @@
       </a:lvl9pPr>
     </p:otherStyle>
   </p:txStyles>
-  <p:extLst>
-    <p:ext uri="{27BBF7A9-308A-43DC-89C8-2F10F3537804}">
-      <p15:sldGuideLst xmlns:p15="http://schemas.microsoft.com/office/powerpoint/2012/main"/>
-    </p:ext>
-  </p:extLst>
 </p:sldMaster>
 </file>
 
@@ -15664,7 +14729,6 @@
         <a:solidFill>
           <a:schemeClr val="bg1"/>
         </a:solidFill>
-        <a:effectLst/>
       </p:bgPr>
     </p:bg>
     <p:spTree>
@@ -15683,35 +14747,14 @@
       </p:grpSpPr>
       <p:pic>
         <p:nvPicPr>
-          <p:cNvPr id="104" name="Picture 103">
-            <a:extLst>
-              <a:ext uri="{FF2B5EF4-FFF2-40B4-BE49-F238E27FC236}">
-                <a16:creationId xmlns:a16="http://schemas.microsoft.com/office/drawing/2014/main" id="{DF19BAF3-7E20-4B9D-B544-BABAEEA1FA75}"/>
-              </a:ext>
-              <a:ext uri="{C183D7F6-B498-43B3-948B-1728B52AA6E4}">
-                <adec:decorative xmlns:adec="http://schemas.microsoft.com/office/drawing/2017/decorative" val="1"/>
-              </a:ext>
-            </a:extLst>
-          </p:cNvPr>
+          <p:cNvPr id="104" name="Picture 103"/>
           <p:cNvPicPr>
-            <a:picLocks noGrp="1" noRot="1" noChangeAspect="1" noMove="1" noResize="1" noEditPoints="1" noAdjustHandles="1" noChangeArrowheads="1" noChangeShapeType="1" noCrop="1"/>
+            <a:picLocks noGrp="1" noRot="1" noChangeAspect="1" noMove="1" noResize="1" noEditPoints="1" noAdjustHandles="1" noChangeArrowheads="1" noChangeShapeType="1"/>
           </p:cNvPicPr>
-          <p:nvPr>
-            <p:extLst>
-              <p:ext uri="{386F3935-93C4-4BCD-93E2-E3B085C9AB24}">
-                <p16:designElem xmlns:p16="http://schemas.microsoft.com/office/powerpoint/2015/main" val="1"/>
-              </p:ext>
-            </p:extLst>
-          </p:nvPr>
+          <p:nvPr/>
         </p:nvPicPr>
-        <p:blipFill rotWithShape="1">
-          <a:blip r:embed="rId2">
-            <a:extLst>
-              <a:ext uri="{28A0092B-C50C-407E-A947-70E740481C1C}">
-                <a14:useLocalDpi xmlns:a14="http://schemas.microsoft.com/office/drawing/2010/main" val="0"/>
-              </a:ext>
-            </a:extLst>
-          </a:blip>
+        <p:blipFill>
+          <a:blip r:embed="rId1"/>
           <a:srcRect l="3613"/>
           <a:stretch/>
         </p:blipFill>
@@ -15727,35 +14770,14 @@
       </p:pic>
       <p:pic>
         <p:nvPicPr>
-          <p:cNvPr id="105" name="Picture 104">
-            <a:extLst>
-              <a:ext uri="{FF2B5EF4-FFF2-40B4-BE49-F238E27FC236}">
-                <a16:creationId xmlns:a16="http://schemas.microsoft.com/office/drawing/2014/main" id="{950648F4-ABCD-4DF0-8641-76CFB2354721}"/>
-              </a:ext>
-              <a:ext uri="{C183D7F6-B498-43B3-948B-1728B52AA6E4}">
-                <adec:decorative xmlns:adec="http://schemas.microsoft.com/office/drawing/2017/decorative" val="1"/>
-              </a:ext>
-            </a:extLst>
-          </p:cNvPr>
+          <p:cNvPr id="105" name="Picture 104"/>
           <p:cNvPicPr>
-            <a:picLocks noGrp="1" noRot="1" noChangeAspect="1" noMove="1" noResize="1" noEditPoints="1" noAdjustHandles="1" noChangeArrowheads="1" noChangeShapeType="1" noCrop="1"/>
+            <a:picLocks noGrp="1" noRot="1" noChangeAspect="1" noMove="1" noResize="1" noEditPoints="1" noAdjustHandles="1" noChangeArrowheads="1" noChangeShapeType="1"/>
           </p:cNvPicPr>
-          <p:nvPr>
-            <p:extLst>
-              <p:ext uri="{386F3935-93C4-4BCD-93E2-E3B085C9AB24}">
-                <p16:designElem xmlns:p16="http://schemas.microsoft.com/office/powerpoint/2015/main" val="1"/>
-              </p:ext>
-            </p:extLst>
-          </p:nvPr>
+          <p:nvPr/>
         </p:nvPicPr>
-        <p:blipFill rotWithShape="1">
-          <a:blip r:embed="rId3">
-            <a:extLst>
-              <a:ext uri="{28A0092B-C50C-407E-A947-70E740481C1C}">
-                <a14:useLocalDpi xmlns:a14="http://schemas.microsoft.com/office/drawing/2010/main" val="0"/>
-              </a:ext>
-            </a:extLst>
-          </a:blip>
+        <p:blipFill>
+          <a:blip r:embed="rId2"/>
           <a:srcRect l="35640"/>
           <a:stretch/>
         </p:blipFill>
@@ -15771,26 +14793,11 @@
       </p:pic>
       <p:sp>
         <p:nvSpPr>
-          <p:cNvPr id="106" name="Oval 105">
-            <a:extLst>
-              <a:ext uri="{FF2B5EF4-FFF2-40B4-BE49-F238E27FC236}">
-                <a16:creationId xmlns:a16="http://schemas.microsoft.com/office/drawing/2014/main" id="{989BE678-777B-482A-A616-FEDC47B162E5}"/>
-              </a:ext>
-              <a:ext uri="{C183D7F6-B498-43B3-948B-1728B52AA6E4}">
-                <adec:decorative xmlns:adec="http://schemas.microsoft.com/office/drawing/2017/decorative" val="1"/>
-              </a:ext>
-            </a:extLst>
-          </p:cNvPr>
+          <p:cNvPr id="106" name="Oval 105"/>
           <p:cNvSpPr>
             <a:spLocks noGrp="1" noRot="1" noChangeAspect="1" noMove="1" noResize="1" noEditPoints="1" noAdjustHandles="1" noChangeArrowheads="1" noChangeShapeType="1" noTextEdit="1"/>
           </p:cNvSpPr>
-          <p:nvPr>
-            <p:extLst>
-              <p:ext uri="{386F3935-93C4-4BCD-93E2-E3B085C9AB24}">
-                <p16:designElem xmlns:p16="http://schemas.microsoft.com/office/powerpoint/2015/main" val="1"/>
-              </p:ext>
-            </p:extLst>
-          </p:nvPr>
+          <p:nvPr/>
         </p:nvSpPr>
         <p:spPr>
           <a:xfrm>
@@ -15809,18 +14816,18 @@
                   <a:alpha val="7000"/>
                 </a:schemeClr>
               </a:gs>
+              <a:gs pos="36000">
+                <a:schemeClr val="bg2">
+                  <a:lumMod val="60000"/>
+                  <a:lumOff val="40000"/>
+                  <a:alpha val="6000"/>
+                </a:schemeClr>
+              </a:gs>
               <a:gs pos="69000">
                 <a:schemeClr val="bg2">
                   <a:lumMod val="60000"/>
                   <a:lumOff val="40000"/>
                   <a:alpha val="0"/>
-                </a:schemeClr>
-              </a:gs>
-              <a:gs pos="36000">
-                <a:schemeClr val="bg2">
-                  <a:lumMod val="60000"/>
-                  <a:lumOff val="40000"/>
-                  <a:alpha val="6000"/>
                 </a:schemeClr>
               </a:gs>
             </a:gsLst>
@@ -15858,35 +14865,14 @@
       </p:sp>
       <p:pic>
         <p:nvPicPr>
-          <p:cNvPr id="107" name="Picture 106">
-            <a:extLst>
-              <a:ext uri="{FF2B5EF4-FFF2-40B4-BE49-F238E27FC236}">
-                <a16:creationId xmlns:a16="http://schemas.microsoft.com/office/drawing/2014/main" id="{CF1EB4BD-9C7E-4AA3-9681-C7EB0DA6250B}"/>
-              </a:ext>
-              <a:ext uri="{C183D7F6-B498-43B3-948B-1728B52AA6E4}">
-                <adec:decorative xmlns:adec="http://schemas.microsoft.com/office/drawing/2017/decorative" val="1"/>
-              </a:ext>
-            </a:extLst>
-          </p:cNvPr>
+          <p:cNvPr id="107" name="Picture 106"/>
           <p:cNvPicPr>
-            <a:picLocks noGrp="1" noRot="1" noChangeAspect="1" noMove="1" noResize="1" noEditPoints="1" noAdjustHandles="1" noChangeArrowheads="1" noChangeShapeType="1" noCrop="1"/>
+            <a:picLocks noGrp="1" noRot="1" noChangeAspect="1" noMove="1" noResize="1" noEditPoints="1" noAdjustHandles="1" noChangeArrowheads="1" noChangeShapeType="1"/>
           </p:cNvPicPr>
-          <p:nvPr>
-            <p:extLst>
-              <p:ext uri="{386F3935-93C4-4BCD-93E2-E3B085C9AB24}">
-                <p16:designElem xmlns:p16="http://schemas.microsoft.com/office/powerpoint/2015/main" val="1"/>
-              </p:ext>
-            </p:extLst>
-          </p:nvPr>
+          <p:nvPr/>
         </p:nvPicPr>
-        <p:blipFill rotWithShape="1">
-          <a:blip r:embed="rId4">
-            <a:extLst>
-              <a:ext uri="{28A0092B-C50C-407E-A947-70E740481C1C}">
-                <a14:useLocalDpi xmlns:a14="http://schemas.microsoft.com/office/drawing/2010/main" val="0"/>
-              </a:ext>
-            </a:extLst>
-          </a:blip>
+        <p:blipFill>
+          <a:blip r:embed="rId3"/>
           <a:srcRect t="28813"/>
           <a:stretch/>
         </p:blipFill>
@@ -15902,35 +14888,14 @@
       </p:pic>
       <p:pic>
         <p:nvPicPr>
-          <p:cNvPr id="108" name="Picture 107">
-            <a:extLst>
-              <a:ext uri="{FF2B5EF4-FFF2-40B4-BE49-F238E27FC236}">
-                <a16:creationId xmlns:a16="http://schemas.microsoft.com/office/drawing/2014/main" id="{94AAE3AA-3759-4D28-B0EF-575F25A5146C}"/>
-              </a:ext>
-              <a:ext uri="{C183D7F6-B498-43B3-948B-1728B52AA6E4}">
-                <adec:decorative xmlns:adec="http://schemas.microsoft.com/office/drawing/2017/decorative" val="1"/>
-              </a:ext>
-            </a:extLst>
-          </p:cNvPr>
+          <p:cNvPr id="108" name="Picture 107"/>
           <p:cNvPicPr>
-            <a:picLocks noGrp="1" noRot="1" noChangeAspect="1" noMove="1" noResize="1" noEditPoints="1" noAdjustHandles="1" noChangeArrowheads="1" noChangeShapeType="1" noCrop="1"/>
+            <a:picLocks noGrp="1" noRot="1" noChangeAspect="1" noMove="1" noResize="1" noEditPoints="1" noAdjustHandles="1" noChangeArrowheads="1" noChangeShapeType="1"/>
           </p:cNvPicPr>
-          <p:nvPr>
-            <p:extLst>
-              <p:ext uri="{386F3935-93C4-4BCD-93E2-E3B085C9AB24}">
-                <p16:designElem xmlns:p16="http://schemas.microsoft.com/office/powerpoint/2015/main" val="1"/>
-              </p:ext>
-            </p:extLst>
-          </p:nvPr>
+          <p:nvPr/>
         </p:nvPicPr>
-        <p:blipFill rotWithShape="1">
-          <a:blip r:embed="rId5">
-            <a:extLst>
-              <a:ext uri="{28A0092B-C50C-407E-A947-70E740481C1C}">
-                <a14:useLocalDpi xmlns:a14="http://schemas.microsoft.com/office/drawing/2010/main" val="0"/>
-              </a:ext>
-            </a:extLst>
-          </a:blip>
+        <p:blipFill>
+          <a:blip r:embed="rId4"/>
           <a:srcRect b="23320"/>
           <a:stretch/>
         </p:blipFill>
@@ -15946,26 +14911,11 @@
       </p:pic>
       <p:sp>
         <p:nvSpPr>
-          <p:cNvPr id="109" name="Rectangle 108">
-            <a:extLst>
-              <a:ext uri="{FF2B5EF4-FFF2-40B4-BE49-F238E27FC236}">
-                <a16:creationId xmlns:a16="http://schemas.microsoft.com/office/drawing/2014/main" id="{D28BE0C3-2102-4820-B88B-A448B1840D14}"/>
-              </a:ext>
-              <a:ext uri="{C183D7F6-B498-43B3-948B-1728B52AA6E4}">
-                <adec:decorative xmlns:adec="http://schemas.microsoft.com/office/drawing/2017/decorative" val="1"/>
-              </a:ext>
-            </a:extLst>
-          </p:cNvPr>
+          <p:cNvPr id="109" name="Rectangle 108"/>
           <p:cNvSpPr>
             <a:spLocks noGrp="1" noRot="1" noChangeAspect="1" noMove="1" noResize="1" noEditPoints="1" noAdjustHandles="1" noChangeArrowheads="1" noChangeShapeType="1" noTextEdit="1"/>
           </p:cNvSpPr>
-          <p:nvPr>
-            <p:extLst>
-              <p:ext uri="{386F3935-93C4-4BCD-93E2-E3B085C9AB24}">
-                <p16:designElem xmlns:p16="http://schemas.microsoft.com/office/powerpoint/2015/main" val="1"/>
-              </p:ext>
-            </p:extLst>
-          </p:nvPr>
+          <p:nvPr/>
         </p:nvSpPr>
         <p:spPr>
           <a:xfrm>
@@ -16006,26 +14956,11 @@
       </p:sp>
       <p:sp useBgFill="1">
         <p:nvSpPr>
-          <p:cNvPr id="110" name="Rectangle 109">
-            <a:extLst>
-              <a:ext uri="{FF2B5EF4-FFF2-40B4-BE49-F238E27FC236}">
-                <a16:creationId xmlns:a16="http://schemas.microsoft.com/office/drawing/2014/main" id="{29787B81-C7DF-412B-A405-EF4454012DEE}"/>
-              </a:ext>
-              <a:ext uri="{C183D7F6-B498-43B3-948B-1728B52AA6E4}">
-                <adec:decorative xmlns:adec="http://schemas.microsoft.com/office/drawing/2017/decorative" val="1"/>
-              </a:ext>
-            </a:extLst>
-          </p:cNvPr>
+          <p:cNvPr id="110" name="Rectangle 109"/>
           <p:cNvSpPr>
             <a:spLocks noGrp="1" noRot="1" noChangeAspect="1" noMove="1" noResize="1" noEditPoints="1" noAdjustHandles="1" noChangeArrowheads="1" noChangeShapeType="1" noTextEdit="1"/>
           </p:cNvSpPr>
-          <p:nvPr>
-            <p:extLst>
-              <p:ext uri="{386F3935-93C4-4BCD-93E2-E3B085C9AB24}">
-                <p16:designElem xmlns:p16="http://schemas.microsoft.com/office/powerpoint/2015/main" val="1"/>
-              </p:ext>
-            </p:extLst>
-          </p:nvPr>
+          <p:nvPr/>
         </p:nvSpPr>
         <p:spPr>
           <a:xfrm>
@@ -16066,13 +15001,7 @@
       </p:sp>
       <p:pic>
         <p:nvPicPr>
-          <p:cNvPr id="41" name="Picture Placeholder 40">
-            <a:extLst>
-              <a:ext uri="{FF2B5EF4-FFF2-40B4-BE49-F238E27FC236}">
-                <a16:creationId xmlns:a16="http://schemas.microsoft.com/office/drawing/2014/main" id="{9FB4A3D7-302B-4FAB-B9BD-5F75A796AC7C}"/>
-              </a:ext>
-            </a:extLst>
-          </p:cNvPr>
+          <p:cNvPr id="41" name="Picture Placeholder 40"/>
           <p:cNvPicPr>
             <a:picLocks noGrp="1" noChangeAspect="1"/>
           </p:cNvPicPr>
@@ -16080,8 +15009,8 @@
             <p:ph type="pic" sz="quarter" idx="13"/>
           </p:nvPr>
         </p:nvPicPr>
-        <p:blipFill rotWithShape="1">
-          <a:blip r:embed="rId6">
+        <p:blipFill>
+          <a:blip r:embed="rId5">
             <a:alphaModFix amt="35000"/>
           </a:blip>
           <a:srcRect l="8891" r="8887" b="-1"/>
@@ -16100,15 +15029,9 @@
       </p:pic>
       <p:sp>
         <p:nvSpPr>
-          <p:cNvPr id="7" name="Title 6">
-            <a:extLst>
-              <a:ext uri="{FF2B5EF4-FFF2-40B4-BE49-F238E27FC236}">
-                <a16:creationId xmlns:a16="http://schemas.microsoft.com/office/drawing/2014/main" id="{0814B6A3-5F3E-4909-8ED5-87FE82492264}"/>
-              </a:ext>
-            </a:extLst>
-          </p:cNvPr>
-          <p:cNvSpPr>
-            <a:spLocks noGrp="1"/>
+          <p:cNvPr id="7" name="Title 6"/>
+          <p:cNvSpPr>
+            <a:spLocks noGrp="1" noEditPoints="1"/>
           </p:cNvSpPr>
           <p:nvPr>
             <p:ph type="ctrTitle"/>
@@ -16170,25 +15093,14 @@
                 </a:solidFill>
               </a:rPr>
             </a:br>
-            <a:endParaRPr lang="en-US" sz="4200" dirty="0">
-              <a:solidFill>
-                <a:schemeClr val="tx2"/>
-              </a:solidFill>
-            </a:endParaRPr>
-          </a:p>
-        </p:txBody>
-      </p:sp>
-      <p:sp>
-        <p:nvSpPr>
-          <p:cNvPr id="50" name="Slide Number Placeholder 5">
-            <a:extLst>
-              <a:ext uri="{FF2B5EF4-FFF2-40B4-BE49-F238E27FC236}">
-                <a16:creationId xmlns:a16="http://schemas.microsoft.com/office/drawing/2014/main" id="{3BD22CCA-AC5B-25BE-A344-225391E86AA6}"/>
-              </a:ext>
-            </a:extLst>
-          </p:cNvPr>
-          <p:cNvSpPr>
-            <a:spLocks noGrp="1"/>
+          </a:p>
+        </p:txBody>
+      </p:sp>
+      <p:sp>
+        <p:nvSpPr>
+          <p:cNvPr id="50" name="Slide Number Placeholder 5"/>
+          <p:cNvSpPr>
+            <a:spLocks noGrp="1" noEditPoints="1"/>
           </p:cNvSpPr>
           <p:nvPr>
             <p:ph type="sldNum" sz="quarter" idx="12"/>
@@ -16221,11 +15133,6 @@
                   </a:outerShdw>
                 </a:effectLst>
               </a:rPr>
-              <a:pPr defTabSz="914400">
-                <a:spcAft>
-                  <a:spcPts val="600"/>
-                </a:spcAft>
-              </a:pPr>
               <a:t>1</a:t>
             </a:fld>
             <a:endParaRPr lang="en-US">
@@ -16242,15 +15149,9 @@
       </p:sp>
       <p:sp>
         <p:nvSpPr>
-          <p:cNvPr id="8" name="Subtitle 7">
-            <a:extLst>
-              <a:ext uri="{FF2B5EF4-FFF2-40B4-BE49-F238E27FC236}">
-                <a16:creationId xmlns:a16="http://schemas.microsoft.com/office/drawing/2014/main" id="{4B0552E2-3F84-4A73-A16B-C54043C663D5}"/>
-              </a:ext>
-            </a:extLst>
-          </p:cNvPr>
-          <p:cNvSpPr>
-            <a:spLocks noGrp="1"/>
+          <p:cNvPr id="8" name="Subtitle 7"/>
+          <p:cNvSpPr>
+            <a:spLocks noGrp="1" noEditPoints="1"/>
           </p:cNvSpPr>
           <p:nvPr>
             <p:ph type="subTitle" idx="1"/>
@@ -16314,15 +15215,9 @@
       </p:sp>
       <p:sp>
         <p:nvSpPr>
-          <p:cNvPr id="48" name="Date Placeholder 4">
-            <a:extLst>
-              <a:ext uri="{FF2B5EF4-FFF2-40B4-BE49-F238E27FC236}">
-                <a16:creationId xmlns:a16="http://schemas.microsoft.com/office/drawing/2014/main" id="{0B079FEB-6DE9-D402-0AA0-2ED8385E2190}"/>
-              </a:ext>
-            </a:extLst>
-          </p:cNvPr>
-          <p:cNvSpPr>
-            <a:spLocks noGrp="1"/>
+          <p:cNvPr id="48" name="Date Placeholder 4"/>
+          <p:cNvSpPr>
+            <a:spLocks noGrp="1" noEditPoints="1"/>
           </p:cNvSpPr>
           <p:nvPr>
             <p:ph type="dt" sz="half" idx="10"/>
@@ -16360,11 +15255,6 @@
                   </a:outerShdw>
                 </a:effectLst>
               </a:rPr>
-              <a:pPr defTabSz="914400">
-                <a:spcAft>
-                  <a:spcPts val="600"/>
-                </a:spcAft>
-              </a:pPr>
               <a:t>2/2/2024</a:t>
             </a:fld>
             <a:endParaRPr lang="en-US">
@@ -16386,15 +15276,9 @@
       </p:sp>
       <p:sp>
         <p:nvSpPr>
-          <p:cNvPr id="46" name="Footer Placeholder 3">
-            <a:extLst>
-              <a:ext uri="{FF2B5EF4-FFF2-40B4-BE49-F238E27FC236}">
-                <a16:creationId xmlns:a16="http://schemas.microsoft.com/office/drawing/2014/main" id="{2C8B9FDF-4F9C-06D3-7574-1E9990C291D7}"/>
-              </a:ext>
-            </a:extLst>
-          </p:cNvPr>
-          <p:cNvSpPr>
-            <a:spLocks noGrp="1"/>
+          <p:cNvPr id="46" name="Footer Placeholder 3"/>
+          <p:cNvSpPr>
+            <a:spLocks noGrp="1" noEditPoints="1"/>
           </p:cNvSpPr>
           <p:nvPr>
             <p:ph type="ftr" sz="quarter" idx="11"/>
@@ -16434,11 +15318,6 @@
         </p:txBody>
       </p:sp>
     </p:spTree>
-    <p:extLst>
-      <p:ext uri="{BB962C8B-B14F-4D97-AF65-F5344CB8AC3E}">
-        <p14:creationId xmlns:p14="http://schemas.microsoft.com/office/powerpoint/2010/main" val="3111549375"/>
-      </p:ext>
-    </p:extLst>
   </p:cSld>
   <p:clrMapOvr>
     <a:masterClrMapping/>
@@ -16454,8 +15333,8 @@
   <p:cSld>
     <p:bg>
       <p:bgPr>
-        <a:blipFill rotWithShape="1">
-          <a:blip r:embed="rId3">
+        <a:blipFill>
+          <a:blip r:embed="rId1">
             <a:duotone>
               <a:schemeClr val="bg2">
                 <a:shade val="69000"/>
@@ -16471,9 +15350,11 @@
               </a:schemeClr>
             </a:duotone>
           </a:blip>
-          <a:stretch/>
+          <a:srcRect l="0" t="0" r="0" b="0"/>
+          <a:stretch>
+            <a:fillRect/>
+          </a:stretch>
         </a:blipFill>
-        <a:effectLst/>
       </p:bgPr>
     </p:bg>
     <p:spTree>
@@ -16492,15 +15373,9 @@
       </p:grpSpPr>
       <p:sp>
         <p:nvSpPr>
-          <p:cNvPr id="4" name="Title 3">
-            <a:extLst>
-              <a:ext uri="{FF2B5EF4-FFF2-40B4-BE49-F238E27FC236}">
-                <a16:creationId xmlns:a16="http://schemas.microsoft.com/office/drawing/2014/main" id="{FFDE6B89-9484-4E50-8387-C55E031D8549}"/>
-              </a:ext>
-            </a:extLst>
-          </p:cNvPr>
-          <p:cNvSpPr>
-            <a:spLocks noGrp="1"/>
+          <p:cNvPr id="4" name="Title 3"/>
+          <p:cNvSpPr>
+            <a:spLocks noGrp="1" noEditPoints="1"/>
           </p:cNvSpPr>
           <p:nvPr>
             <p:ph type="title"/>
@@ -16531,44 +15406,25 @@
       </p:sp>
       <p:graphicFrame>
         <p:nvGraphicFramePr>
-          <p:cNvPr id="31" name="Content Placeholder 4">
-            <a:extLst>
-              <a:ext uri="{FF2B5EF4-FFF2-40B4-BE49-F238E27FC236}">
-                <a16:creationId xmlns:a16="http://schemas.microsoft.com/office/drawing/2014/main" id="{7C8E13FD-80BA-1BD0-62E6-BE0CCA71BB57}"/>
-              </a:ext>
-            </a:extLst>
-          </p:cNvPr>
+          <p:cNvPr id="31" name="Content Placeholder 4"/>
           <p:cNvGraphicFramePr>
             <a:graphicFrameLocks noGrp="1"/>
           </p:cNvGraphicFramePr>
-          <p:nvPr>
-            <p:ph idx="1"/>
-            <p:extLst>
-              <p:ext uri="{D42A27DB-BD31-4B8C-83A1-F6EECF244321}">
-                <p14:modId xmlns:p14="http://schemas.microsoft.com/office/powerpoint/2010/main" val="1301992830"/>
-              </p:ext>
-            </p:extLst>
-          </p:nvPr>
+          <p:nvPr/>
         </p:nvGraphicFramePr>
         <p:xfrm>
-          <a:off x="648930" y="2438400"/>
+          <a:off x="496530" y="2194617"/>
           <a:ext cx="6188189" cy="3785419"/>
         </p:xfrm>
         <a:graphic>
           <a:graphicData uri="http://schemas.openxmlformats.org/drawingml/2006/diagram">
-            <dgm:relIds xmlns:dgm="http://schemas.openxmlformats.org/drawingml/2006/diagram" xmlns:r="http://schemas.openxmlformats.org/officeDocument/2006/relationships" r:dm="rId4" r:lo="rId5" r:qs="rId6" r:cs="rId7"/>
+            <dgm:relIds xmlns:dgm="http://schemas.openxmlformats.org/drawingml/2006/diagram" xmlns:r="http://schemas.openxmlformats.org/officeDocument/2006/relationships" r:dm="rId2" r:lo="rId3" r:qs="rId4" r:cs="rId5"/>
           </a:graphicData>
         </a:graphic>
       </p:graphicFrame>
       <p:pic>
         <p:nvPicPr>
-          <p:cNvPr id="29" name="Picture Placeholder 28">
-            <a:extLst>
-              <a:ext uri="{FF2B5EF4-FFF2-40B4-BE49-F238E27FC236}">
-                <a16:creationId xmlns:a16="http://schemas.microsoft.com/office/drawing/2014/main" id="{5924239E-C490-438F-B9C9-111D931D0846}"/>
-              </a:ext>
-            </a:extLst>
-          </p:cNvPr>
+          <p:cNvPr id="29" name="Picture Placeholder 28"/>
           <p:cNvPicPr>
             <a:picLocks noGrp="1" noChangeAspect="1"/>
           </p:cNvPicPr>
@@ -16576,8 +15432,8 @@
             <p:ph type="pic" sz="quarter" idx="13"/>
           </p:nvPr>
         </p:nvPicPr>
-        <p:blipFill rotWithShape="1">
-          <a:blip r:embed="rId9"/>
+        <p:blipFill>
+          <a:blip r:embed="rId7"/>
           <a:srcRect l="1949" r="7587"/>
           <a:stretch/>
         </p:blipFill>
@@ -16586,187 +15442,13 @@
             <a:off x="7229175" y="1"/>
             <a:ext cx="4963245" cy="6858001"/>
           </a:xfrm>
-          <a:custGeom>
-            <a:avLst/>
-            <a:gdLst/>
-            <a:ahLst/>
-            <a:cxnLst/>
-            <a:rect l="l" t="t" r="r" b="b"/>
-            <a:pathLst>
-              <a:path w="4963245" h="6858001">
-                <a:moveTo>
-                  <a:pt x="1177" y="0"/>
-                </a:moveTo>
-                <a:lnTo>
-                  <a:pt x="1344715" y="0"/>
-                </a:lnTo>
-                <a:lnTo>
-                  <a:pt x="1344715" y="1"/>
-                </a:lnTo>
-                <a:lnTo>
-                  <a:pt x="4963245" y="1"/>
-                </a:lnTo>
-                <a:lnTo>
-                  <a:pt x="4963244" y="6858001"/>
-                </a:lnTo>
-                <a:lnTo>
-                  <a:pt x="900697" y="6858001"/>
-                </a:lnTo>
-                <a:lnTo>
-                  <a:pt x="900697" y="6858000"/>
-                </a:lnTo>
-                <a:lnTo>
-                  <a:pt x="0" y="6858000"/>
-                </a:lnTo>
-                <a:lnTo>
-                  <a:pt x="5883" y="6817538"/>
-                </a:lnTo>
-                <a:lnTo>
-                  <a:pt x="23196" y="6698894"/>
-                </a:lnTo>
-                <a:lnTo>
-                  <a:pt x="35299" y="6612483"/>
-                </a:lnTo>
-                <a:lnTo>
-                  <a:pt x="48073" y="6509613"/>
-                </a:lnTo>
-                <a:lnTo>
-                  <a:pt x="63369" y="6387541"/>
-                </a:lnTo>
-                <a:lnTo>
-                  <a:pt x="79506" y="6252438"/>
-                </a:lnTo>
-                <a:lnTo>
-                  <a:pt x="96483" y="6100191"/>
-                </a:lnTo>
-                <a:lnTo>
-                  <a:pt x="114469" y="5934227"/>
-                </a:lnTo>
-                <a:lnTo>
-                  <a:pt x="132454" y="5753862"/>
-                </a:lnTo>
-                <a:lnTo>
-                  <a:pt x="150776" y="5561838"/>
-                </a:lnTo>
-                <a:lnTo>
-                  <a:pt x="167753" y="5354726"/>
-                </a:lnTo>
-                <a:lnTo>
-                  <a:pt x="184058" y="5138013"/>
-                </a:lnTo>
-                <a:lnTo>
-                  <a:pt x="198849" y="4908956"/>
-                </a:lnTo>
-                <a:lnTo>
-                  <a:pt x="212969" y="4670298"/>
-                </a:lnTo>
-                <a:lnTo>
-                  <a:pt x="226248" y="4421352"/>
-                </a:lnTo>
-                <a:lnTo>
-                  <a:pt x="230955" y="4293793"/>
-                </a:lnTo>
-                <a:lnTo>
-                  <a:pt x="236165" y="4163492"/>
-                </a:lnTo>
-                <a:lnTo>
-                  <a:pt x="241040" y="4031133"/>
-                </a:lnTo>
-                <a:lnTo>
-                  <a:pt x="244234" y="3898087"/>
-                </a:lnTo>
-                <a:lnTo>
-                  <a:pt x="247091" y="3762299"/>
-                </a:lnTo>
-                <a:lnTo>
-                  <a:pt x="250117" y="3625139"/>
-                </a:lnTo>
-                <a:lnTo>
-                  <a:pt x="252134" y="3485236"/>
-                </a:lnTo>
-                <a:lnTo>
-                  <a:pt x="252134" y="3343961"/>
-                </a:lnTo>
-                <a:lnTo>
-                  <a:pt x="253142" y="3201315"/>
-                </a:lnTo>
-                <a:lnTo>
-                  <a:pt x="252134" y="3057297"/>
-                </a:lnTo>
-                <a:lnTo>
-                  <a:pt x="250117" y="2911221"/>
-                </a:lnTo>
-                <a:lnTo>
-                  <a:pt x="248268" y="2765146"/>
-                </a:lnTo>
-                <a:lnTo>
-                  <a:pt x="244234" y="2617013"/>
-                </a:lnTo>
-                <a:lnTo>
-                  <a:pt x="240032" y="2467509"/>
-                </a:lnTo>
-                <a:lnTo>
-                  <a:pt x="235157" y="2318004"/>
-                </a:lnTo>
-                <a:lnTo>
-                  <a:pt x="228266" y="2167128"/>
-                </a:lnTo>
-                <a:lnTo>
-                  <a:pt x="220029" y="2014881"/>
-                </a:lnTo>
-                <a:lnTo>
-                  <a:pt x="212129" y="1861947"/>
-                </a:lnTo>
-                <a:lnTo>
-                  <a:pt x="202044" y="1709014"/>
-                </a:lnTo>
-                <a:lnTo>
-                  <a:pt x="189941" y="1554023"/>
-                </a:lnTo>
-                <a:lnTo>
-                  <a:pt x="177839" y="1401090"/>
-                </a:lnTo>
-                <a:lnTo>
-                  <a:pt x="163887" y="1245413"/>
-                </a:lnTo>
-                <a:lnTo>
-                  <a:pt x="148591" y="1089051"/>
-                </a:lnTo>
-                <a:lnTo>
-                  <a:pt x="132455" y="934746"/>
-                </a:lnTo>
-                <a:lnTo>
-                  <a:pt x="113629" y="778383"/>
-                </a:lnTo>
-                <a:lnTo>
-                  <a:pt x="93458" y="622707"/>
-                </a:lnTo>
-                <a:lnTo>
-                  <a:pt x="73455" y="466344"/>
-                </a:lnTo>
-                <a:lnTo>
-                  <a:pt x="50091" y="310668"/>
-                </a:lnTo>
-                <a:lnTo>
-                  <a:pt x="26222" y="155677"/>
-                </a:lnTo>
-                <a:close/>
-              </a:path>
-            </a:pathLst>
-          </a:custGeom>
         </p:spPr>
       </p:pic>
       <p:sp>
         <p:nvSpPr>
-          <p:cNvPr id="23" name="Footer Placeholder 22">
-            <a:extLst>
-              <a:ext uri="{FF2B5EF4-FFF2-40B4-BE49-F238E27FC236}">
-                <a16:creationId xmlns:a16="http://schemas.microsoft.com/office/drawing/2014/main" id="{C50BB1C4-223C-42B9-AF6A-F40E305B1A0E}"/>
-              </a:ext>
-            </a:extLst>
-          </p:cNvPr>
-          <p:cNvSpPr>
-            <a:spLocks noGrp="1"/>
+          <p:cNvPr id="23" name="Footer Placeholder 22"/>
+          <p:cNvSpPr>
+            <a:spLocks noGrp="1" noEditPoints="1"/>
           </p:cNvSpPr>
           <p:nvPr>
             <p:ph type="ftr" sz="quarter" idx="11"/>
@@ -16807,15 +15489,9 @@
       </p:sp>
       <p:sp>
         <p:nvSpPr>
-          <p:cNvPr id="24" name="Slide Number Placeholder 23">
-            <a:extLst>
-              <a:ext uri="{FF2B5EF4-FFF2-40B4-BE49-F238E27FC236}">
-                <a16:creationId xmlns:a16="http://schemas.microsoft.com/office/drawing/2014/main" id="{29B547D4-09F9-49AB-B5C7-2EDDB233C78D}"/>
-              </a:ext>
-            </a:extLst>
-          </p:cNvPr>
-          <p:cNvSpPr>
-            <a:spLocks noGrp="1"/>
+          <p:cNvPr id="24" name="Slide Number Placeholder 23"/>
+          <p:cNvSpPr>
+            <a:spLocks noGrp="1" noEditPoints="1"/>
           </p:cNvSpPr>
           <p:nvPr>
             <p:ph type="sldNum" sz="quarter" idx="12"/>
@@ -16844,11 +15520,6 @@
                   <a:srgbClr val="FFFFFF"/>
                 </a:solidFill>
               </a:rPr>
-              <a:pPr defTabSz="914400">
-                <a:spcAft>
-                  <a:spcPts val="600"/>
-                </a:spcAft>
-              </a:pPr>
               <a:t>2</a:t>
             </a:fld>
             <a:endParaRPr lang="en-US">
@@ -16859,12 +15530,58 @@
           </a:p>
         </p:txBody>
       </p:sp>
+      <p:sp>
+        <p:nvSpPr>
+          <p:cNvPr id="40" name="Rectangle 39"/>
+          <p:cNvSpPr/>
+          <p:nvPr/>
+        </p:nvSpPr>
+        <p:spPr>
+          <a:xfrm>
+            <a:off x="954077" y="4296957"/>
+            <a:ext cx="4054496" cy="304801"/>
+          </a:xfrm>
+          <a:prstGeom prst="rect">
+            <a:avLst/>
+          </a:prstGeom>
+          <a:solidFill>
+            <a:schemeClr val="accent1"/>
+          </a:solidFill>
+          <a:ln>
+            <a:solidFill>
+              <a:schemeClr val="accent1"/>
+            </a:solidFill>
+          </a:ln>
+        </p:spPr>
+        <p:style>
+          <a:lnRef idx="2">
+            <a:schemeClr val="accent1">
+              <a:shade val="50000"/>
+            </a:schemeClr>
+          </a:lnRef>
+          <a:fillRef idx="1">
+            <a:schemeClr val="accent1"/>
+          </a:fillRef>
+          <a:effectRef idx="0">
+            <a:schemeClr val="accent1"/>
+          </a:effectRef>
+          <a:fontRef idx="minor">
+            <a:schemeClr val="lt1"/>
+          </a:fontRef>
+        </p:style>
+        <p:txBody>
+          <a:bodyPr rtlCol="0" anchor="ctr"/>
+          <a:lstStyle/>
+          <a:p>
+            <a:pPr algn="ctr"/>
+            <a:r>
+              <a:rPr lang="en-US" sz="2000"/>
+              <a:t>ERD Diagram-Implementation</a:t>
+            </a:r>
+          </a:p>
+        </p:txBody>
+      </p:sp>
     </p:spTree>
-    <p:extLst>
-      <p:ext uri="{BB962C8B-B14F-4D97-AF65-F5344CB8AC3E}">
-        <p14:creationId xmlns:p14="http://schemas.microsoft.com/office/powerpoint/2010/main" val="3318299500"/>
-      </p:ext>
-    </p:extLst>
   </p:cSld>
   <p:clrMapOvr>
     <a:masterClrMapping/>
@@ -16880,8 +15597,8 @@
   <p:cSld>
     <p:bg>
       <p:bgPr>
-        <a:blipFill rotWithShape="1">
-          <a:blip r:embed="rId3">
+        <a:blipFill>
+          <a:blip r:embed="rId1">
             <a:duotone>
               <a:schemeClr val="bg2">
                 <a:shade val="69000"/>
@@ -16897,9 +15614,11 @@
               </a:schemeClr>
             </a:duotone>
           </a:blip>
-          <a:stretch/>
+          <a:srcRect l="0" t="0" r="0" b="0"/>
+          <a:stretch>
+            <a:fillRect/>
+          </a:stretch>
         </a:blipFill>
-        <a:effectLst/>
       </p:bgPr>
     </p:bg>
     <p:spTree>
@@ -16918,35 +15637,14 @@
       </p:grpSpPr>
       <p:pic>
         <p:nvPicPr>
-          <p:cNvPr id="87" name="Picture 86">
-            <a:extLst>
-              <a:ext uri="{FF2B5EF4-FFF2-40B4-BE49-F238E27FC236}">
-                <a16:creationId xmlns:a16="http://schemas.microsoft.com/office/drawing/2014/main" id="{DF19BAF3-7E20-4B9D-B544-BABAEEA1FA75}"/>
-              </a:ext>
-              <a:ext uri="{C183D7F6-B498-43B3-948B-1728B52AA6E4}">
-                <adec:decorative xmlns:adec="http://schemas.microsoft.com/office/drawing/2017/decorative" val="1"/>
-              </a:ext>
-            </a:extLst>
-          </p:cNvPr>
+          <p:cNvPr id="87" name="Picture 86"/>
           <p:cNvPicPr>
-            <a:picLocks noGrp="1" noRot="1" noChangeAspect="1" noMove="1" noResize="1" noEditPoints="1" noAdjustHandles="1" noChangeArrowheads="1" noChangeShapeType="1" noCrop="1"/>
+            <a:picLocks noGrp="1" noRot="1" noChangeAspect="1" noMove="1" noResize="1" noEditPoints="1" noAdjustHandles="1" noChangeArrowheads="1" noChangeShapeType="1"/>
           </p:cNvPicPr>
-          <p:nvPr>
-            <p:extLst>
-              <p:ext uri="{386F3935-93C4-4BCD-93E2-E3B085C9AB24}">
-                <p16:designElem xmlns:p16="http://schemas.microsoft.com/office/powerpoint/2015/main" val="1"/>
-              </p:ext>
-            </p:extLst>
-          </p:nvPr>
+          <p:nvPr/>
         </p:nvPicPr>
-        <p:blipFill rotWithShape="1">
-          <a:blip r:embed="rId4">
-            <a:extLst>
-              <a:ext uri="{28A0092B-C50C-407E-A947-70E740481C1C}">
-                <a14:useLocalDpi xmlns:a14="http://schemas.microsoft.com/office/drawing/2010/main" val="0"/>
-              </a:ext>
-            </a:extLst>
-          </a:blip>
+        <p:blipFill>
+          <a:blip r:embed="rId2"/>
           <a:srcRect l="3613"/>
           <a:stretch/>
         </p:blipFill>
@@ -16962,35 +15660,14 @@
       </p:pic>
       <p:pic>
         <p:nvPicPr>
-          <p:cNvPr id="89" name="Picture 88">
-            <a:extLst>
-              <a:ext uri="{FF2B5EF4-FFF2-40B4-BE49-F238E27FC236}">
-                <a16:creationId xmlns:a16="http://schemas.microsoft.com/office/drawing/2014/main" id="{950648F4-ABCD-4DF0-8641-76CFB2354721}"/>
-              </a:ext>
-              <a:ext uri="{C183D7F6-B498-43B3-948B-1728B52AA6E4}">
-                <adec:decorative xmlns:adec="http://schemas.microsoft.com/office/drawing/2017/decorative" val="1"/>
-              </a:ext>
-            </a:extLst>
-          </p:cNvPr>
+          <p:cNvPr id="89" name="Picture 88"/>
           <p:cNvPicPr>
-            <a:picLocks noGrp="1" noRot="1" noChangeAspect="1" noMove="1" noResize="1" noEditPoints="1" noAdjustHandles="1" noChangeArrowheads="1" noChangeShapeType="1" noCrop="1"/>
+            <a:picLocks noGrp="1" noRot="1" noChangeAspect="1" noMove="1" noResize="1" noEditPoints="1" noAdjustHandles="1" noChangeArrowheads="1" noChangeShapeType="1"/>
           </p:cNvPicPr>
-          <p:nvPr>
-            <p:extLst>
-              <p:ext uri="{386F3935-93C4-4BCD-93E2-E3B085C9AB24}">
-                <p16:designElem xmlns:p16="http://schemas.microsoft.com/office/powerpoint/2015/main" val="1"/>
-              </p:ext>
-            </p:extLst>
-          </p:nvPr>
+          <p:nvPr/>
         </p:nvPicPr>
-        <p:blipFill rotWithShape="1">
-          <a:blip r:embed="rId5">
-            <a:extLst>
-              <a:ext uri="{28A0092B-C50C-407E-A947-70E740481C1C}">
-                <a14:useLocalDpi xmlns:a14="http://schemas.microsoft.com/office/drawing/2010/main" val="0"/>
-              </a:ext>
-            </a:extLst>
-          </a:blip>
+        <p:blipFill>
+          <a:blip r:embed="rId3"/>
           <a:srcRect l="35640"/>
           <a:stretch/>
         </p:blipFill>
@@ -17006,26 +15683,11 @@
       </p:pic>
       <p:sp>
         <p:nvSpPr>
-          <p:cNvPr id="91" name="Oval 90">
-            <a:extLst>
-              <a:ext uri="{FF2B5EF4-FFF2-40B4-BE49-F238E27FC236}">
-                <a16:creationId xmlns:a16="http://schemas.microsoft.com/office/drawing/2014/main" id="{989BE678-777B-482A-A616-FEDC47B162E5}"/>
-              </a:ext>
-              <a:ext uri="{C183D7F6-B498-43B3-948B-1728B52AA6E4}">
-                <adec:decorative xmlns:adec="http://schemas.microsoft.com/office/drawing/2017/decorative" val="1"/>
-              </a:ext>
-            </a:extLst>
-          </p:cNvPr>
+          <p:cNvPr id="91" name="Oval 90"/>
           <p:cNvSpPr>
             <a:spLocks noGrp="1" noRot="1" noChangeAspect="1" noMove="1" noResize="1" noEditPoints="1" noAdjustHandles="1" noChangeArrowheads="1" noChangeShapeType="1" noTextEdit="1"/>
           </p:cNvSpPr>
-          <p:nvPr>
-            <p:extLst>
-              <p:ext uri="{386F3935-93C4-4BCD-93E2-E3B085C9AB24}">
-                <p16:designElem xmlns:p16="http://schemas.microsoft.com/office/powerpoint/2015/main" val="1"/>
-              </p:ext>
-            </p:extLst>
-          </p:nvPr>
+          <p:nvPr/>
         </p:nvSpPr>
         <p:spPr>
           <a:xfrm>
@@ -17044,18 +15706,18 @@
                   <a:alpha val="7000"/>
                 </a:schemeClr>
               </a:gs>
+              <a:gs pos="36000">
+                <a:schemeClr val="bg2">
+                  <a:lumMod val="60000"/>
+                  <a:lumOff val="40000"/>
+                  <a:alpha val="6000"/>
+                </a:schemeClr>
+              </a:gs>
               <a:gs pos="69000">
                 <a:schemeClr val="bg2">
                   <a:lumMod val="60000"/>
                   <a:lumOff val="40000"/>
                   <a:alpha val="0"/>
-                </a:schemeClr>
-              </a:gs>
-              <a:gs pos="36000">
-                <a:schemeClr val="bg2">
-                  <a:lumMod val="60000"/>
-                  <a:lumOff val="40000"/>
-                  <a:alpha val="6000"/>
                 </a:schemeClr>
               </a:gs>
             </a:gsLst>
@@ -17093,35 +15755,14 @@
       </p:sp>
       <p:pic>
         <p:nvPicPr>
-          <p:cNvPr id="93" name="Picture 92">
-            <a:extLst>
-              <a:ext uri="{FF2B5EF4-FFF2-40B4-BE49-F238E27FC236}">
-                <a16:creationId xmlns:a16="http://schemas.microsoft.com/office/drawing/2014/main" id="{CF1EB4BD-9C7E-4AA3-9681-C7EB0DA6250B}"/>
-              </a:ext>
-              <a:ext uri="{C183D7F6-B498-43B3-948B-1728B52AA6E4}">
-                <adec:decorative xmlns:adec="http://schemas.microsoft.com/office/drawing/2017/decorative" val="1"/>
-              </a:ext>
-            </a:extLst>
-          </p:cNvPr>
+          <p:cNvPr id="93" name="Picture 92"/>
           <p:cNvPicPr>
-            <a:picLocks noGrp="1" noRot="1" noChangeAspect="1" noMove="1" noResize="1" noEditPoints="1" noAdjustHandles="1" noChangeArrowheads="1" noChangeShapeType="1" noCrop="1"/>
+            <a:picLocks noGrp="1" noRot="1" noChangeAspect="1" noMove="1" noResize="1" noEditPoints="1" noAdjustHandles="1" noChangeArrowheads="1" noChangeShapeType="1"/>
           </p:cNvPicPr>
-          <p:nvPr>
-            <p:extLst>
-              <p:ext uri="{386F3935-93C4-4BCD-93E2-E3B085C9AB24}">
-                <p16:designElem xmlns:p16="http://schemas.microsoft.com/office/powerpoint/2015/main" val="1"/>
-              </p:ext>
-            </p:extLst>
-          </p:nvPr>
+          <p:nvPr/>
         </p:nvPicPr>
-        <p:blipFill rotWithShape="1">
-          <a:blip r:embed="rId6">
-            <a:extLst>
-              <a:ext uri="{28A0092B-C50C-407E-A947-70E740481C1C}">
-                <a14:useLocalDpi xmlns:a14="http://schemas.microsoft.com/office/drawing/2010/main" val="0"/>
-              </a:ext>
-            </a:extLst>
-          </a:blip>
+        <p:blipFill>
+          <a:blip r:embed="rId4"/>
           <a:srcRect t="28813"/>
           <a:stretch/>
         </p:blipFill>
@@ -17137,35 +15778,14 @@
       </p:pic>
       <p:pic>
         <p:nvPicPr>
-          <p:cNvPr id="95" name="Picture 94">
-            <a:extLst>
-              <a:ext uri="{FF2B5EF4-FFF2-40B4-BE49-F238E27FC236}">
-                <a16:creationId xmlns:a16="http://schemas.microsoft.com/office/drawing/2014/main" id="{94AAE3AA-3759-4D28-B0EF-575F25A5146C}"/>
-              </a:ext>
-              <a:ext uri="{C183D7F6-B498-43B3-948B-1728B52AA6E4}">
-                <adec:decorative xmlns:adec="http://schemas.microsoft.com/office/drawing/2017/decorative" val="1"/>
-              </a:ext>
-            </a:extLst>
-          </p:cNvPr>
+          <p:cNvPr id="95" name="Picture 94"/>
           <p:cNvPicPr>
-            <a:picLocks noGrp="1" noRot="1" noChangeAspect="1" noMove="1" noResize="1" noEditPoints="1" noAdjustHandles="1" noChangeArrowheads="1" noChangeShapeType="1" noCrop="1"/>
+            <a:picLocks noGrp="1" noRot="1" noChangeAspect="1" noMove="1" noResize="1" noEditPoints="1" noAdjustHandles="1" noChangeArrowheads="1" noChangeShapeType="1"/>
           </p:cNvPicPr>
-          <p:nvPr>
-            <p:extLst>
-              <p:ext uri="{386F3935-93C4-4BCD-93E2-E3B085C9AB24}">
-                <p16:designElem xmlns:p16="http://schemas.microsoft.com/office/powerpoint/2015/main" val="1"/>
-              </p:ext>
-            </p:extLst>
-          </p:nvPr>
+          <p:nvPr/>
         </p:nvPicPr>
-        <p:blipFill rotWithShape="1">
-          <a:blip r:embed="rId7">
-            <a:extLst>
-              <a:ext uri="{28A0092B-C50C-407E-A947-70E740481C1C}">
-                <a14:useLocalDpi xmlns:a14="http://schemas.microsoft.com/office/drawing/2010/main" val="0"/>
-              </a:ext>
-            </a:extLst>
-          </a:blip>
+        <p:blipFill>
+          <a:blip r:embed="rId5"/>
           <a:srcRect b="23320"/>
           <a:stretch/>
         </p:blipFill>
@@ -17181,26 +15801,11 @@
       </p:pic>
       <p:sp>
         <p:nvSpPr>
-          <p:cNvPr id="97" name="Rectangle 96">
-            <a:extLst>
-              <a:ext uri="{FF2B5EF4-FFF2-40B4-BE49-F238E27FC236}">
-                <a16:creationId xmlns:a16="http://schemas.microsoft.com/office/drawing/2014/main" id="{D28BE0C3-2102-4820-B88B-A448B1840D14}"/>
-              </a:ext>
-              <a:ext uri="{C183D7F6-B498-43B3-948B-1728B52AA6E4}">
-                <adec:decorative xmlns:adec="http://schemas.microsoft.com/office/drawing/2017/decorative" val="1"/>
-              </a:ext>
-            </a:extLst>
-          </p:cNvPr>
+          <p:cNvPr id="97" name="Rectangle 96"/>
           <p:cNvSpPr>
             <a:spLocks noGrp="1" noRot="1" noChangeAspect="1" noMove="1" noResize="1" noEditPoints="1" noAdjustHandles="1" noChangeArrowheads="1" noChangeShapeType="1" noTextEdit="1"/>
           </p:cNvSpPr>
-          <p:nvPr>
-            <p:extLst>
-              <p:ext uri="{386F3935-93C4-4BCD-93E2-E3B085C9AB24}">
-                <p16:designElem xmlns:p16="http://schemas.microsoft.com/office/powerpoint/2015/main" val="1"/>
-              </p:ext>
-            </p:extLst>
-          </p:nvPr>
+          <p:nvPr/>
         </p:nvSpPr>
         <p:spPr>
           <a:xfrm>
@@ -17241,26 +15846,11 @@
       </p:sp>
       <p:sp>
         <p:nvSpPr>
-          <p:cNvPr id="99" name="Rectangle 98">
-            <a:extLst>
-              <a:ext uri="{FF2B5EF4-FFF2-40B4-BE49-F238E27FC236}">
-                <a16:creationId xmlns:a16="http://schemas.microsoft.com/office/drawing/2014/main" id="{C8A3C342-1D03-412F-8DD3-BF519E8E0AE9}"/>
-              </a:ext>
-              <a:ext uri="{C183D7F6-B498-43B3-948B-1728B52AA6E4}">
-                <adec:decorative xmlns:adec="http://schemas.microsoft.com/office/drawing/2017/decorative" val="1"/>
-              </a:ext>
-            </a:extLst>
-          </p:cNvPr>
+          <p:cNvPr id="99" name="Rectangle 98"/>
           <p:cNvSpPr>
             <a:spLocks noGrp="1" noRot="1" noChangeAspect="1" noMove="1" noResize="1" noEditPoints="1" noAdjustHandles="1" noChangeArrowheads="1" noChangeShapeType="1" noTextEdit="1"/>
           </p:cNvSpPr>
-          <p:nvPr>
-            <p:extLst>
-              <p:ext uri="{386F3935-93C4-4BCD-93E2-E3B085C9AB24}">
-                <p16:designElem xmlns:p16="http://schemas.microsoft.com/office/powerpoint/2015/main" val="1"/>
-              </p:ext>
-            </p:extLst>
-          </p:nvPr>
+          <p:nvPr/>
         </p:nvSpPr>
         <p:spPr>
           <a:xfrm>
@@ -17294,7 +15884,7 @@
           <a:bodyPr rtlCol="0" anchor="ctr"/>
           <a:lstStyle/>
           <a:p>
-            <a:pPr marL="0" marR="0" lvl="0" indent="0" algn="ctr" defTabSz="914400" rtl="0" eaLnBrk="1" fontAlgn="auto" latinLnBrk="0" hangingPunct="1">
+            <a:pPr marL="0" marR="0" indent="0" algn="ctr" defTabSz="914400" rtl="0" eaLnBrk="1" fontAlgn="auto" latinLnBrk="0" hangingPunct="1">
               <a:lnSpc>
                 <a:spcPct val="100000"/>
               </a:lnSpc>
@@ -17304,14 +15894,11 @@
               <a:spcAft>
                 <a:spcPts val="0"/>
               </a:spcAft>
-              <a:buClrTx/>
-              <a:buSzTx/>
+              <a:buSzPct val="100000"/>
               <a:buFontTx/>
               <a:buNone/>
-              <a:tabLst/>
-              <a:defRPr/>
             </a:pPr>
-            <a:endParaRPr kumimoji="0" lang="en-US" sz="1800" b="0" i="0" u="none" strike="noStrike" kern="1200" cap="none" spc="0" normalizeH="0" baseline="0" noProof="0">
+            <a:endParaRPr kumimoji="0" lang="en-US" sz="1800" b="0" i="0" u="none" strike="noStrike" kern="1200" cap="none" spc="0" baseline="0" noProof="0">
               <a:ln>
                 <a:noFill/>
               </a:ln>
@@ -17320,7 +15907,6 @@
               </a:solidFill>
               <a:effectLst/>
               <a:uLnTx/>
-              <a:uFillTx/>
               <a:latin typeface="Century Gothic" panose="020B0502020202020204"/>
               <a:ea typeface="+mn-ea"/>
               <a:cs typeface="+mn-cs"/>
@@ -17330,15 +15916,9 @@
       </p:sp>
       <p:sp>
         <p:nvSpPr>
-          <p:cNvPr id="7" name="Title 6">
-            <a:extLst>
-              <a:ext uri="{FF2B5EF4-FFF2-40B4-BE49-F238E27FC236}">
-                <a16:creationId xmlns:a16="http://schemas.microsoft.com/office/drawing/2014/main" id="{0EDB7E63-0AD5-451A-9802-48AB1D44E6A8}"/>
-              </a:ext>
-            </a:extLst>
-          </p:cNvPr>
-          <p:cNvSpPr>
-            <a:spLocks noGrp="1"/>
+          <p:cNvPr id="7" name="Title 6"/>
+          <p:cNvSpPr>
+            <a:spLocks noGrp="1" noEditPoints="1"/>
           </p:cNvSpPr>
           <p:nvPr>
             <p:ph type="title"/>
@@ -17369,15 +15949,9 @@
       </p:sp>
       <p:sp>
         <p:nvSpPr>
-          <p:cNvPr id="151" name="Content Placeholder 8">
-            <a:extLst>
-              <a:ext uri="{FF2B5EF4-FFF2-40B4-BE49-F238E27FC236}">
-                <a16:creationId xmlns:a16="http://schemas.microsoft.com/office/drawing/2014/main" id="{469D770A-D8B9-4D5E-BB61-CD763E29DC55}"/>
-              </a:ext>
-            </a:extLst>
-          </p:cNvPr>
-          <p:cNvSpPr>
-            <a:spLocks noGrp="1"/>
+          <p:cNvPr id="151" name="Content Placeholder 8"/>
+          <p:cNvSpPr>
+            <a:spLocks noGrp="1" noEditPoints="1"/>
           </p:cNvSpPr>
           <p:nvPr>
             <p:ph idx="1"/>
@@ -17414,26 +15988,11 @@
       </p:sp>
       <p:sp>
         <p:nvSpPr>
-          <p:cNvPr id="152" name="Freeform 31">
-            <a:extLst>
-              <a:ext uri="{FF2B5EF4-FFF2-40B4-BE49-F238E27FC236}">
-                <a16:creationId xmlns:a16="http://schemas.microsoft.com/office/drawing/2014/main" id="{81CC9B02-E087-4350-AEBD-2C3CF001AF01}"/>
-              </a:ext>
-              <a:ext uri="{C183D7F6-B498-43B3-948B-1728B52AA6E4}">
-                <adec:decorative xmlns:adec="http://schemas.microsoft.com/office/drawing/2017/decorative" val="1"/>
-              </a:ext>
-            </a:extLst>
-          </p:cNvPr>
+          <p:cNvPr id="152" name="Freeform 31"/>
           <p:cNvSpPr>
             <a:spLocks noGrp="1" noRot="1" noChangeAspect="1" noMove="1" noResize="1" noEditPoints="1" noAdjustHandles="1" noChangeArrowheads="1" noChangeShapeType="1" noTextEdit="1"/>
           </p:cNvSpPr>
-          <p:nvPr>
-            <p:extLst>
-              <p:ext uri="{386F3935-93C4-4BCD-93E2-E3B085C9AB24}">
-                <p16:designElem xmlns:p16="http://schemas.microsoft.com/office/powerpoint/2015/main" val="1"/>
-              </p:ext>
-            </p:extLst>
-          </p:nvPr>
+          <p:nvPr/>
         </p:nvSpPr>
         <p:spPr>
           <a:xfrm>
@@ -17442,191 +16001,6 @@
           </a:xfrm>
           <a:custGeom>
             <a:avLst/>
-            <a:gdLst>
-              <a:gd name="connsiteX0" fmla="*/ 0 w 559472"/>
-              <a:gd name="connsiteY0" fmla="*/ 0 h 3709642"/>
-              <a:gd name="connsiteX1" fmla="*/ 473952 w 559472"/>
-              <a:gd name="connsiteY1" fmla="*/ 0 h 3709642"/>
-              <a:gd name="connsiteX2" fmla="*/ 485840 w 559472"/>
-              <a:gd name="connsiteY2" fmla="*/ 161194 h 3709642"/>
-              <a:gd name="connsiteX3" fmla="*/ 523949 w 559472"/>
-              <a:gd name="connsiteY3" fmla="*/ 3672197 h 3709642"/>
-              <a:gd name="connsiteX4" fmla="*/ 454748 w 559472"/>
-              <a:gd name="connsiteY4" fmla="*/ 3709642 h 3709642"/>
-              <a:gd name="connsiteX5" fmla="*/ 448224 w 559472"/>
-              <a:gd name="connsiteY5" fmla="*/ 3510471 h 3709642"/>
-              <a:gd name="connsiteX6" fmla="*/ 443564 w 559472"/>
-              <a:gd name="connsiteY6" fmla="*/ 3408563 h 3709642"/>
-              <a:gd name="connsiteX7" fmla="*/ 438902 w 559472"/>
-              <a:gd name="connsiteY7" fmla="*/ 3304407 h 3709642"/>
-              <a:gd name="connsiteX8" fmla="*/ 433941 w 559472"/>
-              <a:gd name="connsiteY8" fmla="*/ 3198777 h 3709642"/>
-              <a:gd name="connsiteX9" fmla="*/ 427584 w 559472"/>
-              <a:gd name="connsiteY9" fmla="*/ 3092510 h 3709642"/>
-              <a:gd name="connsiteX10" fmla="*/ 420988 w 559472"/>
-              <a:gd name="connsiteY10" fmla="*/ 2984390 h 3709642"/>
-              <a:gd name="connsiteX11" fmla="*/ 414330 w 559472"/>
-              <a:gd name="connsiteY11" fmla="*/ 2874401 h 3709642"/>
-              <a:gd name="connsiteX12" fmla="*/ 406840 w 559472"/>
-              <a:gd name="connsiteY12" fmla="*/ 2762980 h 3709642"/>
-              <a:gd name="connsiteX13" fmla="*/ 397745 w 559472"/>
-              <a:gd name="connsiteY13" fmla="*/ 2650566 h 3709642"/>
-              <a:gd name="connsiteX14" fmla="*/ 389154 w 559472"/>
-              <a:gd name="connsiteY14" fmla="*/ 2536612 h 3709642"/>
-              <a:gd name="connsiteX15" fmla="*/ 379225 w 559472"/>
-              <a:gd name="connsiteY15" fmla="*/ 2421642 h 3709642"/>
-              <a:gd name="connsiteX16" fmla="*/ 368316 w 559472"/>
-              <a:gd name="connsiteY16" fmla="*/ 2305627 h 3709642"/>
-              <a:gd name="connsiteX17" fmla="*/ 357466 w 559472"/>
-              <a:gd name="connsiteY17" fmla="*/ 2189233 h 3709642"/>
-              <a:gd name="connsiteX18" fmla="*/ 344982 w 559472"/>
-              <a:gd name="connsiteY18" fmla="*/ 2071473 h 3709642"/>
-              <a:gd name="connsiteX19" fmla="*/ 332466 w 559472"/>
-              <a:gd name="connsiteY19" fmla="*/ 1952216 h 3709642"/>
-              <a:gd name="connsiteX20" fmla="*/ 319121 w 559472"/>
-              <a:gd name="connsiteY20" fmla="*/ 1833776 h 3709642"/>
-              <a:gd name="connsiteX21" fmla="*/ 304408 w 559472"/>
-              <a:gd name="connsiteY21" fmla="*/ 1713948 h 3709642"/>
-              <a:gd name="connsiteX22" fmla="*/ 288685 w 559472"/>
-              <a:gd name="connsiteY22" fmla="*/ 1592703 h 3709642"/>
-              <a:gd name="connsiteX23" fmla="*/ 273050 w 559472"/>
-              <a:gd name="connsiteY23" fmla="*/ 1471451 h 3709642"/>
-              <a:gd name="connsiteX24" fmla="*/ 255813 w 559472"/>
-              <a:gd name="connsiteY24" fmla="*/ 1350328 h 3709642"/>
-              <a:gd name="connsiteX25" fmla="*/ 237060 w 559472"/>
-              <a:gd name="connsiteY25" fmla="*/ 1227080 h 3709642"/>
-              <a:gd name="connsiteX26" fmla="*/ 218488 w 559472"/>
-              <a:gd name="connsiteY26" fmla="*/ 1106065 h 3709642"/>
-              <a:gd name="connsiteX27" fmla="*/ 198221 w 559472"/>
-              <a:gd name="connsiteY27" fmla="*/ 982940 h 3709642"/>
-              <a:gd name="connsiteX28" fmla="*/ 177152 w 559472"/>
-              <a:gd name="connsiteY28" fmla="*/ 858755 h 3709642"/>
-              <a:gd name="connsiteX29" fmla="*/ 155551 w 559472"/>
-              <a:gd name="connsiteY29" fmla="*/ 736861 h 3709642"/>
-              <a:gd name="connsiteX30" fmla="*/ 131782 w 559472"/>
-              <a:gd name="connsiteY30" fmla="*/ 613645 h 3709642"/>
-              <a:gd name="connsiteX31" fmla="*/ 107123 w 559472"/>
-              <a:gd name="connsiteY31" fmla="*/ 490500 h 3709642"/>
-              <a:gd name="connsiteX32" fmla="*/ 82552 w 559472"/>
-              <a:gd name="connsiteY32" fmla="*/ 367348 h 3709642"/>
-              <a:gd name="connsiteX33" fmla="*/ 55608 w 559472"/>
-              <a:gd name="connsiteY33" fmla="*/ 244762 h 3709642"/>
-              <a:gd name="connsiteX34" fmla="*/ 28130 w 559472"/>
-              <a:gd name="connsiteY34" fmla="*/ 122220 h 3709642"/>
-              <a:gd name="connsiteX35" fmla="*/ 0 w 559472"/>
-              <a:gd name="connsiteY35" fmla="*/ 0 h 3709642"/>
-            </a:gdLst>
-            <a:ahLst/>
-            <a:cxnLst>
-              <a:cxn ang="0">
-                <a:pos x="connsiteX0" y="connsiteY0"/>
-              </a:cxn>
-              <a:cxn ang="0">
-                <a:pos x="connsiteX1" y="connsiteY1"/>
-              </a:cxn>
-              <a:cxn ang="0">
-                <a:pos x="connsiteX2" y="connsiteY2"/>
-              </a:cxn>
-              <a:cxn ang="0">
-                <a:pos x="connsiteX3" y="connsiteY3"/>
-              </a:cxn>
-              <a:cxn ang="0">
-                <a:pos x="connsiteX4" y="connsiteY4"/>
-              </a:cxn>
-              <a:cxn ang="0">
-                <a:pos x="connsiteX5" y="connsiteY5"/>
-              </a:cxn>
-              <a:cxn ang="0">
-                <a:pos x="connsiteX6" y="connsiteY6"/>
-              </a:cxn>
-              <a:cxn ang="0">
-                <a:pos x="connsiteX7" y="connsiteY7"/>
-              </a:cxn>
-              <a:cxn ang="0">
-                <a:pos x="connsiteX8" y="connsiteY8"/>
-              </a:cxn>
-              <a:cxn ang="0">
-                <a:pos x="connsiteX9" y="connsiteY9"/>
-              </a:cxn>
-              <a:cxn ang="0">
-                <a:pos x="connsiteX10" y="connsiteY10"/>
-              </a:cxn>
-              <a:cxn ang="0">
-                <a:pos x="connsiteX11" y="connsiteY11"/>
-              </a:cxn>
-              <a:cxn ang="0">
-                <a:pos x="connsiteX12" y="connsiteY12"/>
-              </a:cxn>
-              <a:cxn ang="0">
-                <a:pos x="connsiteX13" y="connsiteY13"/>
-              </a:cxn>
-              <a:cxn ang="0">
-                <a:pos x="connsiteX14" y="connsiteY14"/>
-              </a:cxn>
-              <a:cxn ang="0">
-                <a:pos x="connsiteX15" y="connsiteY15"/>
-              </a:cxn>
-              <a:cxn ang="0">
-                <a:pos x="connsiteX16" y="connsiteY16"/>
-              </a:cxn>
-              <a:cxn ang="0">
-                <a:pos x="connsiteX17" y="connsiteY17"/>
-              </a:cxn>
-              <a:cxn ang="0">
-                <a:pos x="connsiteX18" y="connsiteY18"/>
-              </a:cxn>
-              <a:cxn ang="0">
-                <a:pos x="connsiteX19" y="connsiteY19"/>
-              </a:cxn>
-              <a:cxn ang="0">
-                <a:pos x="connsiteX20" y="connsiteY20"/>
-              </a:cxn>
-              <a:cxn ang="0">
-                <a:pos x="connsiteX21" y="connsiteY21"/>
-              </a:cxn>
-              <a:cxn ang="0">
-                <a:pos x="connsiteX22" y="connsiteY22"/>
-              </a:cxn>
-              <a:cxn ang="0">
-                <a:pos x="connsiteX23" y="connsiteY23"/>
-              </a:cxn>
-              <a:cxn ang="0">
-                <a:pos x="connsiteX24" y="connsiteY24"/>
-              </a:cxn>
-              <a:cxn ang="0">
-                <a:pos x="connsiteX25" y="connsiteY25"/>
-              </a:cxn>
-              <a:cxn ang="0">
-                <a:pos x="connsiteX26" y="connsiteY26"/>
-              </a:cxn>
-              <a:cxn ang="0">
-                <a:pos x="connsiteX27" y="connsiteY27"/>
-              </a:cxn>
-              <a:cxn ang="0">
-                <a:pos x="connsiteX28" y="connsiteY28"/>
-              </a:cxn>
-              <a:cxn ang="0">
-                <a:pos x="connsiteX29" y="connsiteY29"/>
-              </a:cxn>
-              <a:cxn ang="0">
-                <a:pos x="connsiteX30" y="connsiteY30"/>
-              </a:cxn>
-              <a:cxn ang="0">
-                <a:pos x="connsiteX31" y="connsiteY31"/>
-              </a:cxn>
-              <a:cxn ang="0">
-                <a:pos x="connsiteX32" y="connsiteY32"/>
-              </a:cxn>
-              <a:cxn ang="0">
-                <a:pos x="connsiteX33" y="connsiteY33"/>
-              </a:cxn>
-              <a:cxn ang="0">
-                <a:pos x="connsiteX34" y="connsiteY34"/>
-              </a:cxn>
-              <a:cxn ang="0">
-                <a:pos x="connsiteX35" y="connsiteY35"/>
-              </a:cxn>
-            </a:cxnLst>
             <a:rect l="l" t="t" r="r" b="b"/>
             <a:pathLst>
               <a:path w="559472" h="3709642">
@@ -17759,7 +16133,7 @@
           <a:bodyPr rtlCol="0" anchor="ctr"/>
           <a:lstStyle/>
           <a:p>
-            <a:pPr marL="0" marR="0" lvl="0" indent="0" algn="ctr" defTabSz="914400" rtl="0" eaLnBrk="1" fontAlgn="auto" latinLnBrk="0" hangingPunct="1">
+            <a:pPr marL="0" marR="0" indent="0" algn="ctr" defTabSz="914400" rtl="0" eaLnBrk="1" fontAlgn="auto" latinLnBrk="0" hangingPunct="1">
               <a:lnSpc>
                 <a:spcPct val="100000"/>
               </a:lnSpc>
@@ -17769,14 +16143,11 @@
               <a:spcAft>
                 <a:spcPts val="0"/>
               </a:spcAft>
-              <a:buClrTx/>
-              <a:buSzTx/>
+              <a:buSzPct val="100000"/>
               <a:buFontTx/>
               <a:buNone/>
-              <a:tabLst/>
-              <a:defRPr/>
             </a:pPr>
-            <a:endParaRPr kumimoji="0" lang="en-US" sz="1800" b="0" i="0" u="none" strike="noStrike" kern="1200" cap="none" spc="0" normalizeH="0" baseline="0" noProof="0">
+            <a:endParaRPr kumimoji="0" lang="en-US" sz="1800" b="0" i="0" u="none" strike="noStrike" kern="1200" cap="none" spc="0" baseline="0" noProof="0">
               <a:ln>
                 <a:noFill/>
               </a:ln>
@@ -17785,7 +16156,6 @@
               </a:solidFill>
               <a:effectLst/>
               <a:uLnTx/>
-              <a:uFillTx/>
               <a:latin typeface="Century Gothic" panose="020B0502020202020204"/>
               <a:ea typeface="+mn-ea"/>
               <a:cs typeface="+mn-cs"/>
@@ -17795,13 +16165,7 @@
       </p:sp>
       <p:pic>
         <p:nvPicPr>
-          <p:cNvPr id="26" name="Picture Placeholder 25">
-            <a:extLst>
-              <a:ext uri="{FF2B5EF4-FFF2-40B4-BE49-F238E27FC236}">
-                <a16:creationId xmlns:a16="http://schemas.microsoft.com/office/drawing/2014/main" id="{FBFF4B36-5D7D-42A6-A89B-A0A83CB0C2FC}"/>
-              </a:ext>
-            </a:extLst>
-          </p:cNvPr>
+          <p:cNvPr id="26" name="Picture Placeholder 25"/>
           <p:cNvPicPr>
             <a:picLocks noGrp="1" noChangeAspect="1"/>
           </p:cNvPicPr>
@@ -17809,8 +16173,8 @@
             <p:ph type="pic" sz="quarter" idx="14"/>
           </p:nvPr>
         </p:nvPicPr>
-        <p:blipFill rotWithShape="1">
-          <a:blip r:embed="rId8"/>
+        <p:blipFill>
+          <a:blip r:embed="rId6"/>
           <a:srcRect l="11575" r="7027"/>
           <a:stretch/>
         </p:blipFill>
@@ -17819,116 +16183,17 @@
             <a:off x="7230352" y="2"/>
             <a:ext cx="4962068" cy="3428999"/>
           </a:xfrm>
-          <a:custGeom>
+          <a:prstGeom prst="rect">
             <a:avLst/>
-            <a:gdLst/>
-            <a:ahLst/>
-            <a:cxnLst/>
-            <a:rect l="l" t="t" r="r" b="b"/>
-            <a:pathLst>
-              <a:path w="4962068" h="3428999">
-                <a:moveTo>
-                  <a:pt x="0" y="0"/>
-                </a:moveTo>
-                <a:lnTo>
-                  <a:pt x="1343538" y="0"/>
-                </a:lnTo>
-                <a:lnTo>
-                  <a:pt x="1343538" y="1"/>
-                </a:lnTo>
-                <a:lnTo>
-                  <a:pt x="4962068" y="1"/>
-                </a:lnTo>
-                <a:lnTo>
-                  <a:pt x="4962067" y="3428999"/>
-                </a:lnTo>
-                <a:lnTo>
-                  <a:pt x="250957" y="3428999"/>
-                </a:lnTo>
-                <a:lnTo>
-                  <a:pt x="250957" y="3343961"/>
-                </a:lnTo>
-                <a:lnTo>
-                  <a:pt x="251965" y="3201315"/>
-                </a:lnTo>
-                <a:lnTo>
-                  <a:pt x="250957" y="3057297"/>
-                </a:lnTo>
-                <a:lnTo>
-                  <a:pt x="248940" y="2911221"/>
-                </a:lnTo>
-                <a:lnTo>
-                  <a:pt x="247091" y="2765146"/>
-                </a:lnTo>
-                <a:lnTo>
-                  <a:pt x="243057" y="2617013"/>
-                </a:lnTo>
-                <a:lnTo>
-                  <a:pt x="238855" y="2467509"/>
-                </a:lnTo>
-                <a:lnTo>
-                  <a:pt x="233980" y="2318004"/>
-                </a:lnTo>
-                <a:lnTo>
-                  <a:pt x="227089" y="2167128"/>
-                </a:lnTo>
-                <a:lnTo>
-                  <a:pt x="218852" y="2014881"/>
-                </a:lnTo>
-                <a:lnTo>
-                  <a:pt x="210952" y="1861947"/>
-                </a:lnTo>
-                <a:lnTo>
-                  <a:pt x="200867" y="1709014"/>
-                </a:lnTo>
-                <a:lnTo>
-                  <a:pt x="188764" y="1554023"/>
-                </a:lnTo>
-                <a:lnTo>
-                  <a:pt x="176662" y="1401090"/>
-                </a:lnTo>
-                <a:lnTo>
-                  <a:pt x="162710" y="1245413"/>
-                </a:lnTo>
-                <a:lnTo>
-                  <a:pt x="147414" y="1089051"/>
-                </a:lnTo>
-                <a:lnTo>
-                  <a:pt x="131278" y="934746"/>
-                </a:lnTo>
-                <a:lnTo>
-                  <a:pt x="112452" y="778383"/>
-                </a:lnTo>
-                <a:lnTo>
-                  <a:pt x="92281" y="622707"/>
-                </a:lnTo>
-                <a:lnTo>
-                  <a:pt x="72278" y="466344"/>
-                </a:lnTo>
-                <a:lnTo>
-                  <a:pt x="48914" y="310668"/>
-                </a:lnTo>
-                <a:lnTo>
-                  <a:pt x="25045" y="155677"/>
-                </a:lnTo>
-                <a:close/>
-              </a:path>
-            </a:pathLst>
-          </a:custGeom>
+          </a:prstGeom>
           <a:noFill/>
         </p:spPr>
       </p:pic>
       <p:sp>
         <p:nvSpPr>
-          <p:cNvPr id="23" name="Slide Number Placeholder 22">
-            <a:extLst>
-              <a:ext uri="{FF2B5EF4-FFF2-40B4-BE49-F238E27FC236}">
-                <a16:creationId xmlns:a16="http://schemas.microsoft.com/office/drawing/2014/main" id="{1CFAACA4-65B8-42F6-BCD5-C3D1E8D95F2A}"/>
-              </a:ext>
-            </a:extLst>
-          </p:cNvPr>
-          <p:cNvSpPr>
-            <a:spLocks noGrp="1"/>
+          <p:cNvPr id="23" name="Slide Number Placeholder 22"/>
+          <p:cNvSpPr>
+            <a:spLocks noGrp="1" noEditPoints="1"/>
           </p:cNvSpPr>
           <p:nvPr>
             <p:ph type="sldNum" sz="quarter" idx="12"/>
@@ -17957,11 +16222,6 @@
                   <a:srgbClr val="FFFFFF"/>
                 </a:solidFill>
               </a:rPr>
-              <a:pPr defTabSz="914400">
-                <a:spcAft>
-                  <a:spcPts val="600"/>
-                </a:spcAft>
-              </a:pPr>
               <a:t>3</a:t>
             </a:fld>
             <a:endParaRPr lang="en-US">
@@ -17974,15 +16234,9 @@
       </p:sp>
       <p:sp>
         <p:nvSpPr>
-          <p:cNvPr id="22" name="Footer Placeholder 21">
-            <a:extLst>
-              <a:ext uri="{FF2B5EF4-FFF2-40B4-BE49-F238E27FC236}">
-                <a16:creationId xmlns:a16="http://schemas.microsoft.com/office/drawing/2014/main" id="{A0C89215-7880-40F7-A389-2C9A09EE3692}"/>
-              </a:ext>
-            </a:extLst>
-          </p:cNvPr>
-          <p:cNvSpPr>
-            <a:spLocks noGrp="1"/>
+          <p:cNvPr id="22" name="Footer Placeholder 21"/>
+          <p:cNvSpPr>
+            <a:spLocks noGrp="1" noEditPoints="1"/>
           </p:cNvSpPr>
           <p:nvPr>
             <p:ph type="ftr" sz="quarter" idx="11"/>
@@ -18023,15 +16277,9 @@
       </p:sp>
       <p:sp>
         <p:nvSpPr>
-          <p:cNvPr id="31" name="Date Placeholder 6">
-            <a:extLst>
-              <a:ext uri="{FF2B5EF4-FFF2-40B4-BE49-F238E27FC236}">
-                <a16:creationId xmlns:a16="http://schemas.microsoft.com/office/drawing/2014/main" id="{0745E220-455E-F8EE-35B0-D2CE226FB012}"/>
-              </a:ext>
-            </a:extLst>
-          </p:cNvPr>
-          <p:cNvSpPr>
-            <a:spLocks noGrp="1"/>
+          <p:cNvPr id="31" name="Date Placeholder 6"/>
+          <p:cNvSpPr>
+            <a:spLocks noGrp="1" noEditPoints="1"/>
           </p:cNvSpPr>
           <p:nvPr>
             <p:ph type="dt" sz="half" idx="10"/>
@@ -18062,11 +16310,6 @@
                   </a:prstClr>
                 </a:solidFill>
               </a:rPr>
-              <a:pPr algn="r" defTabSz="914400">
-                <a:spcAft>
-                  <a:spcPts val="600"/>
-                </a:spcAft>
-              </a:pPr>
               <a:t>2/2/2024</a:t>
             </a:fld>
             <a:endParaRPr lang="en-US">
@@ -18081,13 +16324,7 @@
       </p:sp>
       <p:pic>
         <p:nvPicPr>
-          <p:cNvPr id="16" name="Picture Placeholder 15">
-            <a:extLst>
-              <a:ext uri="{FF2B5EF4-FFF2-40B4-BE49-F238E27FC236}">
-                <a16:creationId xmlns:a16="http://schemas.microsoft.com/office/drawing/2014/main" id="{E1DA0A58-7C3B-4F53-80D8-6355E31465F8}"/>
-              </a:ext>
-            </a:extLst>
-          </p:cNvPr>
+          <p:cNvPr id="16" name="Picture Placeholder 15"/>
           <p:cNvPicPr>
             <a:picLocks noGrp="1" noChangeAspect="1"/>
           </p:cNvPicPr>
@@ -18095,8 +16332,8 @@
             <p:ph type="pic" sz="quarter" idx="13"/>
           </p:nvPr>
         </p:nvPicPr>
-        <p:blipFill rotWithShape="1">
-          <a:blip r:embed="rId9"/>
+        <p:blipFill>
+          <a:blip r:embed="rId7"/>
           <a:srcRect l="19530" r="13526" b="-1"/>
           <a:stretch/>
         </p:blipFill>
@@ -18105,111 +16342,13 @@
             <a:off x="7228756" y="3428997"/>
             <a:ext cx="4963244" cy="3429002"/>
           </a:xfrm>
-          <a:custGeom>
+          <a:prstGeom prst="rect">
             <a:avLst/>
-            <a:gdLst/>
-            <a:ahLst/>
-            <a:cxnLst/>
-            <a:rect l="l" t="t" r="r" b="b"/>
-            <a:pathLst>
-              <a:path w="4963244" h="3429002">
-                <a:moveTo>
-                  <a:pt x="252134" y="0"/>
-                </a:moveTo>
-                <a:lnTo>
-                  <a:pt x="4963244" y="0"/>
-                </a:lnTo>
-                <a:lnTo>
-                  <a:pt x="4963244" y="3429002"/>
-                </a:lnTo>
-                <a:lnTo>
-                  <a:pt x="900697" y="3429002"/>
-                </a:lnTo>
-                <a:lnTo>
-                  <a:pt x="900697" y="3429001"/>
-                </a:lnTo>
-                <a:lnTo>
-                  <a:pt x="0" y="3429001"/>
-                </a:lnTo>
-                <a:lnTo>
-                  <a:pt x="5883" y="3388539"/>
-                </a:lnTo>
-                <a:lnTo>
-                  <a:pt x="23196" y="3269895"/>
-                </a:lnTo>
-                <a:lnTo>
-                  <a:pt x="35299" y="3183484"/>
-                </a:lnTo>
-                <a:lnTo>
-                  <a:pt x="48073" y="3080614"/>
-                </a:lnTo>
-                <a:lnTo>
-                  <a:pt x="63369" y="2958542"/>
-                </a:lnTo>
-                <a:lnTo>
-                  <a:pt x="79506" y="2823439"/>
-                </a:lnTo>
-                <a:lnTo>
-                  <a:pt x="96483" y="2671192"/>
-                </a:lnTo>
-                <a:lnTo>
-                  <a:pt x="114469" y="2505228"/>
-                </a:lnTo>
-                <a:lnTo>
-                  <a:pt x="132454" y="2324863"/>
-                </a:lnTo>
-                <a:lnTo>
-                  <a:pt x="150776" y="2132839"/>
-                </a:lnTo>
-                <a:lnTo>
-                  <a:pt x="167753" y="1925727"/>
-                </a:lnTo>
-                <a:lnTo>
-                  <a:pt x="184058" y="1709014"/>
-                </a:lnTo>
-                <a:lnTo>
-                  <a:pt x="198849" y="1479957"/>
-                </a:lnTo>
-                <a:lnTo>
-                  <a:pt x="212969" y="1241299"/>
-                </a:lnTo>
-                <a:lnTo>
-                  <a:pt x="226248" y="992353"/>
-                </a:lnTo>
-                <a:lnTo>
-                  <a:pt x="230955" y="864794"/>
-                </a:lnTo>
-                <a:lnTo>
-                  <a:pt x="236165" y="734493"/>
-                </a:lnTo>
-                <a:lnTo>
-                  <a:pt x="241040" y="602134"/>
-                </a:lnTo>
-                <a:lnTo>
-                  <a:pt x="244234" y="469088"/>
-                </a:lnTo>
-                <a:lnTo>
-                  <a:pt x="247091" y="333300"/>
-                </a:lnTo>
-                <a:lnTo>
-                  <a:pt x="250117" y="196140"/>
-                </a:lnTo>
-                <a:lnTo>
-                  <a:pt x="252134" y="56237"/>
-                </a:lnTo>
-                <a:close/>
-              </a:path>
-            </a:pathLst>
-          </a:custGeom>
+          </a:prstGeom>
           <a:noFill/>
         </p:spPr>
       </p:pic>
     </p:spTree>
-    <p:extLst>
-      <p:ext uri="{BB962C8B-B14F-4D97-AF65-F5344CB8AC3E}">
-        <p14:creationId xmlns:p14="http://schemas.microsoft.com/office/powerpoint/2010/main" val="1109332271"/>
-      </p:ext>
-    </p:extLst>
   </p:cSld>
   <p:clrMapOvr>
     <a:masterClrMapping/>
@@ -18239,15 +16378,9 @@
       </p:grpSpPr>
       <p:sp>
         <p:nvSpPr>
-          <p:cNvPr id="4" name="Title 3">
-            <a:extLst>
-              <a:ext uri="{FF2B5EF4-FFF2-40B4-BE49-F238E27FC236}">
-                <a16:creationId xmlns:a16="http://schemas.microsoft.com/office/drawing/2014/main" id="{C0235702-D252-448C-B19A-B3316C4F88E2}"/>
-              </a:ext>
-            </a:extLst>
-          </p:cNvPr>
-          <p:cNvSpPr>
-            <a:spLocks noGrp="1"/>
+          <p:cNvPr id="4" name="Title 3"/>
+          <p:cNvSpPr>
+            <a:spLocks noGrp="1" noEditPoints="1"/>
           </p:cNvSpPr>
           <p:nvPr>
             <p:ph type="title"/>
@@ -18277,15 +16410,9 @@
       </p:sp>
       <p:sp>
         <p:nvSpPr>
-          <p:cNvPr id="8" name="Content Placeholder 7">
-            <a:extLst>
-              <a:ext uri="{FF2B5EF4-FFF2-40B4-BE49-F238E27FC236}">
-                <a16:creationId xmlns:a16="http://schemas.microsoft.com/office/drawing/2014/main" id="{CED188D3-E97C-4E64-AEC5-BA2CE083B7F3}"/>
-              </a:ext>
-            </a:extLst>
-          </p:cNvPr>
-          <p:cNvSpPr>
-            <a:spLocks noGrp="1"/>
+          <p:cNvPr id="8" name="Content Placeholder 7"/>
+          <p:cNvSpPr>
+            <a:spLocks noGrp="1" noEditPoints="1"/>
           </p:cNvSpPr>
           <p:nvPr>
             <p:ph idx="14"/>
@@ -18313,15 +16440,9 @@
       </p:sp>
       <p:sp>
         <p:nvSpPr>
-          <p:cNvPr id="5" name="Content Placeholder 4">
-            <a:extLst>
-              <a:ext uri="{FF2B5EF4-FFF2-40B4-BE49-F238E27FC236}">
-                <a16:creationId xmlns:a16="http://schemas.microsoft.com/office/drawing/2014/main" id="{8D8FE1B0-9E5F-4C60-B1BF-E3D551EDCF6C}"/>
-              </a:ext>
-            </a:extLst>
-          </p:cNvPr>
-          <p:cNvSpPr>
-            <a:spLocks noGrp="1"/>
+          <p:cNvPr id="5" name="Content Placeholder 4"/>
+          <p:cNvSpPr>
+            <a:spLocks noGrp="1" noEditPoints="1"/>
           </p:cNvSpPr>
           <p:nvPr>
             <p:ph idx="1"/>
@@ -18340,8 +16461,12 @@
           <a:lstStyle/>
           <a:p>
             <a:r>
+              <a:rPr lang="en-US" sz="1400" b="1" dirty="0"/>
+              <a:t>S</a:t>
+            </a:r>
+            <a:r>
               <a:rPr lang="en-GB" sz="1400" b="1" dirty="0"/>
-              <a:t>Start: </a:t>
+              <a:t>tart: </a:t>
             </a:r>
             <a:r>
               <a:rPr lang="en-GB" sz="1400" dirty="0"/>
@@ -18350,8 +16475,12 @@
           </a:p>
           <a:p>
             <a:r>
+              <a:rPr lang="en-US" sz="1400" b="1" dirty="0" err="1"/>
+              <a:t>S</a:t>
+            </a:r>
+            <a:r>
               <a:rPr lang="en-GB" sz="1400" b="1" dirty="0" err="1"/>
-              <a:t>sign_up</a:t>
+              <a:t>ign_up</a:t>
             </a:r>
             <a:r>
               <a:rPr lang="en-GB" sz="1400" dirty="0"/>
@@ -18364,8 +16493,12 @@
           </a:p>
           <a:p>
             <a:r>
+              <a:rPr lang="en-US" sz="1400" b="1" dirty="0" err="1"/>
+              <a:t>D</a:t>
+            </a:r>
+            <a:r>
               <a:rPr lang="en-GB" sz="1400" b="1" dirty="0" err="1"/>
-              <a:t>delete_user</a:t>
+              <a:t>elete_user</a:t>
             </a:r>
             <a:r>
               <a:rPr lang="en-GB" sz="1400" b="1" dirty="0"/>
@@ -18378,8 +16511,12 @@
           </a:p>
           <a:p>
             <a:r>
+              <a:rPr lang="en-US" sz="1400" b="1" dirty="0" err="1"/>
+              <a:t>S</a:t>
+            </a:r>
+            <a:r>
               <a:rPr lang="en-GB" sz="1400" b="1" dirty="0" err="1"/>
-              <a:t>sign_in</a:t>
+              <a:t>ign_in</a:t>
             </a:r>
             <a:r>
               <a:rPr lang="en-GB" sz="1400" b="1" dirty="0"/>
@@ -18392,8 +16529,12 @@
           </a:p>
           <a:p>
             <a:r>
+              <a:rPr lang="en-US" sz="1400" b="1" dirty="0" err="1"/>
+              <a:t>S</a:t>
+            </a:r>
+            <a:r>
               <a:rPr lang="en-GB" sz="1400" b="1" dirty="0" err="1"/>
-              <a:t>search_by_name</a:t>
+              <a:t>earch_by_name</a:t>
             </a:r>
             <a:r>
               <a:rPr lang="en-GB" sz="1400" dirty="0"/>
@@ -18402,8 +16543,12 @@
           </a:p>
           <a:p>
             <a:r>
+              <a:rPr lang="en-US" sz="1400" b="1" dirty="0" err="1"/>
+              <a:t>S</a:t>
+            </a:r>
+            <a:r>
               <a:rPr lang="en-GB" sz="1400" b="1" dirty="0" err="1"/>
-              <a:t>search_by_author</a:t>
+              <a:t>earch_by_author</a:t>
             </a:r>
             <a:r>
               <a:rPr lang="en-GB" sz="1400" dirty="0"/>
@@ -18416,8 +16561,12 @@
           </a:p>
           <a:p>
             <a:r>
+              <a:rPr lang="en-US" sz="1400" b="1" dirty="0" err="1"/>
+              <a:t>M</a:t>
+            </a:r>
+            <a:r>
               <a:rPr lang="en-GB" sz="1400" b="1" dirty="0" err="1"/>
-              <a:t>most_read_books</a:t>
+              <a:t>ost_read_books</a:t>
             </a:r>
             <a:r>
               <a:rPr lang="en-GB" sz="1400" b="1" dirty="0"/>
@@ -18430,8 +16579,12 @@
           </a:p>
           <a:p>
             <a:r>
+              <a:rPr lang="en-US" sz="1400" b="1" dirty="0" err="1"/>
+              <a:t>R</a:t>
+            </a:r>
+            <a:r>
               <a:rPr lang="en-GB" sz="1400" b="1" dirty="0" err="1"/>
-              <a:t>recently_added</a:t>
+              <a:t>ecently_added</a:t>
             </a:r>
             <a:r>
               <a:rPr lang="en-GB" sz="1400" b="1" dirty="0"/>
@@ -18444,8 +16597,12 @@
           </a:p>
           <a:p>
             <a:r>
+              <a:rPr lang="en-US" sz="1400" b="1" dirty="0" err="1"/>
+              <a:t>M</a:t>
+            </a:r>
+            <a:r>
               <a:rPr lang="en-GB" sz="1400" b="1" dirty="0" err="1"/>
-              <a:t>most_read_genres</a:t>
+              <a:t>ost_read_genres</a:t>
             </a:r>
             <a:r>
               <a:rPr lang="en-GB" sz="1400" b="1" dirty="0"/>
@@ -18466,15 +16623,9 @@
       </p:sp>
       <p:sp>
         <p:nvSpPr>
-          <p:cNvPr id="6" name="Content Placeholder 5">
-            <a:extLst>
-              <a:ext uri="{FF2B5EF4-FFF2-40B4-BE49-F238E27FC236}">
-                <a16:creationId xmlns:a16="http://schemas.microsoft.com/office/drawing/2014/main" id="{D87483D8-EA65-4964-99D7-AF7C1B80C93A}"/>
-              </a:ext>
-            </a:extLst>
-          </p:cNvPr>
-          <p:cNvSpPr>
-            <a:spLocks noGrp="1"/>
+          <p:cNvPr id="6" name="Content Placeholder 5"/>
+          <p:cNvSpPr>
+            <a:spLocks noGrp="1" noEditPoints="1"/>
           </p:cNvSpPr>
           <p:nvPr>
             <p:ph idx="13"/>
@@ -18493,8 +16644,12 @@
           <a:lstStyle/>
           <a:p>
             <a:r>
+              <a:rPr lang="en-US" sz="1400" b="1" dirty="0" err="1"/>
+              <a:t>M</a:t>
+            </a:r>
+            <a:r>
               <a:rPr lang="en-GB" sz="1400" b="1" dirty="0" err="1"/>
-              <a:t>most_read_authors</a:t>
+              <a:t>ost_read_authors</a:t>
             </a:r>
             <a:r>
               <a:rPr lang="en-GB" sz="1400" b="1" dirty="0"/>
@@ -18507,8 +16662,12 @@
           </a:p>
           <a:p>
             <a:r>
+              <a:rPr lang="en-US" sz="1400" b="1" dirty="0" err="1"/>
+              <a:t>A</a:t>
+            </a:r>
+            <a:r>
               <a:rPr lang="en-GB" sz="1400" b="1" dirty="0" err="1"/>
-              <a:t>add_book</a:t>
+              <a:t>dd_book</a:t>
             </a:r>
             <a:r>
               <a:rPr lang="en-GB" sz="1400" b="1" dirty="0"/>
@@ -18521,8 +16680,12 @@
           </a:p>
           <a:p>
             <a:r>
+              <a:rPr lang="en-US" sz="1400" b="1" dirty="0" err="1"/>
+              <a:t>D</a:t>
+            </a:r>
+            <a:r>
               <a:rPr lang="en-GB" sz="1400" b="1" dirty="0" err="1"/>
-              <a:t>delete_book</a:t>
+              <a:t>elete_book</a:t>
             </a:r>
             <a:r>
               <a:rPr lang="en-GB" sz="1400" b="1" dirty="0"/>
@@ -18535,8 +16698,12 @@
           </a:p>
           <a:p>
             <a:r>
+              <a:rPr lang="en-US" sz="1400" b="1" dirty="0" err="1"/>
+              <a:t>B</a:t>
+            </a:r>
+            <a:r>
               <a:rPr lang="en-GB" sz="1400" b="1" dirty="0" err="1"/>
-              <a:t>borrow_book</a:t>
+              <a:t>orrow_book</a:t>
             </a:r>
             <a:r>
               <a:rPr lang="en-GB" sz="1400" dirty="0"/>
@@ -18545,8 +16712,12 @@
           </a:p>
           <a:p>
             <a:r>
+              <a:rPr lang="en-US" sz="1400" b="1" dirty="0" err="1"/>
+              <a:t>R</a:t>
+            </a:r>
+            <a:r>
               <a:rPr lang="en-GB" sz="1400" b="1" dirty="0" err="1"/>
-              <a:t>return_book</a:t>
+              <a:t>eturn_book</a:t>
             </a:r>
             <a:r>
               <a:rPr lang="en-GB" sz="1400" b="1" dirty="0"/>
@@ -18559,8 +16730,12 @@
           </a:p>
           <a:p>
             <a:r>
+              <a:rPr lang="en-US" sz="1400" b="1" dirty="0" err="1"/>
+              <a:t>M</a:t>
+            </a:r>
+            <a:r>
               <a:rPr lang="en-GB" sz="1400" b="1" dirty="0" err="1"/>
-              <a:t>mark_read</a:t>
+              <a:t>ark_read</a:t>
             </a:r>
             <a:r>
               <a:rPr lang="en-GB" sz="1400" b="1" dirty="0"/>
@@ -18573,8 +16748,12 @@
           </a:p>
           <a:p>
             <a:r>
+              <a:rPr lang="en-US" sz="1400" b="1" dirty="0" err="1"/>
+              <a:t>F</a:t>
+            </a:r>
+            <a:r>
               <a:rPr lang="en-GB" sz="1400" b="1" dirty="0" err="1"/>
-              <a:t>fav_book</a:t>
+              <a:t>av_book</a:t>
             </a:r>
             <a:r>
               <a:rPr lang="en-GB" sz="1400" b="1" dirty="0"/>
@@ -18585,7 +16764,7 @@
               <a:t>Add a book to </a:t>
             </a:r>
             <a:r>
-              <a:rPr lang="en-GB" sz="1400" dirty="0" err="1"/>
+              <a:rPr lang="en-US" sz="1400" dirty="0"/>
               <a:t>favorites</a:t>
             </a:r>
             <a:r>
@@ -18595,8 +16774,12 @@
           </a:p>
           <a:p>
             <a:r>
+              <a:rPr lang="en-US" sz="1400" b="1" dirty="0" err="1"/>
+              <a:t>M</a:t>
+            </a:r>
+            <a:r>
               <a:rPr lang="en-GB" sz="1400" b="1" dirty="0" err="1"/>
-              <a:t>my_books</a:t>
+              <a:t>y_books</a:t>
             </a:r>
             <a:r>
               <a:rPr lang="en-GB" sz="1400" b="1" dirty="0"/>
@@ -18609,8 +16792,12 @@
           </a:p>
           <a:p>
             <a:r>
+              <a:rPr lang="en-US" sz="1400" b="1" dirty="0"/>
+              <a:t>S</a:t>
+            </a:r>
+            <a:r>
               <a:rPr lang="en-GB" sz="1400" b="1" dirty="0"/>
-              <a:t>statistics</a:t>
+              <a:t>tatistics</a:t>
             </a:r>
             <a:r>
               <a:rPr lang="en-GB" sz="1400" dirty="0"/>
@@ -18627,15 +16814,9 @@
       </p:sp>
       <p:sp>
         <p:nvSpPr>
-          <p:cNvPr id="16" name="Slide Number Placeholder 15">
-            <a:extLst>
-              <a:ext uri="{FF2B5EF4-FFF2-40B4-BE49-F238E27FC236}">
-                <a16:creationId xmlns:a16="http://schemas.microsoft.com/office/drawing/2014/main" id="{533E7CD9-5271-46B0-BE9D-C03F6CFC6818}"/>
-              </a:ext>
-            </a:extLst>
-          </p:cNvPr>
-          <p:cNvSpPr>
-            <a:spLocks noGrp="1"/>
+          <p:cNvPr id="16" name="Slide Number Placeholder 15"/>
+          <p:cNvSpPr>
+            <a:spLocks noGrp="1" noEditPoints="1"/>
           </p:cNvSpPr>
           <p:nvPr>
             <p:ph type="sldNum" sz="quarter" idx="12"/>
@@ -18648,7 +16829,6 @@
           <a:p>
             <a:fld id="{FAEF9944-A4F6-4C59-AEBD-678D6480B8EA}" type="slidenum">
               <a:rPr lang="en-US" smtClean="0"/>
-              <a:pPr/>
               <a:t>4</a:t>
             </a:fld>
             <a:endParaRPr lang="en-US" dirty="0"/>
@@ -18656,11 +16836,6 @@
         </p:txBody>
       </p:sp>
     </p:spTree>
-    <p:extLst>
-      <p:ext uri="{BB962C8B-B14F-4D97-AF65-F5344CB8AC3E}">
-        <p14:creationId xmlns:p14="http://schemas.microsoft.com/office/powerpoint/2010/main" val="2960976296"/>
-      </p:ext>
-    </p:extLst>
   </p:cSld>
   <p:clrMapOvr>
     <a:masterClrMapping/>
@@ -18677,9 +16852,8 @@
     <p:bg>
       <p:bgPr>
         <a:solidFill>
-          <a:schemeClr val="bg1"/>
+          <a:schemeClr val="tx1"/>
         </a:solidFill>
-        <a:effectLst/>
       </p:bgPr>
     </p:bg>
     <p:spTree>
@@ -18698,35 +16872,14 @@
       </p:grpSpPr>
       <p:pic>
         <p:nvPicPr>
-          <p:cNvPr id="90" name="Picture 89">
-            <a:extLst>
-              <a:ext uri="{FF2B5EF4-FFF2-40B4-BE49-F238E27FC236}">
-                <a16:creationId xmlns:a16="http://schemas.microsoft.com/office/drawing/2014/main" id="{DF19BAF3-7E20-4B9D-B544-BABAEEA1FA75}"/>
-              </a:ext>
-              <a:ext uri="{C183D7F6-B498-43B3-948B-1728B52AA6E4}">
-                <adec:decorative xmlns:adec="http://schemas.microsoft.com/office/drawing/2017/decorative" val="1"/>
-              </a:ext>
-            </a:extLst>
-          </p:cNvPr>
+          <p:cNvPr id="90" name="Picture 89"/>
           <p:cNvPicPr>
-            <a:picLocks noGrp="1" noRot="1" noChangeAspect="1" noMove="1" noResize="1" noEditPoints="1" noAdjustHandles="1" noChangeArrowheads="1" noChangeShapeType="1" noCrop="1"/>
+            <a:picLocks noGrp="1" noRot="1" noChangeAspect="1" noMove="1" noResize="1" noEditPoints="1" noAdjustHandles="1" noChangeArrowheads="1" noChangeShapeType="1"/>
           </p:cNvPicPr>
-          <p:nvPr>
-            <p:extLst>
-              <p:ext uri="{386F3935-93C4-4BCD-93E2-E3B085C9AB24}">
-                <p16:designElem xmlns:p16="http://schemas.microsoft.com/office/powerpoint/2015/main" val="1"/>
-              </p:ext>
-            </p:extLst>
-          </p:nvPr>
+          <p:nvPr/>
         </p:nvPicPr>
-        <p:blipFill rotWithShape="1">
-          <a:blip r:embed="rId3">
-            <a:extLst>
-              <a:ext uri="{28A0092B-C50C-407E-A947-70E740481C1C}">
-                <a14:useLocalDpi xmlns:a14="http://schemas.microsoft.com/office/drawing/2010/main" val="0"/>
-              </a:ext>
-            </a:extLst>
-          </a:blip>
+        <p:blipFill>
+          <a:blip r:embed="rId1"/>
           <a:srcRect l="3613"/>
           <a:stretch/>
         </p:blipFill>
@@ -18742,35 +16895,14 @@
       </p:pic>
       <p:pic>
         <p:nvPicPr>
-          <p:cNvPr id="92" name="Picture 91">
-            <a:extLst>
-              <a:ext uri="{FF2B5EF4-FFF2-40B4-BE49-F238E27FC236}">
-                <a16:creationId xmlns:a16="http://schemas.microsoft.com/office/drawing/2014/main" id="{950648F4-ABCD-4DF0-8641-76CFB2354721}"/>
-              </a:ext>
-              <a:ext uri="{C183D7F6-B498-43B3-948B-1728B52AA6E4}">
-                <adec:decorative xmlns:adec="http://schemas.microsoft.com/office/drawing/2017/decorative" val="1"/>
-              </a:ext>
-            </a:extLst>
-          </p:cNvPr>
+          <p:cNvPr id="92" name="Picture 91"/>
           <p:cNvPicPr>
-            <a:picLocks noGrp="1" noRot="1" noChangeAspect="1" noMove="1" noResize="1" noEditPoints="1" noAdjustHandles="1" noChangeArrowheads="1" noChangeShapeType="1" noCrop="1"/>
+            <a:picLocks noGrp="1" noRot="1" noChangeAspect="1" noMove="1" noResize="1" noEditPoints="1" noAdjustHandles="1" noChangeArrowheads="1" noChangeShapeType="1"/>
           </p:cNvPicPr>
-          <p:nvPr>
-            <p:extLst>
-              <p:ext uri="{386F3935-93C4-4BCD-93E2-E3B085C9AB24}">
-                <p16:designElem xmlns:p16="http://schemas.microsoft.com/office/powerpoint/2015/main" val="1"/>
-              </p:ext>
-            </p:extLst>
-          </p:nvPr>
+          <p:nvPr/>
         </p:nvPicPr>
-        <p:blipFill rotWithShape="1">
-          <a:blip r:embed="rId4">
-            <a:extLst>
-              <a:ext uri="{28A0092B-C50C-407E-A947-70E740481C1C}">
-                <a14:useLocalDpi xmlns:a14="http://schemas.microsoft.com/office/drawing/2010/main" val="0"/>
-              </a:ext>
-            </a:extLst>
-          </a:blip>
+        <p:blipFill>
+          <a:blip r:embed="rId2"/>
           <a:srcRect l="35640"/>
           <a:stretch/>
         </p:blipFill>
@@ -18786,26 +16918,11 @@
       </p:pic>
       <p:sp>
         <p:nvSpPr>
-          <p:cNvPr id="94" name="Oval 93">
-            <a:extLst>
-              <a:ext uri="{FF2B5EF4-FFF2-40B4-BE49-F238E27FC236}">
-                <a16:creationId xmlns:a16="http://schemas.microsoft.com/office/drawing/2014/main" id="{989BE678-777B-482A-A616-FEDC47B162E5}"/>
-              </a:ext>
-              <a:ext uri="{C183D7F6-B498-43B3-948B-1728B52AA6E4}">
-                <adec:decorative xmlns:adec="http://schemas.microsoft.com/office/drawing/2017/decorative" val="1"/>
-              </a:ext>
-            </a:extLst>
-          </p:cNvPr>
+          <p:cNvPr id="94" name="Oval 93"/>
           <p:cNvSpPr>
             <a:spLocks noGrp="1" noRot="1" noChangeAspect="1" noMove="1" noResize="1" noEditPoints="1" noAdjustHandles="1" noChangeArrowheads="1" noChangeShapeType="1" noTextEdit="1"/>
           </p:cNvSpPr>
-          <p:nvPr>
-            <p:extLst>
-              <p:ext uri="{386F3935-93C4-4BCD-93E2-E3B085C9AB24}">
-                <p16:designElem xmlns:p16="http://schemas.microsoft.com/office/powerpoint/2015/main" val="1"/>
-              </p:ext>
-            </p:extLst>
-          </p:nvPr>
+          <p:nvPr/>
         </p:nvSpPr>
         <p:spPr>
           <a:xfrm>
@@ -18824,18 +16941,18 @@
                   <a:alpha val="7000"/>
                 </a:schemeClr>
               </a:gs>
+              <a:gs pos="36000">
+                <a:schemeClr val="bg2">
+                  <a:lumMod val="60000"/>
+                  <a:lumOff val="40000"/>
+                  <a:alpha val="6000"/>
+                </a:schemeClr>
+              </a:gs>
               <a:gs pos="69000">
                 <a:schemeClr val="bg2">
                   <a:lumMod val="60000"/>
                   <a:lumOff val="40000"/>
                   <a:alpha val="0"/>
-                </a:schemeClr>
-              </a:gs>
-              <a:gs pos="36000">
-                <a:schemeClr val="bg2">
-                  <a:lumMod val="60000"/>
-                  <a:lumOff val="40000"/>
-                  <a:alpha val="6000"/>
                 </a:schemeClr>
               </a:gs>
             </a:gsLst>
@@ -18873,35 +16990,14 @@
       </p:sp>
       <p:pic>
         <p:nvPicPr>
-          <p:cNvPr id="96" name="Picture 95">
-            <a:extLst>
-              <a:ext uri="{FF2B5EF4-FFF2-40B4-BE49-F238E27FC236}">
-                <a16:creationId xmlns:a16="http://schemas.microsoft.com/office/drawing/2014/main" id="{CF1EB4BD-9C7E-4AA3-9681-C7EB0DA6250B}"/>
-              </a:ext>
-              <a:ext uri="{C183D7F6-B498-43B3-948B-1728B52AA6E4}">
-                <adec:decorative xmlns:adec="http://schemas.microsoft.com/office/drawing/2017/decorative" val="1"/>
-              </a:ext>
-            </a:extLst>
-          </p:cNvPr>
+          <p:cNvPr id="96" name="Picture 95"/>
           <p:cNvPicPr>
-            <a:picLocks noGrp="1" noRot="1" noChangeAspect="1" noMove="1" noResize="1" noEditPoints="1" noAdjustHandles="1" noChangeArrowheads="1" noChangeShapeType="1" noCrop="1"/>
+            <a:picLocks noGrp="1" noRot="1" noChangeAspect="1" noMove="1" noResize="1" noEditPoints="1" noAdjustHandles="1" noChangeArrowheads="1" noChangeShapeType="1"/>
           </p:cNvPicPr>
-          <p:nvPr>
-            <p:extLst>
-              <p:ext uri="{386F3935-93C4-4BCD-93E2-E3B085C9AB24}">
-                <p16:designElem xmlns:p16="http://schemas.microsoft.com/office/powerpoint/2015/main" val="1"/>
-              </p:ext>
-            </p:extLst>
-          </p:nvPr>
+          <p:nvPr/>
         </p:nvPicPr>
-        <p:blipFill rotWithShape="1">
-          <a:blip r:embed="rId5">
-            <a:extLst>
-              <a:ext uri="{28A0092B-C50C-407E-A947-70E740481C1C}">
-                <a14:useLocalDpi xmlns:a14="http://schemas.microsoft.com/office/drawing/2010/main" val="0"/>
-              </a:ext>
-            </a:extLst>
-          </a:blip>
+        <p:blipFill>
+          <a:blip r:embed="rId3"/>
           <a:srcRect t="28813"/>
           <a:stretch/>
         </p:blipFill>
@@ -18917,35 +17013,14 @@
       </p:pic>
       <p:pic>
         <p:nvPicPr>
-          <p:cNvPr id="98" name="Picture 97">
-            <a:extLst>
-              <a:ext uri="{FF2B5EF4-FFF2-40B4-BE49-F238E27FC236}">
-                <a16:creationId xmlns:a16="http://schemas.microsoft.com/office/drawing/2014/main" id="{94AAE3AA-3759-4D28-B0EF-575F25A5146C}"/>
-              </a:ext>
-              <a:ext uri="{C183D7F6-B498-43B3-948B-1728B52AA6E4}">
-                <adec:decorative xmlns:adec="http://schemas.microsoft.com/office/drawing/2017/decorative" val="1"/>
-              </a:ext>
-            </a:extLst>
-          </p:cNvPr>
+          <p:cNvPr id="98" name="Picture 97"/>
           <p:cNvPicPr>
-            <a:picLocks noGrp="1" noRot="1" noChangeAspect="1" noMove="1" noResize="1" noEditPoints="1" noAdjustHandles="1" noChangeArrowheads="1" noChangeShapeType="1" noCrop="1"/>
+            <a:picLocks noGrp="1" noRot="1" noChangeAspect="1" noMove="1" noResize="1" noEditPoints="1" noAdjustHandles="1" noChangeArrowheads="1" noChangeShapeType="1"/>
           </p:cNvPicPr>
-          <p:nvPr>
-            <p:extLst>
-              <p:ext uri="{386F3935-93C4-4BCD-93E2-E3B085C9AB24}">
-                <p16:designElem xmlns:p16="http://schemas.microsoft.com/office/powerpoint/2015/main" val="1"/>
-              </p:ext>
-            </p:extLst>
-          </p:nvPr>
+          <p:nvPr/>
         </p:nvPicPr>
-        <p:blipFill rotWithShape="1">
-          <a:blip r:embed="rId6">
-            <a:extLst>
-              <a:ext uri="{28A0092B-C50C-407E-A947-70E740481C1C}">
-                <a14:useLocalDpi xmlns:a14="http://schemas.microsoft.com/office/drawing/2010/main" val="0"/>
-              </a:ext>
-            </a:extLst>
-          </a:blip>
+        <p:blipFill>
+          <a:blip r:embed="rId4"/>
           <a:srcRect b="23320"/>
           <a:stretch/>
         </p:blipFill>
@@ -18961,26 +17036,11 @@
       </p:pic>
       <p:sp>
         <p:nvSpPr>
-          <p:cNvPr id="100" name="Rectangle 99">
-            <a:extLst>
-              <a:ext uri="{FF2B5EF4-FFF2-40B4-BE49-F238E27FC236}">
-                <a16:creationId xmlns:a16="http://schemas.microsoft.com/office/drawing/2014/main" id="{D28BE0C3-2102-4820-B88B-A448B1840D14}"/>
-              </a:ext>
-              <a:ext uri="{C183D7F6-B498-43B3-948B-1728B52AA6E4}">
-                <adec:decorative xmlns:adec="http://schemas.microsoft.com/office/drawing/2017/decorative" val="1"/>
-              </a:ext>
-            </a:extLst>
-          </p:cNvPr>
+          <p:cNvPr id="100" name="Rectangle 99"/>
           <p:cNvSpPr>
             <a:spLocks noGrp="1" noRot="1" noChangeAspect="1" noMove="1" noResize="1" noEditPoints="1" noAdjustHandles="1" noChangeArrowheads="1" noChangeShapeType="1" noTextEdit="1"/>
           </p:cNvSpPr>
-          <p:nvPr>
-            <p:extLst>
-              <p:ext uri="{386F3935-93C4-4BCD-93E2-E3B085C9AB24}">
-                <p16:designElem xmlns:p16="http://schemas.microsoft.com/office/powerpoint/2015/main" val="1"/>
-              </p:ext>
-            </p:extLst>
-          </p:nvPr>
+          <p:nvPr/>
         </p:nvSpPr>
         <p:spPr>
           <a:xfrm>
@@ -19021,26 +17081,11 @@
       </p:sp>
       <p:sp useBgFill="1">
         <p:nvSpPr>
-          <p:cNvPr id="102" name="Rectangle 101">
-            <a:extLst>
-              <a:ext uri="{FF2B5EF4-FFF2-40B4-BE49-F238E27FC236}">
-                <a16:creationId xmlns:a16="http://schemas.microsoft.com/office/drawing/2014/main" id="{A4322390-8B58-46BE-88EB-D9FD30C08743}"/>
-              </a:ext>
-              <a:ext uri="{C183D7F6-B498-43B3-948B-1728B52AA6E4}">
-                <adec:decorative xmlns:adec="http://schemas.microsoft.com/office/drawing/2017/decorative" val="1"/>
-              </a:ext>
-            </a:extLst>
-          </p:cNvPr>
+          <p:cNvPr id="102" name="Rectangle 101"/>
           <p:cNvSpPr>
             <a:spLocks noGrp="1" noRot="1" noChangeAspect="1" noMove="1" noResize="1" noEditPoints="1" noAdjustHandles="1" noChangeArrowheads="1" noChangeShapeType="1" noTextEdit="1"/>
           </p:cNvSpPr>
-          <p:nvPr>
-            <p:extLst>
-              <p:ext uri="{386F3935-93C4-4BCD-93E2-E3B085C9AB24}">
-                <p16:designElem xmlns:p16="http://schemas.microsoft.com/office/powerpoint/2015/main" val="1"/>
-              </p:ext>
-            </p:extLst>
-          </p:nvPr>
+          <p:nvPr/>
         </p:nvSpPr>
         <p:spPr>
           <a:xfrm>
@@ -19081,13 +17126,7 @@
       </p:sp>
       <p:pic>
         <p:nvPicPr>
-          <p:cNvPr id="3" name="Picture Placeholder 2" descr="A diagram of a software application&#10;&#10;Description automatically generated with medium confidence">
-            <a:extLst>
-              <a:ext uri="{FF2B5EF4-FFF2-40B4-BE49-F238E27FC236}">
-                <a16:creationId xmlns:a16="http://schemas.microsoft.com/office/drawing/2014/main" id="{B519D4DC-0FD9-D33A-5CB6-8AB05BB9358D}"/>
-              </a:ext>
-            </a:extLst>
-          </p:cNvPr>
+          <p:cNvPr id="3" name="Picture Placeholder 2" descr="A diagram of a software application&#10;&#10;Description automatically generated with medium confidence"/>
           <p:cNvPicPr>
             <a:picLocks noGrp="1" noChangeAspect="1"/>
           </p:cNvPicPr>
@@ -19095,17 +17134,17 @@
             <p:ph type="pic" sz="quarter" idx="13"/>
           </p:nvPr>
         </p:nvPicPr>
-        <p:blipFill rotWithShape="1">
-          <a:blip r:embed="rId7">
-            <a:alphaModFix amt="40000"/>
+        <p:blipFill>
+          <a:blip r:embed="rId5">
+            <a:alphaModFix/>
           </a:blip>
           <a:srcRect b="13128"/>
           <a:stretch/>
         </p:blipFill>
         <p:spPr>
           <a:xfrm>
-            <a:off x="20" y="10"/>
-            <a:ext cx="12191980" cy="6857990"/>
+            <a:off x="0" y="-320030"/>
+            <a:ext cx="12191980" cy="7178030"/>
           </a:xfrm>
           <a:prstGeom prst="rect">
             <a:avLst/>
@@ -19114,15 +17153,9 @@
       </p:pic>
       <p:sp>
         <p:nvSpPr>
-          <p:cNvPr id="41" name="Title 40">
-            <a:extLst>
-              <a:ext uri="{FF2B5EF4-FFF2-40B4-BE49-F238E27FC236}">
-                <a16:creationId xmlns:a16="http://schemas.microsoft.com/office/drawing/2014/main" id="{1B3AD758-B43F-43DC-8A29-B21D2FA57DB1}"/>
-              </a:ext>
-            </a:extLst>
-          </p:cNvPr>
-          <p:cNvSpPr>
-            <a:spLocks noGrp="1"/>
+          <p:cNvPr id="41" name="Title 40"/>
+          <p:cNvSpPr>
+            <a:spLocks noGrp="1" noEditPoints="1"/>
           </p:cNvSpPr>
           <p:nvPr>
             <p:ph type="title"/>
@@ -19159,25 +17192,14 @@
                 </a:solidFill>
               </a:rPr>
             </a:br>
-            <a:endParaRPr lang="en-US" sz="1800" dirty="0">
-              <a:solidFill>
-                <a:schemeClr val="tx1"/>
-              </a:solidFill>
-            </a:endParaRPr>
-          </a:p>
-        </p:txBody>
-      </p:sp>
-      <p:sp>
-        <p:nvSpPr>
-          <p:cNvPr id="24" name="Slide Number Placeholder 23">
-            <a:extLst>
-              <a:ext uri="{FF2B5EF4-FFF2-40B4-BE49-F238E27FC236}">
-                <a16:creationId xmlns:a16="http://schemas.microsoft.com/office/drawing/2014/main" id="{8CCD3357-E9A1-4B6C-ACE7-EBAE9E70BFD0}"/>
-              </a:ext>
-            </a:extLst>
-          </p:cNvPr>
-          <p:cNvSpPr>
-            <a:spLocks noGrp="1"/>
+          </a:p>
+        </p:txBody>
+      </p:sp>
+      <p:sp>
+        <p:nvSpPr>
+          <p:cNvPr id="24" name="Slide Number Placeholder 23"/>
+          <p:cNvSpPr>
+            <a:spLocks noGrp="1" noEditPoints="1"/>
           </p:cNvSpPr>
           <p:nvPr>
             <p:ph type="sldNum" sz="quarter" idx="12"/>
@@ -19201,11 +17223,6 @@
                   <a:schemeClr val="tx1"/>
                 </a:solidFill>
               </a:rPr>
-              <a:pPr defTabSz="914400">
-                <a:spcAft>
-                  <a:spcPts val="600"/>
-                </a:spcAft>
-              </a:pPr>
               <a:t>5</a:t>
             </a:fld>
             <a:endParaRPr lang="en-US">
@@ -19218,15 +17235,9 @@
       </p:sp>
       <p:sp>
         <p:nvSpPr>
-          <p:cNvPr id="66" name="Date Placeholder 5">
-            <a:extLst>
-              <a:ext uri="{FF2B5EF4-FFF2-40B4-BE49-F238E27FC236}">
-                <a16:creationId xmlns:a16="http://schemas.microsoft.com/office/drawing/2014/main" id="{3C8C1AF9-977D-1CF8-D1CE-970FD74C1A60}"/>
-              </a:ext>
-            </a:extLst>
-          </p:cNvPr>
-          <p:cNvSpPr>
-            <a:spLocks noGrp="1"/>
+          <p:cNvPr id="66" name="Date Placeholder 5"/>
+          <p:cNvSpPr>
+            <a:spLocks noGrp="1" noEditPoints="1"/>
           </p:cNvSpPr>
           <p:nvPr>
             <p:ph type="dt" sz="half" idx="10"/>
@@ -19250,11 +17261,6 @@
                   <a:schemeClr val="tx1"/>
                 </a:solidFill>
               </a:rPr>
-              <a:pPr defTabSz="914400">
-                <a:spcAft>
-                  <a:spcPts val="600"/>
-                </a:spcAft>
-              </a:pPr>
               <a:t>2/2/2024</a:t>
             </a:fld>
             <a:endParaRPr lang="en-US">
@@ -19267,20 +17273,14 @@
       </p:sp>
       <p:sp>
         <p:nvSpPr>
-          <p:cNvPr id="8" name="TextBox 7">
-            <a:extLst>
-              <a:ext uri="{FF2B5EF4-FFF2-40B4-BE49-F238E27FC236}">
-                <a16:creationId xmlns:a16="http://schemas.microsoft.com/office/drawing/2014/main" id="{F65EF36F-C7D1-5BBB-BAEC-F2D62538C7B9}"/>
-              </a:ext>
-            </a:extLst>
-          </p:cNvPr>
+          <p:cNvPr id="8" name="TextBox 7"/>
           <p:cNvSpPr txBox="1"/>
           <p:nvPr/>
         </p:nvSpPr>
         <p:spPr>
           <a:xfrm>
             <a:off x="1141414" y="255013"/>
-            <a:ext cx="7072770" cy="646331"/>
+            <a:ext cx="6998241" cy="639354"/>
           </a:xfrm>
           <a:prstGeom prst="rect">
             <a:avLst/>
@@ -19298,19 +17298,21 @@
                 <a:solidFill>
                   <a:schemeClr val="tx1"/>
                 </a:solidFill>
+                <a:highlight>
+                  <a:srgbClr val="000000"/>
+                </a:highlight>
               </a:rPr>
               <a:t>ERD diagram - implementation</a:t>
             </a:r>
-            <a:endParaRPr lang="en-US" sz="3600" dirty="0"/>
+            <a:endParaRPr lang="en-US" sz="3600" dirty="0">
+              <a:highlight>
+                <a:srgbClr val="000000"/>
+              </a:highlight>
+            </a:endParaRPr>
           </a:p>
         </p:txBody>
       </p:sp>
     </p:spTree>
-    <p:extLst>
-      <p:ext uri="{BB962C8B-B14F-4D97-AF65-F5344CB8AC3E}">
-        <p14:creationId xmlns:p14="http://schemas.microsoft.com/office/powerpoint/2010/main" val="3185117035"/>
-      </p:ext>
-    </p:extLst>
   </p:cSld>
   <p:clrMapOvr>
     <a:masterClrMapping/>
@@ -19418,8 +17420,8 @@
   <p:cSld>
     <p:bg>
       <p:bgPr>
-        <a:blipFill rotWithShape="1">
-          <a:blip r:embed="rId3">
+        <a:blipFill>
+          <a:blip r:embed="rId1">
             <a:duotone>
               <a:schemeClr val="bg2">
                 <a:shade val="69000"/>
@@ -19435,9 +17437,11 @@
               </a:schemeClr>
             </a:duotone>
           </a:blip>
-          <a:stretch/>
+          <a:srcRect l="0" t="0" r="0" b="0"/>
+          <a:stretch>
+            <a:fillRect/>
+          </a:stretch>
         </a:blipFill>
-        <a:effectLst/>
       </p:bgPr>
     </p:bg>
     <p:spTree>
@@ -19456,35 +17460,14 @@
       </p:grpSpPr>
       <p:pic>
         <p:nvPicPr>
-          <p:cNvPr id="42" name="Picture 41">
-            <a:extLst>
-              <a:ext uri="{FF2B5EF4-FFF2-40B4-BE49-F238E27FC236}">
-                <a16:creationId xmlns:a16="http://schemas.microsoft.com/office/drawing/2014/main" id="{844EE02A-F0F8-4A23-B21D-CF2066B65D30}"/>
-              </a:ext>
-              <a:ext uri="{C183D7F6-B498-43B3-948B-1728B52AA6E4}">
-                <adec:decorative xmlns:adec="http://schemas.microsoft.com/office/drawing/2017/decorative" val="1"/>
-              </a:ext>
-            </a:extLst>
-          </p:cNvPr>
+          <p:cNvPr id="42" name="Picture 41"/>
           <p:cNvPicPr>
-            <a:picLocks noGrp="1" noRot="1" noChangeAspect="1" noMove="1" noResize="1" noEditPoints="1" noAdjustHandles="1" noChangeArrowheads="1" noChangeShapeType="1" noCrop="1"/>
+            <a:picLocks noGrp="1" noRot="1" noChangeAspect="1" noMove="1" noResize="1" noEditPoints="1" noAdjustHandles="1" noChangeArrowheads="1" noChangeShapeType="1"/>
           </p:cNvPicPr>
-          <p:nvPr>
-            <p:extLst>
-              <p:ext uri="{386F3935-93C4-4BCD-93E2-E3B085C9AB24}">
-                <p16:designElem xmlns:p16="http://schemas.microsoft.com/office/powerpoint/2015/main" val="1"/>
-              </p:ext>
-            </p:extLst>
-          </p:nvPr>
+          <p:nvPr/>
         </p:nvPicPr>
-        <p:blipFill rotWithShape="1">
-          <a:blip r:embed="rId4">
-            <a:extLst>
-              <a:ext uri="{28A0092B-C50C-407E-A947-70E740481C1C}">
-                <a14:useLocalDpi xmlns:a14="http://schemas.microsoft.com/office/drawing/2010/main" val="0"/>
-              </a:ext>
-            </a:extLst>
-          </a:blip>
+        <p:blipFill>
+          <a:blip r:embed="rId2"/>
           <a:srcRect l="3613"/>
           <a:stretch/>
         </p:blipFill>
@@ -19500,35 +17483,14 @@
       </p:pic>
       <p:pic>
         <p:nvPicPr>
-          <p:cNvPr id="44" name="Picture 43">
-            <a:extLst>
-              <a:ext uri="{FF2B5EF4-FFF2-40B4-BE49-F238E27FC236}">
-                <a16:creationId xmlns:a16="http://schemas.microsoft.com/office/drawing/2014/main" id="{99F13062-7BB6-4A97-B661-CDE2EDEAE70E}"/>
-              </a:ext>
-              <a:ext uri="{C183D7F6-B498-43B3-948B-1728B52AA6E4}">
-                <adec:decorative xmlns:adec="http://schemas.microsoft.com/office/drawing/2017/decorative" val="1"/>
-              </a:ext>
-            </a:extLst>
-          </p:cNvPr>
+          <p:cNvPr id="44" name="Picture 43"/>
           <p:cNvPicPr>
-            <a:picLocks noGrp="1" noRot="1" noChangeAspect="1" noMove="1" noResize="1" noEditPoints="1" noAdjustHandles="1" noChangeArrowheads="1" noChangeShapeType="1" noCrop="1"/>
+            <a:picLocks noGrp="1" noRot="1" noChangeAspect="1" noMove="1" noResize="1" noEditPoints="1" noAdjustHandles="1" noChangeArrowheads="1" noChangeShapeType="1"/>
           </p:cNvPicPr>
-          <p:nvPr>
-            <p:extLst>
-              <p:ext uri="{386F3935-93C4-4BCD-93E2-E3B085C9AB24}">
-                <p16:designElem xmlns:p16="http://schemas.microsoft.com/office/powerpoint/2015/main" val="1"/>
-              </p:ext>
-            </p:extLst>
-          </p:nvPr>
+          <p:nvPr/>
         </p:nvPicPr>
-        <p:blipFill rotWithShape="1">
-          <a:blip r:embed="rId5">
-            <a:extLst>
-              <a:ext uri="{28A0092B-C50C-407E-A947-70E740481C1C}">
-                <a14:useLocalDpi xmlns:a14="http://schemas.microsoft.com/office/drawing/2010/main" val="0"/>
-              </a:ext>
-            </a:extLst>
-          </a:blip>
+        <p:blipFill>
+          <a:blip r:embed="rId3"/>
           <a:srcRect l="35640"/>
           <a:stretch/>
         </p:blipFill>
@@ -19544,26 +17506,11 @@
       </p:pic>
       <p:sp>
         <p:nvSpPr>
-          <p:cNvPr id="46" name="Oval 45">
-            <a:extLst>
-              <a:ext uri="{FF2B5EF4-FFF2-40B4-BE49-F238E27FC236}">
-                <a16:creationId xmlns:a16="http://schemas.microsoft.com/office/drawing/2014/main" id="{44F3197D-248B-46C5-B6EE-003F4E0C6CF9}"/>
-              </a:ext>
-              <a:ext uri="{C183D7F6-B498-43B3-948B-1728B52AA6E4}">
-                <adec:decorative xmlns:adec="http://schemas.microsoft.com/office/drawing/2017/decorative" val="1"/>
-              </a:ext>
-            </a:extLst>
-          </p:cNvPr>
+          <p:cNvPr id="46" name="Oval 45"/>
           <p:cNvSpPr>
             <a:spLocks noGrp="1" noRot="1" noChangeAspect="1" noMove="1" noResize="1" noEditPoints="1" noAdjustHandles="1" noChangeArrowheads="1" noChangeShapeType="1" noTextEdit="1"/>
           </p:cNvSpPr>
-          <p:nvPr>
-            <p:extLst>
-              <p:ext uri="{386F3935-93C4-4BCD-93E2-E3B085C9AB24}">
-                <p16:designElem xmlns:p16="http://schemas.microsoft.com/office/powerpoint/2015/main" val="1"/>
-              </p:ext>
-            </p:extLst>
-          </p:nvPr>
+          <p:nvPr/>
         </p:nvSpPr>
         <p:spPr>
           <a:xfrm>
@@ -19582,18 +17529,18 @@
                   <a:alpha val="7000"/>
                 </a:schemeClr>
               </a:gs>
+              <a:gs pos="36000">
+                <a:schemeClr val="bg2">
+                  <a:lumMod val="60000"/>
+                  <a:lumOff val="40000"/>
+                  <a:alpha val="6000"/>
+                </a:schemeClr>
+              </a:gs>
               <a:gs pos="69000">
                 <a:schemeClr val="bg2">
                   <a:lumMod val="60000"/>
                   <a:lumOff val="40000"/>
                   <a:alpha val="0"/>
-                </a:schemeClr>
-              </a:gs>
-              <a:gs pos="36000">
-                <a:schemeClr val="bg2">
-                  <a:lumMod val="60000"/>
-                  <a:lumOff val="40000"/>
-                  <a:alpha val="6000"/>
                 </a:schemeClr>
               </a:gs>
             </a:gsLst>
@@ -19631,35 +17578,14 @@
       </p:sp>
       <p:pic>
         <p:nvPicPr>
-          <p:cNvPr id="48" name="Picture 47">
-            <a:extLst>
-              <a:ext uri="{FF2B5EF4-FFF2-40B4-BE49-F238E27FC236}">
-                <a16:creationId xmlns:a16="http://schemas.microsoft.com/office/drawing/2014/main" id="{FFC3E649-106F-4B41-9FF5-327536E4CFBD}"/>
-              </a:ext>
-              <a:ext uri="{C183D7F6-B498-43B3-948B-1728B52AA6E4}">
-                <adec:decorative xmlns:adec="http://schemas.microsoft.com/office/drawing/2017/decorative" val="1"/>
-              </a:ext>
-            </a:extLst>
-          </p:cNvPr>
+          <p:cNvPr id="48" name="Picture 47"/>
           <p:cNvPicPr>
-            <a:picLocks noGrp="1" noRot="1" noChangeAspect="1" noMove="1" noResize="1" noEditPoints="1" noAdjustHandles="1" noChangeArrowheads="1" noChangeShapeType="1" noCrop="1"/>
+            <a:picLocks noGrp="1" noRot="1" noChangeAspect="1" noMove="1" noResize="1" noEditPoints="1" noAdjustHandles="1" noChangeArrowheads="1" noChangeShapeType="1"/>
           </p:cNvPicPr>
-          <p:nvPr>
-            <p:extLst>
-              <p:ext uri="{386F3935-93C4-4BCD-93E2-E3B085C9AB24}">
-                <p16:designElem xmlns:p16="http://schemas.microsoft.com/office/powerpoint/2015/main" val="1"/>
-              </p:ext>
-            </p:extLst>
-          </p:nvPr>
+          <p:nvPr/>
         </p:nvPicPr>
-        <p:blipFill rotWithShape="1">
-          <a:blip r:embed="rId6">
-            <a:extLst>
-              <a:ext uri="{28A0092B-C50C-407E-A947-70E740481C1C}">
-                <a14:useLocalDpi xmlns:a14="http://schemas.microsoft.com/office/drawing/2010/main" val="0"/>
-              </a:ext>
-            </a:extLst>
-          </a:blip>
+        <p:blipFill>
+          <a:blip r:embed="rId4"/>
           <a:srcRect t="28813"/>
           <a:stretch/>
         </p:blipFill>
@@ -19675,35 +17601,14 @@
       </p:pic>
       <p:pic>
         <p:nvPicPr>
-          <p:cNvPr id="50" name="Picture 49">
-            <a:extLst>
-              <a:ext uri="{FF2B5EF4-FFF2-40B4-BE49-F238E27FC236}">
-                <a16:creationId xmlns:a16="http://schemas.microsoft.com/office/drawing/2014/main" id="{79F6731C-42C0-45DB-9F9A-B831CBEC5182}"/>
-              </a:ext>
-              <a:ext uri="{C183D7F6-B498-43B3-948B-1728B52AA6E4}">
-                <adec:decorative xmlns:adec="http://schemas.microsoft.com/office/drawing/2017/decorative" val="1"/>
-              </a:ext>
-            </a:extLst>
-          </p:cNvPr>
+          <p:cNvPr id="50" name="Picture 49"/>
           <p:cNvPicPr>
-            <a:picLocks noGrp="1" noRot="1" noChangeAspect="1" noMove="1" noResize="1" noEditPoints="1" noAdjustHandles="1" noChangeArrowheads="1" noChangeShapeType="1" noCrop="1"/>
+            <a:picLocks noGrp="1" noRot="1" noChangeAspect="1" noMove="1" noResize="1" noEditPoints="1" noAdjustHandles="1" noChangeArrowheads="1" noChangeShapeType="1"/>
           </p:cNvPicPr>
-          <p:nvPr>
-            <p:extLst>
-              <p:ext uri="{386F3935-93C4-4BCD-93E2-E3B085C9AB24}">
-                <p16:designElem xmlns:p16="http://schemas.microsoft.com/office/powerpoint/2015/main" val="1"/>
-              </p:ext>
-            </p:extLst>
-          </p:nvPr>
+          <p:nvPr/>
         </p:nvPicPr>
-        <p:blipFill rotWithShape="1">
-          <a:blip r:embed="rId7">
-            <a:extLst>
-              <a:ext uri="{28A0092B-C50C-407E-A947-70E740481C1C}">
-                <a14:useLocalDpi xmlns:a14="http://schemas.microsoft.com/office/drawing/2010/main" val="0"/>
-              </a:ext>
-            </a:extLst>
-          </a:blip>
+        <p:blipFill>
+          <a:blip r:embed="rId5"/>
           <a:srcRect b="23320"/>
           <a:stretch/>
         </p:blipFill>
@@ -19719,26 +17624,11 @@
       </p:pic>
       <p:sp>
         <p:nvSpPr>
-          <p:cNvPr id="52" name="Rectangle 51">
-            <a:extLst>
-              <a:ext uri="{FF2B5EF4-FFF2-40B4-BE49-F238E27FC236}">
-                <a16:creationId xmlns:a16="http://schemas.microsoft.com/office/drawing/2014/main" id="{040549E2-C5A5-4ED5-80AB-070FEBDF5320}"/>
-              </a:ext>
-              <a:ext uri="{C183D7F6-B498-43B3-948B-1728B52AA6E4}">
-                <adec:decorative xmlns:adec="http://schemas.microsoft.com/office/drawing/2017/decorative" val="1"/>
-              </a:ext>
-            </a:extLst>
-          </p:cNvPr>
+          <p:cNvPr id="52" name="Rectangle 51"/>
           <p:cNvSpPr>
             <a:spLocks noGrp="1" noRot="1" noChangeAspect="1" noMove="1" noResize="1" noEditPoints="1" noAdjustHandles="1" noChangeArrowheads="1" noChangeShapeType="1" noTextEdit="1"/>
           </p:cNvSpPr>
-          <p:nvPr>
-            <p:extLst>
-              <p:ext uri="{386F3935-93C4-4BCD-93E2-E3B085C9AB24}">
-                <p16:designElem xmlns:p16="http://schemas.microsoft.com/office/powerpoint/2015/main" val="1"/>
-              </p:ext>
-            </p:extLst>
-          </p:nvPr>
+          <p:nvPr/>
         </p:nvSpPr>
         <p:spPr>
           <a:xfrm>
@@ -19779,26 +17669,11 @@
       </p:sp>
       <p:sp>
         <p:nvSpPr>
-          <p:cNvPr id="54" name="Rectangle 53">
-            <a:extLst>
-              <a:ext uri="{FF2B5EF4-FFF2-40B4-BE49-F238E27FC236}">
-                <a16:creationId xmlns:a16="http://schemas.microsoft.com/office/drawing/2014/main" id="{C8A3C342-1D03-412F-8DD3-BF519E8E0AE9}"/>
-              </a:ext>
-              <a:ext uri="{C183D7F6-B498-43B3-948B-1728B52AA6E4}">
-                <adec:decorative xmlns:adec="http://schemas.microsoft.com/office/drawing/2017/decorative" val="1"/>
-              </a:ext>
-            </a:extLst>
-          </p:cNvPr>
+          <p:cNvPr id="54" name="Rectangle 53"/>
           <p:cNvSpPr>
             <a:spLocks noGrp="1" noRot="1" noChangeAspect="1" noMove="1" noResize="1" noEditPoints="1" noAdjustHandles="1" noChangeArrowheads="1" noChangeShapeType="1" noTextEdit="1"/>
           </p:cNvSpPr>
-          <p:nvPr>
-            <p:extLst>
-              <p:ext uri="{386F3935-93C4-4BCD-93E2-E3B085C9AB24}">
-                <p16:designElem xmlns:p16="http://schemas.microsoft.com/office/powerpoint/2015/main" val="1"/>
-              </p:ext>
-            </p:extLst>
-          </p:nvPr>
+          <p:nvPr/>
         </p:nvSpPr>
         <p:spPr>
           <a:xfrm>
@@ -19832,7 +17707,7 @@
           <a:bodyPr rtlCol="0" anchor="ctr"/>
           <a:lstStyle/>
           <a:p>
-            <a:pPr marL="0" marR="0" lvl="0" indent="0" algn="ctr" defTabSz="914400" rtl="0" eaLnBrk="1" fontAlgn="auto" latinLnBrk="0" hangingPunct="1">
+            <a:pPr marL="0" marR="0" indent="0" algn="ctr" defTabSz="914400" rtl="0" eaLnBrk="1" fontAlgn="auto" latinLnBrk="0" hangingPunct="1">
               <a:lnSpc>
                 <a:spcPct val="100000"/>
               </a:lnSpc>
@@ -19842,14 +17717,11 @@
               <a:spcAft>
                 <a:spcPts val="0"/>
               </a:spcAft>
-              <a:buClrTx/>
-              <a:buSzTx/>
+              <a:buSzPct val="100000"/>
               <a:buFontTx/>
               <a:buNone/>
-              <a:tabLst/>
-              <a:defRPr/>
             </a:pPr>
-            <a:endParaRPr kumimoji="0" lang="en-US" sz="1800" b="0" i="0" u="none" strike="noStrike" kern="1200" cap="none" spc="0" normalizeH="0" baseline="0" noProof="0">
+            <a:endParaRPr kumimoji="0" lang="en-US" sz="1800" b="0" i="0" u="none" strike="noStrike" kern="1200" cap="none" spc="0" baseline="0" noProof="0">
               <a:ln>
                 <a:noFill/>
               </a:ln>
@@ -19858,7 +17730,6 @@
               </a:solidFill>
               <a:effectLst/>
               <a:uLnTx/>
-              <a:uFillTx/>
               <a:latin typeface="Century Gothic" panose="020B0502020202020204"/>
               <a:ea typeface="+mn-ea"/>
               <a:cs typeface="+mn-cs"/>
@@ -19868,15 +17739,9 @@
       </p:sp>
       <p:sp>
         <p:nvSpPr>
-          <p:cNvPr id="7" name="Title 6">
-            <a:extLst>
-              <a:ext uri="{FF2B5EF4-FFF2-40B4-BE49-F238E27FC236}">
-                <a16:creationId xmlns:a16="http://schemas.microsoft.com/office/drawing/2014/main" id="{5794278F-BBE1-4D62-8038-1FE9C98B6D37}"/>
-              </a:ext>
-            </a:extLst>
-          </p:cNvPr>
-          <p:cNvSpPr>
-            <a:spLocks noGrp="1"/>
+          <p:cNvPr id="7" name="Title 6"/>
+          <p:cNvSpPr>
+            <a:spLocks noGrp="1" noEditPoints="1"/>
           </p:cNvSpPr>
           <p:nvPr>
             <p:ph type="title"/>
@@ -19903,26 +17768,11 @@
       </p:sp>
       <p:sp>
         <p:nvSpPr>
-          <p:cNvPr id="56" name="Freeform 31">
-            <a:extLst>
-              <a:ext uri="{FF2B5EF4-FFF2-40B4-BE49-F238E27FC236}">
-                <a16:creationId xmlns:a16="http://schemas.microsoft.com/office/drawing/2014/main" id="{81CC9B02-E087-4350-AEBD-2C3CF001AF01}"/>
-              </a:ext>
-              <a:ext uri="{C183D7F6-B498-43B3-948B-1728B52AA6E4}">
-                <adec:decorative xmlns:adec="http://schemas.microsoft.com/office/drawing/2017/decorative" val="1"/>
-              </a:ext>
-            </a:extLst>
-          </p:cNvPr>
+          <p:cNvPr id="56" name="Freeform 31"/>
           <p:cNvSpPr>
             <a:spLocks noGrp="1" noRot="1" noChangeAspect="1" noMove="1" noResize="1" noEditPoints="1" noAdjustHandles="1" noChangeArrowheads="1" noChangeShapeType="1" noTextEdit="1"/>
           </p:cNvSpPr>
-          <p:nvPr>
-            <p:extLst>
-              <p:ext uri="{386F3935-93C4-4BCD-93E2-E3B085C9AB24}">
-                <p16:designElem xmlns:p16="http://schemas.microsoft.com/office/powerpoint/2015/main" val="1"/>
-              </p:ext>
-            </p:extLst>
-          </p:nvPr>
+          <p:nvPr/>
         </p:nvSpPr>
         <p:spPr>
           <a:xfrm flipH="1">
@@ -19931,191 +17781,6 @@
           </a:xfrm>
           <a:custGeom>
             <a:avLst/>
-            <a:gdLst>
-              <a:gd name="connsiteX0" fmla="*/ 0 w 559472"/>
-              <a:gd name="connsiteY0" fmla="*/ 0 h 3709642"/>
-              <a:gd name="connsiteX1" fmla="*/ 473952 w 559472"/>
-              <a:gd name="connsiteY1" fmla="*/ 0 h 3709642"/>
-              <a:gd name="connsiteX2" fmla="*/ 485840 w 559472"/>
-              <a:gd name="connsiteY2" fmla="*/ 161194 h 3709642"/>
-              <a:gd name="connsiteX3" fmla="*/ 523949 w 559472"/>
-              <a:gd name="connsiteY3" fmla="*/ 3672197 h 3709642"/>
-              <a:gd name="connsiteX4" fmla="*/ 454748 w 559472"/>
-              <a:gd name="connsiteY4" fmla="*/ 3709642 h 3709642"/>
-              <a:gd name="connsiteX5" fmla="*/ 448224 w 559472"/>
-              <a:gd name="connsiteY5" fmla="*/ 3510471 h 3709642"/>
-              <a:gd name="connsiteX6" fmla="*/ 443564 w 559472"/>
-              <a:gd name="connsiteY6" fmla="*/ 3408563 h 3709642"/>
-              <a:gd name="connsiteX7" fmla="*/ 438902 w 559472"/>
-              <a:gd name="connsiteY7" fmla="*/ 3304407 h 3709642"/>
-              <a:gd name="connsiteX8" fmla="*/ 433941 w 559472"/>
-              <a:gd name="connsiteY8" fmla="*/ 3198777 h 3709642"/>
-              <a:gd name="connsiteX9" fmla="*/ 427584 w 559472"/>
-              <a:gd name="connsiteY9" fmla="*/ 3092510 h 3709642"/>
-              <a:gd name="connsiteX10" fmla="*/ 420988 w 559472"/>
-              <a:gd name="connsiteY10" fmla="*/ 2984390 h 3709642"/>
-              <a:gd name="connsiteX11" fmla="*/ 414330 w 559472"/>
-              <a:gd name="connsiteY11" fmla="*/ 2874401 h 3709642"/>
-              <a:gd name="connsiteX12" fmla="*/ 406840 w 559472"/>
-              <a:gd name="connsiteY12" fmla="*/ 2762980 h 3709642"/>
-              <a:gd name="connsiteX13" fmla="*/ 397745 w 559472"/>
-              <a:gd name="connsiteY13" fmla="*/ 2650566 h 3709642"/>
-              <a:gd name="connsiteX14" fmla="*/ 389154 w 559472"/>
-              <a:gd name="connsiteY14" fmla="*/ 2536612 h 3709642"/>
-              <a:gd name="connsiteX15" fmla="*/ 379225 w 559472"/>
-              <a:gd name="connsiteY15" fmla="*/ 2421642 h 3709642"/>
-              <a:gd name="connsiteX16" fmla="*/ 368316 w 559472"/>
-              <a:gd name="connsiteY16" fmla="*/ 2305627 h 3709642"/>
-              <a:gd name="connsiteX17" fmla="*/ 357466 w 559472"/>
-              <a:gd name="connsiteY17" fmla="*/ 2189233 h 3709642"/>
-              <a:gd name="connsiteX18" fmla="*/ 344982 w 559472"/>
-              <a:gd name="connsiteY18" fmla="*/ 2071473 h 3709642"/>
-              <a:gd name="connsiteX19" fmla="*/ 332466 w 559472"/>
-              <a:gd name="connsiteY19" fmla="*/ 1952216 h 3709642"/>
-              <a:gd name="connsiteX20" fmla="*/ 319121 w 559472"/>
-              <a:gd name="connsiteY20" fmla="*/ 1833776 h 3709642"/>
-              <a:gd name="connsiteX21" fmla="*/ 304408 w 559472"/>
-              <a:gd name="connsiteY21" fmla="*/ 1713948 h 3709642"/>
-              <a:gd name="connsiteX22" fmla="*/ 288685 w 559472"/>
-              <a:gd name="connsiteY22" fmla="*/ 1592703 h 3709642"/>
-              <a:gd name="connsiteX23" fmla="*/ 273050 w 559472"/>
-              <a:gd name="connsiteY23" fmla="*/ 1471451 h 3709642"/>
-              <a:gd name="connsiteX24" fmla="*/ 255813 w 559472"/>
-              <a:gd name="connsiteY24" fmla="*/ 1350328 h 3709642"/>
-              <a:gd name="connsiteX25" fmla="*/ 237060 w 559472"/>
-              <a:gd name="connsiteY25" fmla="*/ 1227080 h 3709642"/>
-              <a:gd name="connsiteX26" fmla="*/ 218488 w 559472"/>
-              <a:gd name="connsiteY26" fmla="*/ 1106065 h 3709642"/>
-              <a:gd name="connsiteX27" fmla="*/ 198221 w 559472"/>
-              <a:gd name="connsiteY27" fmla="*/ 982940 h 3709642"/>
-              <a:gd name="connsiteX28" fmla="*/ 177152 w 559472"/>
-              <a:gd name="connsiteY28" fmla="*/ 858755 h 3709642"/>
-              <a:gd name="connsiteX29" fmla="*/ 155551 w 559472"/>
-              <a:gd name="connsiteY29" fmla="*/ 736861 h 3709642"/>
-              <a:gd name="connsiteX30" fmla="*/ 131782 w 559472"/>
-              <a:gd name="connsiteY30" fmla="*/ 613645 h 3709642"/>
-              <a:gd name="connsiteX31" fmla="*/ 107123 w 559472"/>
-              <a:gd name="connsiteY31" fmla="*/ 490500 h 3709642"/>
-              <a:gd name="connsiteX32" fmla="*/ 82552 w 559472"/>
-              <a:gd name="connsiteY32" fmla="*/ 367348 h 3709642"/>
-              <a:gd name="connsiteX33" fmla="*/ 55608 w 559472"/>
-              <a:gd name="connsiteY33" fmla="*/ 244762 h 3709642"/>
-              <a:gd name="connsiteX34" fmla="*/ 28130 w 559472"/>
-              <a:gd name="connsiteY34" fmla="*/ 122220 h 3709642"/>
-              <a:gd name="connsiteX35" fmla="*/ 0 w 559472"/>
-              <a:gd name="connsiteY35" fmla="*/ 0 h 3709642"/>
-            </a:gdLst>
-            <a:ahLst/>
-            <a:cxnLst>
-              <a:cxn ang="0">
-                <a:pos x="connsiteX0" y="connsiteY0"/>
-              </a:cxn>
-              <a:cxn ang="0">
-                <a:pos x="connsiteX1" y="connsiteY1"/>
-              </a:cxn>
-              <a:cxn ang="0">
-                <a:pos x="connsiteX2" y="connsiteY2"/>
-              </a:cxn>
-              <a:cxn ang="0">
-                <a:pos x="connsiteX3" y="connsiteY3"/>
-              </a:cxn>
-              <a:cxn ang="0">
-                <a:pos x="connsiteX4" y="connsiteY4"/>
-              </a:cxn>
-              <a:cxn ang="0">
-                <a:pos x="connsiteX5" y="connsiteY5"/>
-              </a:cxn>
-              <a:cxn ang="0">
-                <a:pos x="connsiteX6" y="connsiteY6"/>
-              </a:cxn>
-              <a:cxn ang="0">
-                <a:pos x="connsiteX7" y="connsiteY7"/>
-              </a:cxn>
-              <a:cxn ang="0">
-                <a:pos x="connsiteX8" y="connsiteY8"/>
-              </a:cxn>
-              <a:cxn ang="0">
-                <a:pos x="connsiteX9" y="connsiteY9"/>
-              </a:cxn>
-              <a:cxn ang="0">
-                <a:pos x="connsiteX10" y="connsiteY10"/>
-              </a:cxn>
-              <a:cxn ang="0">
-                <a:pos x="connsiteX11" y="connsiteY11"/>
-              </a:cxn>
-              <a:cxn ang="0">
-                <a:pos x="connsiteX12" y="connsiteY12"/>
-              </a:cxn>
-              <a:cxn ang="0">
-                <a:pos x="connsiteX13" y="connsiteY13"/>
-              </a:cxn>
-              <a:cxn ang="0">
-                <a:pos x="connsiteX14" y="connsiteY14"/>
-              </a:cxn>
-              <a:cxn ang="0">
-                <a:pos x="connsiteX15" y="connsiteY15"/>
-              </a:cxn>
-              <a:cxn ang="0">
-                <a:pos x="connsiteX16" y="connsiteY16"/>
-              </a:cxn>
-              <a:cxn ang="0">
-                <a:pos x="connsiteX17" y="connsiteY17"/>
-              </a:cxn>
-              <a:cxn ang="0">
-                <a:pos x="connsiteX18" y="connsiteY18"/>
-              </a:cxn>
-              <a:cxn ang="0">
-                <a:pos x="connsiteX19" y="connsiteY19"/>
-              </a:cxn>
-              <a:cxn ang="0">
-                <a:pos x="connsiteX20" y="connsiteY20"/>
-              </a:cxn>
-              <a:cxn ang="0">
-                <a:pos x="connsiteX21" y="connsiteY21"/>
-              </a:cxn>
-              <a:cxn ang="0">
-                <a:pos x="connsiteX22" y="connsiteY22"/>
-              </a:cxn>
-              <a:cxn ang="0">
-                <a:pos x="connsiteX23" y="connsiteY23"/>
-              </a:cxn>
-              <a:cxn ang="0">
-                <a:pos x="connsiteX24" y="connsiteY24"/>
-              </a:cxn>
-              <a:cxn ang="0">
-                <a:pos x="connsiteX25" y="connsiteY25"/>
-              </a:cxn>
-              <a:cxn ang="0">
-                <a:pos x="connsiteX26" y="connsiteY26"/>
-              </a:cxn>
-              <a:cxn ang="0">
-                <a:pos x="connsiteX27" y="connsiteY27"/>
-              </a:cxn>
-              <a:cxn ang="0">
-                <a:pos x="connsiteX28" y="connsiteY28"/>
-              </a:cxn>
-              <a:cxn ang="0">
-                <a:pos x="connsiteX29" y="connsiteY29"/>
-              </a:cxn>
-              <a:cxn ang="0">
-                <a:pos x="connsiteX30" y="connsiteY30"/>
-              </a:cxn>
-              <a:cxn ang="0">
-                <a:pos x="connsiteX31" y="connsiteY31"/>
-              </a:cxn>
-              <a:cxn ang="0">
-                <a:pos x="connsiteX32" y="connsiteY32"/>
-              </a:cxn>
-              <a:cxn ang="0">
-                <a:pos x="connsiteX33" y="connsiteY33"/>
-              </a:cxn>
-              <a:cxn ang="0">
-                <a:pos x="connsiteX34" y="connsiteY34"/>
-              </a:cxn>
-              <a:cxn ang="0">
-                <a:pos x="connsiteX35" y="connsiteY35"/>
-              </a:cxn>
-            </a:cxnLst>
             <a:rect l="l" t="t" r="r" b="b"/>
             <a:pathLst>
               <a:path w="559472" h="3709642">
@@ -20248,7 +17913,7 @@
           <a:bodyPr rtlCol="0" anchor="ctr"/>
           <a:lstStyle/>
           <a:p>
-            <a:pPr marL="0" marR="0" lvl="0" indent="0" algn="ctr" defTabSz="914400" rtl="0" eaLnBrk="1" fontAlgn="auto" latinLnBrk="0" hangingPunct="1">
+            <a:pPr marL="0" marR="0" indent="0" algn="ctr" defTabSz="914400" rtl="0" eaLnBrk="1" fontAlgn="auto" latinLnBrk="0" hangingPunct="1">
               <a:lnSpc>
                 <a:spcPct val="100000"/>
               </a:lnSpc>
@@ -20258,14 +17923,11 @@
               <a:spcAft>
                 <a:spcPts val="0"/>
               </a:spcAft>
-              <a:buClrTx/>
-              <a:buSzTx/>
+              <a:buSzPct val="100000"/>
               <a:buFontTx/>
               <a:buNone/>
-              <a:tabLst/>
-              <a:defRPr/>
             </a:pPr>
-            <a:endParaRPr kumimoji="0" lang="en-US" sz="1800" b="0" i="0" u="none" strike="noStrike" kern="1200" cap="none" spc="0" normalizeH="0" baseline="0" noProof="0">
+            <a:endParaRPr kumimoji="0" lang="en-US" sz="1800" b="0" i="0" u="none" strike="noStrike" kern="1200" cap="none" spc="0" baseline="0" noProof="0">
               <a:ln>
                 <a:noFill/>
               </a:ln>
@@ -20274,7 +17936,6 @@
               </a:solidFill>
               <a:effectLst/>
               <a:uLnTx/>
-              <a:uFillTx/>
               <a:latin typeface="Century Gothic" panose="020B0502020202020204"/>
               <a:ea typeface="+mn-ea"/>
               <a:cs typeface="+mn-cs"/>
@@ -20284,13 +17945,7 @@
       </p:sp>
       <p:pic>
         <p:nvPicPr>
-          <p:cNvPr id="13" name="Picture Placeholder 12">
-            <a:extLst>
-              <a:ext uri="{FF2B5EF4-FFF2-40B4-BE49-F238E27FC236}">
-                <a16:creationId xmlns:a16="http://schemas.microsoft.com/office/drawing/2014/main" id="{FD008D2D-DCC4-47D7-9308-F53E3DC8BA33}"/>
-              </a:ext>
-            </a:extLst>
-          </p:cNvPr>
+          <p:cNvPr id="13" name="Picture Placeholder 12"/>
           <p:cNvPicPr>
             <a:picLocks noGrp="1" noChangeAspect="1"/>
           </p:cNvPicPr>
@@ -20298,8 +17953,8 @@
             <p:ph type="pic" sz="quarter" idx="14"/>
           </p:nvPr>
         </p:nvPicPr>
-        <p:blipFill rotWithShape="1">
-          <a:blip r:embed="rId8"/>
+        <p:blipFill>
+          <a:blip r:embed="rId6"/>
           <a:srcRect l="6193" r="6807" b="-3"/>
           <a:stretch/>
         </p:blipFill>
@@ -20308,102 +17963,18 @@
             <a:off x="20" y="10"/>
             <a:ext cx="4971902" cy="2285990"/>
           </a:xfrm>
-          <a:custGeom>
+          <a:prstGeom prst="rect">
             <a:avLst/>
-            <a:gdLst/>
-            <a:ahLst/>
-            <a:cxnLst/>
-            <a:rect l="l" t="t" r="r" b="b"/>
-            <a:pathLst>
-              <a:path w="4971922" h="2286000">
-                <a:moveTo>
-                  <a:pt x="3628384" y="0"/>
-                </a:moveTo>
-                <a:lnTo>
-                  <a:pt x="4971922" y="0"/>
-                </a:lnTo>
-                <a:lnTo>
-                  <a:pt x="4946877" y="155677"/>
-                </a:lnTo>
-                <a:lnTo>
-                  <a:pt x="4923008" y="310668"/>
-                </a:lnTo>
-                <a:lnTo>
-                  <a:pt x="4899644" y="466344"/>
-                </a:lnTo>
-                <a:lnTo>
-                  <a:pt x="4879641" y="622707"/>
-                </a:lnTo>
-                <a:lnTo>
-                  <a:pt x="4859470" y="778383"/>
-                </a:lnTo>
-                <a:lnTo>
-                  <a:pt x="4840644" y="934746"/>
-                </a:lnTo>
-                <a:lnTo>
-                  <a:pt x="4824508" y="1089051"/>
-                </a:lnTo>
-                <a:lnTo>
-                  <a:pt x="4809212" y="1245413"/>
-                </a:lnTo>
-                <a:lnTo>
-                  <a:pt x="4795260" y="1401090"/>
-                </a:lnTo>
-                <a:lnTo>
-                  <a:pt x="4783158" y="1554023"/>
-                </a:lnTo>
-                <a:lnTo>
-                  <a:pt x="4771055" y="1709014"/>
-                </a:lnTo>
-                <a:lnTo>
-                  <a:pt x="4760970" y="1861947"/>
-                </a:lnTo>
-                <a:lnTo>
-                  <a:pt x="4753070" y="2014881"/>
-                </a:lnTo>
-                <a:lnTo>
-                  <a:pt x="4744833" y="2167128"/>
-                </a:lnTo>
-                <a:lnTo>
-                  <a:pt x="4739404" y="2286000"/>
-                </a:lnTo>
-                <a:lnTo>
-                  <a:pt x="0" y="2286000"/>
-                </a:lnTo>
-                <a:lnTo>
-                  <a:pt x="0" y="1"/>
-                </a:lnTo>
-                <a:lnTo>
-                  <a:pt x="3628384" y="1"/>
-                </a:lnTo>
-                <a:close/>
-              </a:path>
-            </a:pathLst>
-          </a:custGeom>
+          </a:prstGeom>
         </p:spPr>
       </p:pic>
       <p:sp>
         <p:nvSpPr>
-          <p:cNvPr id="58" name="Rectangle 57">
-            <a:extLst>
-              <a:ext uri="{FF2B5EF4-FFF2-40B4-BE49-F238E27FC236}">
-                <a16:creationId xmlns:a16="http://schemas.microsoft.com/office/drawing/2014/main" id="{D6F18ACE-6E82-4ADC-8A2F-A1771B309B16}"/>
-              </a:ext>
-              <a:ext uri="{C183D7F6-B498-43B3-948B-1728B52AA6E4}">
-                <adec:decorative xmlns:adec="http://schemas.microsoft.com/office/drawing/2017/decorative" val="1"/>
-              </a:ext>
-            </a:extLst>
-          </p:cNvPr>
+          <p:cNvPr id="58" name="Rectangle 57"/>
           <p:cNvSpPr>
             <a:spLocks noGrp="1" noRot="1" noChangeAspect="1" noMove="1" noResize="1" noEditPoints="1" noAdjustHandles="1" noChangeArrowheads="1" noChangeShapeType="1" noTextEdit="1"/>
           </p:cNvSpPr>
-          <p:nvPr>
-            <p:extLst>
-              <p:ext uri="{386F3935-93C4-4BCD-93E2-E3B085C9AB24}">
-                <p16:designElem xmlns:p16="http://schemas.microsoft.com/office/powerpoint/2015/main" val="1"/>
-              </p:ext>
-            </p:extLst>
-          </p:nvPr>
+          <p:nvPr/>
         </p:nvSpPr>
         <p:spPr>
           <a:xfrm>
@@ -20444,15 +18015,9 @@
       </p:sp>
       <p:sp>
         <p:nvSpPr>
-          <p:cNvPr id="18" name="Slide Number Placeholder 17">
-            <a:extLst>
-              <a:ext uri="{FF2B5EF4-FFF2-40B4-BE49-F238E27FC236}">
-                <a16:creationId xmlns:a16="http://schemas.microsoft.com/office/drawing/2014/main" id="{75DB2E64-AD14-44FE-948F-FCBEC637E2C1}"/>
-              </a:ext>
-            </a:extLst>
-          </p:cNvPr>
-          <p:cNvSpPr>
-            <a:spLocks noGrp="1"/>
+          <p:cNvPr id="18" name="Slide Number Placeholder 17"/>
+          <p:cNvSpPr>
+            <a:spLocks noGrp="1" noEditPoints="1"/>
           </p:cNvSpPr>
           <p:nvPr>
             <p:ph type="sldNum" sz="quarter" idx="12"/>
@@ -20483,11 +18048,6 @@
                   </a:prstClr>
                 </a:solidFill>
               </a:rPr>
-              <a:pPr defTabSz="914400">
-                <a:spcAft>
-                  <a:spcPts val="600"/>
-                </a:spcAft>
-              </a:pPr>
               <a:t>6</a:t>
             </a:fld>
             <a:endParaRPr lang="en-US">
@@ -20502,13 +18062,7 @@
       </p:sp>
       <p:pic>
         <p:nvPicPr>
-          <p:cNvPr id="8" name="Picture Placeholder 7">
-            <a:extLst>
-              <a:ext uri="{FF2B5EF4-FFF2-40B4-BE49-F238E27FC236}">
-                <a16:creationId xmlns:a16="http://schemas.microsoft.com/office/drawing/2014/main" id="{13908DB8-E92A-433D-BC79-CFD872B072D7}"/>
-              </a:ext>
-            </a:extLst>
-          </p:cNvPr>
+          <p:cNvPr id="8" name="Picture Placeholder 7"/>
           <p:cNvPicPr>
             <a:picLocks noGrp="1" noChangeAspect="1"/>
           </p:cNvPicPr>
@@ -20516,8 +18070,8 @@
             <p:ph type="pic" sz="quarter" idx="15"/>
           </p:nvPr>
         </p:nvPicPr>
-        <p:blipFill rotWithShape="1">
-          <a:blip r:embed="rId9"/>
+        <p:blipFill>
+          <a:blip r:embed="rId7"/>
           <a:srcRect t="6008" r="-1" b="8521"/>
           <a:stretch/>
         </p:blipFill>
@@ -20526,91 +18080,16 @@
             <a:off x="20" y="2286000"/>
             <a:ext cx="4754866" cy="2286000"/>
           </a:xfrm>
-          <a:custGeom>
+          <a:prstGeom prst="rect">
             <a:avLst/>
-            <a:gdLst/>
-            <a:ahLst/>
-            <a:cxnLst/>
-            <a:rect l="l" t="t" r="r" b="b"/>
-            <a:pathLst>
-              <a:path w="4754886" h="2286000">
-                <a:moveTo>
-                  <a:pt x="0" y="0"/>
-                </a:moveTo>
-                <a:lnTo>
-                  <a:pt x="4739404" y="0"/>
-                </a:lnTo>
-                <a:lnTo>
-                  <a:pt x="4737942" y="32004"/>
-                </a:lnTo>
-                <a:lnTo>
-                  <a:pt x="4733067" y="181509"/>
-                </a:lnTo>
-                <a:lnTo>
-                  <a:pt x="4728865" y="331013"/>
-                </a:lnTo>
-                <a:lnTo>
-                  <a:pt x="4724831" y="479146"/>
-                </a:lnTo>
-                <a:lnTo>
-                  <a:pt x="4722982" y="625221"/>
-                </a:lnTo>
-                <a:lnTo>
-                  <a:pt x="4720965" y="771297"/>
-                </a:lnTo>
-                <a:lnTo>
-                  <a:pt x="4719956" y="915315"/>
-                </a:lnTo>
-                <a:lnTo>
-                  <a:pt x="4720965" y="1057961"/>
-                </a:lnTo>
-                <a:lnTo>
-                  <a:pt x="4720965" y="1199236"/>
-                </a:lnTo>
-                <a:lnTo>
-                  <a:pt x="4722982" y="1339139"/>
-                </a:lnTo>
-                <a:lnTo>
-                  <a:pt x="4726007" y="1476299"/>
-                </a:lnTo>
-                <a:lnTo>
-                  <a:pt x="4728865" y="1612087"/>
-                </a:lnTo>
-                <a:lnTo>
-                  <a:pt x="4732059" y="1745133"/>
-                </a:lnTo>
-                <a:lnTo>
-                  <a:pt x="4736933" y="1877492"/>
-                </a:lnTo>
-                <a:lnTo>
-                  <a:pt x="4742144" y="2007793"/>
-                </a:lnTo>
-                <a:lnTo>
-                  <a:pt x="4746850" y="2135352"/>
-                </a:lnTo>
-                <a:lnTo>
-                  <a:pt x="4754886" y="2286000"/>
-                </a:lnTo>
-                <a:lnTo>
-                  <a:pt x="0" y="2286000"/>
-                </a:lnTo>
-                <a:close/>
-              </a:path>
-            </a:pathLst>
-          </a:custGeom>
+          </a:prstGeom>
         </p:spPr>
       </p:pic>
       <p:sp>
         <p:nvSpPr>
-          <p:cNvPr id="9" name="Content Placeholder 8">
-            <a:extLst>
-              <a:ext uri="{FF2B5EF4-FFF2-40B4-BE49-F238E27FC236}">
-                <a16:creationId xmlns:a16="http://schemas.microsoft.com/office/drawing/2014/main" id="{957A8109-BBBF-407C-81F8-08088ED99698}"/>
-              </a:ext>
-            </a:extLst>
-          </p:cNvPr>
-          <p:cNvSpPr>
-            <a:spLocks noGrp="1"/>
+          <p:cNvPr id="9" name="Content Placeholder 8"/>
+          <p:cNvSpPr>
+            <a:spLocks noGrp="1" noEditPoints="1"/>
           </p:cNvSpPr>
           <p:nvPr>
             <p:ph idx="1"/>
@@ -20679,7 +18158,7 @@
             </a:pPr>
             <a:r>
               <a:rPr lang="en-US" b="1" dirty="0"/>
-              <a:t>centralizes data</a:t>
+              <a:t>Centralizes data</a:t>
             </a:r>
           </a:p>
           <a:p>
@@ -20690,7 +18169,7 @@
             </a:pPr>
             <a:r>
               <a:rPr lang="en-US" b="1" dirty="0"/>
-              <a:t>scales</a:t>
+              <a:t>Scales</a:t>
             </a:r>
           </a:p>
           <a:p>
@@ -20723,13 +18202,7 @@
       </p:sp>
       <p:pic>
         <p:nvPicPr>
-          <p:cNvPr id="11" name="Picture Placeholder 10">
-            <a:extLst>
-              <a:ext uri="{FF2B5EF4-FFF2-40B4-BE49-F238E27FC236}">
-                <a16:creationId xmlns:a16="http://schemas.microsoft.com/office/drawing/2014/main" id="{2090A0CF-D5B6-46F6-9148-3018C1F68218}"/>
-              </a:ext>
-            </a:extLst>
-          </p:cNvPr>
+          <p:cNvPr id="11" name="Picture Placeholder 10"/>
           <p:cNvPicPr>
             <a:picLocks noGrp="1" noChangeAspect="1"/>
           </p:cNvPicPr>
@@ -20737,8 +18210,8 @@
             <p:ph type="pic" sz="quarter" idx="13"/>
           </p:nvPr>
         </p:nvPicPr>
-        <p:blipFill rotWithShape="1">
-          <a:blip r:embed="rId10"/>
+        <p:blipFill>
+          <a:blip r:embed="rId8"/>
           <a:srcRect t="6411" r="2" b="22598"/>
           <a:stretch/>
         </p:blipFill>
@@ -20747,88 +18220,16 @@
             <a:off x="20" y="4572000"/>
             <a:ext cx="4973079" cy="2286000"/>
           </a:xfrm>
-          <a:custGeom>
+          <a:prstGeom prst="rect">
             <a:avLst/>
-            <a:gdLst/>
-            <a:ahLst/>
-            <a:cxnLst/>
-            <a:rect l="l" t="t" r="r" b="b"/>
-            <a:pathLst>
-              <a:path w="4973099" h="2286000">
-                <a:moveTo>
-                  <a:pt x="0" y="0"/>
-                </a:moveTo>
-                <a:lnTo>
-                  <a:pt x="4754887" y="0"/>
-                </a:lnTo>
-                <a:lnTo>
-                  <a:pt x="4760130" y="98298"/>
-                </a:lnTo>
-                <a:lnTo>
-                  <a:pt x="4774249" y="336956"/>
-                </a:lnTo>
-                <a:lnTo>
-                  <a:pt x="4789041" y="566013"/>
-                </a:lnTo>
-                <a:lnTo>
-                  <a:pt x="4805346" y="782726"/>
-                </a:lnTo>
-                <a:lnTo>
-                  <a:pt x="4822323" y="989838"/>
-                </a:lnTo>
-                <a:lnTo>
-                  <a:pt x="4840644" y="1181862"/>
-                </a:lnTo>
-                <a:lnTo>
-                  <a:pt x="4858630" y="1362227"/>
-                </a:lnTo>
-                <a:lnTo>
-                  <a:pt x="4876615" y="1528191"/>
-                </a:lnTo>
-                <a:lnTo>
-                  <a:pt x="4893592" y="1680438"/>
-                </a:lnTo>
-                <a:lnTo>
-                  <a:pt x="4909729" y="1815541"/>
-                </a:lnTo>
-                <a:lnTo>
-                  <a:pt x="4925025" y="1937613"/>
-                </a:lnTo>
-                <a:lnTo>
-                  <a:pt x="4937800" y="2040483"/>
-                </a:lnTo>
-                <a:lnTo>
-                  <a:pt x="4949902" y="2126894"/>
-                </a:lnTo>
-                <a:lnTo>
-                  <a:pt x="4967216" y="2245538"/>
-                </a:lnTo>
-                <a:lnTo>
-                  <a:pt x="4973099" y="2286000"/>
-                </a:lnTo>
-                <a:lnTo>
-                  <a:pt x="4075210" y="2286000"/>
-                </a:lnTo>
-                <a:lnTo>
-                  <a:pt x="0" y="2286000"/>
-                </a:lnTo>
-                <a:close/>
-              </a:path>
-            </a:pathLst>
-          </a:custGeom>
+          </a:prstGeom>
         </p:spPr>
       </p:pic>
       <p:sp>
         <p:nvSpPr>
-          <p:cNvPr id="17" name="Footer Placeholder 16">
-            <a:extLst>
-              <a:ext uri="{FF2B5EF4-FFF2-40B4-BE49-F238E27FC236}">
-                <a16:creationId xmlns:a16="http://schemas.microsoft.com/office/drawing/2014/main" id="{A7A34B0D-1722-4024-BC6E-2A411B0AF724}"/>
-              </a:ext>
-            </a:extLst>
-          </p:cNvPr>
-          <p:cNvSpPr>
-            <a:spLocks noGrp="1"/>
+          <p:cNvPr id="17" name="Footer Placeholder 16"/>
+          <p:cNvSpPr>
+            <a:spLocks noGrp="1" noEditPoints="1"/>
           </p:cNvSpPr>
           <p:nvPr>
             <p:ph type="ftr" sz="quarter" idx="11"/>
@@ -20869,11 +18270,6 @@
         </p:txBody>
       </p:sp>
     </p:spTree>
-    <p:extLst>
-      <p:ext uri="{BB962C8B-B14F-4D97-AF65-F5344CB8AC3E}">
-        <p14:creationId xmlns:p14="http://schemas.microsoft.com/office/powerpoint/2010/main" val="1109332271"/>
-      </p:ext>
-    </p:extLst>
   </p:cSld>
   <p:clrMapOvr>
     <a:masterClrMapping/>
@@ -20903,15 +18299,9 @@
       </p:grpSpPr>
       <p:sp>
         <p:nvSpPr>
-          <p:cNvPr id="4" name="Title 3">
-            <a:extLst>
-              <a:ext uri="{FF2B5EF4-FFF2-40B4-BE49-F238E27FC236}">
-                <a16:creationId xmlns:a16="http://schemas.microsoft.com/office/drawing/2014/main" id="{664081DB-1923-4878-AB15-AD54F35A1DC7}"/>
-              </a:ext>
-            </a:extLst>
-          </p:cNvPr>
-          <p:cNvSpPr>
-            <a:spLocks noGrp="1"/>
+          <p:cNvPr id="4" name="Title 3"/>
+          <p:cNvSpPr>
+            <a:spLocks noGrp="1" noEditPoints="1"/>
           </p:cNvSpPr>
           <p:nvPr>
             <p:ph type="title"/>
@@ -20935,13 +18325,7 @@
       </p:sp>
       <p:pic>
         <p:nvPicPr>
-          <p:cNvPr id="32" name="Picture Placeholder 31" descr="Two people working on a laptop and tablet with graphs and tables ">
-            <a:extLst>
-              <a:ext uri="{FF2B5EF4-FFF2-40B4-BE49-F238E27FC236}">
-                <a16:creationId xmlns:a16="http://schemas.microsoft.com/office/drawing/2014/main" id="{C4A8B214-180D-446B-9616-62B7371F3DDA}"/>
-              </a:ext>
-            </a:extLst>
-          </p:cNvPr>
+          <p:cNvPr id="32" name="Picture Placeholder 31" descr="Two people working on a laptop and tablet with graphs and tables "/>
           <p:cNvPicPr>
             <a:picLocks noGrp="1" noChangeAspect="1"/>
           </p:cNvPicPr>
@@ -20949,28 +18333,20 @@
             <p:ph type="pic" sz="quarter" idx="14"/>
           </p:nvPr>
         </p:nvPicPr>
-        <p:blipFill rotWithShape="1">
-          <a:blip r:embed="rId3" cstate="screen">
-            <a:extLst>
-              <a:ext uri="{28A0092B-C50C-407E-A947-70E740481C1C}">
-                <a14:useLocalDpi xmlns:a14="http://schemas.microsoft.com/office/drawing/2010/main" val="0"/>
-              </a:ext>
-            </a:extLst>
-          </a:blip>
+        <p:blipFill>
+          <a:blip r:embed="rId1"/>
           <a:srcRect t="44" b="44"/>
           <a:stretch/>
         </p:blipFill>
-        <p:spPr/>
+        <p:spPr>
+          <a:prstGeom prst="rect">
+            <a:avLst/>
+          </a:prstGeom>
+        </p:spPr>
       </p:pic>
       <p:pic>
         <p:nvPicPr>
-          <p:cNvPr id="30" name="Picture Placeholder 29" descr="Office Stairs, hanging lights">
-            <a:extLst>
-              <a:ext uri="{FF2B5EF4-FFF2-40B4-BE49-F238E27FC236}">
-                <a16:creationId xmlns:a16="http://schemas.microsoft.com/office/drawing/2014/main" id="{C1CA27C7-F47D-4606-AAE8-32BD4D06983A}"/>
-              </a:ext>
-            </a:extLst>
-          </p:cNvPr>
+          <p:cNvPr id="30" name="Picture Placeholder 29" descr="Office Stairs, hanging lights"/>
           <p:cNvPicPr>
             <a:picLocks noGrp="1" noChangeAspect="1"/>
           </p:cNvPicPr>
@@ -20978,30 +18354,22 @@
             <p:ph type="pic" sz="quarter" idx="13"/>
           </p:nvPr>
         </p:nvPicPr>
-        <p:blipFill rotWithShape="1">
-          <a:blip r:embed="rId4" cstate="screen">
-            <a:extLst>
-              <a:ext uri="{28A0092B-C50C-407E-A947-70E740481C1C}">
-                <a14:useLocalDpi xmlns:a14="http://schemas.microsoft.com/office/drawing/2010/main" val="0"/>
-              </a:ext>
-            </a:extLst>
-          </a:blip>
+        <p:blipFill>
+          <a:blip r:embed="rId2"/>
           <a:srcRect t="5" b="5"/>
           <a:stretch/>
         </p:blipFill>
-        <p:spPr/>
+        <p:spPr>
+          <a:prstGeom prst="rect">
+            <a:avLst/>
+          </a:prstGeom>
+        </p:spPr>
       </p:pic>
       <p:sp>
         <p:nvSpPr>
-          <p:cNvPr id="5" name="Content Placeholder 4">
-            <a:extLst>
-              <a:ext uri="{FF2B5EF4-FFF2-40B4-BE49-F238E27FC236}">
-                <a16:creationId xmlns:a16="http://schemas.microsoft.com/office/drawing/2014/main" id="{5755816F-F516-477A-8EF2-D8CA20267590}"/>
-              </a:ext>
-            </a:extLst>
-          </p:cNvPr>
-          <p:cNvSpPr>
-            <a:spLocks noGrp="1"/>
+          <p:cNvPr id="5" name="Content Placeholder 4"/>
+          <p:cNvSpPr>
+            <a:spLocks noGrp="1" noEditPoints="1"/>
           </p:cNvSpPr>
           <p:nvPr>
             <p:ph idx="1"/>
@@ -21068,15 +18436,9 @@
       </p:sp>
       <p:sp>
         <p:nvSpPr>
-          <p:cNvPr id="34" name="Footer Placeholder 33">
-            <a:extLst>
-              <a:ext uri="{FF2B5EF4-FFF2-40B4-BE49-F238E27FC236}">
-                <a16:creationId xmlns:a16="http://schemas.microsoft.com/office/drawing/2014/main" id="{263FD36A-B869-46D7-A4E1-FAA91F31D1C3}"/>
-              </a:ext>
-            </a:extLst>
-          </p:cNvPr>
-          <p:cNvSpPr>
-            <a:spLocks noGrp="1"/>
+          <p:cNvPr id="34" name="Footer Placeholder 33"/>
+          <p:cNvSpPr>
+            <a:spLocks noGrp="1" noEditPoints="1"/>
           </p:cNvSpPr>
           <p:nvPr>
             <p:ph type="ftr" sz="quarter" idx="11"/>
@@ -21096,15 +18458,9 @@
       </p:sp>
       <p:sp>
         <p:nvSpPr>
-          <p:cNvPr id="35" name="Slide Number Placeholder 34">
-            <a:extLst>
-              <a:ext uri="{FF2B5EF4-FFF2-40B4-BE49-F238E27FC236}">
-                <a16:creationId xmlns:a16="http://schemas.microsoft.com/office/drawing/2014/main" id="{6F05ADB0-C4C0-4EB9-ACD6-D5D69C07C06E}"/>
-              </a:ext>
-            </a:extLst>
-          </p:cNvPr>
-          <p:cNvSpPr>
-            <a:spLocks noGrp="1"/>
+          <p:cNvPr id="35" name="Slide Number Placeholder 34"/>
+          <p:cNvSpPr>
+            <a:spLocks noGrp="1" noEditPoints="1"/>
           </p:cNvSpPr>
           <p:nvPr>
             <p:ph type="sldNum" sz="quarter" idx="12"/>
@@ -21117,7 +18473,6 @@
           <a:p>
             <a:fld id="{FAEF9944-A4F6-4C59-AEBD-678D6480B8EA}" type="slidenum">
               <a:rPr lang="en-US" smtClean="0"/>
-              <a:pPr/>
               <a:t>7</a:t>
             </a:fld>
             <a:endParaRPr lang="en-US" dirty="0"/>
@@ -21125,11 +18480,6 @@
         </p:txBody>
       </p:sp>
     </p:spTree>
-    <p:extLst>
-      <p:ext uri="{BB962C8B-B14F-4D97-AF65-F5344CB8AC3E}">
-        <p14:creationId xmlns:p14="http://schemas.microsoft.com/office/powerpoint/2010/main" val="798203993"/>
-      </p:ext>
-    </p:extLst>
   </p:cSld>
   <p:clrMapOvr>
     <a:masterClrMapping/>
@@ -21141,272 +18491,6 @@
 </file>
 
 <file path=ppt/theme/theme1.xml><?xml version="1.0" encoding="utf-8"?>
-<a:theme xmlns:a="http://schemas.openxmlformats.org/drawingml/2006/main" name="Ion">
-  <a:themeElements>
-    <a:clrScheme name="Ion">
-      <a:dk1>
-        <a:sysClr val="windowText" lastClr="000000"/>
-      </a:dk1>
-      <a:lt1>
-        <a:sysClr val="window" lastClr="FFFFFF"/>
-      </a:lt1>
-      <a:dk2>
-        <a:srgbClr val="1E5155"/>
-      </a:dk2>
-      <a:lt2>
-        <a:srgbClr val="EBEBEB"/>
-      </a:lt2>
-      <a:accent1>
-        <a:srgbClr val="B01513"/>
-      </a:accent1>
-      <a:accent2>
-        <a:srgbClr val="EA6312"/>
-      </a:accent2>
-      <a:accent3>
-        <a:srgbClr val="E6B729"/>
-      </a:accent3>
-      <a:accent4>
-        <a:srgbClr val="6AAC90"/>
-      </a:accent4>
-      <a:accent5>
-        <a:srgbClr val="54849A"/>
-      </a:accent5>
-      <a:accent6>
-        <a:srgbClr val="9E5E9B"/>
-      </a:accent6>
-      <a:hlink>
-        <a:srgbClr val="58C1BA"/>
-      </a:hlink>
-      <a:folHlink>
-        <a:srgbClr val="9DFFCB"/>
-      </a:folHlink>
-    </a:clrScheme>
-    <a:fontScheme name="Ion">
-      <a:majorFont>
-        <a:latin typeface="Century Gothic" panose="020B0502020202020204"/>
-        <a:ea typeface=""/>
-        <a:cs typeface=""/>
-        <a:font script="Jpan" typeface="メイリオ"/>
-        <a:font script="Hang" typeface="맑은 고딕"/>
-        <a:font script="Hans" typeface="宋体"/>
-        <a:font script="Hant" typeface="新細明體"/>
-        <a:font script="Arab" typeface="Times New Roman"/>
-        <a:font script="Hebr" typeface="Times New Roman"/>
-        <a:font script="Thai" typeface="Angsana New"/>
-        <a:font script="Ethi" typeface="Nyala"/>
-        <a:font script="Beng" typeface="Vrinda"/>
-        <a:font script="Gujr" typeface="Shruti"/>
-        <a:font script="Khmr" typeface="MoolBoran"/>
-        <a:font script="Knda" typeface="Tunga"/>
-        <a:font script="Guru" typeface="Raavi"/>
-        <a:font script="Cans" typeface="Euphemia"/>
-        <a:font script="Cher" typeface="Plantagenet Cherokee"/>
-        <a:font script="Yiii" typeface="Microsoft Yi Baiti"/>
-        <a:font script="Tibt" typeface="Microsoft Himalaya"/>
-        <a:font script="Thaa" typeface="MV Boli"/>
-        <a:font script="Deva" typeface="Mangal"/>
-        <a:font script="Telu" typeface="Gautami"/>
-        <a:font script="Taml" typeface="Latha"/>
-        <a:font script="Syrc" typeface="Estrangelo Edessa"/>
-        <a:font script="Orya" typeface="Kalinga"/>
-        <a:font script="Mlym" typeface="Kartika"/>
-        <a:font script="Laoo" typeface="DokChampa"/>
-        <a:font script="Sinh" typeface="Iskoola Pota"/>
-        <a:font script="Mong" typeface="Mongolian Baiti"/>
-        <a:font script="Viet" typeface="Times New Roman"/>
-        <a:font script="Uigh" typeface="Microsoft Uighur"/>
-        <a:font script="Geor" typeface="Sylfaen"/>
-      </a:majorFont>
-      <a:minorFont>
-        <a:latin typeface="Century Gothic" panose="020B0502020202020204"/>
-        <a:ea typeface=""/>
-        <a:cs typeface=""/>
-        <a:font script="Jpan" typeface="メイリオ"/>
-        <a:font script="Hang" typeface="맑은 고딕"/>
-        <a:font script="Hans" typeface="宋体"/>
-        <a:font script="Hant" typeface="新細明體"/>
-        <a:font script="Arab" typeface="Arial"/>
-        <a:font script="Hebr" typeface="Arial"/>
-        <a:font script="Thai" typeface="Cordia New"/>
-        <a:font script="Ethi" typeface="Nyala"/>
-        <a:font script="Beng" typeface="Vrinda"/>
-        <a:font script="Gujr" typeface="Shruti"/>
-        <a:font script="Khmr" typeface="DaunPenh"/>
-        <a:font script="Knda" typeface="Tunga"/>
-        <a:font script="Guru" typeface="Raavi"/>
-        <a:font script="Cans" typeface="Euphemia"/>
-        <a:font script="Cher" typeface="Plantagenet Cherokee"/>
-        <a:font script="Yiii" typeface="Microsoft Yi Baiti"/>
-        <a:font script="Tibt" typeface="Microsoft Himalaya"/>
-        <a:font script="Thaa" typeface="MV Boli"/>
-        <a:font script="Deva" typeface="Mangal"/>
-        <a:font script="Telu" typeface="Gautami"/>
-        <a:font script="Taml" typeface="Latha"/>
-        <a:font script="Syrc" typeface="Estrangelo Edessa"/>
-        <a:font script="Orya" typeface="Kalinga"/>
-        <a:font script="Mlym" typeface="Kartika"/>
-        <a:font script="Laoo" typeface="DokChampa"/>
-        <a:font script="Sinh" typeface="Iskoola Pota"/>
-        <a:font script="Mong" typeface="Mongolian Baiti"/>
-        <a:font script="Viet" typeface="Arial"/>
-        <a:font script="Uigh" typeface="Microsoft Uighur"/>
-        <a:font script="Geor" typeface="Sylfaen"/>
-      </a:minorFont>
-    </a:fontScheme>
-    <a:fmtScheme name="Ion">
-      <a:fillStyleLst>
-        <a:solidFill>
-          <a:schemeClr val="phClr"/>
-        </a:solidFill>
-        <a:gradFill rotWithShape="1">
-          <a:gsLst>
-            <a:gs pos="0">
-              <a:schemeClr val="phClr">
-                <a:tint val="64000"/>
-                <a:lumMod val="118000"/>
-              </a:schemeClr>
-            </a:gs>
-            <a:gs pos="100000">
-              <a:schemeClr val="phClr">
-                <a:tint val="92000"/>
-                <a:alpha val="100000"/>
-                <a:lumMod val="110000"/>
-              </a:schemeClr>
-            </a:gs>
-          </a:gsLst>
-          <a:lin ang="5400000" scaled="0"/>
-        </a:gradFill>
-        <a:gradFill rotWithShape="1">
-          <a:gsLst>
-            <a:gs pos="0">
-              <a:schemeClr val="phClr">
-                <a:tint val="98000"/>
-                <a:lumMod val="114000"/>
-              </a:schemeClr>
-            </a:gs>
-            <a:gs pos="100000">
-              <a:schemeClr val="phClr">
-                <a:shade val="90000"/>
-                <a:lumMod val="84000"/>
-              </a:schemeClr>
-            </a:gs>
-          </a:gsLst>
-          <a:lin ang="5400000" scaled="0"/>
-        </a:gradFill>
-      </a:fillStyleLst>
-      <a:lnStyleLst>
-        <a:ln w="9525" cap="rnd" cmpd="sng" algn="ctr">
-          <a:solidFill>
-            <a:schemeClr val="phClr"/>
-          </a:solidFill>
-          <a:prstDash val="solid"/>
-        </a:ln>
-        <a:ln w="19050" cap="rnd" cmpd="sng" algn="ctr">
-          <a:solidFill>
-            <a:schemeClr val="phClr"/>
-          </a:solidFill>
-          <a:prstDash val="solid"/>
-        </a:ln>
-        <a:ln w="28575" cap="rnd" cmpd="sng" algn="ctr">
-          <a:solidFill>
-            <a:schemeClr val="phClr"/>
-          </a:solidFill>
-          <a:prstDash val="solid"/>
-        </a:ln>
-      </a:lnStyleLst>
-      <a:effectStyleLst>
-        <a:effectStyle>
-          <a:effectLst/>
-        </a:effectStyle>
-        <a:effectStyle>
-          <a:effectLst>
-            <a:outerShdw blurRad="38100" dist="25400" dir="5400000" rotWithShape="0">
-              <a:srgbClr val="000000">
-                <a:alpha val="45000"/>
-              </a:srgbClr>
-            </a:outerShdw>
-          </a:effectLst>
-        </a:effectStyle>
-        <a:effectStyle>
-          <a:effectLst>
-            <a:outerShdw blurRad="63500" dist="38100" dir="5400000" rotWithShape="0">
-              <a:srgbClr val="000000">
-                <a:alpha val="60000"/>
-              </a:srgbClr>
-            </a:outerShdw>
-          </a:effectLst>
-          <a:scene3d>
-            <a:camera prst="orthographicFront">
-              <a:rot lat="0" lon="0" rev="0"/>
-            </a:camera>
-            <a:lightRig rig="threePt" dir="tl"/>
-          </a:scene3d>
-          <a:sp3d prstMaterial="plastic">
-            <a:bevelT w="0" h="0"/>
-          </a:sp3d>
-        </a:effectStyle>
-      </a:effectStyleLst>
-      <a:bgFillStyleLst>
-        <a:solidFill>
-          <a:schemeClr val="phClr"/>
-        </a:solidFill>
-        <a:gradFill rotWithShape="1">
-          <a:gsLst>
-            <a:gs pos="0">
-              <a:schemeClr val="phClr">
-                <a:tint val="97000"/>
-                <a:hueMod val="88000"/>
-                <a:satMod val="130000"/>
-                <a:lumMod val="124000"/>
-              </a:schemeClr>
-            </a:gs>
-            <a:gs pos="100000">
-              <a:schemeClr val="phClr">
-                <a:tint val="96000"/>
-                <a:shade val="88000"/>
-                <a:hueMod val="108000"/>
-                <a:satMod val="164000"/>
-                <a:lumMod val="76000"/>
-              </a:schemeClr>
-            </a:gs>
-          </a:gsLst>
-          <a:path path="circle">
-            <a:fillToRect l="45000" t="65000" r="125000" b="100000"/>
-          </a:path>
-        </a:gradFill>
-        <a:blipFill rotWithShape="1">
-          <a:blip xmlns:r="http://schemas.openxmlformats.org/officeDocument/2006/relationships" r:embed="rId1">
-            <a:duotone>
-              <a:schemeClr val="phClr">
-                <a:shade val="69000"/>
-                <a:hueMod val="108000"/>
-                <a:satMod val="164000"/>
-                <a:lumMod val="74000"/>
-              </a:schemeClr>
-              <a:schemeClr val="phClr">
-                <a:tint val="96000"/>
-                <a:hueMod val="88000"/>
-                <a:satMod val="140000"/>
-                <a:lumMod val="132000"/>
-              </a:schemeClr>
-            </a:duotone>
-          </a:blip>
-          <a:stretch/>
-        </a:blipFill>
-      </a:bgFillStyleLst>
-    </a:fmtScheme>
-  </a:themeElements>
-  <a:objectDefaults/>
-  <a:extraClrSchemeLst/>
-  <a:extLst>
-    <a:ext uri="{05A4C25C-085E-4340-85A3-A5531E510DB2}">
-      <thm15:themeFamily xmlns:thm15="http://schemas.microsoft.com/office/thememl/2012/main" name="Ion" id="{B8441ADB-2E43-4AF7-B97A-BD870242C6A8}" vid="{292E63A9-BB86-4E3D-B92A-7223C6510D2E}"/>
-    </a:ext>
-  </a:extLst>
-</a:theme>
-</file>
-
-<file path=ppt/theme/theme2.xml><?xml version="1.0" encoding="utf-8"?>
 <a:theme xmlns:a="http://schemas.openxmlformats.org/drawingml/2006/main" name="Office Theme">
   <a:themeElements>
     <a:clrScheme name="Office">
@@ -21696,6 +18780,272 @@
   <a:extLst>
     <a:ext uri="{05A4C25C-085E-4340-85A3-A5531E510DB2}">
       <thm15:themeFamily xmlns:thm15="http://schemas.microsoft.com/office/thememl/2012/main" name="Office Theme" id="{62F939B6-93AF-4DB8-9C6B-D6C7DFDC589F}" vid="{4A3C46E8-61CC-4603-A589-7422A47A8E4A}"/>
+    </a:ext>
+  </a:extLst>
+</a:theme>
+</file>
+
+<file path=ppt/theme/theme2.xml><?xml version="1.0" encoding="utf-8"?>
+<a:theme xmlns:a="http://schemas.openxmlformats.org/drawingml/2006/main" name="Ion">
+  <a:themeElements>
+    <a:clrScheme name="Ion">
+      <a:dk1>
+        <a:sysClr val="windowText" lastClr="000000"/>
+      </a:dk1>
+      <a:lt1>
+        <a:sysClr val="window" lastClr="FFFFFF"/>
+      </a:lt1>
+      <a:dk2>
+        <a:srgbClr val="1E5155"/>
+      </a:dk2>
+      <a:lt2>
+        <a:srgbClr val="EBEBEB"/>
+      </a:lt2>
+      <a:accent1>
+        <a:srgbClr val="B01513"/>
+      </a:accent1>
+      <a:accent2>
+        <a:srgbClr val="EA6312"/>
+      </a:accent2>
+      <a:accent3>
+        <a:srgbClr val="E6B729"/>
+      </a:accent3>
+      <a:accent4>
+        <a:srgbClr val="6AAC90"/>
+      </a:accent4>
+      <a:accent5>
+        <a:srgbClr val="54849A"/>
+      </a:accent5>
+      <a:accent6>
+        <a:srgbClr val="9E5E9B"/>
+      </a:accent6>
+      <a:hlink>
+        <a:srgbClr val="58C1BA"/>
+      </a:hlink>
+      <a:folHlink>
+        <a:srgbClr val="9DFFCB"/>
+      </a:folHlink>
+    </a:clrScheme>
+    <a:fontScheme name="Ion">
+      <a:majorFont>
+        <a:latin typeface="Century Gothic" panose="020B0502020202020204"/>
+        <a:ea typeface=""/>
+        <a:cs typeface=""/>
+        <a:font script="Jpan" typeface="メイリオ"/>
+        <a:font script="Hang" typeface="맑은 고딕"/>
+        <a:font script="Hans" typeface="宋体"/>
+        <a:font script="Hant" typeface="新細明體"/>
+        <a:font script="Arab" typeface="Times New Roman"/>
+        <a:font script="Hebr" typeface="Times New Roman"/>
+        <a:font script="Thai" typeface="Angsana New"/>
+        <a:font script="Ethi" typeface="Nyala"/>
+        <a:font script="Beng" typeface="Vrinda"/>
+        <a:font script="Gujr" typeface="Shruti"/>
+        <a:font script="Khmr" typeface="MoolBoran"/>
+        <a:font script="Knda" typeface="Tunga"/>
+        <a:font script="Guru" typeface="Raavi"/>
+        <a:font script="Cans" typeface="Euphemia"/>
+        <a:font script="Cher" typeface="Plantagenet Cherokee"/>
+        <a:font script="Yiii" typeface="Microsoft Yi Baiti"/>
+        <a:font script="Tibt" typeface="Microsoft Himalaya"/>
+        <a:font script="Thaa" typeface="MV Boli"/>
+        <a:font script="Deva" typeface="Mangal"/>
+        <a:font script="Telu" typeface="Gautami"/>
+        <a:font script="Taml" typeface="Latha"/>
+        <a:font script="Syrc" typeface="Estrangelo Edessa"/>
+        <a:font script="Orya" typeface="Kalinga"/>
+        <a:font script="Mlym" typeface="Kartika"/>
+        <a:font script="Laoo" typeface="DokChampa"/>
+        <a:font script="Sinh" typeface="Iskoola Pota"/>
+        <a:font script="Mong" typeface="Mongolian Baiti"/>
+        <a:font script="Viet" typeface="Times New Roman"/>
+        <a:font script="Uigh" typeface="Microsoft Uighur"/>
+        <a:font script="Geor" typeface="Sylfaen"/>
+      </a:majorFont>
+      <a:minorFont>
+        <a:latin typeface="Century Gothic" panose="020B0502020202020204"/>
+        <a:ea typeface=""/>
+        <a:cs typeface=""/>
+        <a:font script="Jpan" typeface="メイリオ"/>
+        <a:font script="Hang" typeface="맑은 고딕"/>
+        <a:font script="Hans" typeface="宋体"/>
+        <a:font script="Hant" typeface="新細明體"/>
+        <a:font script="Arab" typeface="Arial"/>
+        <a:font script="Hebr" typeface="Arial"/>
+        <a:font script="Thai" typeface="Cordia New"/>
+        <a:font script="Ethi" typeface="Nyala"/>
+        <a:font script="Beng" typeface="Vrinda"/>
+        <a:font script="Gujr" typeface="Shruti"/>
+        <a:font script="Khmr" typeface="DaunPenh"/>
+        <a:font script="Knda" typeface="Tunga"/>
+        <a:font script="Guru" typeface="Raavi"/>
+        <a:font script="Cans" typeface="Euphemia"/>
+        <a:font script="Cher" typeface="Plantagenet Cherokee"/>
+        <a:font script="Yiii" typeface="Microsoft Yi Baiti"/>
+        <a:font script="Tibt" typeface="Microsoft Himalaya"/>
+        <a:font script="Thaa" typeface="MV Boli"/>
+        <a:font script="Deva" typeface="Mangal"/>
+        <a:font script="Telu" typeface="Gautami"/>
+        <a:font script="Taml" typeface="Latha"/>
+        <a:font script="Syrc" typeface="Estrangelo Edessa"/>
+        <a:font script="Orya" typeface="Kalinga"/>
+        <a:font script="Mlym" typeface="Kartika"/>
+        <a:font script="Laoo" typeface="DokChampa"/>
+        <a:font script="Sinh" typeface="Iskoola Pota"/>
+        <a:font script="Mong" typeface="Mongolian Baiti"/>
+        <a:font script="Viet" typeface="Arial"/>
+        <a:font script="Uigh" typeface="Microsoft Uighur"/>
+        <a:font script="Geor" typeface="Sylfaen"/>
+      </a:minorFont>
+    </a:fontScheme>
+    <a:fmtScheme name="Ion">
+      <a:fillStyleLst>
+        <a:solidFill>
+          <a:schemeClr val="phClr"/>
+        </a:solidFill>
+        <a:gradFill rotWithShape="1">
+          <a:gsLst>
+            <a:gs pos="0">
+              <a:schemeClr val="phClr">
+                <a:tint val="64000"/>
+                <a:lumMod val="118000"/>
+              </a:schemeClr>
+            </a:gs>
+            <a:gs pos="100000">
+              <a:schemeClr val="phClr">
+                <a:tint val="92000"/>
+                <a:alpha val="100000"/>
+                <a:lumMod val="110000"/>
+              </a:schemeClr>
+            </a:gs>
+          </a:gsLst>
+          <a:lin ang="5400000" scaled="0"/>
+        </a:gradFill>
+        <a:gradFill rotWithShape="1">
+          <a:gsLst>
+            <a:gs pos="0">
+              <a:schemeClr val="phClr">
+                <a:tint val="98000"/>
+                <a:lumMod val="114000"/>
+              </a:schemeClr>
+            </a:gs>
+            <a:gs pos="100000">
+              <a:schemeClr val="phClr">
+                <a:shade val="90000"/>
+                <a:lumMod val="84000"/>
+              </a:schemeClr>
+            </a:gs>
+          </a:gsLst>
+          <a:lin ang="5400000" scaled="0"/>
+        </a:gradFill>
+      </a:fillStyleLst>
+      <a:lnStyleLst>
+        <a:ln w="9525" cap="rnd" cmpd="sng" algn="ctr">
+          <a:solidFill>
+            <a:schemeClr val="phClr"/>
+          </a:solidFill>
+          <a:prstDash val="solid"/>
+        </a:ln>
+        <a:ln w="19050" cap="rnd" cmpd="sng" algn="ctr">
+          <a:solidFill>
+            <a:schemeClr val="phClr"/>
+          </a:solidFill>
+          <a:prstDash val="solid"/>
+        </a:ln>
+        <a:ln w="28575" cap="rnd" cmpd="sng" algn="ctr">
+          <a:solidFill>
+            <a:schemeClr val="phClr"/>
+          </a:solidFill>
+          <a:prstDash val="solid"/>
+        </a:ln>
+      </a:lnStyleLst>
+      <a:effectStyleLst>
+        <a:effectStyle>
+          <a:effectLst/>
+        </a:effectStyle>
+        <a:effectStyle>
+          <a:effectLst>
+            <a:outerShdw blurRad="38100" dist="25400" dir="5400000" rotWithShape="0">
+              <a:srgbClr val="000000">
+                <a:alpha val="45000"/>
+              </a:srgbClr>
+            </a:outerShdw>
+          </a:effectLst>
+        </a:effectStyle>
+        <a:effectStyle>
+          <a:effectLst>
+            <a:outerShdw blurRad="63500" dist="38100" dir="5400000" rotWithShape="0">
+              <a:srgbClr val="000000">
+                <a:alpha val="60000"/>
+              </a:srgbClr>
+            </a:outerShdw>
+          </a:effectLst>
+          <a:scene3d>
+            <a:camera prst="orthographicFront">
+              <a:rot lat="0" lon="0" rev="0"/>
+            </a:camera>
+            <a:lightRig rig="threePt" dir="tl"/>
+          </a:scene3d>
+          <a:sp3d prstMaterial="plastic">
+            <a:bevelT w="0" h="0"/>
+          </a:sp3d>
+        </a:effectStyle>
+      </a:effectStyleLst>
+      <a:bgFillStyleLst>
+        <a:solidFill>
+          <a:schemeClr val="phClr"/>
+        </a:solidFill>
+        <a:gradFill rotWithShape="1">
+          <a:gsLst>
+            <a:gs pos="0">
+              <a:schemeClr val="phClr">
+                <a:tint val="97000"/>
+                <a:hueMod val="88000"/>
+                <a:satMod val="130000"/>
+                <a:lumMod val="124000"/>
+              </a:schemeClr>
+            </a:gs>
+            <a:gs pos="100000">
+              <a:schemeClr val="phClr">
+                <a:tint val="96000"/>
+                <a:shade val="88000"/>
+                <a:hueMod val="108000"/>
+                <a:satMod val="164000"/>
+                <a:lumMod val="76000"/>
+              </a:schemeClr>
+            </a:gs>
+          </a:gsLst>
+          <a:path path="circle">
+            <a:fillToRect l="45000" t="65000" r="125000" b="100000"/>
+          </a:path>
+        </a:gradFill>
+        <a:blipFill rotWithShape="1">
+          <a:blip xmlns:r="http://schemas.openxmlformats.org/officeDocument/2006/relationships" r:embed="rId1">
+            <a:duotone>
+              <a:schemeClr val="phClr">
+                <a:shade val="69000"/>
+                <a:hueMod val="108000"/>
+                <a:satMod val="164000"/>
+                <a:lumMod val="74000"/>
+              </a:schemeClr>
+              <a:schemeClr val="phClr">
+                <a:tint val="96000"/>
+                <a:hueMod val="88000"/>
+                <a:satMod val="140000"/>
+                <a:lumMod val="132000"/>
+              </a:schemeClr>
+            </a:duotone>
+          </a:blip>
+          <a:stretch/>
+        </a:blipFill>
+      </a:bgFillStyleLst>
+    </a:fmtScheme>
+  </a:themeElements>
+  <a:objectDefaults/>
+  <a:extraClrSchemeLst/>
+  <a:extLst>
+    <a:ext uri="{05A4C25C-085E-4340-85A3-A5531E510DB2}">
+      <thm15:themeFamily xmlns:thm15="http://schemas.microsoft.com/office/thememl/2012/main" name="Ion" id="{B8441ADB-2E43-4AF7-B97A-BD870242C6A8}" vid="{292E63A9-BB86-4E3D-B92A-7223C6510D2E}"/>
     </a:ext>
   </a:extLst>
 </a:theme>
